--- a/docs/数据结构.pptx
+++ b/docs/数据结构.pptx
@@ -12,20 +12,24 @@
     <p:sldId id="259" r:id="rId7"/>
     <p:sldId id="260" r:id="rId8"/>
     <p:sldId id="261" r:id="rId9"/>
-    <p:sldId id="262" r:id="rId10"/>
-    <p:sldId id="263" r:id="rId11"/>
-    <p:sldId id="264" r:id="rId12"/>
-    <p:sldId id="265" r:id="rId13"/>
-    <p:sldId id="266" r:id="rId14"/>
-    <p:sldId id="267" r:id="rId15"/>
-    <p:sldId id="268" r:id="rId16"/>
-    <p:sldId id="269" r:id="rId17"/>
-    <p:sldId id="270" r:id="rId18"/>
-    <p:sldId id="271" r:id="rId19"/>
-    <p:sldId id="272" r:id="rId20"/>
-    <p:sldId id="273" r:id="rId21"/>
-    <p:sldId id="274" r:id="rId22"/>
-    <p:sldId id="276" r:id="rId23"/>
+    <p:sldId id="277" r:id="rId10"/>
+    <p:sldId id="278" r:id="rId11"/>
+    <p:sldId id="262" r:id="rId12"/>
+    <p:sldId id="263" r:id="rId13"/>
+    <p:sldId id="264" r:id="rId14"/>
+    <p:sldId id="279" r:id="rId15"/>
+    <p:sldId id="265" r:id="rId16"/>
+    <p:sldId id="266" r:id="rId17"/>
+    <p:sldId id="267" r:id="rId18"/>
+    <p:sldId id="280" r:id="rId19"/>
+    <p:sldId id="268" r:id="rId20"/>
+    <p:sldId id="269" r:id="rId21"/>
+    <p:sldId id="270" r:id="rId22"/>
+    <p:sldId id="271" r:id="rId23"/>
+    <p:sldId id="272" r:id="rId24"/>
+    <p:sldId id="273" r:id="rId25"/>
+    <p:sldId id="274" r:id="rId26"/>
+    <p:sldId id="276" r:id="rId27"/>
   </p:sldIdLst>
   <p:sldSz cx="12192000" cy="6858000"/>
   <p:notesSz cx="7772400" cy="10058400"/>
@@ -4206,14 +4210,14 @@
       </p:grpSpPr>
       <p:sp>
         <p:nvSpPr>
-          <p:cNvPr id="100" name="CustomShape 1"/>
+          <p:cNvPr id="97" name="CustomShape 1"/>
           <p:cNvSpPr/>
           <p:nvPr/>
         </p:nvSpPr>
         <p:spPr>
           <a:xfrm>
-            <a:off x="4717595" y="3018380"/>
-            <a:ext cx="2756520" cy="821520"/>
+            <a:off x="1000985" y="960580"/>
+            <a:ext cx="1309680" cy="642620"/>
           </a:xfrm>
           <a:prstGeom prst="rect">
             <a:avLst/>
@@ -4246,16 +4250,167 @@
               </a:lnSpc>
             </a:pPr>
             <a:r>
-              <a:rPr lang="en-US" sz="4800" b="0" strike="noStrike" spc="-1">
+              <a:rPr lang="en-US" sz="3600" b="0" strike="noStrike" spc="-1">
                 <a:solidFill>
                   <a:srgbClr val="000000"/>
                 </a:solidFill>
                 <a:latin typeface="微软雅黑 Light" panose="020B0502040204020203" charset="-122"/>
                 <a:ea typeface="微软雅黑 Light" panose="020B0502040204020203" charset="-122"/>
               </a:rPr>
-              <a:t>倒排索引</a:t>
-            </a:r>
-            <a:endParaRPr lang="en-US" sz="4800" b="0" strike="noStrike" spc="-1">
+              <a:t>算法</a:t>
+            </a:r>
+            <a:endParaRPr lang="en-US" sz="2800" b="0" strike="noStrike" spc="-1">
+              <a:latin typeface="Arial" panose="020B0604020202020204"/>
+            </a:endParaRPr>
+          </a:p>
+        </p:txBody>
+      </p:sp>
+      <p:sp>
+        <p:nvSpPr>
+          <p:cNvPr id="98" name="CustomShape 2"/>
+          <p:cNvSpPr/>
+          <p:nvPr/>
+        </p:nvSpPr>
+        <p:spPr>
+          <a:xfrm>
+            <a:off x="1380750" y="2461440"/>
+            <a:ext cx="9430200" cy="1935480"/>
+          </a:xfrm>
+          <a:prstGeom prst="rect">
+            <a:avLst/>
+          </a:prstGeom>
+          <a:noFill/>
+          <a:ln>
+            <a:noFill/>
+          </a:ln>
+        </p:spPr>
+        <p:style>
+          <a:lnRef idx="0">
+            <a:srgbClr val="FFFFFF"/>
+          </a:lnRef>
+          <a:fillRef idx="0">
+            <a:srgbClr val="FFFFFF"/>
+          </a:fillRef>
+          <a:effectRef idx="0">
+            <a:srgbClr val="FFFFFF"/>
+          </a:effectRef>
+          <a:fontRef idx="minor"/>
+        </p:style>
+        <p:txBody>
+          <a:bodyPr lIns="90000" tIns="45000" rIns="90000" bIns="45000">
+            <a:spAutoFit/>
+          </a:bodyPr>
+          <a:p>
+            <a:pPr>
+              <a:lnSpc>
+                <a:spcPct val="150000"/>
+              </a:lnSpc>
+            </a:pPr>
+            <a:r>
+              <a:rPr lang="en-US" sz="2000" b="0" strike="noStrike" spc="-1">
+                <a:solidFill>
+                  <a:srgbClr val="000000"/>
+                </a:solidFill>
+                <a:latin typeface="微软雅黑 Light" panose="020B0502040204020203" charset="-122"/>
+                <a:ea typeface="微软雅黑 Light" panose="020B0502040204020203" charset="-122"/>
+              </a:rPr>
+              <a:t>1. </a:t>
+            </a:r>
+            <a:r>
+              <a:rPr lang="zh-CN" altLang="en-US" sz="2000" b="0" strike="noStrike" spc="-1">
+                <a:solidFill>
+                  <a:srgbClr val="000000"/>
+                </a:solidFill>
+                <a:latin typeface="微软雅黑 Light" panose="020B0502040204020203" charset="-122"/>
+                <a:ea typeface="微软雅黑 Light" panose="020B0502040204020203" charset="-122"/>
+              </a:rPr>
+              <a:t>以冲突区间为单元，</a:t>
+            </a:r>
+            <a:r>
+              <a:rPr lang="en-US" sz="2000" b="0" strike="noStrike" spc="-1">
+                <a:solidFill>
+                  <a:srgbClr val="000000"/>
+                </a:solidFill>
+                <a:latin typeface="微软雅黑 Light" panose="020B0502040204020203" charset="-122"/>
+                <a:ea typeface="微软雅黑 Light" panose="020B0502040204020203" charset="-122"/>
+              </a:rPr>
+              <a:t>根据词频字典找出</a:t>
+            </a:r>
+            <a:r>
+              <a:rPr lang="zh-CN" altLang="en-US" sz="2000" b="0" strike="noStrike" spc="-1">
+                <a:solidFill>
+                  <a:srgbClr val="000000"/>
+                </a:solidFill>
+                <a:latin typeface="微软雅黑 Light" panose="020B0502040204020203" charset="-122"/>
+                <a:ea typeface="微软雅黑 Light" panose="020B0502040204020203" charset="-122"/>
+              </a:rPr>
+              <a:t>区间</a:t>
+            </a:r>
+            <a:r>
+              <a:rPr lang="en-US" sz="2000" b="0" strike="noStrike" spc="-1">
+                <a:solidFill>
+                  <a:srgbClr val="000000"/>
+                </a:solidFill>
+                <a:latin typeface="微软雅黑 Light" panose="020B0502040204020203" charset="-122"/>
+                <a:ea typeface="微软雅黑 Light" panose="020B0502040204020203" charset="-122"/>
+              </a:rPr>
+              <a:t>中存在的所有可能词语, 记录其位置以及长度</a:t>
+            </a:r>
+            <a:endParaRPr lang="en-US" sz="2000" b="0" strike="noStrike" spc="-1">
+              <a:latin typeface="Arial" panose="020B0604020202020204"/>
+            </a:endParaRPr>
+          </a:p>
+          <a:p>
+            <a:pPr>
+              <a:lnSpc>
+                <a:spcPct val="150000"/>
+              </a:lnSpc>
+            </a:pPr>
+            <a:r>
+              <a:rPr lang="en-US" sz="2000" b="0" strike="noStrike" spc="-1">
+                <a:solidFill>
+                  <a:srgbClr val="000000"/>
+                </a:solidFill>
+                <a:latin typeface="微软雅黑 Light" panose="020B0502040204020203" charset="-122"/>
+                <a:ea typeface="微软雅黑 Light" panose="020B0502040204020203" charset="-122"/>
+              </a:rPr>
+              <a:t>2. </a:t>
+            </a:r>
+            <a:r>
+              <a:rPr sz="2000" b="0" strike="noStrike" spc="-1">
+                <a:solidFill>
+                  <a:srgbClr val="000000"/>
+                </a:solidFill>
+                <a:latin typeface="微软雅黑 Light" panose="020B0502040204020203" charset="-122"/>
+                <a:ea typeface="微软雅黑 Light" panose="020B0502040204020203" charset="-122"/>
+              </a:rPr>
+              <a:t>遍历词语的组合，并且每个组合中不存在冲突区间，填充上单个字</a:t>
+            </a:r>
+            <a:endParaRPr sz="2000" b="0" strike="noStrike" spc="-1">
+              <a:solidFill>
+                <a:srgbClr val="000000"/>
+              </a:solidFill>
+              <a:latin typeface="微软雅黑 Light" panose="020B0502040204020203" charset="-122"/>
+              <a:ea typeface="微软雅黑 Light" panose="020B0502040204020203" charset="-122"/>
+            </a:endParaRPr>
+          </a:p>
+          <a:p>
+            <a:pPr>
+              <a:lnSpc>
+                <a:spcPct val="150000"/>
+              </a:lnSpc>
+            </a:pPr>
+            <a:r>
+              <a:rPr lang="en-US" sz="2000" b="0" strike="noStrike" spc="-1">
+                <a:solidFill>
+                  <a:srgbClr val="000000"/>
+                </a:solidFill>
+                <a:latin typeface="微软雅黑 Light" panose="020B0502040204020203" charset="-122"/>
+                <a:ea typeface="微软雅黑 Light" panose="020B0502040204020203" charset="-122"/>
+              </a:rPr>
+              <a:t>3. 找出信息量最小的组合，可以认为该组合是最接近语义的分词形式</a:t>
+            </a:r>
+            <a:endParaRPr lang="en-US" sz="2000" b="0" strike="noStrike" spc="-1">
               <a:latin typeface="Arial" panose="020B0604020202020204"/>
             </a:endParaRPr>
           </a:p>
@@ -4303,14 +4458,14 @@
       </p:grpSpPr>
       <p:sp>
         <p:nvSpPr>
-          <p:cNvPr id="101" name="CustomShape 1"/>
+          <p:cNvPr id="99" name="CustomShape 1"/>
           <p:cNvSpPr/>
           <p:nvPr/>
         </p:nvSpPr>
         <p:spPr>
           <a:xfrm>
-            <a:off x="937590" y="1000535"/>
-            <a:ext cx="5322240" cy="642620"/>
+            <a:off x="984885" y="986790"/>
+            <a:ext cx="2094230" cy="642620"/>
           </a:xfrm>
           <a:prstGeom prst="rect">
             <a:avLst/>
@@ -4333,7 +4488,7 @@
           <a:fontRef idx="minor"/>
         </p:style>
         <p:txBody>
-          <a:bodyPr lIns="90000" tIns="45000" rIns="90000" bIns="45000">
+          <a:bodyPr wrap="square" lIns="90000" tIns="45000" rIns="90000" bIns="45000">
             <a:spAutoFit/>
           </a:bodyPr>
           <a:p>
@@ -4350,12 +4505,55 @@
                 <a:latin typeface="微软雅黑 Light" panose="020B0502040204020203" charset="-122"/>
                 <a:ea typeface="微软雅黑 Light" panose="020B0502040204020203" charset="-122"/>
               </a:rPr>
-              <a:t>三个部分</a:t>
-            </a:r>
-            <a:endParaRPr lang="en-US" sz="3600" b="0" strike="noStrike" spc="-1">
-              <a:solidFill>
-                <a:srgbClr val="000000"/>
-              </a:solidFill>
+              <a:t>流程图</a:t>
+            </a:r>
+            <a:endParaRPr lang="en-US" sz="2800" b="0" strike="noStrike" spc="-1">
+              <a:latin typeface="Arial" panose="020B0604020202020204"/>
+            </a:endParaRPr>
+          </a:p>
+        </p:txBody>
+      </p:sp>
+      <p:sp>
+        <p:nvSpPr>
+          <p:cNvPr id="2" name="流程图: 过程 1"/>
+          <p:cNvSpPr/>
+          <p:nvPr/>
+        </p:nvSpPr>
+        <p:spPr>
+          <a:xfrm>
+            <a:off x="5647690" y="203200"/>
+            <a:ext cx="1440180" cy="575945"/>
+          </a:xfrm>
+          <a:prstGeom prst="flowChartProcess">
+            <a:avLst/>
+          </a:prstGeom>
+        </p:spPr>
+        <p:style>
+          <a:lnRef idx="2">
+            <a:schemeClr val="dk1"/>
+          </a:lnRef>
+          <a:fillRef idx="1">
+            <a:schemeClr val="lt1"/>
+          </a:fillRef>
+          <a:effectRef idx="0">
+            <a:schemeClr val="dk1"/>
+          </a:effectRef>
+          <a:fontRef idx="minor">
+            <a:schemeClr val="dk1"/>
+          </a:fontRef>
+        </p:style>
+        <p:txBody>
+          <a:bodyPr rtlCol="0" anchor="ctr"/>
+          <a:p>
+            <a:pPr algn="ctr"/>
+            <a:r>
+              <a:rPr lang="zh-CN" altLang="en-US">
+                <a:latin typeface="微软雅黑 Light" panose="020B0502040204020203" charset="-122"/>
+                <a:ea typeface="微软雅黑 Light" panose="020B0502040204020203" charset="-122"/>
+              </a:rPr>
+              <a:t>字符序列</a:t>
+            </a:r>
+            <a:endParaRPr lang="zh-CN" altLang="en-US">
               <a:latin typeface="微软雅黑 Light" panose="020B0502040204020203" charset="-122"/>
               <a:ea typeface="微软雅黑 Light" panose="020B0502040204020203" charset="-122"/>
             </a:endParaRPr>
@@ -4364,123 +4562,1079 @@
       </p:sp>
       <p:sp>
         <p:nvSpPr>
-          <p:cNvPr id="102" name="TextShape 2"/>
+          <p:cNvPr id="3" name="流程图: 过程 2"/>
+          <p:cNvSpPr/>
+          <p:nvPr/>
+        </p:nvSpPr>
+        <p:spPr>
+          <a:xfrm>
+            <a:off x="5156835" y="2109470"/>
+            <a:ext cx="2421890" cy="575945"/>
+          </a:xfrm>
+          <a:prstGeom prst="flowChartProcess">
+            <a:avLst/>
+          </a:prstGeom>
+        </p:spPr>
+        <p:style>
+          <a:lnRef idx="2">
+            <a:schemeClr val="dk1"/>
+          </a:lnRef>
+          <a:fillRef idx="1">
+            <a:schemeClr val="lt1"/>
+          </a:fillRef>
+          <a:effectRef idx="0">
+            <a:schemeClr val="dk1"/>
+          </a:effectRef>
+          <a:fontRef idx="minor">
+            <a:schemeClr val="dk1"/>
+          </a:fontRef>
+        </p:style>
+        <p:txBody>
+          <a:bodyPr rtlCol="0" anchor="ctr"/>
+          <a:p>
+            <a:pPr algn="ctr"/>
+            <a:r>
+              <a:rPr lang="zh-CN" altLang="en-US">
+                <a:latin typeface="微软雅黑 Light" panose="020B0502040204020203" charset="-122"/>
+                <a:ea typeface="微软雅黑 Light" panose="020B0502040204020203" charset="-122"/>
+              </a:rPr>
+              <a:t>枚举出所有可能的词语，记录位置和长度</a:t>
+            </a:r>
+            <a:endParaRPr lang="zh-CN" altLang="en-US">
+              <a:latin typeface="微软雅黑 Light" panose="020B0502040204020203" charset="-122"/>
+              <a:ea typeface="微软雅黑 Light" panose="020B0502040204020203" charset="-122"/>
+            </a:endParaRPr>
+          </a:p>
+        </p:txBody>
+      </p:sp>
+      <p:sp>
+        <p:nvSpPr>
+          <p:cNvPr id="4" name="流程图: 过程 3"/>
+          <p:cNvSpPr/>
+          <p:nvPr/>
+        </p:nvSpPr>
+        <p:spPr>
+          <a:xfrm>
+            <a:off x="5647690" y="2918460"/>
+            <a:ext cx="1440180" cy="648335"/>
+          </a:xfrm>
+          <a:prstGeom prst="flowChartProcess">
+            <a:avLst/>
+          </a:prstGeom>
+        </p:spPr>
+        <p:style>
+          <a:lnRef idx="2">
+            <a:schemeClr val="dk1"/>
+          </a:lnRef>
+          <a:fillRef idx="1">
+            <a:schemeClr val="lt1"/>
+          </a:fillRef>
+          <a:effectRef idx="0">
+            <a:schemeClr val="dk1"/>
+          </a:effectRef>
+          <a:fontRef idx="minor">
+            <a:schemeClr val="dk1"/>
+          </a:fontRef>
+        </p:style>
+        <p:txBody>
+          <a:bodyPr rtlCol="0" anchor="ctr"/>
+          <a:p>
+            <a:pPr algn="ctr"/>
+            <a:r>
+              <a:rPr lang="zh-CN" altLang="en-US">
+                <a:latin typeface="微软雅黑 Light" panose="020B0502040204020203" charset="-122"/>
+                <a:ea typeface="微软雅黑 Light" panose="020B0502040204020203" charset="-122"/>
+              </a:rPr>
+              <a:t>获取集合的下一个组合</a:t>
+            </a:r>
+            <a:endParaRPr lang="zh-CN" altLang="en-US">
+              <a:latin typeface="微软雅黑 Light" panose="020B0502040204020203" charset="-122"/>
+              <a:ea typeface="微软雅黑 Light" panose="020B0502040204020203" charset="-122"/>
+            </a:endParaRPr>
+          </a:p>
+        </p:txBody>
+      </p:sp>
+      <p:sp>
+        <p:nvSpPr>
+          <p:cNvPr id="5" name="流程图: 决策 4"/>
+          <p:cNvSpPr/>
+          <p:nvPr/>
+        </p:nvSpPr>
+        <p:spPr>
+          <a:xfrm>
+            <a:off x="5301615" y="3859530"/>
+            <a:ext cx="2132330" cy="943610"/>
+          </a:xfrm>
+          <a:prstGeom prst="flowChartDecision">
+            <a:avLst/>
+          </a:prstGeom>
+        </p:spPr>
+        <p:style>
+          <a:lnRef idx="2">
+            <a:schemeClr val="dk1"/>
+          </a:lnRef>
+          <a:fillRef idx="1">
+            <a:schemeClr val="lt1"/>
+          </a:fillRef>
+          <a:effectRef idx="0">
+            <a:schemeClr val="dk1"/>
+          </a:effectRef>
+          <a:fontRef idx="minor">
+            <a:schemeClr val="dk1"/>
+          </a:fontRef>
+        </p:style>
+        <p:txBody>
+          <a:bodyPr rtlCol="0" anchor="ctr"/>
+          <a:p>
+            <a:pPr algn="ctr"/>
+            <a:r>
+              <a:rPr lang="zh-CN" altLang="en-US">
+                <a:latin typeface="微软雅黑 Light" panose="020B0502040204020203" charset="-122"/>
+                <a:ea typeface="微软雅黑 Light" panose="020B0502040204020203" charset="-122"/>
+              </a:rPr>
+              <a:t>无可用组合？</a:t>
+            </a:r>
+            <a:endParaRPr lang="zh-CN" altLang="en-US">
+              <a:latin typeface="微软雅黑 Light" panose="020B0502040204020203" charset="-122"/>
+              <a:ea typeface="微软雅黑 Light" panose="020B0502040204020203" charset="-122"/>
+            </a:endParaRPr>
+          </a:p>
+        </p:txBody>
+      </p:sp>
+      <p:sp>
+        <p:nvSpPr>
+          <p:cNvPr id="6" name="流程图: 过程 5"/>
+          <p:cNvSpPr/>
+          <p:nvPr/>
+        </p:nvSpPr>
+        <p:spPr>
+          <a:xfrm>
+            <a:off x="8914765" y="1343660"/>
+            <a:ext cx="2167890" cy="854710"/>
+          </a:xfrm>
+          <a:prstGeom prst="flowChartProcess">
+            <a:avLst/>
+          </a:prstGeom>
+        </p:spPr>
+        <p:style>
+          <a:lnRef idx="2">
+            <a:schemeClr val="dk1"/>
+          </a:lnRef>
+          <a:fillRef idx="1">
+            <a:schemeClr val="lt1"/>
+          </a:fillRef>
+          <a:effectRef idx="0">
+            <a:schemeClr val="dk1"/>
+          </a:effectRef>
+          <a:fontRef idx="minor">
+            <a:schemeClr val="dk1"/>
+          </a:fontRef>
+        </p:style>
+        <p:txBody>
+          <a:bodyPr rtlCol="0" anchor="ctr"/>
+          <a:p>
+            <a:pPr algn="ctr"/>
+            <a:r>
+              <a:rPr lang="zh-CN" altLang="en-US">
+                <a:latin typeface="微软雅黑 Light" panose="020B0502040204020203" charset="-122"/>
+                <a:ea typeface="微软雅黑 Light" panose="020B0502040204020203" charset="-122"/>
+              </a:rPr>
+              <a:t>填充单字，计算该组合信息量</a:t>
+            </a:r>
+            <a:endParaRPr lang="zh-CN" altLang="en-US">
+              <a:latin typeface="微软雅黑 Light" panose="020B0502040204020203" charset="-122"/>
+              <a:ea typeface="微软雅黑 Light" panose="020B0502040204020203" charset="-122"/>
+            </a:endParaRPr>
+          </a:p>
+        </p:txBody>
+      </p:sp>
+      <p:sp>
+        <p:nvSpPr>
+          <p:cNvPr id="7" name="流程图: 过程 6"/>
+          <p:cNvSpPr/>
+          <p:nvPr/>
+        </p:nvSpPr>
+        <p:spPr>
+          <a:xfrm>
+            <a:off x="4818380" y="1053465"/>
+            <a:ext cx="3098800" cy="739140"/>
+          </a:xfrm>
+          <a:prstGeom prst="flowChartProcess">
+            <a:avLst/>
+          </a:prstGeom>
+        </p:spPr>
+        <p:style>
+          <a:lnRef idx="2">
+            <a:schemeClr val="dk1"/>
+          </a:lnRef>
+          <a:fillRef idx="1">
+            <a:schemeClr val="lt1"/>
+          </a:fillRef>
+          <a:effectRef idx="0">
+            <a:schemeClr val="dk1"/>
+          </a:effectRef>
+          <a:fontRef idx="minor">
+            <a:schemeClr val="dk1"/>
+          </a:fontRef>
+        </p:style>
+        <p:txBody>
+          <a:bodyPr rtlCol="0" anchor="ctr"/>
+          <a:p>
+            <a:pPr algn="ctr"/>
+            <a:r>
+              <a:rPr lang="zh-CN" altLang="en-US">
+                <a:latin typeface="微软雅黑 Light" panose="020B0502040204020203" charset="-122"/>
+                <a:ea typeface="微软雅黑 Light" panose="020B0502040204020203" charset="-122"/>
+                <a:cs typeface="微软雅黑 Light" panose="020B0502040204020203" charset="-122"/>
+              </a:rPr>
+              <a:t>初始化当前最小信息量为</a:t>
+            </a:r>
+            <a:r>
+              <a:rPr lang="en-US" altLang="zh-CN">
+                <a:latin typeface="微软雅黑 Light" panose="020B0502040204020203" charset="-122"/>
+                <a:ea typeface="微软雅黑 Light" panose="020B0502040204020203" charset="-122"/>
+                <a:cs typeface="微软雅黑 Light" panose="020B0502040204020203" charset="-122"/>
+              </a:rPr>
+              <a:t>DBL_MAX</a:t>
+            </a:r>
+            <a:r>
+              <a:rPr lang="zh-CN" altLang="en-US">
+                <a:latin typeface="微软雅黑 Light" panose="020B0502040204020203" charset="-122"/>
+                <a:ea typeface="微软雅黑 Light" panose="020B0502040204020203" charset="-122"/>
+                <a:cs typeface="微软雅黑 Light" panose="020B0502040204020203" charset="-122"/>
+              </a:rPr>
+              <a:t>，初始化最佳组合</a:t>
+            </a:r>
+            <a:endParaRPr lang="zh-CN" altLang="en-US">
+              <a:latin typeface="微软雅黑 Light" panose="020B0502040204020203" charset="-122"/>
+              <a:ea typeface="微软雅黑 Light" panose="020B0502040204020203" charset="-122"/>
+              <a:cs typeface="微软雅黑 Light" panose="020B0502040204020203" charset="-122"/>
+            </a:endParaRPr>
+          </a:p>
+        </p:txBody>
+      </p:sp>
+      <p:sp>
+        <p:nvSpPr>
+          <p:cNvPr id="8" name="流程图: 决策 7"/>
+          <p:cNvSpPr/>
+          <p:nvPr/>
+        </p:nvSpPr>
+        <p:spPr>
+          <a:xfrm>
+            <a:off x="8442960" y="2545080"/>
+            <a:ext cx="3098165" cy="1395095"/>
+          </a:xfrm>
+          <a:prstGeom prst="flowChartDecision">
+            <a:avLst/>
+          </a:prstGeom>
+        </p:spPr>
+        <p:style>
+          <a:lnRef idx="2">
+            <a:schemeClr val="dk1"/>
+          </a:lnRef>
+          <a:fillRef idx="1">
+            <a:schemeClr val="lt1"/>
+          </a:fillRef>
+          <a:effectRef idx="0">
+            <a:schemeClr val="dk1"/>
+          </a:effectRef>
+          <a:fontRef idx="minor">
+            <a:schemeClr val="dk1"/>
+          </a:fontRef>
+        </p:style>
+        <p:txBody>
+          <a:bodyPr rtlCol="0" anchor="ctr"/>
+          <a:p>
+            <a:pPr algn="ctr"/>
+            <a:r>
+              <a:rPr lang="zh-CN" altLang="en-US">
+                <a:latin typeface="微软雅黑 Light" panose="020B0502040204020203" charset="-122"/>
+                <a:ea typeface="微软雅黑 Light" panose="020B0502040204020203" charset="-122"/>
+              </a:rPr>
+              <a:t>比当前最小信息量小？</a:t>
+            </a:r>
+            <a:endParaRPr lang="zh-CN" altLang="en-US">
+              <a:latin typeface="微软雅黑 Light" panose="020B0502040204020203" charset="-122"/>
+              <a:ea typeface="微软雅黑 Light" panose="020B0502040204020203" charset="-122"/>
+            </a:endParaRPr>
+          </a:p>
+        </p:txBody>
+      </p:sp>
+      <p:sp>
+        <p:nvSpPr>
+          <p:cNvPr id="9" name="流程图: 过程 8"/>
+          <p:cNvSpPr/>
+          <p:nvPr/>
+        </p:nvSpPr>
+        <p:spPr>
+          <a:xfrm>
+            <a:off x="9084310" y="4803140"/>
+            <a:ext cx="1815465" cy="725805"/>
+          </a:xfrm>
+          <a:prstGeom prst="flowChartProcess">
+            <a:avLst/>
+          </a:prstGeom>
+        </p:spPr>
+        <p:style>
+          <a:lnRef idx="2">
+            <a:schemeClr val="dk1"/>
+          </a:lnRef>
+          <a:fillRef idx="1">
+            <a:schemeClr val="lt1"/>
+          </a:fillRef>
+          <a:effectRef idx="0">
+            <a:schemeClr val="dk1"/>
+          </a:effectRef>
+          <a:fontRef idx="minor">
+            <a:schemeClr val="dk1"/>
+          </a:fontRef>
+        </p:style>
+        <p:txBody>
+          <a:bodyPr rtlCol="0" anchor="ctr"/>
+          <a:p>
+            <a:pPr algn="ctr"/>
+            <a:r>
+              <a:rPr lang="zh-CN" altLang="en-US">
+                <a:latin typeface="微软雅黑 Light" panose="020B0502040204020203" charset="-122"/>
+                <a:ea typeface="微软雅黑 Light" panose="020B0502040204020203" charset="-122"/>
+              </a:rPr>
+              <a:t>更新当前最小信息量和最佳组合</a:t>
+            </a:r>
+            <a:endParaRPr lang="zh-CN" altLang="en-US">
+              <a:latin typeface="微软雅黑 Light" panose="020B0502040204020203" charset="-122"/>
+              <a:ea typeface="微软雅黑 Light" panose="020B0502040204020203" charset="-122"/>
+            </a:endParaRPr>
+          </a:p>
+        </p:txBody>
+      </p:sp>
+      <p:sp>
+        <p:nvSpPr>
+          <p:cNvPr id="10" name="流程图: 终止 9"/>
+          <p:cNvSpPr/>
+          <p:nvPr/>
+        </p:nvSpPr>
+        <p:spPr>
+          <a:xfrm>
+            <a:off x="2901950" y="5418455"/>
+            <a:ext cx="1916430" cy="575945"/>
+          </a:xfrm>
+          <a:prstGeom prst="flowChartTerminator">
+            <a:avLst/>
+          </a:prstGeom>
+        </p:spPr>
+        <p:style>
+          <a:lnRef idx="2">
+            <a:schemeClr val="dk1"/>
+          </a:lnRef>
+          <a:fillRef idx="1">
+            <a:schemeClr val="lt1"/>
+          </a:fillRef>
+          <a:effectRef idx="0">
+            <a:schemeClr val="dk1"/>
+          </a:effectRef>
+          <a:fontRef idx="minor">
+            <a:schemeClr val="dk1"/>
+          </a:fontRef>
+        </p:style>
+        <p:txBody>
+          <a:bodyPr rtlCol="0" anchor="ctr"/>
+          <a:p>
+            <a:pPr algn="ctr"/>
+            <a:r>
+              <a:rPr lang="zh-CN" altLang="en-US">
+                <a:latin typeface="微软雅黑 Light" panose="020B0502040204020203" charset="-122"/>
+                <a:ea typeface="微软雅黑 Light" panose="020B0502040204020203" charset="-122"/>
+              </a:rPr>
+              <a:t>返回最佳组合</a:t>
+            </a:r>
+            <a:endParaRPr lang="zh-CN" altLang="en-US">
+              <a:latin typeface="微软雅黑 Light" panose="020B0502040204020203" charset="-122"/>
+              <a:ea typeface="微软雅黑 Light" panose="020B0502040204020203" charset="-122"/>
+            </a:endParaRPr>
+          </a:p>
+        </p:txBody>
+      </p:sp>
+      <p:sp>
+        <p:nvSpPr>
+          <p:cNvPr id="11" name="流程图: 决策 10"/>
+          <p:cNvSpPr/>
+          <p:nvPr/>
+        </p:nvSpPr>
+        <p:spPr>
+          <a:xfrm>
+            <a:off x="5078095" y="5094605"/>
+            <a:ext cx="2580005" cy="1223645"/>
+          </a:xfrm>
+          <a:prstGeom prst="flowChartDecision">
+            <a:avLst/>
+          </a:prstGeom>
+        </p:spPr>
+        <p:style>
+          <a:lnRef idx="2">
+            <a:schemeClr val="dk1"/>
+          </a:lnRef>
+          <a:fillRef idx="1">
+            <a:schemeClr val="lt1"/>
+          </a:fillRef>
+          <a:effectRef idx="0">
+            <a:schemeClr val="dk1"/>
+          </a:effectRef>
+          <a:fontRef idx="minor">
+            <a:schemeClr val="dk1"/>
+          </a:fontRef>
+        </p:style>
+        <p:txBody>
+          <a:bodyPr rtlCol="0" anchor="ctr"/>
+          <a:p>
+            <a:pPr algn="ctr"/>
+            <a:r>
+              <a:rPr lang="zh-CN" altLang="en-US">
+                <a:latin typeface="微软雅黑 Light" panose="020B0502040204020203" charset="-122"/>
+                <a:ea typeface="微软雅黑 Light" panose="020B0502040204020203" charset="-122"/>
+              </a:rPr>
+              <a:t>该组合是否存在冲突区间？</a:t>
+            </a:r>
+            <a:endParaRPr lang="zh-CN" altLang="en-US">
+              <a:latin typeface="微软雅黑 Light" panose="020B0502040204020203" charset="-122"/>
+              <a:ea typeface="微软雅黑 Light" panose="020B0502040204020203" charset="-122"/>
+            </a:endParaRPr>
+          </a:p>
+        </p:txBody>
+      </p:sp>
+      <p:cxnSp>
+        <p:nvCxnSpPr>
+          <p:cNvPr id="12" name="直接箭头连接符 11"/>
+          <p:cNvCxnSpPr>
+            <a:stCxn id="2" idx="2"/>
+            <a:endCxn id="7" idx="0"/>
+          </p:cNvCxnSpPr>
+          <p:nvPr/>
+        </p:nvCxnSpPr>
+        <p:spPr>
+          <a:xfrm>
+            <a:off x="6367780" y="779145"/>
+            <a:ext cx="0" cy="274320"/>
+          </a:xfrm>
+          <a:prstGeom prst="straightConnector1">
+            <a:avLst/>
+          </a:prstGeom>
+          <a:ln>
+            <a:tailEnd type="arrow" w="med" len="med"/>
+          </a:ln>
+        </p:spPr>
+        <p:style>
+          <a:lnRef idx="1">
+            <a:schemeClr val="dk1"/>
+          </a:lnRef>
+          <a:fillRef idx="0">
+            <a:schemeClr val="dk1"/>
+          </a:fillRef>
+          <a:effectRef idx="0">
+            <a:schemeClr val="dk1"/>
+          </a:effectRef>
+          <a:fontRef idx="minor">
+            <a:schemeClr val="tx1"/>
+          </a:fontRef>
+        </p:style>
+      </p:cxnSp>
+      <p:cxnSp>
+        <p:nvCxnSpPr>
+          <p:cNvPr id="13" name="直接箭头连接符 12"/>
+          <p:cNvCxnSpPr>
+            <a:stCxn id="7" idx="2"/>
+            <a:endCxn id="3" idx="0"/>
+          </p:cNvCxnSpPr>
+          <p:nvPr/>
+        </p:nvCxnSpPr>
+        <p:spPr>
+          <a:xfrm>
+            <a:off x="6367780" y="1792605"/>
+            <a:ext cx="0" cy="316865"/>
+          </a:xfrm>
+          <a:prstGeom prst="straightConnector1">
+            <a:avLst/>
+          </a:prstGeom>
+          <a:ln>
+            <a:tailEnd type="arrow" w="med" len="med"/>
+          </a:ln>
+        </p:spPr>
+        <p:style>
+          <a:lnRef idx="1">
+            <a:schemeClr val="dk1"/>
+          </a:lnRef>
+          <a:fillRef idx="0">
+            <a:schemeClr val="dk1"/>
+          </a:fillRef>
+          <a:effectRef idx="0">
+            <a:schemeClr val="dk1"/>
+          </a:effectRef>
+          <a:fontRef idx="minor">
+            <a:schemeClr val="tx1"/>
+          </a:fontRef>
+        </p:style>
+      </p:cxnSp>
+      <p:cxnSp>
+        <p:nvCxnSpPr>
+          <p:cNvPr id="23" name="肘形连接符 22"/>
+          <p:cNvCxnSpPr>
+            <a:stCxn id="11" idx="2"/>
+            <a:endCxn id="6" idx="0"/>
+          </p:cNvCxnSpPr>
+          <p:nvPr/>
+        </p:nvCxnSpPr>
+        <p:spPr>
+          <a:xfrm rot="5400000" flipH="1" flipV="1">
+            <a:off x="5696268" y="2015808"/>
+            <a:ext cx="4974590" cy="3630295"/>
+          </a:xfrm>
+          <a:prstGeom prst="bentConnector5">
+            <a:avLst>
+              <a:gd name="adj1" fmla="val -4780"/>
+              <a:gd name="adj2" fmla="val 150673"/>
+              <a:gd name="adj3" fmla="val 104793"/>
+            </a:avLst>
+          </a:prstGeom>
+          <a:ln>
+            <a:tailEnd type="arrow" w="med" len="med"/>
+          </a:ln>
+        </p:spPr>
+        <p:style>
+          <a:lnRef idx="1">
+            <a:schemeClr val="dk1"/>
+          </a:lnRef>
+          <a:fillRef idx="0">
+            <a:schemeClr val="dk1"/>
+          </a:fillRef>
+          <a:effectRef idx="0">
+            <a:schemeClr val="dk1"/>
+          </a:effectRef>
+          <a:fontRef idx="minor">
+            <a:schemeClr val="tx1"/>
+          </a:fontRef>
+        </p:style>
+      </p:cxnSp>
+      <p:cxnSp>
+        <p:nvCxnSpPr>
+          <p:cNvPr id="24" name="直接箭头连接符 23"/>
+          <p:cNvCxnSpPr>
+            <a:stCxn id="6" idx="2"/>
+            <a:endCxn id="8" idx="0"/>
+          </p:cNvCxnSpPr>
+          <p:nvPr/>
+        </p:nvCxnSpPr>
+        <p:spPr>
+          <a:xfrm flipH="1">
+            <a:off x="9992360" y="2198370"/>
+            <a:ext cx="6350" cy="346710"/>
+          </a:xfrm>
+          <a:prstGeom prst="straightConnector1">
+            <a:avLst/>
+          </a:prstGeom>
+          <a:ln>
+            <a:tailEnd type="arrow" w="med" len="med"/>
+          </a:ln>
+        </p:spPr>
+        <p:style>
+          <a:lnRef idx="1">
+            <a:schemeClr val="dk1"/>
+          </a:lnRef>
+          <a:fillRef idx="0">
+            <a:schemeClr val="dk1"/>
+          </a:fillRef>
+          <a:effectRef idx="0">
+            <a:schemeClr val="dk1"/>
+          </a:effectRef>
+          <a:fontRef idx="minor">
+            <a:schemeClr val="tx1"/>
+          </a:fontRef>
+        </p:style>
+      </p:cxnSp>
+      <p:cxnSp>
+        <p:nvCxnSpPr>
+          <p:cNvPr id="25" name="直接箭头连接符 24"/>
+          <p:cNvCxnSpPr>
+            <a:stCxn id="8" idx="2"/>
+            <a:endCxn id="9" idx="0"/>
+          </p:cNvCxnSpPr>
+          <p:nvPr/>
+        </p:nvCxnSpPr>
+        <p:spPr>
+          <a:xfrm>
+            <a:off x="9992360" y="3940175"/>
+            <a:ext cx="0" cy="862965"/>
+          </a:xfrm>
+          <a:prstGeom prst="straightConnector1">
+            <a:avLst/>
+          </a:prstGeom>
+          <a:ln>
+            <a:tailEnd type="arrow" w="med" len="med"/>
+          </a:ln>
+        </p:spPr>
+        <p:style>
+          <a:lnRef idx="1">
+            <a:schemeClr val="dk1"/>
+          </a:lnRef>
+          <a:fillRef idx="0">
+            <a:schemeClr val="dk1"/>
+          </a:fillRef>
+          <a:effectRef idx="0">
+            <a:schemeClr val="dk1"/>
+          </a:effectRef>
+          <a:fontRef idx="minor">
+            <a:schemeClr val="tx1"/>
+          </a:fontRef>
+        </p:style>
+      </p:cxnSp>
+      <p:cxnSp>
+        <p:nvCxnSpPr>
+          <p:cNvPr id="27" name="直接箭头连接符 26"/>
+          <p:cNvCxnSpPr>
+            <a:stCxn id="3" idx="2"/>
+            <a:endCxn id="4" idx="0"/>
+          </p:cNvCxnSpPr>
+          <p:nvPr/>
+        </p:nvCxnSpPr>
+        <p:spPr>
+          <a:xfrm>
+            <a:off x="6367780" y="2685415"/>
+            <a:ext cx="0" cy="233045"/>
+          </a:xfrm>
+          <a:prstGeom prst="straightConnector1">
+            <a:avLst/>
+          </a:prstGeom>
+          <a:ln>
+            <a:tailEnd type="arrow" w="med" len="med"/>
+          </a:ln>
+        </p:spPr>
+        <p:style>
+          <a:lnRef idx="1">
+            <a:schemeClr val="dk1"/>
+          </a:lnRef>
+          <a:fillRef idx="0">
+            <a:schemeClr val="dk1"/>
+          </a:fillRef>
+          <a:effectRef idx="0">
+            <a:schemeClr val="dk1"/>
+          </a:effectRef>
+          <a:fontRef idx="minor">
+            <a:schemeClr val="tx1"/>
+          </a:fontRef>
+        </p:style>
+      </p:cxnSp>
+      <p:cxnSp>
+        <p:nvCxnSpPr>
+          <p:cNvPr id="28" name="直接箭头连接符 27"/>
+          <p:cNvCxnSpPr>
+            <a:stCxn id="4" idx="2"/>
+            <a:endCxn id="5" idx="0"/>
+          </p:cNvCxnSpPr>
+          <p:nvPr/>
+        </p:nvCxnSpPr>
+        <p:spPr>
+          <a:xfrm>
+            <a:off x="6367780" y="3566795"/>
+            <a:ext cx="0" cy="292735"/>
+          </a:xfrm>
+          <a:prstGeom prst="straightConnector1">
+            <a:avLst/>
+          </a:prstGeom>
+          <a:ln>
+            <a:tailEnd type="arrow" w="med" len="med"/>
+          </a:ln>
+        </p:spPr>
+        <p:style>
+          <a:lnRef idx="1">
+            <a:schemeClr val="dk1"/>
+          </a:lnRef>
+          <a:fillRef idx="0">
+            <a:schemeClr val="dk1"/>
+          </a:fillRef>
+          <a:effectRef idx="0">
+            <a:schemeClr val="dk1"/>
+          </a:effectRef>
+          <a:fontRef idx="minor">
+            <a:schemeClr val="tx1"/>
+          </a:fontRef>
+        </p:style>
+      </p:cxnSp>
+      <p:cxnSp>
+        <p:nvCxnSpPr>
+          <p:cNvPr id="29" name="直接箭头连接符 28"/>
+          <p:cNvCxnSpPr>
+            <a:stCxn id="5" idx="2"/>
+            <a:endCxn id="11" idx="0"/>
+          </p:cNvCxnSpPr>
+          <p:nvPr/>
+        </p:nvCxnSpPr>
+        <p:spPr>
+          <a:xfrm>
+            <a:off x="6367780" y="4803140"/>
+            <a:ext cx="635" cy="291465"/>
+          </a:xfrm>
+          <a:prstGeom prst="straightConnector1">
+            <a:avLst/>
+          </a:prstGeom>
+          <a:ln>
+            <a:tailEnd type="arrow" w="med" len="med"/>
+          </a:ln>
+        </p:spPr>
+        <p:style>
+          <a:lnRef idx="1">
+            <a:schemeClr val="dk1"/>
+          </a:lnRef>
+          <a:fillRef idx="0">
+            <a:schemeClr val="dk1"/>
+          </a:fillRef>
+          <a:effectRef idx="0">
+            <a:schemeClr val="dk1"/>
+          </a:effectRef>
+          <a:fontRef idx="minor">
+            <a:schemeClr val="tx1"/>
+          </a:fontRef>
+        </p:style>
+      </p:cxnSp>
+      <p:cxnSp>
+        <p:nvCxnSpPr>
+          <p:cNvPr id="30" name="肘形连接符 29"/>
+          <p:cNvCxnSpPr>
+            <a:stCxn id="5" idx="1"/>
+            <a:endCxn id="10" idx="0"/>
+          </p:cNvCxnSpPr>
+          <p:nvPr/>
+        </p:nvCxnSpPr>
+        <p:spPr>
+          <a:xfrm rot="10800000" flipV="1">
+            <a:off x="3860165" y="4331335"/>
+            <a:ext cx="1441450" cy="1087120"/>
+          </a:xfrm>
+          <a:prstGeom prst="bentConnector2">
+            <a:avLst/>
+          </a:prstGeom>
+          <a:ln>
+            <a:tailEnd type="arrow" w="med" len="med"/>
+          </a:ln>
+        </p:spPr>
+        <p:style>
+          <a:lnRef idx="1">
+            <a:schemeClr val="dk1"/>
+          </a:lnRef>
+          <a:fillRef idx="0">
+            <a:schemeClr val="dk1"/>
+          </a:fillRef>
+          <a:effectRef idx="0">
+            <a:schemeClr val="dk1"/>
+          </a:effectRef>
+          <a:fontRef idx="minor">
+            <a:schemeClr val="tx1"/>
+          </a:fontRef>
+        </p:style>
+      </p:cxnSp>
+      <p:cxnSp>
+        <p:nvCxnSpPr>
+          <p:cNvPr id="32" name="肘形连接符 31"/>
+          <p:cNvCxnSpPr>
+            <a:stCxn id="8" idx="1"/>
+            <a:endCxn id="4" idx="3"/>
+          </p:cNvCxnSpPr>
+          <p:nvPr/>
+        </p:nvCxnSpPr>
+        <p:spPr>
+          <a:xfrm rot="10800000">
+            <a:off x="7087870" y="3242945"/>
+            <a:ext cx="1355090" cy="3175"/>
+          </a:xfrm>
+          <a:prstGeom prst="bentConnector2">
+            <a:avLst/>
+          </a:prstGeom>
+          <a:ln>
+            <a:tailEnd type="arrow" w="med" len="med"/>
+          </a:ln>
+        </p:spPr>
+        <p:style>
+          <a:lnRef idx="1">
+            <a:schemeClr val="dk1"/>
+          </a:lnRef>
+          <a:fillRef idx="0">
+            <a:schemeClr val="dk1"/>
+          </a:fillRef>
+          <a:effectRef idx="0">
+            <a:schemeClr val="dk1"/>
+          </a:effectRef>
+          <a:fontRef idx="minor">
+            <a:schemeClr val="tx1"/>
+          </a:fontRef>
+        </p:style>
+      </p:cxnSp>
+      <p:cxnSp>
+        <p:nvCxnSpPr>
+          <p:cNvPr id="34" name="肘形连接符 33"/>
+          <p:cNvCxnSpPr>
+            <a:stCxn id="9" idx="1"/>
+            <a:endCxn id="4" idx="3"/>
+          </p:cNvCxnSpPr>
+          <p:nvPr/>
+        </p:nvCxnSpPr>
+        <p:spPr>
+          <a:xfrm rot="10800000">
+            <a:off x="7087870" y="3242945"/>
+            <a:ext cx="1996440" cy="1923415"/>
+          </a:xfrm>
+          <a:prstGeom prst="bentConnector3">
+            <a:avLst>
+              <a:gd name="adj1" fmla="val 50000"/>
+            </a:avLst>
+          </a:prstGeom>
+        </p:spPr>
+        <p:style>
+          <a:lnRef idx="1">
+            <a:schemeClr val="dk1"/>
+          </a:lnRef>
+          <a:fillRef idx="0">
+            <a:schemeClr val="dk1"/>
+          </a:fillRef>
+          <a:effectRef idx="0">
+            <a:schemeClr val="dk1"/>
+          </a:effectRef>
+          <a:fontRef idx="minor">
+            <a:schemeClr val="tx1"/>
+          </a:fontRef>
+        </p:style>
+      </p:cxnSp>
+      <p:cxnSp>
+        <p:nvCxnSpPr>
+          <p:cNvPr id="35" name="肘形连接符 34"/>
+          <p:cNvCxnSpPr>
+            <a:stCxn id="11" idx="3"/>
+            <a:endCxn id="4" idx="3"/>
+          </p:cNvCxnSpPr>
+          <p:nvPr/>
+        </p:nvCxnSpPr>
+        <p:spPr>
+          <a:xfrm flipH="1" flipV="1">
+            <a:off x="7087870" y="3242945"/>
+            <a:ext cx="570230" cy="2463800"/>
+          </a:xfrm>
+          <a:prstGeom prst="bentConnector3">
+            <a:avLst>
+              <a:gd name="adj1" fmla="val -75167"/>
+            </a:avLst>
+          </a:prstGeom>
+        </p:spPr>
+        <p:style>
+          <a:lnRef idx="1">
+            <a:schemeClr val="dk1"/>
+          </a:lnRef>
+          <a:fillRef idx="0">
+            <a:schemeClr val="dk1"/>
+          </a:fillRef>
+          <a:effectRef idx="0">
+            <a:schemeClr val="dk1"/>
+          </a:effectRef>
+          <a:fontRef idx="minor">
+            <a:schemeClr val="tx1"/>
+          </a:fontRef>
+        </p:style>
+      </p:cxnSp>
+      <p:sp>
+        <p:nvSpPr>
+          <p:cNvPr id="36" name="文本框 35"/>
           <p:cNvSpPr txBox="1"/>
           <p:nvPr/>
         </p:nvSpPr>
         <p:spPr>
           <a:xfrm>
-            <a:off x="4987925" y="2069600"/>
-            <a:ext cx="2215440" cy="622800"/>
+            <a:off x="4196080" y="3968750"/>
+            <a:ext cx="675640" cy="368300"/>
           </a:xfrm>
           <a:prstGeom prst="rect">
             <a:avLst/>
           </a:prstGeom>
           <a:noFill/>
-          <a:ln>
-            <a:noFill/>
-          </a:ln>
-        </p:spPr>
-        <p:txBody>
-          <a:bodyPr lIns="90000" tIns="45000" rIns="90000" bIns="45000">
+        </p:spPr>
+        <p:txBody>
+          <a:bodyPr wrap="square" rtlCol="0">
             <a:spAutoFit/>
           </a:bodyPr>
           <a:p>
-            <a:pPr algn="ctr"/>
-            <a:r>
-              <a:rPr lang="en-US" sz="3200" b="0" strike="noStrike" spc="-1">
-                <a:solidFill>
-                  <a:srgbClr val="000000"/>
-                </a:solidFill>
-                <a:latin typeface="微软雅黑 Light" panose="020B0502040204020203" charset="-122"/>
-                <a:ea typeface="微软雅黑 Light" panose="020B0502040204020203" charset="-122"/>
-              </a:rPr>
-              <a:t>索引的建立</a:t>
-            </a:r>
-            <a:endParaRPr lang="en-US" sz="3200" b="0" strike="noStrike" spc="-1">
-              <a:latin typeface="Arial" panose="020B0604020202020204"/>
-            </a:endParaRPr>
-          </a:p>
-        </p:txBody>
-      </p:sp>
-      <p:sp>
-        <p:nvSpPr>
-          <p:cNvPr id="103" name="TextShape 3"/>
+            <a:r>
+              <a:rPr lang="zh-CN" altLang="en-US">
+                <a:latin typeface="微软雅黑 Light" panose="020B0502040204020203" charset="-122"/>
+                <a:ea typeface="微软雅黑 Light" panose="020B0502040204020203" charset="-122"/>
+              </a:rPr>
+              <a:t>是</a:t>
+            </a:r>
+            <a:endParaRPr lang="zh-CN" altLang="en-US">
+              <a:latin typeface="微软雅黑 Light" panose="020B0502040204020203" charset="-122"/>
+              <a:ea typeface="微软雅黑 Light" panose="020B0502040204020203" charset="-122"/>
+            </a:endParaRPr>
+          </a:p>
+        </p:txBody>
+      </p:sp>
+      <p:sp>
+        <p:nvSpPr>
+          <p:cNvPr id="37" name="文本框 36"/>
           <p:cNvSpPr txBox="1"/>
           <p:nvPr/>
         </p:nvSpPr>
         <p:spPr>
           <a:xfrm>
-            <a:off x="4377200" y="4159885"/>
-            <a:ext cx="3435840" cy="622800"/>
+            <a:off x="6367780" y="4764405"/>
+            <a:ext cx="411480" cy="368300"/>
           </a:xfrm>
           <a:prstGeom prst="rect">
             <a:avLst/>
           </a:prstGeom>
           <a:noFill/>
-          <a:ln>
-            <a:noFill/>
-          </a:ln>
-        </p:spPr>
-        <p:txBody>
-          <a:bodyPr lIns="90000" tIns="45000" rIns="90000" bIns="45000">
+        </p:spPr>
+        <p:txBody>
+          <a:bodyPr wrap="none" rtlCol="0">
             <a:spAutoFit/>
           </a:bodyPr>
           <a:p>
-            <a:pPr algn="ctr"/>
-            <a:r>
-              <a:rPr lang="en-US" sz="3200" b="0" strike="noStrike" spc="-1">
-                <a:solidFill>
-                  <a:srgbClr val="000000"/>
-                </a:solidFill>
-                <a:latin typeface="微软雅黑 Light" panose="020B0502040204020203" charset="-122"/>
-                <a:ea typeface="微软雅黑 Light" panose="020B0502040204020203" charset="-122"/>
-              </a:rPr>
-              <a:t>序列化与反序列化</a:t>
-            </a:r>
-            <a:endParaRPr lang="en-US" sz="3200" b="0" strike="noStrike" spc="-1">
-              <a:latin typeface="Arial" panose="020B0604020202020204"/>
-            </a:endParaRPr>
-          </a:p>
-        </p:txBody>
-      </p:sp>
-      <p:sp>
-        <p:nvSpPr>
-          <p:cNvPr id="104" name="TextShape 4"/>
+            <a:r>
+              <a:rPr lang="zh-CN" altLang="en-US">
+                <a:latin typeface="微软雅黑 Light" panose="020B0502040204020203" charset="-122"/>
+                <a:ea typeface="微软雅黑 Light" panose="020B0502040204020203" charset="-122"/>
+              </a:rPr>
+              <a:t>否</a:t>
+            </a:r>
+            <a:endParaRPr lang="zh-CN" altLang="en-US">
+              <a:latin typeface="微软雅黑 Light" panose="020B0502040204020203" charset="-122"/>
+              <a:ea typeface="微软雅黑 Light" panose="020B0502040204020203" charset="-122"/>
+            </a:endParaRPr>
+          </a:p>
+        </p:txBody>
+      </p:sp>
+      <p:sp>
+        <p:nvSpPr>
+          <p:cNvPr id="38" name="文本框 37"/>
           <p:cNvSpPr txBox="1"/>
           <p:nvPr/>
         </p:nvSpPr>
         <p:spPr>
           <a:xfrm>
-            <a:off x="4784090" y="3117350"/>
-            <a:ext cx="2622240" cy="622800"/>
+            <a:off x="7658100" y="5338445"/>
+            <a:ext cx="411480" cy="368300"/>
           </a:xfrm>
           <a:prstGeom prst="rect">
             <a:avLst/>
           </a:prstGeom>
           <a:noFill/>
-          <a:ln>
-            <a:noFill/>
-          </a:ln>
-        </p:spPr>
-        <p:txBody>
-          <a:bodyPr lIns="90000" tIns="45000" rIns="90000" bIns="45000">
+        </p:spPr>
+        <p:txBody>
+          <a:bodyPr wrap="none" rtlCol="0">
             <a:spAutoFit/>
           </a:bodyPr>
           <a:p>
-            <a:pPr algn="ctr"/>
-            <a:r>
-              <a:rPr lang="en-US" sz="3200" b="0" strike="noStrike" spc="-1">
-                <a:solidFill>
-                  <a:srgbClr val="000000"/>
-                </a:solidFill>
-                <a:latin typeface="微软雅黑 Light" panose="020B0502040204020203" charset="-122"/>
-                <a:ea typeface="微软雅黑 Light" panose="020B0502040204020203" charset="-122"/>
-              </a:rPr>
-              <a:t>关键词的检索</a:t>
-            </a:r>
-            <a:endParaRPr lang="en-US" sz="3200" b="0" strike="noStrike" spc="-1">
-              <a:latin typeface="Arial" panose="020B0604020202020204"/>
+            <a:r>
+              <a:rPr lang="zh-CN" altLang="en-US">
+                <a:latin typeface="微软雅黑 Light" panose="020B0502040204020203" charset="-122"/>
+                <a:ea typeface="微软雅黑 Light" panose="020B0502040204020203" charset="-122"/>
+              </a:rPr>
+              <a:t>是</a:t>
+            </a:r>
+            <a:endParaRPr lang="zh-CN" altLang="en-US">
+              <a:latin typeface="微软雅黑 Light" panose="020B0502040204020203" charset="-122"/>
+              <a:ea typeface="微软雅黑 Light" panose="020B0502040204020203" charset="-122"/>
+            </a:endParaRPr>
+          </a:p>
+        </p:txBody>
+      </p:sp>
+      <p:sp>
+        <p:nvSpPr>
+          <p:cNvPr id="39" name="文本框 38"/>
+          <p:cNvSpPr txBox="1"/>
+          <p:nvPr/>
+        </p:nvSpPr>
+        <p:spPr>
+          <a:xfrm>
+            <a:off x="5890260" y="6318250"/>
+            <a:ext cx="411480" cy="368300"/>
+          </a:xfrm>
+          <a:prstGeom prst="rect">
+            <a:avLst/>
+          </a:prstGeom>
+          <a:noFill/>
+        </p:spPr>
+        <p:txBody>
+          <a:bodyPr wrap="none" rtlCol="0">
+            <a:spAutoFit/>
+          </a:bodyPr>
+          <a:p>
+            <a:r>
+              <a:rPr lang="zh-CN" altLang="en-US"/>
+              <a:t>否</a:t>
+            </a:r>
+            <a:endParaRPr lang="zh-CN" altLang="en-US"/>
+          </a:p>
+        </p:txBody>
+      </p:sp>
+      <p:sp>
+        <p:nvSpPr>
+          <p:cNvPr id="40" name="文本框 39"/>
+          <p:cNvSpPr txBox="1"/>
+          <p:nvPr/>
+        </p:nvSpPr>
+        <p:spPr>
+          <a:xfrm>
+            <a:off x="9992360" y="4147185"/>
+            <a:ext cx="411480" cy="368300"/>
+          </a:xfrm>
+          <a:prstGeom prst="rect">
+            <a:avLst/>
+          </a:prstGeom>
+          <a:noFill/>
+        </p:spPr>
+        <p:txBody>
+          <a:bodyPr wrap="none" rtlCol="0">
+            <a:spAutoFit/>
+          </a:bodyPr>
+          <a:p>
+            <a:r>
+              <a:rPr lang="zh-CN" altLang="en-US">
+                <a:latin typeface="微软雅黑 Light" panose="020B0502040204020203" charset="-122"/>
+                <a:ea typeface="微软雅黑 Light" panose="020B0502040204020203" charset="-122"/>
+              </a:rPr>
+              <a:t>是</a:t>
+            </a:r>
+            <a:endParaRPr lang="zh-CN" altLang="en-US">
+              <a:latin typeface="微软雅黑 Light" panose="020B0502040204020203" charset="-122"/>
+              <a:ea typeface="微软雅黑 Light" panose="020B0502040204020203" charset="-122"/>
+            </a:endParaRPr>
+          </a:p>
+        </p:txBody>
+      </p:sp>
+      <p:sp>
+        <p:nvSpPr>
+          <p:cNvPr id="41" name="文本框 40"/>
+          <p:cNvSpPr txBox="1"/>
+          <p:nvPr/>
+        </p:nvSpPr>
+        <p:spPr>
+          <a:xfrm>
+            <a:off x="8031480" y="2877820"/>
+            <a:ext cx="411480" cy="368300"/>
+          </a:xfrm>
+          <a:prstGeom prst="rect">
+            <a:avLst/>
+          </a:prstGeom>
+          <a:noFill/>
+        </p:spPr>
+        <p:txBody>
+          <a:bodyPr wrap="none" rtlCol="0">
+            <a:spAutoFit/>
+          </a:bodyPr>
+          <a:p>
+            <a:r>
+              <a:rPr lang="zh-CN" altLang="en-US">
+                <a:latin typeface="微软雅黑 Light" panose="020B0502040204020203" charset="-122"/>
+                <a:ea typeface="微软雅黑 Light" panose="020B0502040204020203" charset="-122"/>
+              </a:rPr>
+              <a:t>否</a:t>
+            </a:r>
+            <a:endParaRPr lang="zh-CN" altLang="en-US">
+              <a:latin typeface="微软雅黑 Light" panose="020B0502040204020203" charset="-122"/>
+              <a:ea typeface="微软雅黑 Light" panose="020B0502040204020203" charset="-122"/>
             </a:endParaRPr>
           </a:p>
         </p:txBody>
@@ -4527,14 +5681,14 @@
       </p:grpSpPr>
       <p:sp>
         <p:nvSpPr>
-          <p:cNvPr id="105" name="CustomShape 1"/>
+          <p:cNvPr id="92" name="CustomShape 1"/>
           <p:cNvSpPr/>
           <p:nvPr/>
         </p:nvSpPr>
         <p:spPr>
           <a:xfrm>
-            <a:off x="942565" y="1003760"/>
-            <a:ext cx="3084120" cy="642620"/>
+            <a:off x="1051560" y="1012825"/>
+            <a:ext cx="2873375" cy="1196340"/>
           </a:xfrm>
           <a:prstGeom prst="rect">
             <a:avLst/>
@@ -4557,7 +5711,7 @@
           <a:fontRef idx="minor"/>
         </p:style>
         <p:txBody>
-          <a:bodyPr lIns="90000" tIns="45000" rIns="90000" bIns="45000">
+          <a:bodyPr wrap="square" lIns="90000" tIns="45000" rIns="90000" bIns="45000">
             <a:spAutoFit/>
           </a:bodyPr>
           <a:p>
@@ -4567,31 +5721,35 @@
               </a:lnSpc>
             </a:pPr>
             <a:r>
-              <a:rPr lang="en-US" sz="3600" b="0" strike="noStrike" spc="-1">
+              <a:rPr lang="zh-CN" altLang="en-US" sz="3600" b="0" strike="noStrike" spc="-1">
                 <a:solidFill>
                   <a:srgbClr val="000000"/>
                 </a:solidFill>
                 <a:latin typeface="微软雅黑 Light" panose="020B0502040204020203" charset="-122"/>
                 <a:ea typeface="微软雅黑 Light" panose="020B0502040204020203" charset="-122"/>
               </a:rPr>
-              <a:t>索引的建立</a:t>
-            </a:r>
-            <a:endParaRPr lang="en-US" sz="3600" b="0" strike="noStrike" spc="-1">
-              <a:latin typeface="Arial" panose="020B0604020202020204"/>
-            </a:endParaRPr>
-          </a:p>
-        </p:txBody>
-      </p:sp>
-      <p:sp>
-        <p:nvSpPr>
-          <p:cNvPr id="106" name="CustomShape 2"/>
+              <a:t>为什么需要冲突区间</a:t>
+            </a:r>
+            <a:endParaRPr lang="zh-CN" altLang="en-US" sz="3600" b="0" strike="noStrike" spc="-1">
+              <a:solidFill>
+                <a:srgbClr val="000000"/>
+              </a:solidFill>
+              <a:latin typeface="微软雅黑 Light" panose="020B0502040204020203" charset="-122"/>
+              <a:ea typeface="微软雅黑 Light" panose="020B0502040204020203" charset="-122"/>
+            </a:endParaRPr>
+          </a:p>
+        </p:txBody>
+      </p:sp>
+      <p:sp>
+        <p:nvSpPr>
+          <p:cNvPr id="93" name="CustomShape 2"/>
           <p:cNvSpPr/>
           <p:nvPr/>
         </p:nvSpPr>
         <p:spPr>
           <a:xfrm>
-            <a:off x="2534920" y="1769110"/>
-            <a:ext cx="7122160" cy="3320415"/>
+            <a:off x="1853565" y="2614930"/>
+            <a:ext cx="8484870" cy="1627505"/>
           </a:xfrm>
           <a:prstGeom prst="rect">
             <a:avLst/>
@@ -4618,9 +5776,9 @@
             <a:spAutoFit/>
           </a:bodyPr>
           <a:p>
-            <a:pPr>
+            <a:pPr algn="ctr">
               <a:lnSpc>
-                <a:spcPct val="150000"/>
+                <a:spcPct val="100000"/>
               </a:lnSpc>
             </a:pPr>
             <a:r>
@@ -4631,18 +5789,36 @@
                 <a:latin typeface="微软雅黑 Light" panose="020B0502040204020203" charset="-122"/>
                 <a:ea typeface="微软雅黑 Light" panose="020B0502040204020203" charset="-122"/>
               </a:rPr>
-              <a:t>记录章节顺序</a:t>
-            </a:r>
-            <a:r>
-              <a:rPr lang="zh-CN" altLang="en-US" sz="2000" b="0" strike="noStrike" spc="-1">
-                <a:solidFill>
-                  <a:srgbClr val="000000"/>
-                </a:solidFill>
-                <a:latin typeface="微软雅黑 Light" panose="020B0502040204020203" charset="-122"/>
-                <a:ea typeface="微软雅黑 Light" panose="020B0502040204020203" charset="-122"/>
-              </a:rPr>
-              <a:t>，</a:t>
-            </a:r>
+              <a:t>枚举输入字符序列的所有词语组合可能太多</a:t>
+            </a:r>
+            <a:endParaRPr lang="en-US" sz="2000" b="0" strike="noStrike" spc="-1">
+              <a:solidFill>
+                <a:srgbClr val="000000"/>
+              </a:solidFill>
+              <a:latin typeface="微软雅黑 Light" panose="020B0502040204020203" charset="-122"/>
+              <a:ea typeface="微软雅黑 Light" panose="020B0502040204020203" charset="-122"/>
+            </a:endParaRPr>
+          </a:p>
+          <a:p>
+            <a:pPr algn="ctr">
+              <a:lnSpc>
+                <a:spcPct val="100000"/>
+              </a:lnSpc>
+            </a:pPr>
+            <a:endParaRPr lang="en-US" sz="2000" b="0" strike="noStrike" spc="-1">
+              <a:solidFill>
+                <a:srgbClr val="000000"/>
+              </a:solidFill>
+              <a:latin typeface="微软雅黑 Light" panose="020B0502040204020203" charset="-122"/>
+              <a:ea typeface="微软雅黑 Light" panose="020B0502040204020203" charset="-122"/>
+            </a:endParaRPr>
+          </a:p>
+          <a:p>
+            <a:pPr algn="ctr">
+              <a:lnSpc>
+                <a:spcPct val="100000"/>
+              </a:lnSpc>
+            </a:pPr>
             <a:r>
               <a:rPr lang="en-US" sz="2000" b="0" strike="noStrike" spc="-1">
                 <a:solidFill>
@@ -4651,18 +5827,36 @@
                 <a:latin typeface="微软雅黑 Light" panose="020B0502040204020203" charset="-122"/>
                 <a:ea typeface="微软雅黑 Light" panose="020B0502040204020203" charset="-122"/>
               </a:rPr>
-              <a:t>省略掉在检索时再比较章节次序的时间</a:t>
-            </a:r>
-            <a:r>
-              <a:rPr lang="zh-CN" altLang="en-US" sz="2000" b="0" strike="noStrike" spc="-1">
-                <a:solidFill>
-                  <a:srgbClr val="000000"/>
-                </a:solidFill>
-                <a:latin typeface="微软雅黑 Light" panose="020B0502040204020203" charset="-122"/>
-                <a:ea typeface="微软雅黑 Light" panose="020B0502040204020203" charset="-122"/>
-              </a:rPr>
-              <a:t>，</a:t>
-            </a:r>
+              <a:t>使用冲突区间的方式类似于取局部最优解</a:t>
+            </a:r>
+            <a:endParaRPr lang="en-US" sz="2000" b="0" strike="noStrike" spc="-1">
+              <a:solidFill>
+                <a:srgbClr val="000000"/>
+              </a:solidFill>
+              <a:latin typeface="微软雅黑 Light" panose="020B0502040204020203" charset="-122"/>
+              <a:ea typeface="微软雅黑 Light" panose="020B0502040204020203" charset="-122"/>
+            </a:endParaRPr>
+          </a:p>
+          <a:p>
+            <a:pPr algn="ctr">
+              <a:lnSpc>
+                <a:spcPct val="100000"/>
+              </a:lnSpc>
+            </a:pPr>
+            <a:endParaRPr lang="en-US" sz="2000" b="0" strike="noStrike" spc="-1">
+              <a:solidFill>
+                <a:srgbClr val="000000"/>
+              </a:solidFill>
+              <a:latin typeface="微软雅黑 Light" panose="020B0502040204020203" charset="-122"/>
+              <a:ea typeface="微软雅黑 Light" panose="020B0502040204020203" charset="-122"/>
+            </a:endParaRPr>
+          </a:p>
+          <a:p>
+            <a:pPr algn="ctr">
+              <a:lnSpc>
+                <a:spcPct val="100000"/>
+              </a:lnSpc>
+            </a:pPr>
             <a:r>
               <a:rPr lang="en-US" sz="2000" b="0" strike="noStrike" spc="-1">
                 <a:solidFill>
@@ -4671,170 +5865,14 @@
                 <a:latin typeface="微软雅黑 Light" panose="020B0502040204020203" charset="-122"/>
                 <a:ea typeface="微软雅黑 Light" panose="020B0502040204020203" charset="-122"/>
               </a:rPr>
-              <a:t>并按照章节顺序</a:t>
-            </a:r>
-            <a:r>
-              <a:rPr lang="zh-CN" altLang="en-US" sz="2000" b="0" strike="noStrike" spc="-1">
-                <a:solidFill>
-                  <a:srgbClr val="000000"/>
-                </a:solidFill>
-                <a:latin typeface="微软雅黑 Light" panose="020B0502040204020203" charset="-122"/>
-                <a:ea typeface="微软雅黑 Light" panose="020B0502040204020203" charset="-122"/>
-              </a:rPr>
-              <a:t>逐个建立索引</a:t>
+              <a:t>可减少运算</a:t>
             </a:r>
             <a:endParaRPr lang="en-US" sz="2000" b="0" strike="noStrike" spc="-1">
-              <a:latin typeface="Arial" panose="020B0604020202020204"/>
-            </a:endParaRPr>
-          </a:p>
-          <a:p>
-            <a:pPr>
-              <a:lnSpc>
-                <a:spcPct val="150000"/>
-              </a:lnSpc>
-            </a:pPr>
-            <a:endParaRPr lang="en-US" sz="2000" b="0" strike="noStrike" spc="-1">
-              <a:latin typeface="Arial" panose="020B0604020202020204"/>
-            </a:endParaRPr>
-          </a:p>
-          <a:p>
-            <a:pPr>
-              <a:lnSpc>
-                <a:spcPct val="150000"/>
-              </a:lnSpc>
-            </a:pPr>
-            <a:r>
-              <a:rPr lang="en-US" sz="2000" b="0" strike="noStrike" spc="-1">
-                <a:solidFill>
-                  <a:srgbClr val="000000"/>
-                </a:solidFill>
-                <a:latin typeface="微软雅黑 Light" panose="020B0502040204020203" charset="-122"/>
-                <a:ea typeface="微软雅黑 Light" panose="020B0502040204020203" charset="-122"/>
-              </a:rPr>
-              <a:t>将文章分为若干冲突区间</a:t>
-            </a:r>
-            <a:r>
-              <a:rPr lang="zh-CN" altLang="en-US" sz="2000" b="0" strike="noStrike" spc="-1">
-                <a:solidFill>
-                  <a:srgbClr val="000000"/>
-                </a:solidFill>
-                <a:latin typeface="微软雅黑 Light" panose="020B0502040204020203" charset="-122"/>
-                <a:ea typeface="微软雅黑 Light" panose="020B0502040204020203" charset="-122"/>
-              </a:rPr>
-              <a:t>，</a:t>
-            </a:r>
-            <a:r>
-              <a:rPr lang="en-US" sz="2000" b="0" strike="noStrike" spc="-1">
-                <a:solidFill>
-                  <a:srgbClr val="000000"/>
-                </a:solidFill>
-                <a:latin typeface="微软雅黑 Light" panose="020B0502040204020203" charset="-122"/>
-                <a:ea typeface="微软雅黑 Light" panose="020B0502040204020203" charset="-122"/>
-              </a:rPr>
-              <a:t>对每个冲突区间分词</a:t>
-            </a:r>
-            <a:r>
-              <a:rPr lang="zh-CN" altLang="en-US" sz="2000" b="0" strike="noStrike" spc="-1">
-                <a:solidFill>
-                  <a:srgbClr val="000000"/>
-                </a:solidFill>
-                <a:latin typeface="微软雅黑 Light" panose="020B0502040204020203" charset="-122"/>
-                <a:ea typeface="微软雅黑 Light" panose="020B0502040204020203" charset="-122"/>
-              </a:rPr>
-              <a:t>，</a:t>
-            </a:r>
-            <a:r>
-              <a:rPr lang="zh-CN" sz="2000" b="0" strike="noStrike" spc="-1">
-                <a:solidFill>
-                  <a:srgbClr val="000000"/>
-                </a:solidFill>
-                <a:latin typeface="微软雅黑 Light" panose="020B0502040204020203" charset="-122"/>
-                <a:ea typeface="微软雅黑 Light" panose="020B0502040204020203" charset="-122"/>
-              </a:rPr>
-              <a:t>将</a:t>
-            </a:r>
-            <a:r>
-              <a:rPr lang="en-US" sz="2000" b="0" strike="noStrike" spc="-1">
-                <a:solidFill>
-                  <a:srgbClr val="000000"/>
-                </a:solidFill>
-                <a:latin typeface="微软雅黑 Light" panose="020B0502040204020203" charset="-122"/>
-                <a:ea typeface="微软雅黑 Light" panose="020B0502040204020203" charset="-122"/>
-              </a:rPr>
-              <a:t>分词结果作为关键词列表</a:t>
-            </a:r>
-            <a:r>
-              <a:rPr lang="zh-CN" altLang="en-US" sz="2000" b="0" strike="noStrike" spc="-1">
-                <a:solidFill>
-                  <a:srgbClr val="000000"/>
-                </a:solidFill>
-                <a:latin typeface="微软雅黑 Light" panose="020B0502040204020203" charset="-122"/>
-                <a:ea typeface="微软雅黑 Light" panose="020B0502040204020203" charset="-122"/>
-              </a:rPr>
-              <a:t>，</a:t>
-            </a:r>
-            <a:r>
-              <a:rPr lang="en-US" sz="2000" b="0" strike="noStrike" spc="-1">
-                <a:solidFill>
-                  <a:srgbClr val="000000"/>
-                </a:solidFill>
-                <a:latin typeface="微软雅黑 Light" panose="020B0502040204020203" charset="-122"/>
-                <a:ea typeface="微软雅黑 Light" panose="020B0502040204020203" charset="-122"/>
-              </a:rPr>
-              <a:t>并将每个关键词在文章中的信息记录下来</a:t>
-            </a:r>
-            <a:endParaRPr lang="en-US" sz="2000" b="0" strike="noStrike" spc="-1">
-              <a:latin typeface="Arial" panose="020B0604020202020204"/>
-            </a:endParaRPr>
-          </a:p>
-          <a:p>
-            <a:pPr>
-              <a:lnSpc>
-                <a:spcPct val="150000"/>
-              </a:lnSpc>
-            </a:pPr>
-            <a:endParaRPr lang="en-US" sz="2000" b="0" strike="noStrike" spc="-1">
-              <a:latin typeface="Arial" panose="020B0604020202020204"/>
-            </a:endParaRPr>
-          </a:p>
-          <a:p>
-            <a:pPr>
-              <a:lnSpc>
-                <a:spcPct val="150000"/>
-              </a:lnSpc>
-            </a:pPr>
-            <a:r>
-              <a:rPr lang="en-US" sz="2000" b="0" strike="noStrike" spc="-1">
-                <a:solidFill>
-                  <a:srgbClr val="000000"/>
-                </a:solidFill>
-                <a:latin typeface="微软雅黑 Light" panose="020B0502040204020203" charset="-122"/>
-                <a:ea typeface="微软雅黑 Light" panose="020B0502040204020203" charset="-122"/>
-              </a:rPr>
-              <a:t>将计算结果保存为关键词</a:t>
-            </a:r>
-            <a:r>
-              <a:rPr lang="zh-CN" altLang="en-US" sz="2000" b="0" strike="noStrike" spc="-1">
-                <a:solidFill>
-                  <a:srgbClr val="000000"/>
-                </a:solidFill>
-                <a:latin typeface="微软雅黑 Light" panose="020B0502040204020203" charset="-122"/>
-                <a:ea typeface="微软雅黑 Light" panose="020B0502040204020203" charset="-122"/>
-              </a:rPr>
-              <a:t>映射文件信息列表</a:t>
-            </a:r>
-            <a:r>
-              <a:rPr lang="en-US" sz="2000" b="0" strike="noStrike" spc="-1">
-                <a:solidFill>
-                  <a:srgbClr val="000000"/>
-                </a:solidFill>
-                <a:latin typeface="微软雅黑 Light" panose="020B0502040204020203" charset="-122"/>
-                <a:ea typeface="微软雅黑 Light" panose="020B0502040204020203" charset="-122"/>
-              </a:rPr>
-              <a:t>的键值对容器中</a:t>
-            </a:r>
-            <a:endParaRPr lang="en-US" sz="2000" b="0" strike="noStrike" spc="-1">
-              <a:latin typeface="Arial" panose="020B0604020202020204"/>
+              <a:solidFill>
+                <a:srgbClr val="000000"/>
+              </a:solidFill>
+              <a:latin typeface="微软雅黑 Light" panose="020B0502040204020203" charset="-122"/>
+              <a:ea typeface="微软雅黑 Light" panose="020B0502040204020203" charset="-122"/>
             </a:endParaRPr>
           </a:p>
         </p:txBody>
@@ -4881,14 +5919,14 @@
       </p:grpSpPr>
       <p:sp>
         <p:nvSpPr>
-          <p:cNvPr id="107" name="CustomShape 1"/>
+          <p:cNvPr id="100" name="CustomShape 1"/>
           <p:cNvSpPr/>
           <p:nvPr/>
         </p:nvSpPr>
         <p:spPr>
           <a:xfrm>
-            <a:off x="923515" y="986615"/>
-            <a:ext cx="3084120" cy="642620"/>
+            <a:off x="4717595" y="3018380"/>
+            <a:ext cx="2756520" cy="821520"/>
           </a:xfrm>
           <a:prstGeom prst="rect">
             <a:avLst/>
@@ -4921,212 +5959,17 @@
               </a:lnSpc>
             </a:pPr>
             <a:r>
-              <a:rPr lang="en-US" sz="3600" b="0" strike="noStrike" spc="-1">
+              <a:rPr lang="en-US" sz="4800" b="0" strike="noStrike" spc="-1">
                 <a:solidFill>
                   <a:srgbClr val="000000"/>
                 </a:solidFill>
                 <a:latin typeface="微软雅黑 Light" panose="020B0502040204020203" charset="-122"/>
                 <a:ea typeface="微软雅黑 Light" panose="020B0502040204020203" charset="-122"/>
               </a:rPr>
-              <a:t>关键词的检索</a:t>
-            </a:r>
-            <a:endParaRPr lang="en-US" sz="3600" b="0" strike="noStrike" spc="-1">
-              <a:solidFill>
-                <a:srgbClr val="000000"/>
-              </a:solidFill>
-              <a:latin typeface="微软雅黑 Light" panose="020B0502040204020203" charset="-122"/>
-              <a:ea typeface="微软雅黑 Light" panose="020B0502040204020203" charset="-122"/>
-            </a:endParaRPr>
-          </a:p>
-        </p:txBody>
-      </p:sp>
-      <p:sp>
-        <p:nvSpPr>
-          <p:cNvPr id="108" name="CustomShape 2"/>
-          <p:cNvSpPr/>
-          <p:nvPr/>
-        </p:nvSpPr>
-        <p:spPr>
-          <a:xfrm>
-            <a:off x="2398395" y="2230120"/>
-            <a:ext cx="7395210" cy="2397125"/>
-          </a:xfrm>
-          <a:prstGeom prst="rect">
-            <a:avLst/>
-          </a:prstGeom>
-          <a:noFill/>
-          <a:ln>
-            <a:noFill/>
-          </a:ln>
-        </p:spPr>
-        <p:style>
-          <a:lnRef idx="0">
-            <a:srgbClr val="FFFFFF"/>
-          </a:lnRef>
-          <a:fillRef idx="0">
-            <a:srgbClr val="FFFFFF"/>
-          </a:fillRef>
-          <a:effectRef idx="0">
-            <a:srgbClr val="FFFFFF"/>
-          </a:effectRef>
-          <a:fontRef idx="minor"/>
-        </p:style>
-        <p:txBody>
-          <a:bodyPr wrap="square" lIns="90000" tIns="45000" rIns="90000" bIns="45000">
-            <a:spAutoFit/>
-          </a:bodyPr>
-          <a:p>
-            <a:pPr>
-              <a:lnSpc>
-                <a:spcPct val="150000"/>
-              </a:lnSpc>
-            </a:pPr>
-            <a:r>
-              <a:rPr lang="en-US" sz="2000" b="0" strike="noStrike" spc="-1">
-                <a:solidFill>
-                  <a:srgbClr val="000000"/>
-                </a:solidFill>
-                <a:latin typeface="微软雅黑 Light" panose="020B0502040204020203" charset="-122"/>
-                <a:ea typeface="微软雅黑 Light" panose="020B0502040204020203" charset="-122"/>
-              </a:rPr>
-              <a:t>1. 检索关键词时</a:t>
-            </a:r>
-            <a:r>
-              <a:rPr lang="zh-CN" altLang="en-US" sz="2000" b="0" strike="noStrike" spc="-1">
-                <a:solidFill>
-                  <a:srgbClr val="000000"/>
-                </a:solidFill>
-                <a:latin typeface="微软雅黑 Light" panose="020B0502040204020203" charset="-122"/>
-                <a:ea typeface="微软雅黑 Light" panose="020B0502040204020203" charset="-122"/>
-              </a:rPr>
-              <a:t>，</a:t>
-            </a:r>
-            <a:r>
-              <a:rPr lang="en-US" sz="2000" b="0" strike="noStrike" spc="-1">
-                <a:solidFill>
-                  <a:srgbClr val="000000"/>
-                </a:solidFill>
-                <a:latin typeface="微软雅黑 Light" panose="020B0502040204020203" charset="-122"/>
-                <a:ea typeface="微软雅黑 Light" panose="020B0502040204020203" charset="-122"/>
-              </a:rPr>
-              <a:t>取所有关键词所映射的文件</a:t>
-            </a:r>
-            <a:r>
-              <a:rPr lang="zh-CN" altLang="en-US" sz="2000" b="0" strike="noStrike" spc="-1">
-                <a:solidFill>
-                  <a:srgbClr val="000000"/>
-                </a:solidFill>
-                <a:latin typeface="微软雅黑 Light" panose="020B0502040204020203" charset="-122"/>
-                <a:ea typeface="微软雅黑 Light" panose="020B0502040204020203" charset="-122"/>
-              </a:rPr>
-              <a:t>信息</a:t>
-            </a:r>
-            <a:r>
-              <a:rPr lang="en-US" sz="2000" b="0" strike="noStrike" spc="-1">
-                <a:solidFill>
-                  <a:srgbClr val="000000"/>
-                </a:solidFill>
-                <a:latin typeface="微软雅黑 Light" panose="020B0502040204020203" charset="-122"/>
-                <a:ea typeface="微软雅黑 Light" panose="020B0502040204020203" charset="-122"/>
-              </a:rPr>
-              <a:t>列表的交集</a:t>
-            </a:r>
-            <a:endParaRPr lang="en-US" sz="2000" b="0" strike="noStrike" spc="-1">
-              <a:solidFill>
-                <a:srgbClr val="000000"/>
-              </a:solidFill>
-              <a:latin typeface="微软雅黑 Light" panose="020B0502040204020203" charset="-122"/>
-              <a:ea typeface="微软雅黑 Light" panose="020B0502040204020203" charset="-122"/>
-            </a:endParaRPr>
-          </a:p>
-          <a:p>
-            <a:pPr>
-              <a:lnSpc>
-                <a:spcPct val="150000"/>
-              </a:lnSpc>
-            </a:pPr>
-            <a:endParaRPr lang="en-US" sz="2000" b="0" strike="noStrike" spc="-1">
-              <a:latin typeface="微软雅黑 Light" panose="020B0502040204020203" charset="-122"/>
-              <a:ea typeface="微软雅黑 Light" panose="020B0502040204020203" charset="-122"/>
-            </a:endParaRPr>
-          </a:p>
-          <a:p>
-            <a:pPr>
-              <a:lnSpc>
-                <a:spcPct val="150000"/>
-              </a:lnSpc>
-            </a:pPr>
-            <a:r>
-              <a:rPr lang="en-US" sz="2000" b="0" strike="noStrike" spc="-1">
-                <a:solidFill>
-                  <a:srgbClr val="000000"/>
-                </a:solidFill>
-                <a:latin typeface="微软雅黑 Light" panose="020B0502040204020203" charset="-122"/>
-                <a:ea typeface="微软雅黑 Light" panose="020B0502040204020203" charset="-122"/>
-              </a:rPr>
-              <a:t>2. 对所获得到的文件</a:t>
-            </a:r>
-            <a:r>
-              <a:rPr lang="zh-CN" altLang="en-US" sz="2000" b="0" strike="noStrike" spc="-1">
-                <a:solidFill>
-                  <a:srgbClr val="000000"/>
-                </a:solidFill>
-                <a:latin typeface="微软雅黑 Light" panose="020B0502040204020203" charset="-122"/>
-                <a:ea typeface="微软雅黑 Light" panose="020B0502040204020203" charset="-122"/>
-              </a:rPr>
-              <a:t>信息</a:t>
-            </a:r>
-            <a:r>
-              <a:rPr lang="en-US" sz="2000" b="0" strike="noStrike" spc="-1">
-                <a:solidFill>
-                  <a:srgbClr val="000000"/>
-                </a:solidFill>
-                <a:latin typeface="微软雅黑 Light" panose="020B0502040204020203" charset="-122"/>
-                <a:ea typeface="微软雅黑 Light" panose="020B0502040204020203" charset="-122"/>
-              </a:rPr>
-              <a:t>列表进行打分排序</a:t>
-            </a:r>
-            <a:endParaRPr lang="en-US" sz="2000" b="0" strike="noStrike" spc="-1">
-              <a:solidFill>
-                <a:srgbClr val="000000"/>
-              </a:solidFill>
-              <a:latin typeface="微软雅黑 Light" panose="020B0502040204020203" charset="-122"/>
-              <a:ea typeface="微软雅黑 Light" panose="020B0502040204020203" charset="-122"/>
-            </a:endParaRPr>
-          </a:p>
-          <a:p>
-            <a:pPr>
-              <a:lnSpc>
-                <a:spcPct val="150000"/>
-              </a:lnSpc>
-            </a:pPr>
-            <a:endParaRPr lang="en-US" sz="2000" b="0" strike="noStrike" spc="-1">
-              <a:latin typeface="微软雅黑 Light" panose="020B0502040204020203" charset="-122"/>
-              <a:ea typeface="微软雅黑 Light" panose="020B0502040204020203" charset="-122"/>
-            </a:endParaRPr>
-          </a:p>
-          <a:p>
-            <a:pPr>
-              <a:lnSpc>
-                <a:spcPct val="150000"/>
-              </a:lnSpc>
-            </a:pPr>
-            <a:r>
-              <a:rPr lang="en-US" sz="2000" b="0" strike="noStrike" spc="-1">
-                <a:solidFill>
-                  <a:srgbClr val="000000"/>
-                </a:solidFill>
-                <a:latin typeface="微软雅黑 Light" panose="020B0502040204020203" charset="-122"/>
-                <a:ea typeface="微软雅黑 Light" panose="020B0502040204020203" charset="-122"/>
-              </a:rPr>
-              <a:t>3. 返回排序之后的文件路径列表</a:t>
-            </a:r>
-            <a:endParaRPr lang="en-US" altLang="en-US" sz="2000" b="0" strike="noStrike" spc="-1">
-              <a:solidFill>
-                <a:srgbClr val="000000"/>
-              </a:solidFill>
-              <a:latin typeface="微软雅黑 Light" panose="020B0502040204020203" charset="-122"/>
-              <a:ea typeface="微软雅黑 Light" panose="020B0502040204020203" charset="-122"/>
+              <a:t>倒排索引</a:t>
+            </a:r>
+            <a:endParaRPr lang="en-US" sz="4800" b="0" strike="noStrike" spc="-1">
+              <a:latin typeface="Arial" panose="020B0604020202020204"/>
             </a:endParaRPr>
           </a:p>
         </p:txBody>
@@ -5173,14 +6016,14 @@
       </p:grpSpPr>
       <p:sp>
         <p:nvSpPr>
-          <p:cNvPr id="110" name="TextShape 1"/>
-          <p:cNvSpPr txBox="1"/>
+          <p:cNvPr id="101" name="CustomShape 1"/>
+          <p:cNvSpPr/>
           <p:nvPr/>
         </p:nvSpPr>
         <p:spPr>
           <a:xfrm>
-            <a:off x="908030" y="969775"/>
-            <a:ext cx="2329200" cy="889000"/>
+            <a:off x="697560" y="597945"/>
+            <a:ext cx="5322240" cy="642620"/>
           </a:xfrm>
           <a:prstGeom prst="rect">
             <a:avLst/>
@@ -5190,11 +6033,28 @@
             <a:noFill/>
           </a:ln>
         </p:spPr>
+        <p:style>
+          <a:lnRef idx="0">
+            <a:srgbClr val="FFFFFF"/>
+          </a:lnRef>
+          <a:fillRef idx="0">
+            <a:srgbClr val="FFFFFF"/>
+          </a:fillRef>
+          <a:effectRef idx="0">
+            <a:srgbClr val="FFFFFF"/>
+          </a:effectRef>
+          <a:fontRef idx="minor"/>
+        </p:style>
         <p:txBody>
           <a:bodyPr lIns="90000" tIns="45000" rIns="90000" bIns="45000">
             <a:spAutoFit/>
           </a:bodyPr>
           <a:p>
+            <a:pPr>
+              <a:lnSpc>
+                <a:spcPct val="100000"/>
+              </a:lnSpc>
+            </a:pPr>
             <a:r>
               <a:rPr lang="en-US" sz="3600" b="0" strike="noStrike" spc="-1">
                 <a:solidFill>
@@ -5203,24 +6063,54 @@
                 <a:latin typeface="微软雅黑 Light" panose="020B0502040204020203" charset="-122"/>
                 <a:ea typeface="微软雅黑 Light" panose="020B0502040204020203" charset="-122"/>
               </a:rPr>
-              <a:t>打分</a:t>
-            </a:r>
-            <a:endParaRPr lang="en-US" sz="2000" b="0" strike="noStrike" spc="-1">
-              <a:latin typeface="Arial" panose="020B0604020202020204"/>
-            </a:endParaRPr>
-          </a:p>
-          <a:p>
-            <a:r>
-              <a:rPr lang="en-US" sz="1600" b="0" strike="noStrike" spc="-1">
+              <a:t>三个部分</a:t>
+            </a:r>
+            <a:endParaRPr lang="en-US" sz="3600" b="0" strike="noStrike" spc="-1">
+              <a:solidFill>
+                <a:srgbClr val="000000"/>
+              </a:solidFill>
+              <a:latin typeface="微软雅黑 Light" panose="020B0502040204020203" charset="-122"/>
+              <a:ea typeface="微软雅黑 Light" panose="020B0502040204020203" charset="-122"/>
+            </a:endParaRPr>
+          </a:p>
+        </p:txBody>
+      </p:sp>
+      <p:sp>
+        <p:nvSpPr>
+          <p:cNvPr id="102" name="TextShape 2"/>
+          <p:cNvSpPr txBox="1"/>
+          <p:nvPr/>
+        </p:nvSpPr>
+        <p:spPr>
+          <a:xfrm>
+            <a:off x="4987925" y="2069600"/>
+            <a:ext cx="2215440" cy="622800"/>
+          </a:xfrm>
+          <a:prstGeom prst="rect">
+            <a:avLst/>
+          </a:prstGeom>
+          <a:noFill/>
+          <a:ln>
+            <a:noFill/>
+          </a:ln>
+        </p:spPr>
+        <p:txBody>
+          <a:bodyPr lIns="90000" tIns="45000" rIns="90000" bIns="45000">
+            <a:spAutoFit/>
+          </a:bodyPr>
+          <a:p>
+            <a:pPr algn="ctr"/>
+            <a:r>
+              <a:rPr lang="en-US" sz="3200" b="0" strike="noStrike" spc="-1">
                 <a:solidFill>
                   <a:srgbClr val="000000"/>
                 </a:solidFill>
                 <a:latin typeface="微软雅黑 Light" panose="020B0502040204020203" charset="-122"/>
                 <a:ea typeface="微软雅黑 Light" panose="020B0502040204020203" charset="-122"/>
               </a:rPr>
-              <a:t>根据以下步骤进行打分:</a:t>
-            </a:r>
-            <a:endParaRPr lang="en-US" sz="1600" b="0" strike="noStrike" spc="-1">
+              <a:t>索引的建立</a:t>
+            </a:r>
+            <a:endParaRPr lang="en-US" sz="3200" b="0" strike="noStrike" spc="-1">
               <a:latin typeface="Arial" panose="020B0604020202020204"/>
             </a:endParaRPr>
           </a:p>
@@ -5228,1275 +6118,82 @@
       </p:sp>
       <p:sp>
         <p:nvSpPr>
-          <p:cNvPr id="2" name="流程图: 过程 1"/>
-          <p:cNvSpPr/>
-          <p:nvPr/>
-        </p:nvSpPr>
-        <p:spPr>
-          <a:xfrm>
-            <a:off x="6334125" y="178435"/>
-            <a:ext cx="2396490" cy="791210"/>
-          </a:xfrm>
-          <a:prstGeom prst="flowChartProcess">
-            <a:avLst/>
-          </a:prstGeom>
-        </p:spPr>
-        <p:style>
-          <a:lnRef idx="2">
-            <a:schemeClr val="dk1"/>
-          </a:lnRef>
-          <a:fillRef idx="1">
-            <a:schemeClr val="lt1"/>
-          </a:fillRef>
-          <a:effectRef idx="0">
-            <a:schemeClr val="dk1"/>
-          </a:effectRef>
-          <a:fontRef idx="minor">
-            <a:schemeClr val="dk1"/>
-          </a:fontRef>
-        </p:style>
-        <p:txBody>
-          <a:bodyPr rtlCol="0" anchor="ctr"/>
-          <a:p>
-            <a:pPr algn="ctr"/>
-            <a:r>
-              <a:rPr lang="zh-CN" altLang="en-US">
-                <a:latin typeface="微软雅黑 Light" panose="020B0502040204020203" charset="-122"/>
-                <a:ea typeface="微软雅黑 Light" panose="020B0502040204020203" charset="-122"/>
-              </a:rPr>
-              <a:t>遍历每个关键词、文章信息列表的键值对</a:t>
-            </a:r>
-            <a:endParaRPr lang="zh-CN" altLang="en-US">
-              <a:latin typeface="微软雅黑 Light" panose="020B0502040204020203" charset="-122"/>
-              <a:ea typeface="微软雅黑 Light" panose="020B0502040204020203" charset="-122"/>
-            </a:endParaRPr>
-          </a:p>
-        </p:txBody>
-      </p:sp>
-      <p:sp>
-        <p:nvSpPr>
-          <p:cNvPr id="3" name="流程图: 过程 2"/>
-          <p:cNvSpPr/>
-          <p:nvPr/>
-        </p:nvSpPr>
-        <p:spPr>
-          <a:xfrm>
-            <a:off x="6950075" y="2152015"/>
-            <a:ext cx="1165860" cy="613410"/>
-          </a:xfrm>
-          <a:prstGeom prst="flowChartProcess">
-            <a:avLst/>
-          </a:prstGeom>
-        </p:spPr>
-        <p:style>
-          <a:lnRef idx="2">
-            <a:schemeClr val="dk1"/>
-          </a:lnRef>
-          <a:fillRef idx="1">
-            <a:schemeClr val="lt1"/>
-          </a:fillRef>
-          <a:effectRef idx="0">
-            <a:schemeClr val="dk1"/>
-          </a:effectRef>
-          <a:fontRef idx="minor">
-            <a:schemeClr val="dk1"/>
-          </a:fontRef>
-        </p:style>
-        <p:txBody>
-          <a:bodyPr rtlCol="0" anchor="ctr"/>
-          <a:p>
-            <a:pPr algn="ctr"/>
-            <a:r>
-              <a:rPr lang="zh-CN" altLang="en-US">
-                <a:latin typeface="微软雅黑 Light" panose="020B0502040204020203" charset="-122"/>
-                <a:ea typeface="微软雅黑 Light" panose="020B0502040204020203" charset="-122"/>
-              </a:rPr>
-              <a:t>遍历每个文章信息</a:t>
-            </a:r>
-            <a:endParaRPr lang="zh-CN" altLang="en-US">
-              <a:latin typeface="微软雅黑 Light" panose="020B0502040204020203" charset="-122"/>
-              <a:ea typeface="微软雅黑 Light" panose="020B0502040204020203" charset="-122"/>
-            </a:endParaRPr>
-          </a:p>
-        </p:txBody>
-      </p:sp>
-      <p:sp>
-        <p:nvSpPr>
-          <p:cNvPr id="4" name="流程图: 决策 3"/>
-          <p:cNvSpPr/>
-          <p:nvPr/>
-        </p:nvSpPr>
-        <p:spPr>
-          <a:xfrm>
-            <a:off x="6373495" y="4964430"/>
-            <a:ext cx="2319655" cy="1210945"/>
-          </a:xfrm>
-          <a:prstGeom prst="flowChartDecision">
-            <a:avLst/>
-          </a:prstGeom>
-        </p:spPr>
-        <p:style>
-          <a:lnRef idx="2">
-            <a:schemeClr val="dk1"/>
-          </a:lnRef>
-          <a:fillRef idx="1">
-            <a:schemeClr val="lt1"/>
-          </a:fillRef>
-          <a:effectRef idx="0">
-            <a:schemeClr val="dk1"/>
-          </a:effectRef>
-          <a:fontRef idx="minor">
-            <a:schemeClr val="dk1"/>
-          </a:fontRef>
-        </p:style>
-        <p:txBody>
-          <a:bodyPr rtlCol="0" anchor="ctr"/>
-          <a:p>
-            <a:pPr algn="ctr"/>
-            <a:r>
-              <a:rPr lang="zh-CN" altLang="en-US">
-                <a:latin typeface="微软雅黑 Light" panose="020B0502040204020203" charset="-122"/>
-                <a:ea typeface="微软雅黑 Light" panose="020B0502040204020203" charset="-122"/>
-              </a:rPr>
-              <a:t>关键词是否在标题中出现</a:t>
-            </a:r>
-            <a:endParaRPr lang="zh-CN" altLang="en-US">
-              <a:latin typeface="微软雅黑 Light" panose="020B0502040204020203" charset="-122"/>
-              <a:ea typeface="微软雅黑 Light" panose="020B0502040204020203" charset="-122"/>
-            </a:endParaRPr>
-          </a:p>
-        </p:txBody>
-      </p:sp>
-      <p:sp>
-        <p:nvSpPr>
-          <p:cNvPr id="5" name="流程图: 过程 4"/>
-          <p:cNvSpPr/>
-          <p:nvPr/>
-        </p:nvSpPr>
-        <p:spPr>
-          <a:xfrm>
-            <a:off x="4027805" y="5046980"/>
-            <a:ext cx="1849755" cy="1045845"/>
-          </a:xfrm>
-          <a:prstGeom prst="flowChartProcess">
-            <a:avLst/>
-          </a:prstGeom>
-        </p:spPr>
-        <p:style>
-          <a:lnRef idx="2">
-            <a:schemeClr val="dk1"/>
-          </a:lnRef>
-          <a:fillRef idx="1">
-            <a:schemeClr val="lt1"/>
-          </a:fillRef>
-          <a:effectRef idx="0">
-            <a:schemeClr val="dk1"/>
-          </a:effectRef>
-          <a:fontRef idx="minor">
-            <a:schemeClr val="dk1"/>
-          </a:fontRef>
-        </p:style>
-        <p:txBody>
-          <a:bodyPr rtlCol="0" anchor="ctr"/>
-          <a:p>
-            <a:pPr algn="ctr"/>
-            <a:r>
-              <a:rPr lang="zh-CN" altLang="en-US">
-                <a:latin typeface="微软雅黑 Light" panose="020B0502040204020203" charset="-122"/>
-                <a:ea typeface="微软雅黑 Light" panose="020B0502040204020203" charset="-122"/>
-                <a:cs typeface="微软雅黑 Light" panose="020B0502040204020203" charset="-122"/>
-              </a:rPr>
-              <a:t>文章得分增加</a:t>
-            </a:r>
-            <a:r>
-              <a:rPr lang="en-US" altLang="zh-CN">
-                <a:latin typeface="微软雅黑 Light" panose="020B0502040204020203" charset="-122"/>
-                <a:ea typeface="微软雅黑 Light" panose="020B0502040204020203" charset="-122"/>
-                <a:cs typeface="微软雅黑 Light" panose="020B0502040204020203" charset="-122"/>
-              </a:rPr>
-              <a:t>1000</a:t>
-            </a:r>
-            <a:r>
-              <a:rPr lang="zh-CN" altLang="en-US">
-                <a:latin typeface="微软雅黑 Light" panose="020B0502040204020203" charset="-122"/>
-                <a:ea typeface="微软雅黑 Light" panose="020B0502040204020203" charset="-122"/>
-                <a:cs typeface="微软雅黑 Light" panose="020B0502040204020203" charset="-122"/>
-              </a:rPr>
-              <a:t>，标记主概念文章章节</a:t>
-            </a:r>
-            <a:endParaRPr lang="zh-CN" altLang="en-US">
-              <a:latin typeface="微软雅黑 Light" panose="020B0502040204020203" charset="-122"/>
-              <a:ea typeface="微软雅黑 Light" panose="020B0502040204020203" charset="-122"/>
-              <a:cs typeface="微软雅黑 Light" panose="020B0502040204020203" charset="-122"/>
-            </a:endParaRPr>
-          </a:p>
-        </p:txBody>
-      </p:sp>
-      <p:sp>
-        <p:nvSpPr>
-          <p:cNvPr id="6" name="流程图: 决策 5"/>
-          <p:cNvSpPr/>
-          <p:nvPr/>
-        </p:nvSpPr>
-        <p:spPr>
-          <a:xfrm>
-            <a:off x="9646920" y="3693795"/>
-            <a:ext cx="2256790" cy="1506220"/>
-          </a:xfrm>
-          <a:prstGeom prst="flowChartDecision">
-            <a:avLst/>
-          </a:prstGeom>
-        </p:spPr>
-        <p:style>
-          <a:lnRef idx="2">
-            <a:schemeClr val="dk1"/>
-          </a:lnRef>
-          <a:fillRef idx="1">
-            <a:schemeClr val="lt1"/>
-          </a:fillRef>
-          <a:effectRef idx="0">
-            <a:schemeClr val="dk1"/>
-          </a:effectRef>
-          <a:fontRef idx="minor">
-            <a:schemeClr val="dk1"/>
-          </a:fontRef>
-        </p:style>
-        <p:txBody>
-          <a:bodyPr rtlCol="0" anchor="ctr"/>
-          <a:p>
-            <a:pPr algn="ctr"/>
-            <a:r>
-              <a:rPr lang="zh-CN" altLang="en-US">
-                <a:latin typeface="微软雅黑 Light" panose="020B0502040204020203" charset="-122"/>
-                <a:ea typeface="微软雅黑 Light" panose="020B0502040204020203" charset="-122"/>
-              </a:rPr>
-              <a:t>是否标记过主概念文章章节？</a:t>
-            </a:r>
-            <a:endParaRPr lang="zh-CN" altLang="en-US">
-              <a:latin typeface="微软雅黑 Light" panose="020B0502040204020203" charset="-122"/>
-              <a:ea typeface="微软雅黑 Light" panose="020B0502040204020203" charset="-122"/>
-            </a:endParaRPr>
-          </a:p>
-        </p:txBody>
-      </p:sp>
-      <p:sp>
-        <p:nvSpPr>
-          <p:cNvPr id="7" name="流程图: 过程 6"/>
-          <p:cNvSpPr/>
-          <p:nvPr/>
-        </p:nvSpPr>
-        <p:spPr>
-          <a:xfrm>
-            <a:off x="9501505" y="5685155"/>
-            <a:ext cx="2547620" cy="740410"/>
-          </a:xfrm>
-          <a:prstGeom prst="flowChartProcess">
-            <a:avLst/>
-          </a:prstGeom>
-        </p:spPr>
-        <p:style>
-          <a:lnRef idx="2">
-            <a:schemeClr val="dk1"/>
-          </a:lnRef>
-          <a:fillRef idx="1">
-            <a:schemeClr val="lt1"/>
-          </a:fillRef>
-          <a:effectRef idx="0">
-            <a:schemeClr val="dk1"/>
-          </a:effectRef>
-          <a:fontRef idx="minor">
-            <a:schemeClr val="dk1"/>
-          </a:fontRef>
-        </p:style>
-        <p:txBody>
-          <a:bodyPr rtlCol="0" anchor="ctr"/>
-          <a:p>
-            <a:pPr algn="ctr"/>
-            <a:r>
-              <a:rPr lang="zh-CN" altLang="en-US">
-                <a:latin typeface="微软雅黑 Light" panose="020B0502040204020203" charset="-122"/>
-                <a:ea typeface="微软雅黑 Light" panose="020B0502040204020203" charset="-122"/>
-                <a:cs typeface="微软雅黑 Light" panose="020B0502040204020203" charset="-122"/>
-              </a:rPr>
-              <a:t>文章得分减少其与主概念文章章节距离 </a:t>
-            </a:r>
-            <a:r>
-              <a:rPr lang="en-US" altLang="zh-CN">
-                <a:latin typeface="微软雅黑 Light" panose="020B0502040204020203" charset="-122"/>
-                <a:ea typeface="微软雅黑 Light" panose="020B0502040204020203" charset="-122"/>
-                <a:cs typeface="微软雅黑 Light" panose="020B0502040204020203" charset="-122"/>
-              </a:rPr>
-              <a:t>* 100</a:t>
-            </a:r>
-            <a:endParaRPr lang="en-US" altLang="zh-CN">
-              <a:latin typeface="微软雅黑 Light" panose="020B0502040204020203" charset="-122"/>
-              <a:ea typeface="微软雅黑 Light" panose="020B0502040204020203" charset="-122"/>
-              <a:cs typeface="微软雅黑 Light" panose="020B0502040204020203" charset="-122"/>
-            </a:endParaRPr>
-          </a:p>
-        </p:txBody>
-      </p:sp>
-      <p:sp>
-        <p:nvSpPr>
-          <p:cNvPr id="8" name="流程图: 过程 7"/>
-          <p:cNvSpPr/>
-          <p:nvPr/>
-        </p:nvSpPr>
-        <p:spPr>
-          <a:xfrm>
-            <a:off x="6249670" y="3983355"/>
-            <a:ext cx="2567305" cy="702945"/>
-          </a:xfrm>
-          <a:prstGeom prst="flowChartProcess">
-            <a:avLst/>
-          </a:prstGeom>
-        </p:spPr>
-        <p:style>
-          <a:lnRef idx="2">
-            <a:schemeClr val="dk1"/>
-          </a:lnRef>
-          <a:fillRef idx="1">
-            <a:schemeClr val="lt1"/>
-          </a:fillRef>
-          <a:effectRef idx="0">
-            <a:schemeClr val="dk1"/>
-          </a:effectRef>
-          <a:fontRef idx="minor">
-            <a:schemeClr val="dk1"/>
-          </a:fontRef>
-        </p:style>
-        <p:txBody>
-          <a:bodyPr rtlCol="0" anchor="ctr"/>
-          <a:p>
-            <a:pPr algn="ctr"/>
-            <a:r>
-              <a:rPr lang="zh-CN" altLang="en-US">
-                <a:latin typeface="微软雅黑 Light" panose="020B0502040204020203" charset="-122"/>
-                <a:ea typeface="微软雅黑 Light" panose="020B0502040204020203" charset="-122"/>
-                <a:cs typeface="微软雅黑 Light" panose="020B0502040204020203" charset="-122"/>
-              </a:rPr>
-              <a:t>文章得分增加该关键词出现的次数 </a:t>
-            </a:r>
-            <a:r>
-              <a:rPr lang="en-US" altLang="zh-CN">
-                <a:latin typeface="微软雅黑 Light" panose="020B0502040204020203" charset="-122"/>
-                <a:ea typeface="微软雅黑 Light" panose="020B0502040204020203" charset="-122"/>
-                <a:cs typeface="微软雅黑 Light" panose="020B0502040204020203" charset="-122"/>
-              </a:rPr>
-              <a:t>* </a:t>
-            </a:r>
-            <a:r>
-              <a:rPr lang="zh-CN" altLang="en-US">
-                <a:latin typeface="微软雅黑 Light" panose="020B0502040204020203" charset="-122"/>
-                <a:ea typeface="微软雅黑 Light" panose="020B0502040204020203" charset="-122"/>
-                <a:cs typeface="微软雅黑 Light" panose="020B0502040204020203" charset="-122"/>
-              </a:rPr>
-              <a:t>其信息量</a:t>
-            </a:r>
-            <a:endParaRPr lang="zh-CN" altLang="en-US">
-              <a:latin typeface="微软雅黑 Light" panose="020B0502040204020203" charset="-122"/>
-              <a:ea typeface="微软雅黑 Light" panose="020B0502040204020203" charset="-122"/>
-              <a:cs typeface="微软雅黑 Light" panose="020B0502040204020203" charset="-122"/>
-            </a:endParaRPr>
-          </a:p>
-        </p:txBody>
-      </p:sp>
-      <p:cxnSp>
-        <p:nvCxnSpPr>
-          <p:cNvPr id="10" name="直接箭头连接符 9"/>
-          <p:cNvCxnSpPr>
-            <a:stCxn id="21" idx="2"/>
-            <a:endCxn id="3" idx="0"/>
-          </p:cNvCxnSpPr>
-          <p:nvPr/>
-        </p:nvCxnSpPr>
-        <p:spPr>
-          <a:xfrm flipH="1">
-            <a:off x="7533005" y="1779905"/>
-            <a:ext cx="1270" cy="372110"/>
-          </a:xfrm>
-          <a:prstGeom prst="straightConnector1">
-            <a:avLst/>
-          </a:prstGeom>
-          <a:ln>
-            <a:tailEnd type="arrow" w="med" len="med"/>
-          </a:ln>
-        </p:spPr>
-        <p:style>
-          <a:lnRef idx="1">
-            <a:schemeClr val="dk1"/>
-          </a:lnRef>
-          <a:fillRef idx="0">
-            <a:schemeClr val="dk1"/>
-          </a:fillRef>
-          <a:effectRef idx="0">
-            <a:schemeClr val="dk1"/>
-          </a:effectRef>
-          <a:fontRef idx="minor">
-            <a:schemeClr val="tx1"/>
-          </a:fontRef>
-        </p:style>
-      </p:cxnSp>
-      <p:cxnSp>
-        <p:nvCxnSpPr>
-          <p:cNvPr id="11" name="直接箭头连接符 10"/>
-          <p:cNvCxnSpPr>
-            <a:stCxn id="3" idx="2"/>
-            <a:endCxn id="17" idx="0"/>
-          </p:cNvCxnSpPr>
-          <p:nvPr/>
-        </p:nvCxnSpPr>
-        <p:spPr>
-          <a:xfrm>
-            <a:off x="7533005" y="2765425"/>
-            <a:ext cx="635" cy="201295"/>
-          </a:xfrm>
-          <a:prstGeom prst="straightConnector1">
-            <a:avLst/>
-          </a:prstGeom>
-          <a:ln>
-            <a:tailEnd type="arrow" w="med" len="med"/>
-          </a:ln>
-        </p:spPr>
-        <p:style>
-          <a:lnRef idx="1">
-            <a:schemeClr val="dk1"/>
-          </a:lnRef>
-          <a:fillRef idx="0">
-            <a:schemeClr val="dk1"/>
-          </a:fillRef>
-          <a:effectRef idx="0">
-            <a:schemeClr val="dk1"/>
-          </a:effectRef>
-          <a:fontRef idx="minor">
-            <a:schemeClr val="tx1"/>
-          </a:fontRef>
-        </p:style>
-      </p:cxnSp>
-      <p:cxnSp>
-        <p:nvCxnSpPr>
-          <p:cNvPr id="12" name="直接箭头连接符 11"/>
-          <p:cNvCxnSpPr>
-            <a:stCxn id="8" idx="2"/>
-            <a:endCxn id="4" idx="0"/>
-          </p:cNvCxnSpPr>
-          <p:nvPr/>
-        </p:nvCxnSpPr>
-        <p:spPr>
-          <a:xfrm>
-            <a:off x="7533640" y="4686300"/>
-            <a:ext cx="0" cy="278130"/>
-          </a:xfrm>
-          <a:prstGeom prst="straightConnector1">
-            <a:avLst/>
-          </a:prstGeom>
-          <a:ln>
-            <a:tailEnd type="arrow" w="med" len="med"/>
-          </a:ln>
-        </p:spPr>
-        <p:style>
-          <a:lnRef idx="1">
-            <a:schemeClr val="dk1"/>
-          </a:lnRef>
-          <a:fillRef idx="0">
-            <a:schemeClr val="dk1"/>
-          </a:fillRef>
-          <a:effectRef idx="0">
-            <a:schemeClr val="dk1"/>
-          </a:effectRef>
-          <a:fontRef idx="minor">
-            <a:schemeClr val="tx1"/>
-          </a:fontRef>
-        </p:style>
-      </p:cxnSp>
-      <p:cxnSp>
-        <p:nvCxnSpPr>
-          <p:cNvPr id="15" name="肘形连接符 14"/>
-          <p:cNvCxnSpPr>
-            <a:stCxn id="4" idx="3"/>
-            <a:endCxn id="6" idx="1"/>
-          </p:cNvCxnSpPr>
-          <p:nvPr/>
-        </p:nvCxnSpPr>
-        <p:spPr>
-          <a:xfrm flipV="1">
-            <a:off x="8693150" y="4446905"/>
-            <a:ext cx="953770" cy="1123315"/>
-          </a:xfrm>
-          <a:prstGeom prst="bentConnector3">
-            <a:avLst>
-              <a:gd name="adj1" fmla="val 50000"/>
-            </a:avLst>
-          </a:prstGeom>
-          <a:ln>
-            <a:tailEnd type="arrow" w="med" len="med"/>
-          </a:ln>
-        </p:spPr>
-        <p:style>
-          <a:lnRef idx="1">
-            <a:schemeClr val="dk1"/>
-          </a:lnRef>
-          <a:fillRef idx="0">
-            <a:schemeClr val="dk1"/>
-          </a:fillRef>
-          <a:effectRef idx="0">
-            <a:schemeClr val="dk1"/>
-          </a:effectRef>
-          <a:fontRef idx="minor">
-            <a:schemeClr val="tx1"/>
-          </a:fontRef>
-        </p:style>
-      </p:cxnSp>
-      <p:cxnSp>
-        <p:nvCxnSpPr>
-          <p:cNvPr id="16" name="直接箭头连接符 15"/>
-          <p:cNvCxnSpPr>
-            <a:stCxn id="6" idx="2"/>
-            <a:endCxn id="7" idx="0"/>
-          </p:cNvCxnSpPr>
-          <p:nvPr/>
-        </p:nvCxnSpPr>
-        <p:spPr>
-          <a:xfrm>
-            <a:off x="10775315" y="5200015"/>
-            <a:ext cx="0" cy="485140"/>
-          </a:xfrm>
-          <a:prstGeom prst="straightConnector1">
-            <a:avLst/>
-          </a:prstGeom>
-          <a:ln>
-            <a:tailEnd type="arrow" w="med" len="med"/>
-          </a:ln>
-        </p:spPr>
-        <p:style>
-          <a:lnRef idx="1">
-            <a:schemeClr val="dk1"/>
-          </a:lnRef>
-          <a:fillRef idx="0">
-            <a:schemeClr val="dk1"/>
-          </a:fillRef>
-          <a:effectRef idx="0">
-            <a:schemeClr val="dk1"/>
-          </a:effectRef>
-          <a:fontRef idx="minor">
-            <a:schemeClr val="tx1"/>
-          </a:fontRef>
-        </p:style>
-      </p:cxnSp>
-      <p:sp>
-        <p:nvSpPr>
-          <p:cNvPr id="17" name="流程图: 决策 16"/>
-          <p:cNvSpPr/>
-          <p:nvPr/>
-        </p:nvSpPr>
-        <p:spPr>
-          <a:xfrm>
-            <a:off x="6306185" y="2966720"/>
-            <a:ext cx="2454275" cy="650875"/>
-          </a:xfrm>
-          <a:prstGeom prst="flowChartDecision">
-            <a:avLst/>
-          </a:prstGeom>
-        </p:spPr>
-        <p:style>
-          <a:lnRef idx="2">
-            <a:schemeClr val="dk1"/>
-          </a:lnRef>
-          <a:fillRef idx="1">
-            <a:schemeClr val="lt1"/>
-          </a:fillRef>
-          <a:effectRef idx="0">
-            <a:schemeClr val="dk1"/>
-          </a:effectRef>
-          <a:fontRef idx="minor">
-            <a:schemeClr val="dk1"/>
-          </a:fontRef>
-        </p:style>
-        <p:txBody>
-          <a:bodyPr rtlCol="0" anchor="ctr"/>
-          <a:p>
-            <a:pPr algn="ctr"/>
-            <a:r>
-              <a:rPr lang="zh-CN" altLang="en-US">
-                <a:latin typeface="微软雅黑 Light" panose="020B0502040204020203" charset="-122"/>
-                <a:ea typeface="微软雅黑 Light" panose="020B0502040204020203" charset="-122"/>
-              </a:rPr>
-              <a:t>遍历结束？</a:t>
-            </a:r>
-            <a:endParaRPr lang="zh-CN" altLang="en-US">
-              <a:latin typeface="微软雅黑 Light" panose="020B0502040204020203" charset="-122"/>
-              <a:ea typeface="微软雅黑 Light" panose="020B0502040204020203" charset="-122"/>
-            </a:endParaRPr>
-          </a:p>
-        </p:txBody>
-      </p:sp>
-      <p:cxnSp>
-        <p:nvCxnSpPr>
-          <p:cNvPr id="18" name="直接箭头连接符 17"/>
-          <p:cNvCxnSpPr>
-            <a:stCxn id="17" idx="2"/>
-            <a:endCxn id="8" idx="0"/>
-          </p:cNvCxnSpPr>
-          <p:nvPr/>
-        </p:nvCxnSpPr>
-        <p:spPr>
-          <a:xfrm>
-            <a:off x="7533640" y="3617595"/>
-            <a:ext cx="0" cy="365760"/>
-          </a:xfrm>
-          <a:prstGeom prst="straightConnector1">
-            <a:avLst/>
-          </a:prstGeom>
-          <a:ln>
-            <a:tailEnd type="arrow" w="med" len="med"/>
-          </a:ln>
-        </p:spPr>
-        <p:style>
-          <a:lnRef idx="1">
-            <a:schemeClr val="dk1"/>
-          </a:lnRef>
-          <a:fillRef idx="0">
-            <a:schemeClr val="dk1"/>
-          </a:fillRef>
-          <a:effectRef idx="0">
-            <a:schemeClr val="dk1"/>
-          </a:effectRef>
-          <a:fontRef idx="minor">
-            <a:schemeClr val="tx1"/>
-          </a:fontRef>
-        </p:style>
-      </p:cxnSp>
-      <p:cxnSp>
-        <p:nvCxnSpPr>
-          <p:cNvPr id="19" name="肘形连接符 18"/>
-          <p:cNvCxnSpPr>
-            <a:stCxn id="17" idx="1"/>
-            <a:endCxn id="2" idx="1"/>
-          </p:cNvCxnSpPr>
-          <p:nvPr/>
-        </p:nvCxnSpPr>
-        <p:spPr>
-          <a:xfrm rot="10800000" flipH="1">
-            <a:off x="6306185" y="574040"/>
-            <a:ext cx="27940" cy="2718435"/>
-          </a:xfrm>
-          <a:prstGeom prst="bentConnector3">
-            <a:avLst>
-              <a:gd name="adj1" fmla="val -3488636"/>
-            </a:avLst>
-          </a:prstGeom>
-          <a:ln>
-            <a:tailEnd type="arrow" w="med" len="med"/>
-          </a:ln>
-        </p:spPr>
-        <p:style>
-          <a:lnRef idx="1">
-            <a:schemeClr val="dk1"/>
-          </a:lnRef>
-          <a:fillRef idx="0">
-            <a:schemeClr val="dk1"/>
-          </a:fillRef>
-          <a:effectRef idx="0">
-            <a:schemeClr val="dk1"/>
-          </a:effectRef>
-          <a:fontRef idx="minor">
-            <a:schemeClr val="tx1"/>
-          </a:fontRef>
-        </p:style>
-      </p:cxnSp>
-      <p:sp>
-        <p:nvSpPr>
-          <p:cNvPr id="21" name="流程图: 决策 20"/>
-          <p:cNvSpPr/>
-          <p:nvPr/>
-        </p:nvSpPr>
-        <p:spPr>
-          <a:xfrm>
-            <a:off x="6306820" y="1129030"/>
-            <a:ext cx="2454275" cy="650875"/>
-          </a:xfrm>
-          <a:prstGeom prst="flowChartDecision">
-            <a:avLst/>
-          </a:prstGeom>
-        </p:spPr>
-        <p:style>
-          <a:lnRef idx="2">
-            <a:schemeClr val="dk1"/>
-          </a:lnRef>
-          <a:fillRef idx="1">
-            <a:schemeClr val="lt1"/>
-          </a:fillRef>
-          <a:effectRef idx="0">
-            <a:schemeClr val="dk1"/>
-          </a:effectRef>
-          <a:fontRef idx="minor">
-            <a:schemeClr val="dk1"/>
-          </a:fontRef>
-        </p:style>
-        <p:txBody>
-          <a:bodyPr rtlCol="0" anchor="ctr"/>
-          <a:p>
-            <a:pPr algn="ctr"/>
-            <a:r>
-              <a:rPr lang="zh-CN" altLang="en-US">
-                <a:latin typeface="微软雅黑 Light" panose="020B0502040204020203" charset="-122"/>
-                <a:ea typeface="微软雅黑 Light" panose="020B0502040204020203" charset="-122"/>
-              </a:rPr>
-              <a:t>遍历结束？</a:t>
-            </a:r>
-            <a:endParaRPr lang="zh-CN" altLang="en-US">
-              <a:latin typeface="微软雅黑 Light" panose="020B0502040204020203" charset="-122"/>
-              <a:ea typeface="微软雅黑 Light" panose="020B0502040204020203" charset="-122"/>
-            </a:endParaRPr>
-          </a:p>
-        </p:txBody>
-      </p:sp>
-      <p:cxnSp>
-        <p:nvCxnSpPr>
-          <p:cNvPr id="22" name="直接箭头连接符 21"/>
-          <p:cNvCxnSpPr>
-            <a:stCxn id="2" idx="2"/>
-            <a:endCxn id="21" idx="0"/>
-          </p:cNvCxnSpPr>
-          <p:nvPr/>
-        </p:nvCxnSpPr>
-        <p:spPr>
-          <a:xfrm>
-            <a:off x="7532370" y="969645"/>
-            <a:ext cx="1905" cy="159385"/>
-          </a:xfrm>
-          <a:prstGeom prst="straightConnector1">
-            <a:avLst/>
-          </a:prstGeom>
-          <a:ln>
-            <a:tailEnd type="arrow" w="med" len="med"/>
-          </a:ln>
-        </p:spPr>
-        <p:style>
-          <a:lnRef idx="1">
-            <a:schemeClr val="dk1"/>
-          </a:lnRef>
-          <a:fillRef idx="0">
-            <a:schemeClr val="dk1"/>
-          </a:fillRef>
-          <a:effectRef idx="0">
-            <a:schemeClr val="dk1"/>
-          </a:effectRef>
-          <a:fontRef idx="minor">
-            <a:schemeClr val="tx1"/>
-          </a:fontRef>
-        </p:style>
-      </p:cxnSp>
-      <p:sp>
-        <p:nvSpPr>
-          <p:cNvPr id="23" name="流程图: 终止 22"/>
-          <p:cNvSpPr/>
-          <p:nvPr/>
-        </p:nvSpPr>
-        <p:spPr>
-          <a:xfrm>
-            <a:off x="9947275" y="1163955"/>
-            <a:ext cx="1656080" cy="580390"/>
-          </a:xfrm>
-          <a:prstGeom prst="flowChartTerminator">
-            <a:avLst/>
-          </a:prstGeom>
-        </p:spPr>
-        <p:style>
-          <a:lnRef idx="2">
-            <a:schemeClr val="dk1"/>
-          </a:lnRef>
-          <a:fillRef idx="1">
-            <a:schemeClr val="lt1"/>
-          </a:fillRef>
-          <a:effectRef idx="0">
-            <a:schemeClr val="dk1"/>
-          </a:effectRef>
-          <a:fontRef idx="minor">
-            <a:schemeClr val="dk1"/>
-          </a:fontRef>
-        </p:style>
-        <p:txBody>
-          <a:bodyPr rtlCol="0" anchor="ctr"/>
-          <a:p>
-            <a:pPr algn="ctr"/>
-            <a:r>
-              <a:rPr lang="zh-CN" altLang="en-US">
-                <a:latin typeface="微软雅黑 Light" panose="020B0502040204020203" charset="-122"/>
-                <a:ea typeface="微软雅黑 Light" panose="020B0502040204020203" charset="-122"/>
-              </a:rPr>
-              <a:t>打分结束</a:t>
-            </a:r>
-            <a:endParaRPr lang="zh-CN" altLang="en-US">
-              <a:latin typeface="微软雅黑 Light" panose="020B0502040204020203" charset="-122"/>
-              <a:ea typeface="微软雅黑 Light" panose="020B0502040204020203" charset="-122"/>
-            </a:endParaRPr>
-          </a:p>
-        </p:txBody>
-      </p:sp>
-      <p:cxnSp>
-        <p:nvCxnSpPr>
-          <p:cNvPr id="25" name="肘形连接符 24"/>
-          <p:cNvCxnSpPr>
-            <a:stCxn id="21" idx="3"/>
-            <a:endCxn id="23" idx="1"/>
-          </p:cNvCxnSpPr>
-          <p:nvPr/>
-        </p:nvCxnSpPr>
-        <p:spPr>
-          <a:xfrm flipV="1">
-            <a:off x="8761095" y="1454150"/>
-            <a:ext cx="1186180" cy="635"/>
-          </a:xfrm>
-          <a:prstGeom prst="bentConnector3">
-            <a:avLst>
-              <a:gd name="adj1" fmla="val 50000"/>
-            </a:avLst>
-          </a:prstGeom>
-          <a:ln>
-            <a:tailEnd type="arrow" w="med" len="med"/>
-          </a:ln>
-        </p:spPr>
-        <p:style>
-          <a:lnRef idx="1">
-            <a:schemeClr val="dk1"/>
-          </a:lnRef>
-          <a:fillRef idx="0">
-            <a:schemeClr val="dk1"/>
-          </a:fillRef>
-          <a:effectRef idx="0">
-            <a:schemeClr val="dk1"/>
-          </a:effectRef>
-          <a:fontRef idx="minor">
-            <a:schemeClr val="tx1"/>
-          </a:fontRef>
-        </p:style>
-      </p:cxnSp>
-      <p:cxnSp>
-        <p:nvCxnSpPr>
-          <p:cNvPr id="26" name="直接箭头连接符 25"/>
-          <p:cNvCxnSpPr>
-            <a:stCxn id="4" idx="1"/>
-            <a:endCxn id="5" idx="3"/>
-          </p:cNvCxnSpPr>
-          <p:nvPr/>
-        </p:nvCxnSpPr>
-        <p:spPr>
-          <a:xfrm flipH="1">
-            <a:off x="5877560" y="5570220"/>
-            <a:ext cx="495935" cy="0"/>
-          </a:xfrm>
-          <a:prstGeom prst="straightConnector1">
-            <a:avLst/>
-          </a:prstGeom>
-          <a:ln>
-            <a:tailEnd type="arrow" w="med" len="med"/>
-          </a:ln>
-        </p:spPr>
-        <p:style>
-          <a:lnRef idx="1">
-            <a:schemeClr val="dk1"/>
-          </a:lnRef>
-          <a:fillRef idx="0">
-            <a:schemeClr val="dk1"/>
-          </a:fillRef>
-          <a:effectRef idx="0">
-            <a:schemeClr val="dk1"/>
-          </a:effectRef>
-          <a:fontRef idx="minor">
-            <a:schemeClr val="tx1"/>
-          </a:fontRef>
-        </p:style>
-      </p:cxnSp>
-      <p:cxnSp>
-        <p:nvCxnSpPr>
-          <p:cNvPr id="27" name="肘形连接符 26"/>
-          <p:cNvCxnSpPr>
-            <a:stCxn id="5" idx="1"/>
-            <a:endCxn id="3" idx="1"/>
-          </p:cNvCxnSpPr>
-          <p:nvPr/>
-        </p:nvCxnSpPr>
-        <p:spPr>
-          <a:xfrm rot="10800000" flipH="1">
-            <a:off x="4027805" y="2458720"/>
-            <a:ext cx="2922270" cy="3111500"/>
-          </a:xfrm>
-          <a:prstGeom prst="bentConnector3">
-            <a:avLst>
-              <a:gd name="adj1" fmla="val -8149"/>
-            </a:avLst>
-          </a:prstGeom>
-          <a:ln>
-            <a:tailEnd type="arrow" w="med" len="med"/>
-          </a:ln>
-        </p:spPr>
-        <p:style>
-          <a:lnRef idx="1">
-            <a:schemeClr val="dk1"/>
-          </a:lnRef>
-          <a:fillRef idx="0">
-            <a:schemeClr val="dk1"/>
-          </a:fillRef>
-          <a:effectRef idx="0">
-            <a:schemeClr val="dk1"/>
-          </a:effectRef>
-          <a:fontRef idx="minor">
-            <a:schemeClr val="tx1"/>
-          </a:fontRef>
-        </p:style>
-      </p:cxnSp>
-      <p:cxnSp>
-        <p:nvCxnSpPr>
-          <p:cNvPr id="28" name="肘形连接符 27"/>
-          <p:cNvCxnSpPr>
-            <a:stCxn id="7" idx="2"/>
-            <a:endCxn id="3" idx="1"/>
-          </p:cNvCxnSpPr>
-          <p:nvPr/>
-        </p:nvCxnSpPr>
-        <p:spPr>
-          <a:xfrm rot="5400000" flipH="1">
-            <a:off x="6879590" y="2529205"/>
-            <a:ext cx="3966845" cy="3825240"/>
-          </a:xfrm>
-          <a:prstGeom prst="bentConnector4">
-            <a:avLst>
-              <a:gd name="adj1" fmla="val -5995"/>
-              <a:gd name="adj2" fmla="val 182578"/>
-            </a:avLst>
-          </a:prstGeom>
-          <a:ln>
-            <a:tailEnd type="arrow" w="med" len="med"/>
-          </a:ln>
-        </p:spPr>
-        <p:style>
-          <a:lnRef idx="1">
-            <a:schemeClr val="dk1"/>
-          </a:lnRef>
-          <a:fillRef idx="0">
-            <a:schemeClr val="dk1"/>
-          </a:fillRef>
-          <a:effectRef idx="0">
-            <a:schemeClr val="dk1"/>
-          </a:effectRef>
-          <a:fontRef idx="minor">
-            <a:schemeClr val="tx1"/>
-          </a:fontRef>
-        </p:style>
-      </p:cxnSp>
-      <p:cxnSp>
-        <p:nvCxnSpPr>
-          <p:cNvPr id="30" name="肘形连接符 29"/>
-          <p:cNvCxnSpPr>
-            <a:stCxn id="6" idx="0"/>
-            <a:endCxn id="3" idx="3"/>
-          </p:cNvCxnSpPr>
-          <p:nvPr/>
-        </p:nvCxnSpPr>
-        <p:spPr>
-          <a:xfrm rot="16200000" flipV="1">
-            <a:off x="8828088" y="1746568"/>
-            <a:ext cx="1235075" cy="2659380"/>
-          </a:xfrm>
-          <a:prstGeom prst="bentConnector2">
-            <a:avLst/>
-          </a:prstGeom>
-          <a:ln>
-            <a:tailEnd type="arrow" w="med" len="med"/>
-          </a:ln>
-        </p:spPr>
-        <p:style>
-          <a:lnRef idx="1">
-            <a:schemeClr val="dk1"/>
-          </a:lnRef>
-          <a:fillRef idx="0">
-            <a:schemeClr val="dk1"/>
-          </a:fillRef>
-          <a:effectRef idx="0">
-            <a:schemeClr val="dk1"/>
-          </a:effectRef>
-          <a:fontRef idx="minor">
-            <a:schemeClr val="tx1"/>
-          </a:fontRef>
-        </p:style>
-      </p:cxnSp>
-      <p:sp>
-        <p:nvSpPr>
-          <p:cNvPr id="31" name="文本框 30"/>
+          <p:cNvPr id="103" name="TextShape 3"/>
           <p:cNvSpPr txBox="1"/>
           <p:nvPr/>
         </p:nvSpPr>
         <p:spPr>
           <a:xfrm>
-            <a:off x="7532370" y="1783715"/>
-            <a:ext cx="411480" cy="368300"/>
+            <a:off x="4377200" y="4159885"/>
+            <a:ext cx="3435840" cy="622800"/>
           </a:xfrm>
           <a:prstGeom prst="rect">
             <a:avLst/>
           </a:prstGeom>
           <a:noFill/>
-        </p:spPr>
-        <p:txBody>
-          <a:bodyPr wrap="none" rtlCol="0">
+          <a:ln>
+            <a:noFill/>
+          </a:ln>
+        </p:spPr>
+        <p:txBody>
+          <a:bodyPr lIns="90000" tIns="45000" rIns="90000" bIns="45000">
             <a:spAutoFit/>
           </a:bodyPr>
           <a:p>
-            <a:r>
-              <a:rPr lang="zh-CN" altLang="en-US">
-                <a:latin typeface="微软雅黑 Light" panose="020B0502040204020203" charset="-122"/>
-                <a:ea typeface="微软雅黑 Light" panose="020B0502040204020203" charset="-122"/>
-              </a:rPr>
-              <a:t>否</a:t>
-            </a:r>
-            <a:endParaRPr lang="zh-CN" altLang="en-US">
-              <a:latin typeface="微软雅黑 Light" panose="020B0502040204020203" charset="-122"/>
-              <a:ea typeface="微软雅黑 Light" panose="020B0502040204020203" charset="-122"/>
-            </a:endParaRPr>
-          </a:p>
-        </p:txBody>
-      </p:sp>
-      <p:sp>
-        <p:nvSpPr>
-          <p:cNvPr id="32" name="文本框 31"/>
+            <a:pPr algn="ctr"/>
+            <a:r>
+              <a:rPr lang="en-US" sz="3200" b="0" strike="noStrike" spc="-1">
+                <a:solidFill>
+                  <a:srgbClr val="000000"/>
+                </a:solidFill>
+                <a:latin typeface="微软雅黑 Light" panose="020B0502040204020203" charset="-122"/>
+                <a:ea typeface="微软雅黑 Light" panose="020B0502040204020203" charset="-122"/>
+              </a:rPr>
+              <a:t>序列化与反序列化</a:t>
+            </a:r>
+            <a:endParaRPr lang="en-US" sz="3200" b="0" strike="noStrike" spc="-1">
+              <a:latin typeface="Arial" panose="020B0604020202020204"/>
+            </a:endParaRPr>
+          </a:p>
+        </p:txBody>
+      </p:sp>
+      <p:sp>
+        <p:nvSpPr>
+          <p:cNvPr id="104" name="TextShape 4"/>
           <p:cNvSpPr txBox="1"/>
           <p:nvPr/>
         </p:nvSpPr>
         <p:spPr>
           <a:xfrm>
-            <a:off x="8816975" y="1085850"/>
-            <a:ext cx="411480" cy="368300"/>
+            <a:off x="4784090" y="3117350"/>
+            <a:ext cx="2622240" cy="622800"/>
           </a:xfrm>
           <a:prstGeom prst="rect">
             <a:avLst/>
           </a:prstGeom>
           <a:noFill/>
-        </p:spPr>
-        <p:txBody>
-          <a:bodyPr wrap="none" rtlCol="0">
+          <a:ln>
+            <a:noFill/>
+          </a:ln>
+        </p:spPr>
+        <p:txBody>
+          <a:bodyPr lIns="90000" tIns="45000" rIns="90000" bIns="45000">
             <a:spAutoFit/>
           </a:bodyPr>
           <a:p>
-            <a:r>
-              <a:rPr lang="zh-CN" altLang="en-US">
-                <a:latin typeface="微软雅黑 Light" panose="020B0502040204020203" charset="-122"/>
-                <a:ea typeface="微软雅黑 Light" panose="020B0502040204020203" charset="-122"/>
-              </a:rPr>
-              <a:t>是</a:t>
-            </a:r>
-            <a:endParaRPr lang="zh-CN" altLang="en-US">
-              <a:latin typeface="微软雅黑 Light" panose="020B0502040204020203" charset="-122"/>
-              <a:ea typeface="微软雅黑 Light" panose="020B0502040204020203" charset="-122"/>
-            </a:endParaRPr>
-          </a:p>
-        </p:txBody>
-      </p:sp>
-      <p:sp>
-        <p:nvSpPr>
-          <p:cNvPr id="33" name="文本框 32"/>
-          <p:cNvSpPr txBox="1"/>
-          <p:nvPr/>
-        </p:nvSpPr>
-        <p:spPr>
-          <a:xfrm>
-            <a:off x="7532370" y="3617595"/>
-            <a:ext cx="411480" cy="368300"/>
-          </a:xfrm>
-          <a:prstGeom prst="rect">
-            <a:avLst/>
-          </a:prstGeom>
-          <a:noFill/>
-        </p:spPr>
-        <p:txBody>
-          <a:bodyPr wrap="none" rtlCol="0">
-            <a:spAutoFit/>
-          </a:bodyPr>
-          <a:p>
-            <a:r>
-              <a:rPr lang="zh-CN" altLang="en-US">
-                <a:latin typeface="微软雅黑 Light" panose="020B0502040204020203" charset="-122"/>
-                <a:ea typeface="微软雅黑 Light" panose="020B0502040204020203" charset="-122"/>
-              </a:rPr>
-              <a:t>否</a:t>
-            </a:r>
-            <a:endParaRPr lang="zh-CN" altLang="en-US">
-              <a:latin typeface="微软雅黑 Light" panose="020B0502040204020203" charset="-122"/>
-              <a:ea typeface="微软雅黑 Light" panose="020B0502040204020203" charset="-122"/>
-            </a:endParaRPr>
-          </a:p>
-        </p:txBody>
-      </p:sp>
-      <p:sp>
-        <p:nvSpPr>
-          <p:cNvPr id="34" name="文本框 33"/>
-          <p:cNvSpPr txBox="1"/>
-          <p:nvPr/>
-        </p:nvSpPr>
-        <p:spPr>
-          <a:xfrm>
-            <a:off x="5838190" y="2924175"/>
-            <a:ext cx="411480" cy="368300"/>
-          </a:xfrm>
-          <a:prstGeom prst="rect">
-            <a:avLst/>
-          </a:prstGeom>
-          <a:noFill/>
-        </p:spPr>
-        <p:txBody>
-          <a:bodyPr wrap="none" rtlCol="0">
-            <a:spAutoFit/>
-          </a:bodyPr>
-          <a:p>
-            <a:r>
-              <a:rPr lang="zh-CN" altLang="en-US">
-                <a:latin typeface="微软雅黑 Light" panose="020B0502040204020203" charset="-122"/>
-                <a:ea typeface="微软雅黑 Light" panose="020B0502040204020203" charset="-122"/>
-              </a:rPr>
-              <a:t>是</a:t>
-            </a:r>
-            <a:endParaRPr lang="zh-CN" altLang="en-US">
-              <a:latin typeface="微软雅黑 Light" panose="020B0502040204020203" charset="-122"/>
-              <a:ea typeface="微软雅黑 Light" panose="020B0502040204020203" charset="-122"/>
-            </a:endParaRPr>
-          </a:p>
-        </p:txBody>
-      </p:sp>
-      <p:sp>
-        <p:nvSpPr>
-          <p:cNvPr id="35" name="文本框 34"/>
-          <p:cNvSpPr txBox="1"/>
-          <p:nvPr/>
-        </p:nvSpPr>
-        <p:spPr>
-          <a:xfrm>
-            <a:off x="5962015" y="5201920"/>
-            <a:ext cx="411480" cy="368300"/>
-          </a:xfrm>
-          <a:prstGeom prst="rect">
-            <a:avLst/>
-          </a:prstGeom>
-          <a:noFill/>
-        </p:spPr>
-        <p:txBody>
-          <a:bodyPr wrap="none" rtlCol="0">
-            <a:spAutoFit/>
-          </a:bodyPr>
-          <a:p>
-            <a:r>
-              <a:rPr lang="zh-CN" altLang="en-US">
-                <a:latin typeface="微软雅黑 Light" panose="020B0502040204020203" charset="-122"/>
-                <a:ea typeface="微软雅黑 Light" panose="020B0502040204020203" charset="-122"/>
-              </a:rPr>
-              <a:t>是</a:t>
-            </a:r>
-            <a:endParaRPr lang="zh-CN" altLang="en-US">
-              <a:latin typeface="微软雅黑 Light" panose="020B0502040204020203" charset="-122"/>
-              <a:ea typeface="微软雅黑 Light" panose="020B0502040204020203" charset="-122"/>
-            </a:endParaRPr>
-          </a:p>
-        </p:txBody>
-      </p:sp>
-      <p:sp>
-        <p:nvSpPr>
-          <p:cNvPr id="36" name="文本框 35"/>
-          <p:cNvSpPr txBox="1"/>
-          <p:nvPr/>
-        </p:nvSpPr>
-        <p:spPr>
-          <a:xfrm>
-            <a:off x="8693150" y="5200015"/>
-            <a:ext cx="411480" cy="368300"/>
-          </a:xfrm>
-          <a:prstGeom prst="rect">
-            <a:avLst/>
-          </a:prstGeom>
-          <a:noFill/>
-        </p:spPr>
-        <p:txBody>
-          <a:bodyPr wrap="none" rtlCol="0">
-            <a:spAutoFit/>
-          </a:bodyPr>
-          <a:p>
-            <a:r>
-              <a:rPr lang="zh-CN" altLang="en-US">
-                <a:latin typeface="微软雅黑 Light" panose="020B0502040204020203" charset="-122"/>
-                <a:ea typeface="微软雅黑 Light" panose="020B0502040204020203" charset="-122"/>
-              </a:rPr>
-              <a:t>否</a:t>
-            </a:r>
-            <a:endParaRPr lang="zh-CN" altLang="en-US">
-              <a:latin typeface="微软雅黑 Light" panose="020B0502040204020203" charset="-122"/>
-              <a:ea typeface="微软雅黑 Light" panose="020B0502040204020203" charset="-122"/>
-            </a:endParaRPr>
-          </a:p>
-        </p:txBody>
-      </p:sp>
-      <p:sp>
-        <p:nvSpPr>
-          <p:cNvPr id="37" name="文本框 36"/>
-          <p:cNvSpPr txBox="1"/>
-          <p:nvPr/>
-        </p:nvSpPr>
-        <p:spPr>
-          <a:xfrm>
-            <a:off x="10775315" y="5201920"/>
-            <a:ext cx="411480" cy="368300"/>
-          </a:xfrm>
-          <a:prstGeom prst="rect">
-            <a:avLst/>
-          </a:prstGeom>
-          <a:noFill/>
-        </p:spPr>
-        <p:txBody>
-          <a:bodyPr wrap="none" rtlCol="0">
-            <a:spAutoFit/>
-          </a:bodyPr>
-          <a:p>
-            <a:r>
-              <a:rPr lang="zh-CN" altLang="en-US">
-                <a:latin typeface="微软雅黑 Light" panose="020B0502040204020203" charset="-122"/>
-                <a:ea typeface="微软雅黑 Light" panose="020B0502040204020203" charset="-122"/>
-              </a:rPr>
-              <a:t>是</a:t>
-            </a:r>
-            <a:endParaRPr lang="zh-CN" altLang="en-US">
-              <a:latin typeface="微软雅黑 Light" panose="020B0502040204020203" charset="-122"/>
-              <a:ea typeface="微软雅黑 Light" panose="020B0502040204020203" charset="-122"/>
-            </a:endParaRPr>
-          </a:p>
-        </p:txBody>
-      </p:sp>
-      <p:sp>
-        <p:nvSpPr>
-          <p:cNvPr id="39" name="文本框 38"/>
-          <p:cNvSpPr txBox="1"/>
-          <p:nvPr/>
-        </p:nvSpPr>
-        <p:spPr>
-          <a:xfrm>
-            <a:off x="10775950" y="3325495"/>
-            <a:ext cx="411480" cy="368300"/>
-          </a:xfrm>
-          <a:prstGeom prst="rect">
-            <a:avLst/>
-          </a:prstGeom>
-          <a:noFill/>
-        </p:spPr>
-        <p:txBody>
-          <a:bodyPr wrap="none" rtlCol="0">
-            <a:spAutoFit/>
-          </a:bodyPr>
-          <a:p>
-            <a:r>
-              <a:rPr lang="zh-CN" altLang="en-US">
-                <a:latin typeface="微软雅黑 Light" panose="020B0502040204020203" charset="-122"/>
-                <a:ea typeface="微软雅黑 Light" panose="020B0502040204020203" charset="-122"/>
-              </a:rPr>
-              <a:t>否</a:t>
-            </a:r>
-            <a:endParaRPr lang="zh-CN" altLang="en-US">
-              <a:latin typeface="微软雅黑 Light" panose="020B0502040204020203" charset="-122"/>
-              <a:ea typeface="微软雅黑 Light" panose="020B0502040204020203" charset="-122"/>
+            <a:pPr algn="ctr"/>
+            <a:r>
+              <a:rPr lang="en-US" sz="3200" b="0" strike="noStrike" spc="-1">
+                <a:solidFill>
+                  <a:srgbClr val="000000"/>
+                </a:solidFill>
+                <a:latin typeface="微软雅黑 Light" panose="020B0502040204020203" charset="-122"/>
+                <a:ea typeface="微软雅黑 Light" panose="020B0502040204020203" charset="-122"/>
+              </a:rPr>
+              <a:t>关键词的检索</a:t>
+            </a:r>
+            <a:endParaRPr lang="en-US" sz="3200" b="0" strike="noStrike" spc="-1">
+              <a:latin typeface="Arial" panose="020B0604020202020204"/>
             </a:endParaRPr>
           </a:p>
         </p:txBody>
@@ -6543,14 +6240,14 @@
       </p:grpSpPr>
       <p:sp>
         <p:nvSpPr>
-          <p:cNvPr id="112" name="CustomShape 1"/>
+          <p:cNvPr id="105" name="CustomShape 1"/>
           <p:cNvSpPr/>
           <p:nvPr/>
         </p:nvSpPr>
         <p:spPr>
           <a:xfrm>
-            <a:off x="890270" y="986790"/>
-            <a:ext cx="4177030" cy="642620"/>
+            <a:off x="4553810" y="3077035"/>
+            <a:ext cx="3084120" cy="704215"/>
           </a:xfrm>
           <a:prstGeom prst="rect">
             <a:avLst/>
@@ -6573,145 +6270,26 @@
           <a:fontRef idx="minor"/>
         </p:style>
         <p:txBody>
-          <a:bodyPr wrap="square" lIns="90000" tIns="45000" rIns="90000" bIns="45000">
+          <a:bodyPr lIns="90000" tIns="45000" rIns="90000" bIns="45000">
             <a:spAutoFit/>
           </a:bodyPr>
           <a:p>
-            <a:pPr>
+            <a:pPr algn="ctr">
               <a:lnSpc>
                 <a:spcPct val="100000"/>
               </a:lnSpc>
             </a:pPr>
             <a:r>
-              <a:rPr lang="en-US" sz="3600" b="0" strike="noStrike" spc="-1">
+              <a:rPr lang="en-US" sz="4000" b="0" strike="noStrike" spc="-1">
                 <a:solidFill>
                   <a:srgbClr val="000000"/>
                 </a:solidFill>
                 <a:latin typeface="微软雅黑 Light" panose="020B0502040204020203" charset="-122"/>
                 <a:ea typeface="微软雅黑 Light" panose="020B0502040204020203" charset="-122"/>
               </a:rPr>
-              <a:t>序列化与反序列化</a:t>
-            </a:r>
-            <a:endParaRPr lang="en-US" sz="3600" b="0" strike="noStrike" spc="-1">
-              <a:solidFill>
-                <a:srgbClr val="000000"/>
-              </a:solidFill>
-              <a:latin typeface="微软雅黑 Light" panose="020B0502040204020203" charset="-122"/>
-              <a:ea typeface="微软雅黑 Light" panose="020B0502040204020203" charset="-122"/>
-            </a:endParaRPr>
-          </a:p>
-        </p:txBody>
-      </p:sp>
-      <p:sp>
-        <p:nvSpPr>
-          <p:cNvPr id="113" name="CustomShape 2"/>
-          <p:cNvSpPr/>
-          <p:nvPr/>
-        </p:nvSpPr>
-        <p:spPr>
-          <a:xfrm>
-            <a:off x="2008505" y="2691765"/>
-            <a:ext cx="8174990" cy="1473835"/>
-          </a:xfrm>
-          <a:prstGeom prst="rect">
-            <a:avLst/>
-          </a:prstGeom>
-          <a:noFill/>
-          <a:ln>
-            <a:noFill/>
-          </a:ln>
-        </p:spPr>
-        <p:style>
-          <a:lnRef idx="0">
-            <a:srgbClr val="FFFFFF"/>
-          </a:lnRef>
-          <a:fillRef idx="0">
-            <a:srgbClr val="FFFFFF"/>
-          </a:fillRef>
-          <a:effectRef idx="0">
-            <a:srgbClr val="FFFFFF"/>
-          </a:effectRef>
-          <a:fontRef idx="minor"/>
-        </p:style>
-        <p:txBody>
-          <a:bodyPr wrap="square" lIns="90000" tIns="45000" rIns="90000" bIns="45000">
-            <a:spAutoFit/>
-          </a:bodyPr>
-          <a:p>
-            <a:pPr algn="l">
-              <a:lnSpc>
-                <a:spcPct val="150000"/>
-              </a:lnSpc>
-            </a:pPr>
-            <a:r>
-              <a:rPr lang="en-US" sz="2000" b="0" strike="noStrike" spc="-1">
-                <a:solidFill>
-                  <a:srgbClr val="000000"/>
-                </a:solidFill>
-                <a:latin typeface="微软雅黑 Light" panose="020B0502040204020203" charset="-122"/>
-                <a:ea typeface="微软雅黑 Light" panose="020B0502040204020203" charset="-122"/>
-              </a:rPr>
-              <a:t>通过将建立好的倒排索引对象序列化到文件中</a:t>
-            </a:r>
-            <a:endParaRPr lang="en-US" sz="2000" b="0" strike="noStrike" spc="-1">
-              <a:solidFill>
-                <a:srgbClr val="000000"/>
-              </a:solidFill>
-              <a:latin typeface="微软雅黑 Light" panose="020B0502040204020203" charset="-122"/>
-              <a:ea typeface="微软雅黑 Light" panose="020B0502040204020203" charset="-122"/>
-            </a:endParaRPr>
-          </a:p>
-          <a:p>
-            <a:pPr algn="l">
-              <a:lnSpc>
-                <a:spcPct val="150000"/>
-              </a:lnSpc>
-            </a:pPr>
-            <a:endParaRPr lang="en-US" sz="2000" b="0" strike="noStrike" spc="-1">
-              <a:solidFill>
-                <a:srgbClr val="000000"/>
-              </a:solidFill>
-              <a:latin typeface="微软雅黑 Light" panose="020B0502040204020203" charset="-122"/>
-              <a:ea typeface="微软雅黑 Light" panose="020B0502040204020203" charset="-122"/>
-            </a:endParaRPr>
-          </a:p>
-          <a:p>
-            <a:pPr algn="l">
-              <a:lnSpc>
-                <a:spcPct val="150000"/>
-              </a:lnSpc>
-            </a:pPr>
-            <a:r>
-              <a:rPr lang="en-US" sz="2000" b="0" strike="noStrike" spc="-1">
-                <a:solidFill>
-                  <a:srgbClr val="000000"/>
-                </a:solidFill>
-                <a:latin typeface="微软雅黑 Light" panose="020B0502040204020203" charset="-122"/>
-                <a:ea typeface="微软雅黑 Light" panose="020B0502040204020203" charset="-122"/>
-              </a:rPr>
-              <a:t>实现从文件反序列化</a:t>
-            </a:r>
-            <a:r>
-              <a:rPr lang="zh-CN" altLang="en-US" sz="2000" b="0" strike="noStrike" spc="-1">
-                <a:solidFill>
-                  <a:srgbClr val="000000"/>
-                </a:solidFill>
-                <a:latin typeface="微软雅黑 Light" panose="020B0502040204020203" charset="-122"/>
-                <a:ea typeface="微软雅黑 Light" panose="020B0502040204020203" charset="-122"/>
-              </a:rPr>
-              <a:t>，</a:t>
-            </a:r>
-            <a:r>
-              <a:rPr lang="en-US" sz="2000" b="0" strike="noStrike" spc="-1">
-                <a:solidFill>
-                  <a:srgbClr val="000000"/>
-                </a:solidFill>
-                <a:latin typeface="微软雅黑 Light" panose="020B0502040204020203" charset="-122"/>
-                <a:ea typeface="微软雅黑 Light" panose="020B0502040204020203" charset="-122"/>
-              </a:rPr>
-              <a:t>可以有效减少构建倒排索引对象时所需要的时间</a:t>
-            </a:r>
-            <a:endParaRPr lang="en-US" sz="2000" b="0" strike="noStrike" spc="-1">
+              <a:t>索引的建立</a:t>
+            </a:r>
+            <a:endParaRPr lang="en-US" sz="4000" b="0" strike="noStrike" spc="-1">
               <a:solidFill>
                 <a:srgbClr val="000000"/>
               </a:solidFill>
@@ -6761,225 +6339,270 @@
           <a:chExt cx="0" cy="0"/>
         </a:xfrm>
       </p:grpSpPr>
-      <p:pic>
-        <p:nvPicPr>
-          <p:cNvPr id="4" name="图片 3"/>
-          <p:cNvPicPr>
-            <a:picLocks noChangeAspect="1"/>
-          </p:cNvPicPr>
+      <p:sp>
+        <p:nvSpPr>
+          <p:cNvPr id="105" name="CustomShape 1"/>
+          <p:cNvSpPr/>
           <p:nvPr/>
-        </p:nvPicPr>
-        <p:blipFill>
-          <a:blip r:embed="rId1"/>
-          <a:stretch>
-            <a:fillRect/>
-          </a:stretch>
-        </p:blipFill>
-        <p:spPr>
-          <a:xfrm>
-            <a:off x="225425" y="1656080"/>
-            <a:ext cx="6016625" cy="3545840"/>
-          </a:xfrm>
-          <a:prstGeom prst="rect">
-            <a:avLst/>
-          </a:prstGeom>
-        </p:spPr>
-      </p:pic>
-      <p:sp>
-        <p:nvSpPr>
-          <p:cNvPr id="5" name="文本框 4"/>
-          <p:cNvSpPr txBox="1"/>
-          <p:nvPr/>
-        </p:nvSpPr>
-        <p:spPr>
-          <a:xfrm>
-            <a:off x="6402070" y="2136775"/>
-            <a:ext cx="4921250" cy="2861310"/>
-          </a:xfrm>
-          <a:prstGeom prst="rect">
-            <a:avLst/>
-          </a:prstGeom>
+        </p:nvSpPr>
+        <p:spPr>
+          <a:xfrm>
+            <a:off x="659355" y="487505"/>
+            <a:ext cx="3084120" cy="642620"/>
+          </a:xfrm>
+          <a:prstGeom prst="rect">
+            <a:avLst/>
+          </a:prstGeom>
+          <a:noFill/>
+          <a:ln>
+            <a:noFill/>
+          </a:ln>
         </p:spPr>
         <p:style>
-          <a:lnRef idx="2">
-            <a:schemeClr val="dk1"/>
+          <a:lnRef idx="0">
+            <a:srgbClr val="FFFFFF"/>
           </a:lnRef>
-          <a:fillRef idx="1">
-            <a:schemeClr val="lt1"/>
+          <a:fillRef idx="0">
+            <a:srgbClr val="FFFFFF"/>
           </a:fillRef>
           <a:effectRef idx="0">
-            <a:schemeClr val="dk1"/>
+            <a:srgbClr val="FFFFFF"/>
           </a:effectRef>
-          <a:fontRef idx="minor">
-            <a:schemeClr val="dk1"/>
-          </a:fontRef>
+          <a:fontRef idx="minor"/>
         </p:style>
         <p:txBody>
-          <a:bodyPr wrap="square" rtlCol="0">
+          <a:bodyPr lIns="90000" tIns="45000" rIns="90000" bIns="45000">
             <a:spAutoFit/>
           </a:bodyPr>
           <a:p>
-            <a:r>
-              <a:rPr lang="zh-CN" altLang="en-US" sz="2000">
-                <a:latin typeface="微软雅黑 Light" panose="020B0502040204020203" charset="-122"/>
-                <a:ea typeface="微软雅黑 Light" panose="020B0502040204020203" charset="-122"/>
-                <a:cs typeface="微软雅黑 Light" panose="020B0502040204020203" charset="-122"/>
-              </a:rPr>
-              <a:t>关键词</a:t>
-            </a:r>
-            <a:endParaRPr lang="zh-CN" altLang="en-US" sz="2000">
+            <a:pPr>
+              <a:lnSpc>
+                <a:spcPct val="100000"/>
+              </a:lnSpc>
+            </a:pPr>
+            <a:r>
+              <a:rPr lang="en-US" sz="3600" b="0" strike="noStrike" spc="-1">
+                <a:solidFill>
+                  <a:srgbClr val="000000"/>
+                </a:solidFill>
+                <a:latin typeface="微软雅黑 Light" panose="020B0502040204020203" charset="-122"/>
+                <a:ea typeface="微软雅黑 Light" panose="020B0502040204020203" charset="-122"/>
+              </a:rPr>
+              <a:t>章节次序</a:t>
+            </a:r>
+            <a:endParaRPr lang="en-US" sz="3600" b="0" strike="noStrike" spc="-1">
+              <a:solidFill>
+                <a:srgbClr val="000000"/>
+              </a:solidFill>
               <a:latin typeface="微软雅黑 Light" panose="020B0502040204020203" charset="-122"/>
               <a:ea typeface="微软雅黑 Light" panose="020B0502040204020203" charset="-122"/>
-              <a:cs typeface="微软雅黑 Light" panose="020B0502040204020203" charset="-122"/>
-            </a:endParaRPr>
-          </a:p>
-          <a:p>
-            <a:r>
-              <a:rPr lang="zh-CN" altLang="en-US" sz="2000">
-                <a:latin typeface="微软雅黑 Light" panose="020B0502040204020203" charset="-122"/>
-                <a:ea typeface="微软雅黑 Light" panose="020B0502040204020203" charset="-122"/>
-                <a:cs typeface="微软雅黑 Light" panose="020B0502040204020203" charset="-122"/>
-              </a:rPr>
-              <a:t>文章路径</a:t>
-            </a:r>
-            <a:endParaRPr lang="zh-CN" altLang="en-US" sz="2000">
+            </a:endParaRPr>
+          </a:p>
+        </p:txBody>
+      </p:sp>
+      <p:sp>
+        <p:nvSpPr>
+          <p:cNvPr id="106" name="CustomShape 2"/>
+          <p:cNvSpPr/>
+          <p:nvPr/>
+        </p:nvSpPr>
+        <p:spPr>
+          <a:xfrm>
+            <a:off x="2534920" y="1537970"/>
+            <a:ext cx="7122160" cy="3782060"/>
+          </a:xfrm>
+          <a:prstGeom prst="rect">
+            <a:avLst/>
+          </a:prstGeom>
+          <a:noFill/>
+          <a:ln>
+            <a:noFill/>
+          </a:ln>
+        </p:spPr>
+        <p:style>
+          <a:lnRef idx="0">
+            <a:srgbClr val="FFFFFF"/>
+          </a:lnRef>
+          <a:fillRef idx="0">
+            <a:srgbClr val="FFFFFF"/>
+          </a:fillRef>
+          <a:effectRef idx="0">
+            <a:srgbClr val="FFFFFF"/>
+          </a:effectRef>
+          <a:fontRef idx="minor"/>
+        </p:style>
+        <p:txBody>
+          <a:bodyPr wrap="square" lIns="90000" tIns="45000" rIns="90000" bIns="45000">
+            <a:spAutoFit/>
+          </a:bodyPr>
+          <a:p>
+            <a:pPr>
+              <a:lnSpc>
+                <a:spcPct val="150000"/>
+              </a:lnSpc>
+            </a:pPr>
+            <a:r>
+              <a:rPr sz="2000" b="0" strike="noStrike" spc="-1">
+                <a:solidFill>
+                  <a:srgbClr val="000000"/>
+                </a:solidFill>
+                <a:latin typeface="微软雅黑 Light" panose="020B0502040204020203" charset="-122"/>
+                <a:ea typeface="微软雅黑 Light" panose="020B0502040204020203" charset="-122"/>
+              </a:rPr>
+              <a:t>为了保存章节的次序，则首先需要获得次序</a:t>
+            </a:r>
+            <a:endParaRPr sz="2000" b="0" strike="noStrike" spc="-1">
+              <a:solidFill>
+                <a:srgbClr val="000000"/>
+              </a:solidFill>
               <a:latin typeface="微软雅黑 Light" panose="020B0502040204020203" charset="-122"/>
               <a:ea typeface="微软雅黑 Light" panose="020B0502040204020203" charset="-122"/>
-              <a:cs typeface="微软雅黑 Light" panose="020B0502040204020203" charset="-122"/>
-            </a:endParaRPr>
-          </a:p>
-          <a:p>
-            <a:r>
-              <a:rPr lang="zh-CN" altLang="en-US" sz="2000">
-                <a:latin typeface="微软雅黑 Light" panose="020B0502040204020203" charset="-122"/>
-                <a:ea typeface="微软雅黑 Light" panose="020B0502040204020203" charset="-122"/>
-                <a:cs typeface="微软雅黑 Light" panose="020B0502040204020203" charset="-122"/>
-              </a:rPr>
-              <a:t>关键词出现的次数 频率 是否在标题中出现</a:t>
-            </a:r>
-            <a:endParaRPr lang="zh-CN" altLang="en-US" sz="2000">
+            </a:endParaRPr>
+          </a:p>
+          <a:p>
+            <a:pPr>
+              <a:lnSpc>
+                <a:spcPct val="150000"/>
+              </a:lnSpc>
+            </a:pPr>
+            <a:endParaRPr sz="2000" b="0" strike="noStrike" spc="-1">
+              <a:solidFill>
+                <a:srgbClr val="000000"/>
+              </a:solidFill>
               <a:latin typeface="微软雅黑 Light" panose="020B0502040204020203" charset="-122"/>
               <a:ea typeface="微软雅黑 Light" panose="020B0502040204020203" charset="-122"/>
-              <a:cs typeface="微软雅黑 Light" panose="020B0502040204020203" charset="-122"/>
-            </a:endParaRPr>
-          </a:p>
-          <a:p>
-            <a:r>
-              <a:rPr lang="zh-CN" altLang="en-US" sz="2000">
-                <a:latin typeface="微软雅黑 Light" panose="020B0502040204020203" charset="-122"/>
-                <a:ea typeface="微软雅黑 Light" panose="020B0502040204020203" charset="-122"/>
-                <a:cs typeface="微软雅黑 Light" panose="020B0502040204020203" charset="-122"/>
-                <a:sym typeface="+mn-ea"/>
-              </a:rPr>
-              <a:t>文章路径</a:t>
-            </a:r>
-            <a:endParaRPr lang="zh-CN" altLang="en-US" sz="2000">
+            </a:endParaRPr>
+          </a:p>
+          <a:p>
+            <a:pPr>
+              <a:lnSpc>
+                <a:spcPct val="150000"/>
+              </a:lnSpc>
+            </a:pPr>
+            <a:r>
+              <a:rPr sz="2000" b="0" strike="noStrike" spc="-1">
+                <a:solidFill>
+                  <a:srgbClr val="000000"/>
+                </a:solidFill>
+                <a:latin typeface="微软雅黑 Light" panose="020B0502040204020203" charset="-122"/>
+                <a:ea typeface="微软雅黑 Light" panose="020B0502040204020203" charset="-122"/>
+              </a:rPr>
+              <a:t>order("1.2.1 有理数.txt")</a:t>
+            </a:r>
+            <a:endParaRPr sz="2000" b="0" strike="noStrike" spc="-1">
+              <a:solidFill>
+                <a:srgbClr val="000000"/>
+              </a:solidFill>
               <a:latin typeface="微软雅黑 Light" panose="020B0502040204020203" charset="-122"/>
               <a:ea typeface="微软雅黑 Light" panose="020B0502040204020203" charset="-122"/>
-              <a:cs typeface="微软雅黑 Light" panose="020B0502040204020203" charset="-122"/>
-            </a:endParaRPr>
-          </a:p>
-          <a:p>
-            <a:r>
-              <a:rPr lang="zh-CN" altLang="en-US" sz="2000">
-                <a:latin typeface="微软雅黑 Light" panose="020B0502040204020203" charset="-122"/>
-                <a:ea typeface="微软雅黑 Light" panose="020B0502040204020203" charset="-122"/>
-                <a:cs typeface="微软雅黑 Light" panose="020B0502040204020203" charset="-122"/>
-                <a:sym typeface="+mn-ea"/>
-              </a:rPr>
-              <a:t>关键词出现的次数 频率 是否在标题中出现</a:t>
-            </a:r>
-            <a:endParaRPr lang="zh-CN" altLang="en-US" sz="2000">
+            </a:endParaRPr>
+          </a:p>
+          <a:p>
+            <a:pPr>
+              <a:lnSpc>
+                <a:spcPct val="150000"/>
+              </a:lnSpc>
+            </a:pPr>
+            <a:r>
+              <a:rPr sz="2000" b="0" strike="noStrike" spc="-1">
+                <a:solidFill>
+                  <a:srgbClr val="000000"/>
+                </a:solidFill>
+                <a:latin typeface="微软雅黑 Light" panose="020B0502040204020203" charset="-122"/>
+                <a:ea typeface="微软雅黑 Light" panose="020B0502040204020203" charset="-122"/>
+              </a:rPr>
+              <a:t>= 1 \* 10000 + 2 \* 100 + 1</a:t>
+            </a:r>
+            <a:endParaRPr sz="2000" b="0" strike="noStrike" spc="-1">
+              <a:solidFill>
+                <a:srgbClr val="000000"/>
+              </a:solidFill>
               <a:latin typeface="微软雅黑 Light" panose="020B0502040204020203" charset="-122"/>
               <a:ea typeface="微软雅黑 Light" panose="020B0502040204020203" charset="-122"/>
-              <a:cs typeface="微软雅黑 Light" panose="020B0502040204020203" charset="-122"/>
-              <a:sym typeface="+mn-ea"/>
-            </a:endParaRPr>
-          </a:p>
-          <a:p>
-            <a:r>
-              <a:rPr lang="en-US" altLang="zh-CN" sz="2000">
-                <a:latin typeface="微软雅黑 Light" panose="020B0502040204020203" charset="-122"/>
-                <a:ea typeface="微软雅黑 Light" panose="020B0502040204020203" charset="-122"/>
-                <a:cs typeface="微软雅黑 Light" panose="020B0502040204020203" charset="-122"/>
-              </a:rPr>
-              <a:t>...</a:t>
-            </a:r>
-            <a:endParaRPr lang="en-US" altLang="zh-CN" sz="2000">
+            </a:endParaRPr>
+          </a:p>
+          <a:p>
+            <a:pPr>
+              <a:lnSpc>
+                <a:spcPct val="150000"/>
+              </a:lnSpc>
+            </a:pPr>
+            <a:r>
+              <a:rPr sz="2000" b="0" strike="noStrike" spc="-1">
+                <a:solidFill>
+                  <a:srgbClr val="000000"/>
+                </a:solidFill>
+                <a:latin typeface="微软雅黑 Light" panose="020B0502040204020203" charset="-122"/>
+                <a:ea typeface="微软雅黑 Light" panose="020B0502040204020203" charset="-122"/>
+              </a:rPr>
+              <a:t>= 10201</a:t>
+            </a:r>
+            <a:endParaRPr sz="2000" b="0" strike="noStrike" spc="-1">
+              <a:solidFill>
+                <a:srgbClr val="000000"/>
+              </a:solidFill>
               <a:latin typeface="微软雅黑 Light" panose="020B0502040204020203" charset="-122"/>
               <a:ea typeface="微软雅黑 Light" panose="020B0502040204020203" charset="-122"/>
-              <a:cs typeface="微软雅黑 Light" panose="020B0502040204020203" charset="-122"/>
-            </a:endParaRPr>
-          </a:p>
-          <a:p>
-            <a:endParaRPr lang="en-US" altLang="zh-CN" sz="2000">
+            </a:endParaRPr>
+          </a:p>
+          <a:p>
+            <a:pPr>
+              <a:lnSpc>
+                <a:spcPct val="150000"/>
+              </a:lnSpc>
+            </a:pPr>
+            <a:endParaRPr sz="2000" b="0" strike="noStrike" spc="-1">
+              <a:solidFill>
+                <a:srgbClr val="000000"/>
+              </a:solidFill>
               <a:latin typeface="微软雅黑 Light" panose="020B0502040204020203" charset="-122"/>
               <a:ea typeface="微软雅黑 Light" panose="020B0502040204020203" charset="-122"/>
-              <a:cs typeface="微软雅黑 Light" panose="020B0502040204020203" charset="-122"/>
-            </a:endParaRPr>
-          </a:p>
-          <a:p>
-            <a:r>
-              <a:rPr lang="zh-CN" altLang="en-US" sz="2000">
-                <a:latin typeface="微软雅黑 Light" panose="020B0502040204020203" charset="-122"/>
-                <a:ea typeface="微软雅黑 Light" panose="020B0502040204020203" charset="-122"/>
-                <a:cs typeface="微软雅黑 Light" panose="020B0502040204020203" charset="-122"/>
-              </a:rPr>
-              <a:t>关键词</a:t>
-            </a:r>
-            <a:endParaRPr lang="zh-CN" altLang="en-US" sz="2000">
+            </a:endParaRPr>
+          </a:p>
+          <a:p>
+            <a:pPr>
+              <a:lnSpc>
+                <a:spcPct val="150000"/>
+              </a:lnSpc>
+            </a:pPr>
+            <a:r>
+              <a:rPr sz="2000" b="0" strike="noStrike" spc="-1">
+                <a:solidFill>
+                  <a:srgbClr val="000000"/>
+                </a:solidFill>
+                <a:latin typeface="微软雅黑 Light" panose="020B0502040204020203" charset="-122"/>
+                <a:ea typeface="微软雅黑 Light" panose="020B0502040204020203" charset="-122"/>
+              </a:rPr>
+              <a:t>所有的文章名都会被标准化成这种形式</a:t>
+            </a:r>
+            <a:endParaRPr sz="2000" b="0" strike="noStrike" spc="-1">
+              <a:solidFill>
+                <a:srgbClr val="000000"/>
+              </a:solidFill>
               <a:latin typeface="微软雅黑 Light" panose="020B0502040204020203" charset="-122"/>
               <a:ea typeface="微软雅黑 Light" panose="020B0502040204020203" charset="-122"/>
-              <a:cs typeface="微软雅黑 Light" panose="020B0502040204020203" charset="-122"/>
-            </a:endParaRPr>
-          </a:p>
-          <a:p>
-            <a:r>
-              <a:rPr lang="en-US" altLang="zh-CN" sz="2000">
-                <a:latin typeface="微软雅黑 Light" panose="020B0502040204020203" charset="-122"/>
-                <a:ea typeface="微软雅黑 Light" panose="020B0502040204020203" charset="-122"/>
-                <a:cs typeface="微软雅黑 Light" panose="020B0502040204020203" charset="-122"/>
-              </a:rPr>
-              <a:t>...</a:t>
-            </a:r>
-            <a:endParaRPr lang="en-US" altLang="zh-CN" sz="2000">
-              <a:latin typeface="微软雅黑 Light" panose="020B0502040204020203" charset="-122"/>
-              <a:ea typeface="微软雅黑 Light" panose="020B0502040204020203" charset="-122"/>
-              <a:cs typeface="微软雅黑 Light" panose="020B0502040204020203" charset="-122"/>
-            </a:endParaRPr>
-          </a:p>
-        </p:txBody>
-      </p:sp>
-      <p:sp>
-        <p:nvSpPr>
-          <p:cNvPr id="6" name="文本框 5"/>
-          <p:cNvSpPr txBox="1"/>
-          <p:nvPr/>
-        </p:nvSpPr>
-        <p:spPr>
-          <a:xfrm>
-            <a:off x="4187190" y="590550"/>
-            <a:ext cx="3816985" cy="645160"/>
-          </a:xfrm>
-          <a:prstGeom prst="rect">
-            <a:avLst/>
-          </a:prstGeom>
-          <a:noFill/>
-        </p:spPr>
-        <p:txBody>
-          <a:bodyPr wrap="square" rtlCol="0">
-            <a:spAutoFit/>
-          </a:bodyPr>
-          <a:p>
-            <a:pPr algn="ctr"/>
-            <a:r>
-              <a:rPr lang="zh-CN" altLang="en-US" sz="3600">
-                <a:latin typeface="微软雅黑 Light" panose="020B0502040204020203" charset="-122"/>
-                <a:ea typeface="微软雅黑 Light" panose="020B0502040204020203" charset="-122"/>
-              </a:rPr>
-              <a:t>序列化文件格式</a:t>
-            </a:r>
-            <a:endParaRPr lang="zh-CN" altLang="en-US" sz="3600">
+            </a:endParaRPr>
+          </a:p>
+          <a:p>
+            <a:pPr>
+              <a:lnSpc>
+                <a:spcPct val="150000"/>
+              </a:lnSpc>
+            </a:pPr>
+            <a:r>
+              <a:rPr sz="2000" b="0" strike="noStrike" spc="-1">
+                <a:solidFill>
+                  <a:srgbClr val="000000"/>
+                </a:solidFill>
+                <a:latin typeface="微软雅黑 Light" panose="020B0502040204020203" charset="-122"/>
+                <a:ea typeface="微软雅黑 Light" panose="020B0502040204020203" charset="-122"/>
+              </a:rPr>
+              <a:t>比如"第一章小结.txt"也被修改为"1.N.0 第一章小结.txt"</a:t>
+            </a:r>
+            <a:endParaRPr sz="2000" b="0" strike="noStrike" spc="-1">
+              <a:solidFill>
+                <a:srgbClr val="000000"/>
+              </a:solidFill>
               <a:latin typeface="微软雅黑 Light" panose="020B0502040204020203" charset="-122"/>
               <a:ea typeface="微软雅黑 Light" panose="020B0502040204020203" charset="-122"/>
             </a:endParaRPr>
@@ -7028,14 +6651,14 @@
       </p:grpSpPr>
       <p:sp>
         <p:nvSpPr>
-          <p:cNvPr id="115" name="CustomShape 1"/>
+          <p:cNvPr id="107" name="CustomShape 1"/>
           <p:cNvSpPr/>
           <p:nvPr/>
         </p:nvSpPr>
         <p:spPr>
           <a:xfrm>
-            <a:off x="4362800" y="3018100"/>
-            <a:ext cx="3466080" cy="821520"/>
+            <a:off x="597760" y="555450"/>
+            <a:ext cx="3084120" cy="642620"/>
           </a:xfrm>
           <a:prstGeom prst="rect">
             <a:avLst/>
@@ -7068,17 +6691,212 @@
               </a:lnSpc>
             </a:pPr>
             <a:r>
-              <a:rPr lang="en-US" sz="4800" b="0" strike="noStrike" spc="-1">
+              <a:rPr lang="en-US" sz="3600" b="0" strike="noStrike" spc="-1">
                 <a:solidFill>
                   <a:srgbClr val="000000"/>
                 </a:solidFill>
                 <a:latin typeface="微软雅黑 Light" panose="020B0502040204020203" charset="-122"/>
                 <a:ea typeface="微软雅黑 Light" panose="020B0502040204020203" charset="-122"/>
               </a:rPr>
-              <a:t>检索服务器</a:t>
-            </a:r>
-            <a:endParaRPr lang="en-US" sz="4800" b="0" strike="noStrike" spc="-1">
-              <a:latin typeface="Arial" panose="020B0604020202020204"/>
+              <a:t>关键词的检索</a:t>
+            </a:r>
+            <a:endParaRPr lang="en-US" sz="3600" b="0" strike="noStrike" spc="-1">
+              <a:solidFill>
+                <a:srgbClr val="000000"/>
+              </a:solidFill>
+              <a:latin typeface="微软雅黑 Light" panose="020B0502040204020203" charset="-122"/>
+              <a:ea typeface="微软雅黑 Light" panose="020B0502040204020203" charset="-122"/>
+            </a:endParaRPr>
+          </a:p>
+        </p:txBody>
+      </p:sp>
+      <p:sp>
+        <p:nvSpPr>
+          <p:cNvPr id="108" name="CustomShape 2"/>
+          <p:cNvSpPr/>
+          <p:nvPr/>
+        </p:nvSpPr>
+        <p:spPr>
+          <a:xfrm>
+            <a:off x="2398395" y="2230120"/>
+            <a:ext cx="7395210" cy="2397125"/>
+          </a:xfrm>
+          <a:prstGeom prst="rect">
+            <a:avLst/>
+          </a:prstGeom>
+          <a:noFill/>
+          <a:ln>
+            <a:noFill/>
+          </a:ln>
+        </p:spPr>
+        <p:style>
+          <a:lnRef idx="0">
+            <a:srgbClr val="FFFFFF"/>
+          </a:lnRef>
+          <a:fillRef idx="0">
+            <a:srgbClr val="FFFFFF"/>
+          </a:fillRef>
+          <a:effectRef idx="0">
+            <a:srgbClr val="FFFFFF"/>
+          </a:effectRef>
+          <a:fontRef idx="minor"/>
+        </p:style>
+        <p:txBody>
+          <a:bodyPr wrap="square" lIns="90000" tIns="45000" rIns="90000" bIns="45000">
+            <a:spAutoFit/>
+          </a:bodyPr>
+          <a:p>
+            <a:pPr>
+              <a:lnSpc>
+                <a:spcPct val="150000"/>
+              </a:lnSpc>
+            </a:pPr>
+            <a:r>
+              <a:rPr lang="en-US" sz="2000" b="0" strike="noStrike" spc="-1">
+                <a:solidFill>
+                  <a:srgbClr val="000000"/>
+                </a:solidFill>
+                <a:latin typeface="微软雅黑 Light" panose="020B0502040204020203" charset="-122"/>
+                <a:ea typeface="微软雅黑 Light" panose="020B0502040204020203" charset="-122"/>
+              </a:rPr>
+              <a:t>1. 检索关键词时</a:t>
+            </a:r>
+            <a:r>
+              <a:rPr lang="zh-CN" altLang="en-US" sz="2000" b="0" strike="noStrike" spc="-1">
+                <a:solidFill>
+                  <a:srgbClr val="000000"/>
+                </a:solidFill>
+                <a:latin typeface="微软雅黑 Light" panose="020B0502040204020203" charset="-122"/>
+                <a:ea typeface="微软雅黑 Light" panose="020B0502040204020203" charset="-122"/>
+              </a:rPr>
+              <a:t>，</a:t>
+            </a:r>
+            <a:r>
+              <a:rPr lang="en-US" sz="2000" b="0" strike="noStrike" spc="-1">
+                <a:solidFill>
+                  <a:srgbClr val="000000"/>
+                </a:solidFill>
+                <a:latin typeface="微软雅黑 Light" panose="020B0502040204020203" charset="-122"/>
+                <a:ea typeface="微软雅黑 Light" panose="020B0502040204020203" charset="-122"/>
+              </a:rPr>
+              <a:t>取所有关键词所映射的文件</a:t>
+            </a:r>
+            <a:r>
+              <a:rPr lang="zh-CN" altLang="en-US" sz="2000" b="0" strike="noStrike" spc="-1">
+                <a:solidFill>
+                  <a:srgbClr val="000000"/>
+                </a:solidFill>
+                <a:latin typeface="微软雅黑 Light" panose="020B0502040204020203" charset="-122"/>
+                <a:ea typeface="微软雅黑 Light" panose="020B0502040204020203" charset="-122"/>
+              </a:rPr>
+              <a:t>信息</a:t>
+            </a:r>
+            <a:r>
+              <a:rPr lang="en-US" sz="2000" b="0" strike="noStrike" spc="-1">
+                <a:solidFill>
+                  <a:srgbClr val="000000"/>
+                </a:solidFill>
+                <a:latin typeface="微软雅黑 Light" panose="020B0502040204020203" charset="-122"/>
+                <a:ea typeface="微软雅黑 Light" panose="020B0502040204020203" charset="-122"/>
+              </a:rPr>
+              <a:t>列表的交集</a:t>
+            </a:r>
+            <a:endParaRPr lang="en-US" sz="2000" b="0" strike="noStrike" spc="-1">
+              <a:solidFill>
+                <a:srgbClr val="000000"/>
+              </a:solidFill>
+              <a:latin typeface="微软雅黑 Light" panose="020B0502040204020203" charset="-122"/>
+              <a:ea typeface="微软雅黑 Light" panose="020B0502040204020203" charset="-122"/>
+            </a:endParaRPr>
+          </a:p>
+          <a:p>
+            <a:pPr>
+              <a:lnSpc>
+                <a:spcPct val="150000"/>
+              </a:lnSpc>
+            </a:pPr>
+            <a:endParaRPr lang="en-US" sz="2000" b="0" strike="noStrike" spc="-1">
+              <a:latin typeface="微软雅黑 Light" panose="020B0502040204020203" charset="-122"/>
+              <a:ea typeface="微软雅黑 Light" panose="020B0502040204020203" charset="-122"/>
+            </a:endParaRPr>
+          </a:p>
+          <a:p>
+            <a:pPr>
+              <a:lnSpc>
+                <a:spcPct val="150000"/>
+              </a:lnSpc>
+            </a:pPr>
+            <a:r>
+              <a:rPr lang="en-US" sz="2000" b="0" strike="noStrike" spc="-1">
+                <a:solidFill>
+                  <a:srgbClr val="000000"/>
+                </a:solidFill>
+                <a:latin typeface="微软雅黑 Light" panose="020B0502040204020203" charset="-122"/>
+                <a:ea typeface="微软雅黑 Light" panose="020B0502040204020203" charset="-122"/>
+              </a:rPr>
+              <a:t>2. 对所获得到的文件</a:t>
+            </a:r>
+            <a:r>
+              <a:rPr lang="zh-CN" altLang="en-US" sz="2000" b="0" strike="noStrike" spc="-1">
+                <a:solidFill>
+                  <a:srgbClr val="000000"/>
+                </a:solidFill>
+                <a:latin typeface="微软雅黑 Light" panose="020B0502040204020203" charset="-122"/>
+                <a:ea typeface="微软雅黑 Light" panose="020B0502040204020203" charset="-122"/>
+              </a:rPr>
+              <a:t>信息</a:t>
+            </a:r>
+            <a:r>
+              <a:rPr lang="en-US" sz="2000" b="0" strike="noStrike" spc="-1">
+                <a:solidFill>
+                  <a:srgbClr val="000000"/>
+                </a:solidFill>
+                <a:latin typeface="微软雅黑 Light" panose="020B0502040204020203" charset="-122"/>
+                <a:ea typeface="微软雅黑 Light" panose="020B0502040204020203" charset="-122"/>
+              </a:rPr>
+              <a:t>列表进行打分排序</a:t>
+            </a:r>
+            <a:endParaRPr lang="en-US" sz="2000" b="0" strike="noStrike" spc="-1">
+              <a:solidFill>
+                <a:srgbClr val="000000"/>
+              </a:solidFill>
+              <a:latin typeface="微软雅黑 Light" panose="020B0502040204020203" charset="-122"/>
+              <a:ea typeface="微软雅黑 Light" panose="020B0502040204020203" charset="-122"/>
+            </a:endParaRPr>
+          </a:p>
+          <a:p>
+            <a:pPr>
+              <a:lnSpc>
+                <a:spcPct val="150000"/>
+              </a:lnSpc>
+            </a:pPr>
+            <a:endParaRPr lang="en-US" sz="2000" b="0" strike="noStrike" spc="-1">
+              <a:latin typeface="微软雅黑 Light" panose="020B0502040204020203" charset="-122"/>
+              <a:ea typeface="微软雅黑 Light" panose="020B0502040204020203" charset="-122"/>
+            </a:endParaRPr>
+          </a:p>
+          <a:p>
+            <a:pPr>
+              <a:lnSpc>
+                <a:spcPct val="150000"/>
+              </a:lnSpc>
+            </a:pPr>
+            <a:r>
+              <a:rPr lang="en-US" sz="2000" b="0" strike="noStrike" spc="-1">
+                <a:solidFill>
+                  <a:srgbClr val="000000"/>
+                </a:solidFill>
+                <a:latin typeface="微软雅黑 Light" panose="020B0502040204020203" charset="-122"/>
+                <a:ea typeface="微软雅黑 Light" panose="020B0502040204020203" charset="-122"/>
+              </a:rPr>
+              <a:t>3. 返回排序之后的文件路径列表</a:t>
+            </a:r>
+            <a:endParaRPr lang="en-US" altLang="en-US" sz="2000" b="0" strike="noStrike" spc="-1">
+              <a:solidFill>
+                <a:srgbClr val="000000"/>
+              </a:solidFill>
+              <a:latin typeface="微软雅黑 Light" panose="020B0502040204020203" charset="-122"/>
+              <a:ea typeface="微软雅黑 Light" panose="020B0502040204020203" charset="-122"/>
             </a:endParaRPr>
           </a:p>
         </p:txBody>
@@ -7125,14 +6943,14 @@
       </p:grpSpPr>
       <p:sp>
         <p:nvSpPr>
-          <p:cNvPr id="116" name="CustomShape 1"/>
-          <p:cNvSpPr/>
+          <p:cNvPr id="110" name="TextShape 1"/>
+          <p:cNvSpPr txBox="1"/>
           <p:nvPr/>
         </p:nvSpPr>
         <p:spPr>
           <a:xfrm>
-            <a:off x="924785" y="1003760"/>
-            <a:ext cx="5322240" cy="642620"/>
+            <a:off x="908030" y="969775"/>
+            <a:ext cx="2329200" cy="889000"/>
           </a:xfrm>
           <a:prstGeom prst="rect">
             <a:avLst/>
@@ -7142,138 +6960,1311 @@
             <a:noFill/>
           </a:ln>
         </p:spPr>
-        <p:style>
-          <a:lnRef idx="0">
-            <a:srgbClr val="FFFFFF"/>
-          </a:lnRef>
-          <a:fillRef idx="0">
-            <a:srgbClr val="FFFFFF"/>
-          </a:fillRef>
-          <a:effectRef idx="0">
-            <a:srgbClr val="FFFFFF"/>
-          </a:effectRef>
-          <a:fontRef idx="minor"/>
-        </p:style>
         <p:txBody>
           <a:bodyPr lIns="90000" tIns="45000" rIns="90000" bIns="45000">
             <a:spAutoFit/>
           </a:bodyPr>
           <a:p>
-            <a:pPr>
-              <a:lnSpc>
-                <a:spcPct val="100000"/>
-              </a:lnSpc>
-            </a:pPr>
-            <a:r>
-              <a:rPr lang="en-US" sz="3600" strike="noStrike" spc="-1">
+            <a:r>
+              <a:rPr lang="en-US" sz="3600" b="0" strike="noStrike" spc="-1">
                 <a:solidFill>
                   <a:srgbClr val="000000"/>
                 </a:solidFill>
                 <a:latin typeface="微软雅黑 Light" panose="020B0502040204020203" charset="-122"/>
                 <a:ea typeface="微软雅黑 Light" panose="020B0502040204020203" charset="-122"/>
               </a:rPr>
-              <a:t>检索服务器处理哪些任务？</a:t>
-            </a:r>
-            <a:endParaRPr lang="en-US" sz="3600" strike="noStrike" spc="-1">
-              <a:solidFill>
-                <a:srgbClr val="000000"/>
-              </a:solidFill>
-              <a:latin typeface="微软雅黑 Light" panose="020B0502040204020203" charset="-122"/>
-              <a:ea typeface="微软雅黑 Light" panose="020B0502040204020203" charset="-122"/>
-            </a:endParaRPr>
-          </a:p>
-        </p:txBody>
-      </p:sp>
-      <p:sp>
-        <p:nvSpPr>
-          <p:cNvPr id="117" name="CustomShape 2"/>
-          <p:cNvSpPr/>
-          <p:nvPr/>
-        </p:nvSpPr>
-        <p:spPr>
-          <a:xfrm>
-            <a:off x="2917190" y="2691765"/>
-            <a:ext cx="6358255" cy="1473835"/>
-          </a:xfrm>
-          <a:prstGeom prst="rect">
-            <a:avLst/>
-          </a:prstGeom>
-          <a:noFill/>
-          <a:ln>
-            <a:noFill/>
-          </a:ln>
-        </p:spPr>
-        <p:style>
-          <a:lnRef idx="0">
-            <a:srgbClr val="FFFFFF"/>
-          </a:lnRef>
-          <a:fillRef idx="0">
-            <a:srgbClr val="FFFFFF"/>
-          </a:fillRef>
-          <a:effectRef idx="0">
-            <a:srgbClr val="FFFFFF"/>
-          </a:effectRef>
-          <a:fontRef idx="minor"/>
-        </p:style>
-        <p:txBody>
-          <a:bodyPr wrap="square" lIns="90000" tIns="45000" rIns="90000" bIns="45000">
-            <a:spAutoFit/>
-          </a:bodyPr>
-          <a:p>
-            <a:pPr>
-              <a:lnSpc>
-                <a:spcPct val="150000"/>
-              </a:lnSpc>
-            </a:pPr>
-            <a:r>
-              <a:rPr lang="en-US" sz="2000" b="0" strike="noStrike" spc="-1">
+              <a:t>打分</a:t>
+            </a:r>
+            <a:endParaRPr lang="en-US" sz="2000" b="0" strike="noStrike" spc="-1">
+              <a:latin typeface="Arial" panose="020B0604020202020204"/>
+            </a:endParaRPr>
+          </a:p>
+          <a:p>
+            <a:r>
+              <a:rPr lang="en-US" sz="1600" b="0" strike="noStrike" spc="-1">
                 <a:solidFill>
                   <a:srgbClr val="000000"/>
                 </a:solidFill>
                 <a:latin typeface="微软雅黑 Light" panose="020B0502040204020203" charset="-122"/>
                 <a:ea typeface="微软雅黑 Light" panose="020B0502040204020203" charset="-122"/>
               </a:rPr>
-              <a:t>监听同一台服务器上其它进程的请求</a:t>
-            </a:r>
-            <a:endParaRPr lang="en-US" sz="2000" b="0" strike="noStrike" spc="-1">
-              <a:solidFill>
-                <a:srgbClr val="000000"/>
-              </a:solidFill>
+              <a:t>根据以下步骤进行打分:</a:t>
+            </a:r>
+            <a:endParaRPr lang="en-US" sz="1600" b="0" strike="noStrike" spc="-1">
+              <a:latin typeface="Arial" panose="020B0604020202020204"/>
+            </a:endParaRPr>
+          </a:p>
+        </p:txBody>
+      </p:sp>
+      <p:sp>
+        <p:nvSpPr>
+          <p:cNvPr id="2" name="流程图: 过程 1"/>
+          <p:cNvSpPr/>
+          <p:nvPr/>
+        </p:nvSpPr>
+        <p:spPr>
+          <a:xfrm>
+            <a:off x="6334125" y="178435"/>
+            <a:ext cx="2396490" cy="791210"/>
+          </a:xfrm>
+          <a:prstGeom prst="flowChartProcess">
+            <a:avLst/>
+          </a:prstGeom>
+        </p:spPr>
+        <p:style>
+          <a:lnRef idx="2">
+            <a:schemeClr val="dk1"/>
+          </a:lnRef>
+          <a:fillRef idx="1">
+            <a:schemeClr val="lt1"/>
+          </a:fillRef>
+          <a:effectRef idx="0">
+            <a:schemeClr val="dk1"/>
+          </a:effectRef>
+          <a:fontRef idx="minor">
+            <a:schemeClr val="dk1"/>
+          </a:fontRef>
+        </p:style>
+        <p:txBody>
+          <a:bodyPr rtlCol="0" anchor="ctr"/>
+          <a:p>
+            <a:pPr algn="ctr"/>
+            <a:r>
+              <a:rPr lang="zh-CN" altLang="en-US">
+                <a:latin typeface="微软雅黑 Light" panose="020B0502040204020203" charset="-122"/>
+                <a:ea typeface="微软雅黑 Light" panose="020B0502040204020203" charset="-122"/>
+              </a:rPr>
+              <a:t>遍历每个关键词、文章信息列表的键值对</a:t>
+            </a:r>
+            <a:endParaRPr lang="zh-CN" altLang="en-US">
               <a:latin typeface="微软雅黑 Light" panose="020B0502040204020203" charset="-122"/>
               <a:ea typeface="微软雅黑 Light" panose="020B0502040204020203" charset="-122"/>
             </a:endParaRPr>
           </a:p>
-          <a:p>
-            <a:pPr>
-              <a:lnSpc>
-                <a:spcPct val="150000"/>
-              </a:lnSpc>
-            </a:pPr>
-            <a:endParaRPr lang="en-US" sz="2000" b="0" strike="noStrike" spc="-1">
+        </p:txBody>
+      </p:sp>
+      <p:sp>
+        <p:nvSpPr>
+          <p:cNvPr id="3" name="流程图: 过程 2"/>
+          <p:cNvSpPr/>
+          <p:nvPr/>
+        </p:nvSpPr>
+        <p:spPr>
+          <a:xfrm>
+            <a:off x="6950075" y="2152015"/>
+            <a:ext cx="1165860" cy="613410"/>
+          </a:xfrm>
+          <a:prstGeom prst="flowChartProcess">
+            <a:avLst/>
+          </a:prstGeom>
+        </p:spPr>
+        <p:style>
+          <a:lnRef idx="2">
+            <a:schemeClr val="dk1"/>
+          </a:lnRef>
+          <a:fillRef idx="1">
+            <a:schemeClr val="lt1"/>
+          </a:fillRef>
+          <a:effectRef idx="0">
+            <a:schemeClr val="dk1"/>
+          </a:effectRef>
+          <a:fontRef idx="minor">
+            <a:schemeClr val="dk1"/>
+          </a:fontRef>
+        </p:style>
+        <p:txBody>
+          <a:bodyPr rtlCol="0" anchor="ctr"/>
+          <a:p>
+            <a:pPr algn="ctr"/>
+            <a:r>
+              <a:rPr lang="zh-CN" altLang="en-US">
+                <a:latin typeface="微软雅黑 Light" panose="020B0502040204020203" charset="-122"/>
+                <a:ea typeface="微软雅黑 Light" panose="020B0502040204020203" charset="-122"/>
+              </a:rPr>
+              <a:t>遍历每个文章信息</a:t>
+            </a:r>
+            <a:endParaRPr lang="zh-CN" altLang="en-US">
               <a:latin typeface="微软雅黑 Light" panose="020B0502040204020203" charset="-122"/>
               <a:ea typeface="微软雅黑 Light" panose="020B0502040204020203" charset="-122"/>
             </a:endParaRPr>
           </a:p>
-          <a:p>
-            <a:pPr>
-              <a:lnSpc>
-                <a:spcPct val="150000"/>
-              </a:lnSpc>
-            </a:pPr>
-            <a:r>
-              <a:rPr lang="en-US" sz="2000" b="0" strike="noStrike" spc="-1">
-                <a:solidFill>
-                  <a:srgbClr val="000000"/>
-                </a:solidFill>
-                <a:latin typeface="微软雅黑 Light" panose="020B0502040204020203" charset="-122"/>
-                <a:ea typeface="微软雅黑 Light" panose="020B0502040204020203" charset="-122"/>
-              </a:rPr>
-              <a:t>通过倒排索引进行检索并返回给相应的进程检索的结果</a:t>
-            </a:r>
-            <a:endParaRPr lang="en-US" sz="2000" b="0" strike="noStrike" spc="-1">
-              <a:solidFill>
-                <a:srgbClr val="000000"/>
-              </a:solidFill>
+        </p:txBody>
+      </p:sp>
+      <p:sp>
+        <p:nvSpPr>
+          <p:cNvPr id="4" name="流程图: 决策 3"/>
+          <p:cNvSpPr/>
+          <p:nvPr/>
+        </p:nvSpPr>
+        <p:spPr>
+          <a:xfrm>
+            <a:off x="6373495" y="4964430"/>
+            <a:ext cx="2319655" cy="1210945"/>
+          </a:xfrm>
+          <a:prstGeom prst="flowChartDecision">
+            <a:avLst/>
+          </a:prstGeom>
+        </p:spPr>
+        <p:style>
+          <a:lnRef idx="2">
+            <a:schemeClr val="dk1"/>
+          </a:lnRef>
+          <a:fillRef idx="1">
+            <a:schemeClr val="lt1"/>
+          </a:fillRef>
+          <a:effectRef idx="0">
+            <a:schemeClr val="dk1"/>
+          </a:effectRef>
+          <a:fontRef idx="minor">
+            <a:schemeClr val="dk1"/>
+          </a:fontRef>
+        </p:style>
+        <p:txBody>
+          <a:bodyPr rtlCol="0" anchor="ctr"/>
+          <a:p>
+            <a:pPr algn="ctr"/>
+            <a:r>
+              <a:rPr lang="zh-CN" altLang="en-US">
+                <a:latin typeface="微软雅黑 Light" panose="020B0502040204020203" charset="-122"/>
+                <a:ea typeface="微软雅黑 Light" panose="020B0502040204020203" charset="-122"/>
+              </a:rPr>
+              <a:t>关键词是否在标题中出现</a:t>
+            </a:r>
+            <a:endParaRPr lang="zh-CN" altLang="en-US">
+              <a:latin typeface="微软雅黑 Light" panose="020B0502040204020203" charset="-122"/>
+              <a:ea typeface="微软雅黑 Light" panose="020B0502040204020203" charset="-122"/>
+            </a:endParaRPr>
+          </a:p>
+        </p:txBody>
+      </p:sp>
+      <p:sp>
+        <p:nvSpPr>
+          <p:cNvPr id="5" name="流程图: 过程 4"/>
+          <p:cNvSpPr/>
+          <p:nvPr/>
+        </p:nvSpPr>
+        <p:spPr>
+          <a:xfrm>
+            <a:off x="4027805" y="5046980"/>
+            <a:ext cx="1849755" cy="1045845"/>
+          </a:xfrm>
+          <a:prstGeom prst="flowChartProcess">
+            <a:avLst/>
+          </a:prstGeom>
+        </p:spPr>
+        <p:style>
+          <a:lnRef idx="2">
+            <a:schemeClr val="dk1"/>
+          </a:lnRef>
+          <a:fillRef idx="1">
+            <a:schemeClr val="lt1"/>
+          </a:fillRef>
+          <a:effectRef idx="0">
+            <a:schemeClr val="dk1"/>
+          </a:effectRef>
+          <a:fontRef idx="minor">
+            <a:schemeClr val="dk1"/>
+          </a:fontRef>
+        </p:style>
+        <p:txBody>
+          <a:bodyPr rtlCol="0" anchor="ctr"/>
+          <a:p>
+            <a:pPr algn="ctr"/>
+            <a:r>
+              <a:rPr lang="zh-CN" altLang="en-US">
+                <a:latin typeface="微软雅黑 Light" panose="020B0502040204020203" charset="-122"/>
+                <a:ea typeface="微软雅黑 Light" panose="020B0502040204020203" charset="-122"/>
+                <a:cs typeface="微软雅黑 Light" panose="020B0502040204020203" charset="-122"/>
+              </a:rPr>
+              <a:t>文章得分增加</a:t>
+            </a:r>
+            <a:r>
+              <a:rPr lang="en-US" altLang="zh-CN">
+                <a:latin typeface="微软雅黑 Light" panose="020B0502040204020203" charset="-122"/>
+                <a:ea typeface="微软雅黑 Light" panose="020B0502040204020203" charset="-122"/>
+                <a:cs typeface="微软雅黑 Light" panose="020B0502040204020203" charset="-122"/>
+              </a:rPr>
+              <a:t>1000</a:t>
+            </a:r>
+            <a:r>
+              <a:rPr lang="zh-CN" altLang="en-US">
+                <a:latin typeface="微软雅黑 Light" panose="020B0502040204020203" charset="-122"/>
+                <a:ea typeface="微软雅黑 Light" panose="020B0502040204020203" charset="-122"/>
+                <a:cs typeface="微软雅黑 Light" panose="020B0502040204020203" charset="-122"/>
+              </a:rPr>
+              <a:t>，标记主概念文章章节</a:t>
+            </a:r>
+            <a:endParaRPr lang="zh-CN" altLang="en-US">
+              <a:latin typeface="微软雅黑 Light" panose="020B0502040204020203" charset="-122"/>
+              <a:ea typeface="微软雅黑 Light" panose="020B0502040204020203" charset="-122"/>
+              <a:cs typeface="微软雅黑 Light" panose="020B0502040204020203" charset="-122"/>
+            </a:endParaRPr>
+          </a:p>
+        </p:txBody>
+      </p:sp>
+      <p:sp>
+        <p:nvSpPr>
+          <p:cNvPr id="6" name="流程图: 决策 5"/>
+          <p:cNvSpPr/>
+          <p:nvPr/>
+        </p:nvSpPr>
+        <p:spPr>
+          <a:xfrm>
+            <a:off x="9646920" y="3693795"/>
+            <a:ext cx="2256790" cy="1506220"/>
+          </a:xfrm>
+          <a:prstGeom prst="flowChartDecision">
+            <a:avLst/>
+          </a:prstGeom>
+        </p:spPr>
+        <p:style>
+          <a:lnRef idx="2">
+            <a:schemeClr val="dk1"/>
+          </a:lnRef>
+          <a:fillRef idx="1">
+            <a:schemeClr val="lt1"/>
+          </a:fillRef>
+          <a:effectRef idx="0">
+            <a:schemeClr val="dk1"/>
+          </a:effectRef>
+          <a:fontRef idx="minor">
+            <a:schemeClr val="dk1"/>
+          </a:fontRef>
+        </p:style>
+        <p:txBody>
+          <a:bodyPr rtlCol="0" anchor="ctr"/>
+          <a:p>
+            <a:pPr algn="ctr"/>
+            <a:r>
+              <a:rPr lang="zh-CN" altLang="en-US">
+                <a:latin typeface="微软雅黑 Light" panose="020B0502040204020203" charset="-122"/>
+                <a:ea typeface="微软雅黑 Light" panose="020B0502040204020203" charset="-122"/>
+              </a:rPr>
+              <a:t>是否标记过主概念文章章节？</a:t>
+            </a:r>
+            <a:endParaRPr lang="zh-CN" altLang="en-US">
+              <a:latin typeface="微软雅黑 Light" panose="020B0502040204020203" charset="-122"/>
+              <a:ea typeface="微软雅黑 Light" panose="020B0502040204020203" charset="-122"/>
+            </a:endParaRPr>
+          </a:p>
+        </p:txBody>
+      </p:sp>
+      <p:sp>
+        <p:nvSpPr>
+          <p:cNvPr id="7" name="流程图: 过程 6"/>
+          <p:cNvSpPr/>
+          <p:nvPr/>
+        </p:nvSpPr>
+        <p:spPr>
+          <a:xfrm>
+            <a:off x="9501505" y="5685155"/>
+            <a:ext cx="2547620" cy="740410"/>
+          </a:xfrm>
+          <a:prstGeom prst="flowChartProcess">
+            <a:avLst/>
+          </a:prstGeom>
+        </p:spPr>
+        <p:style>
+          <a:lnRef idx="2">
+            <a:schemeClr val="dk1"/>
+          </a:lnRef>
+          <a:fillRef idx="1">
+            <a:schemeClr val="lt1"/>
+          </a:fillRef>
+          <a:effectRef idx="0">
+            <a:schemeClr val="dk1"/>
+          </a:effectRef>
+          <a:fontRef idx="minor">
+            <a:schemeClr val="dk1"/>
+          </a:fontRef>
+        </p:style>
+        <p:txBody>
+          <a:bodyPr rtlCol="0" anchor="ctr"/>
+          <a:p>
+            <a:pPr algn="ctr"/>
+            <a:r>
+              <a:rPr lang="zh-CN" altLang="en-US">
+                <a:latin typeface="微软雅黑 Light" panose="020B0502040204020203" charset="-122"/>
+                <a:ea typeface="微软雅黑 Light" panose="020B0502040204020203" charset="-122"/>
+                <a:cs typeface="微软雅黑 Light" panose="020B0502040204020203" charset="-122"/>
+              </a:rPr>
+              <a:t>文章得分减少其与主概念文章章节距离 </a:t>
+            </a:r>
+            <a:r>
+              <a:rPr lang="en-US" altLang="zh-CN">
+                <a:latin typeface="微软雅黑 Light" panose="020B0502040204020203" charset="-122"/>
+                <a:ea typeface="微软雅黑 Light" panose="020B0502040204020203" charset="-122"/>
+                <a:cs typeface="微软雅黑 Light" panose="020B0502040204020203" charset="-122"/>
+              </a:rPr>
+              <a:t>* 100</a:t>
+            </a:r>
+            <a:endParaRPr lang="en-US" altLang="zh-CN">
+              <a:latin typeface="微软雅黑 Light" panose="020B0502040204020203" charset="-122"/>
+              <a:ea typeface="微软雅黑 Light" panose="020B0502040204020203" charset="-122"/>
+              <a:cs typeface="微软雅黑 Light" panose="020B0502040204020203" charset="-122"/>
+            </a:endParaRPr>
+          </a:p>
+        </p:txBody>
+      </p:sp>
+      <p:sp>
+        <p:nvSpPr>
+          <p:cNvPr id="8" name="流程图: 过程 7"/>
+          <p:cNvSpPr/>
+          <p:nvPr/>
+        </p:nvSpPr>
+        <p:spPr>
+          <a:xfrm>
+            <a:off x="6249670" y="3983355"/>
+            <a:ext cx="2567305" cy="702945"/>
+          </a:xfrm>
+          <a:prstGeom prst="flowChartProcess">
+            <a:avLst/>
+          </a:prstGeom>
+        </p:spPr>
+        <p:style>
+          <a:lnRef idx="2">
+            <a:schemeClr val="dk1"/>
+          </a:lnRef>
+          <a:fillRef idx="1">
+            <a:schemeClr val="lt1"/>
+          </a:fillRef>
+          <a:effectRef idx="0">
+            <a:schemeClr val="dk1"/>
+          </a:effectRef>
+          <a:fontRef idx="minor">
+            <a:schemeClr val="dk1"/>
+          </a:fontRef>
+        </p:style>
+        <p:txBody>
+          <a:bodyPr rtlCol="0" anchor="ctr"/>
+          <a:p>
+            <a:pPr algn="ctr"/>
+            <a:r>
+              <a:rPr lang="zh-CN" altLang="en-US">
+                <a:latin typeface="微软雅黑 Light" panose="020B0502040204020203" charset="-122"/>
+                <a:ea typeface="微软雅黑 Light" panose="020B0502040204020203" charset="-122"/>
+                <a:cs typeface="微软雅黑 Light" panose="020B0502040204020203" charset="-122"/>
+              </a:rPr>
+              <a:t>文章得分增加该关键词出现的次数 </a:t>
+            </a:r>
+            <a:r>
+              <a:rPr lang="en-US" altLang="zh-CN">
+                <a:latin typeface="微软雅黑 Light" panose="020B0502040204020203" charset="-122"/>
+                <a:ea typeface="微软雅黑 Light" panose="020B0502040204020203" charset="-122"/>
+                <a:cs typeface="微软雅黑 Light" panose="020B0502040204020203" charset="-122"/>
+              </a:rPr>
+              <a:t>* </a:t>
+            </a:r>
+            <a:r>
+              <a:rPr lang="zh-CN" altLang="en-US">
+                <a:latin typeface="微软雅黑 Light" panose="020B0502040204020203" charset="-122"/>
+                <a:ea typeface="微软雅黑 Light" panose="020B0502040204020203" charset="-122"/>
+                <a:cs typeface="微软雅黑 Light" panose="020B0502040204020203" charset="-122"/>
+              </a:rPr>
+              <a:t>其信息量</a:t>
+            </a:r>
+            <a:endParaRPr lang="zh-CN" altLang="en-US">
+              <a:latin typeface="微软雅黑 Light" panose="020B0502040204020203" charset="-122"/>
+              <a:ea typeface="微软雅黑 Light" panose="020B0502040204020203" charset="-122"/>
+              <a:cs typeface="微软雅黑 Light" panose="020B0502040204020203" charset="-122"/>
+            </a:endParaRPr>
+          </a:p>
+        </p:txBody>
+      </p:sp>
+      <p:cxnSp>
+        <p:nvCxnSpPr>
+          <p:cNvPr id="10" name="直接箭头连接符 9"/>
+          <p:cNvCxnSpPr>
+            <a:stCxn id="21" idx="2"/>
+            <a:endCxn id="3" idx="0"/>
+          </p:cNvCxnSpPr>
+          <p:nvPr/>
+        </p:nvCxnSpPr>
+        <p:spPr>
+          <a:xfrm flipH="1">
+            <a:off x="7533005" y="1779905"/>
+            <a:ext cx="1270" cy="372110"/>
+          </a:xfrm>
+          <a:prstGeom prst="straightConnector1">
+            <a:avLst/>
+          </a:prstGeom>
+          <a:ln>
+            <a:tailEnd type="arrow" w="med" len="med"/>
+          </a:ln>
+        </p:spPr>
+        <p:style>
+          <a:lnRef idx="1">
+            <a:schemeClr val="dk1"/>
+          </a:lnRef>
+          <a:fillRef idx="0">
+            <a:schemeClr val="dk1"/>
+          </a:fillRef>
+          <a:effectRef idx="0">
+            <a:schemeClr val="dk1"/>
+          </a:effectRef>
+          <a:fontRef idx="minor">
+            <a:schemeClr val="tx1"/>
+          </a:fontRef>
+        </p:style>
+      </p:cxnSp>
+      <p:cxnSp>
+        <p:nvCxnSpPr>
+          <p:cNvPr id="11" name="直接箭头连接符 10"/>
+          <p:cNvCxnSpPr>
+            <a:stCxn id="3" idx="2"/>
+            <a:endCxn id="17" idx="0"/>
+          </p:cNvCxnSpPr>
+          <p:nvPr/>
+        </p:nvCxnSpPr>
+        <p:spPr>
+          <a:xfrm>
+            <a:off x="7533005" y="2765425"/>
+            <a:ext cx="635" cy="201295"/>
+          </a:xfrm>
+          <a:prstGeom prst="straightConnector1">
+            <a:avLst/>
+          </a:prstGeom>
+          <a:ln>
+            <a:tailEnd type="arrow" w="med" len="med"/>
+          </a:ln>
+        </p:spPr>
+        <p:style>
+          <a:lnRef idx="1">
+            <a:schemeClr val="dk1"/>
+          </a:lnRef>
+          <a:fillRef idx="0">
+            <a:schemeClr val="dk1"/>
+          </a:fillRef>
+          <a:effectRef idx="0">
+            <a:schemeClr val="dk1"/>
+          </a:effectRef>
+          <a:fontRef idx="minor">
+            <a:schemeClr val="tx1"/>
+          </a:fontRef>
+        </p:style>
+      </p:cxnSp>
+      <p:cxnSp>
+        <p:nvCxnSpPr>
+          <p:cNvPr id="12" name="直接箭头连接符 11"/>
+          <p:cNvCxnSpPr>
+            <a:stCxn id="8" idx="2"/>
+            <a:endCxn id="4" idx="0"/>
+          </p:cNvCxnSpPr>
+          <p:nvPr/>
+        </p:nvCxnSpPr>
+        <p:spPr>
+          <a:xfrm>
+            <a:off x="7533640" y="4686300"/>
+            <a:ext cx="0" cy="278130"/>
+          </a:xfrm>
+          <a:prstGeom prst="straightConnector1">
+            <a:avLst/>
+          </a:prstGeom>
+          <a:ln>
+            <a:tailEnd type="arrow" w="med" len="med"/>
+          </a:ln>
+        </p:spPr>
+        <p:style>
+          <a:lnRef idx="1">
+            <a:schemeClr val="dk1"/>
+          </a:lnRef>
+          <a:fillRef idx="0">
+            <a:schemeClr val="dk1"/>
+          </a:fillRef>
+          <a:effectRef idx="0">
+            <a:schemeClr val="dk1"/>
+          </a:effectRef>
+          <a:fontRef idx="minor">
+            <a:schemeClr val="tx1"/>
+          </a:fontRef>
+        </p:style>
+      </p:cxnSp>
+      <p:cxnSp>
+        <p:nvCxnSpPr>
+          <p:cNvPr id="15" name="肘形连接符 14"/>
+          <p:cNvCxnSpPr>
+            <a:stCxn id="4" idx="3"/>
+            <a:endCxn id="6" idx="1"/>
+          </p:cNvCxnSpPr>
+          <p:nvPr/>
+        </p:nvCxnSpPr>
+        <p:spPr>
+          <a:xfrm flipV="1">
+            <a:off x="8693150" y="4446905"/>
+            <a:ext cx="953770" cy="1123315"/>
+          </a:xfrm>
+          <a:prstGeom prst="bentConnector3">
+            <a:avLst>
+              <a:gd name="adj1" fmla="val 50000"/>
+            </a:avLst>
+          </a:prstGeom>
+          <a:ln>
+            <a:tailEnd type="arrow" w="med" len="med"/>
+          </a:ln>
+        </p:spPr>
+        <p:style>
+          <a:lnRef idx="1">
+            <a:schemeClr val="dk1"/>
+          </a:lnRef>
+          <a:fillRef idx="0">
+            <a:schemeClr val="dk1"/>
+          </a:fillRef>
+          <a:effectRef idx="0">
+            <a:schemeClr val="dk1"/>
+          </a:effectRef>
+          <a:fontRef idx="minor">
+            <a:schemeClr val="tx1"/>
+          </a:fontRef>
+        </p:style>
+      </p:cxnSp>
+      <p:cxnSp>
+        <p:nvCxnSpPr>
+          <p:cNvPr id="16" name="直接箭头连接符 15"/>
+          <p:cNvCxnSpPr>
+            <a:stCxn id="6" idx="2"/>
+            <a:endCxn id="7" idx="0"/>
+          </p:cNvCxnSpPr>
+          <p:nvPr/>
+        </p:nvCxnSpPr>
+        <p:spPr>
+          <a:xfrm>
+            <a:off x="10775315" y="5200015"/>
+            <a:ext cx="0" cy="485140"/>
+          </a:xfrm>
+          <a:prstGeom prst="straightConnector1">
+            <a:avLst/>
+          </a:prstGeom>
+          <a:ln>
+            <a:tailEnd type="arrow" w="med" len="med"/>
+          </a:ln>
+        </p:spPr>
+        <p:style>
+          <a:lnRef idx="1">
+            <a:schemeClr val="dk1"/>
+          </a:lnRef>
+          <a:fillRef idx="0">
+            <a:schemeClr val="dk1"/>
+          </a:fillRef>
+          <a:effectRef idx="0">
+            <a:schemeClr val="dk1"/>
+          </a:effectRef>
+          <a:fontRef idx="minor">
+            <a:schemeClr val="tx1"/>
+          </a:fontRef>
+        </p:style>
+      </p:cxnSp>
+      <p:sp>
+        <p:nvSpPr>
+          <p:cNvPr id="17" name="流程图: 决策 16"/>
+          <p:cNvSpPr/>
+          <p:nvPr/>
+        </p:nvSpPr>
+        <p:spPr>
+          <a:xfrm>
+            <a:off x="6306185" y="2966720"/>
+            <a:ext cx="2454275" cy="650875"/>
+          </a:xfrm>
+          <a:prstGeom prst="flowChartDecision">
+            <a:avLst/>
+          </a:prstGeom>
+        </p:spPr>
+        <p:style>
+          <a:lnRef idx="2">
+            <a:schemeClr val="dk1"/>
+          </a:lnRef>
+          <a:fillRef idx="1">
+            <a:schemeClr val="lt1"/>
+          </a:fillRef>
+          <a:effectRef idx="0">
+            <a:schemeClr val="dk1"/>
+          </a:effectRef>
+          <a:fontRef idx="minor">
+            <a:schemeClr val="dk1"/>
+          </a:fontRef>
+        </p:style>
+        <p:txBody>
+          <a:bodyPr rtlCol="0" anchor="ctr"/>
+          <a:p>
+            <a:pPr algn="ctr"/>
+            <a:r>
+              <a:rPr lang="zh-CN" altLang="en-US">
+                <a:latin typeface="微软雅黑 Light" panose="020B0502040204020203" charset="-122"/>
+                <a:ea typeface="微软雅黑 Light" panose="020B0502040204020203" charset="-122"/>
+              </a:rPr>
+              <a:t>遍历结束？</a:t>
+            </a:r>
+            <a:endParaRPr lang="zh-CN" altLang="en-US">
+              <a:latin typeface="微软雅黑 Light" panose="020B0502040204020203" charset="-122"/>
+              <a:ea typeface="微软雅黑 Light" panose="020B0502040204020203" charset="-122"/>
+            </a:endParaRPr>
+          </a:p>
+        </p:txBody>
+      </p:sp>
+      <p:cxnSp>
+        <p:nvCxnSpPr>
+          <p:cNvPr id="18" name="直接箭头连接符 17"/>
+          <p:cNvCxnSpPr>
+            <a:stCxn id="17" idx="2"/>
+            <a:endCxn id="8" idx="0"/>
+          </p:cNvCxnSpPr>
+          <p:nvPr/>
+        </p:nvCxnSpPr>
+        <p:spPr>
+          <a:xfrm>
+            <a:off x="7533640" y="3617595"/>
+            <a:ext cx="0" cy="365760"/>
+          </a:xfrm>
+          <a:prstGeom prst="straightConnector1">
+            <a:avLst/>
+          </a:prstGeom>
+          <a:ln>
+            <a:tailEnd type="arrow" w="med" len="med"/>
+          </a:ln>
+        </p:spPr>
+        <p:style>
+          <a:lnRef idx="1">
+            <a:schemeClr val="dk1"/>
+          </a:lnRef>
+          <a:fillRef idx="0">
+            <a:schemeClr val="dk1"/>
+          </a:fillRef>
+          <a:effectRef idx="0">
+            <a:schemeClr val="dk1"/>
+          </a:effectRef>
+          <a:fontRef idx="minor">
+            <a:schemeClr val="tx1"/>
+          </a:fontRef>
+        </p:style>
+      </p:cxnSp>
+      <p:cxnSp>
+        <p:nvCxnSpPr>
+          <p:cNvPr id="19" name="肘形连接符 18"/>
+          <p:cNvCxnSpPr>
+            <a:stCxn id="17" idx="1"/>
+            <a:endCxn id="2" idx="1"/>
+          </p:cNvCxnSpPr>
+          <p:nvPr/>
+        </p:nvCxnSpPr>
+        <p:spPr>
+          <a:xfrm rot="10800000" flipH="1">
+            <a:off x="6306185" y="574040"/>
+            <a:ext cx="27940" cy="2718435"/>
+          </a:xfrm>
+          <a:prstGeom prst="bentConnector3">
+            <a:avLst>
+              <a:gd name="adj1" fmla="val -3488636"/>
+            </a:avLst>
+          </a:prstGeom>
+          <a:ln>
+            <a:tailEnd type="arrow" w="med" len="med"/>
+          </a:ln>
+        </p:spPr>
+        <p:style>
+          <a:lnRef idx="1">
+            <a:schemeClr val="dk1"/>
+          </a:lnRef>
+          <a:fillRef idx="0">
+            <a:schemeClr val="dk1"/>
+          </a:fillRef>
+          <a:effectRef idx="0">
+            <a:schemeClr val="dk1"/>
+          </a:effectRef>
+          <a:fontRef idx="minor">
+            <a:schemeClr val="tx1"/>
+          </a:fontRef>
+        </p:style>
+      </p:cxnSp>
+      <p:sp>
+        <p:nvSpPr>
+          <p:cNvPr id="21" name="流程图: 决策 20"/>
+          <p:cNvSpPr/>
+          <p:nvPr/>
+        </p:nvSpPr>
+        <p:spPr>
+          <a:xfrm>
+            <a:off x="6306820" y="1129030"/>
+            <a:ext cx="2454275" cy="650875"/>
+          </a:xfrm>
+          <a:prstGeom prst="flowChartDecision">
+            <a:avLst/>
+          </a:prstGeom>
+        </p:spPr>
+        <p:style>
+          <a:lnRef idx="2">
+            <a:schemeClr val="dk1"/>
+          </a:lnRef>
+          <a:fillRef idx="1">
+            <a:schemeClr val="lt1"/>
+          </a:fillRef>
+          <a:effectRef idx="0">
+            <a:schemeClr val="dk1"/>
+          </a:effectRef>
+          <a:fontRef idx="minor">
+            <a:schemeClr val="dk1"/>
+          </a:fontRef>
+        </p:style>
+        <p:txBody>
+          <a:bodyPr rtlCol="0" anchor="ctr"/>
+          <a:p>
+            <a:pPr algn="ctr"/>
+            <a:r>
+              <a:rPr lang="zh-CN" altLang="en-US">
+                <a:latin typeface="微软雅黑 Light" panose="020B0502040204020203" charset="-122"/>
+                <a:ea typeface="微软雅黑 Light" panose="020B0502040204020203" charset="-122"/>
+              </a:rPr>
+              <a:t>遍历结束？</a:t>
+            </a:r>
+            <a:endParaRPr lang="zh-CN" altLang="en-US">
+              <a:latin typeface="微软雅黑 Light" panose="020B0502040204020203" charset="-122"/>
+              <a:ea typeface="微软雅黑 Light" panose="020B0502040204020203" charset="-122"/>
+            </a:endParaRPr>
+          </a:p>
+        </p:txBody>
+      </p:sp>
+      <p:cxnSp>
+        <p:nvCxnSpPr>
+          <p:cNvPr id="22" name="直接箭头连接符 21"/>
+          <p:cNvCxnSpPr>
+            <a:stCxn id="2" idx="2"/>
+            <a:endCxn id="21" idx="0"/>
+          </p:cNvCxnSpPr>
+          <p:nvPr/>
+        </p:nvCxnSpPr>
+        <p:spPr>
+          <a:xfrm>
+            <a:off x="7532370" y="969645"/>
+            <a:ext cx="1905" cy="159385"/>
+          </a:xfrm>
+          <a:prstGeom prst="straightConnector1">
+            <a:avLst/>
+          </a:prstGeom>
+          <a:ln>
+            <a:tailEnd type="arrow" w="med" len="med"/>
+          </a:ln>
+        </p:spPr>
+        <p:style>
+          <a:lnRef idx="1">
+            <a:schemeClr val="dk1"/>
+          </a:lnRef>
+          <a:fillRef idx="0">
+            <a:schemeClr val="dk1"/>
+          </a:fillRef>
+          <a:effectRef idx="0">
+            <a:schemeClr val="dk1"/>
+          </a:effectRef>
+          <a:fontRef idx="minor">
+            <a:schemeClr val="tx1"/>
+          </a:fontRef>
+        </p:style>
+      </p:cxnSp>
+      <p:sp>
+        <p:nvSpPr>
+          <p:cNvPr id="23" name="流程图: 终止 22"/>
+          <p:cNvSpPr/>
+          <p:nvPr/>
+        </p:nvSpPr>
+        <p:spPr>
+          <a:xfrm>
+            <a:off x="9947275" y="1163955"/>
+            <a:ext cx="1656080" cy="580390"/>
+          </a:xfrm>
+          <a:prstGeom prst="flowChartTerminator">
+            <a:avLst/>
+          </a:prstGeom>
+        </p:spPr>
+        <p:style>
+          <a:lnRef idx="2">
+            <a:schemeClr val="dk1"/>
+          </a:lnRef>
+          <a:fillRef idx="1">
+            <a:schemeClr val="lt1"/>
+          </a:fillRef>
+          <a:effectRef idx="0">
+            <a:schemeClr val="dk1"/>
+          </a:effectRef>
+          <a:fontRef idx="minor">
+            <a:schemeClr val="dk1"/>
+          </a:fontRef>
+        </p:style>
+        <p:txBody>
+          <a:bodyPr rtlCol="0" anchor="ctr"/>
+          <a:p>
+            <a:pPr algn="ctr"/>
+            <a:r>
+              <a:rPr lang="zh-CN" altLang="en-US">
+                <a:latin typeface="微软雅黑 Light" panose="020B0502040204020203" charset="-122"/>
+                <a:ea typeface="微软雅黑 Light" panose="020B0502040204020203" charset="-122"/>
+              </a:rPr>
+              <a:t>打分结束</a:t>
+            </a:r>
+            <a:endParaRPr lang="zh-CN" altLang="en-US">
+              <a:latin typeface="微软雅黑 Light" panose="020B0502040204020203" charset="-122"/>
+              <a:ea typeface="微软雅黑 Light" panose="020B0502040204020203" charset="-122"/>
+            </a:endParaRPr>
+          </a:p>
+        </p:txBody>
+      </p:sp>
+      <p:cxnSp>
+        <p:nvCxnSpPr>
+          <p:cNvPr id="25" name="肘形连接符 24"/>
+          <p:cNvCxnSpPr>
+            <a:stCxn id="21" idx="3"/>
+            <a:endCxn id="23" idx="1"/>
+          </p:cNvCxnSpPr>
+          <p:nvPr/>
+        </p:nvCxnSpPr>
+        <p:spPr>
+          <a:xfrm flipV="1">
+            <a:off x="8761095" y="1454150"/>
+            <a:ext cx="1186180" cy="635"/>
+          </a:xfrm>
+          <a:prstGeom prst="bentConnector3">
+            <a:avLst>
+              <a:gd name="adj1" fmla="val 50000"/>
+            </a:avLst>
+          </a:prstGeom>
+          <a:ln>
+            <a:tailEnd type="arrow" w="med" len="med"/>
+          </a:ln>
+        </p:spPr>
+        <p:style>
+          <a:lnRef idx="1">
+            <a:schemeClr val="dk1"/>
+          </a:lnRef>
+          <a:fillRef idx="0">
+            <a:schemeClr val="dk1"/>
+          </a:fillRef>
+          <a:effectRef idx="0">
+            <a:schemeClr val="dk1"/>
+          </a:effectRef>
+          <a:fontRef idx="minor">
+            <a:schemeClr val="tx1"/>
+          </a:fontRef>
+        </p:style>
+      </p:cxnSp>
+      <p:cxnSp>
+        <p:nvCxnSpPr>
+          <p:cNvPr id="26" name="直接箭头连接符 25"/>
+          <p:cNvCxnSpPr>
+            <a:stCxn id="4" idx="1"/>
+            <a:endCxn id="5" idx="3"/>
+          </p:cNvCxnSpPr>
+          <p:nvPr/>
+        </p:nvCxnSpPr>
+        <p:spPr>
+          <a:xfrm flipH="1">
+            <a:off x="5877560" y="5570220"/>
+            <a:ext cx="495935" cy="0"/>
+          </a:xfrm>
+          <a:prstGeom prst="straightConnector1">
+            <a:avLst/>
+          </a:prstGeom>
+          <a:ln>
+            <a:tailEnd type="arrow" w="med" len="med"/>
+          </a:ln>
+        </p:spPr>
+        <p:style>
+          <a:lnRef idx="1">
+            <a:schemeClr val="dk1"/>
+          </a:lnRef>
+          <a:fillRef idx="0">
+            <a:schemeClr val="dk1"/>
+          </a:fillRef>
+          <a:effectRef idx="0">
+            <a:schemeClr val="dk1"/>
+          </a:effectRef>
+          <a:fontRef idx="minor">
+            <a:schemeClr val="tx1"/>
+          </a:fontRef>
+        </p:style>
+      </p:cxnSp>
+      <p:cxnSp>
+        <p:nvCxnSpPr>
+          <p:cNvPr id="27" name="肘形连接符 26"/>
+          <p:cNvCxnSpPr>
+            <a:stCxn id="5" idx="1"/>
+            <a:endCxn id="3" idx="1"/>
+          </p:cNvCxnSpPr>
+          <p:nvPr/>
+        </p:nvCxnSpPr>
+        <p:spPr>
+          <a:xfrm rot="10800000" flipH="1">
+            <a:off x="4027805" y="2458720"/>
+            <a:ext cx="2922270" cy="3111500"/>
+          </a:xfrm>
+          <a:prstGeom prst="bentConnector3">
+            <a:avLst>
+              <a:gd name="adj1" fmla="val -8149"/>
+            </a:avLst>
+          </a:prstGeom>
+          <a:ln>
+            <a:tailEnd type="arrow" w="med" len="med"/>
+          </a:ln>
+        </p:spPr>
+        <p:style>
+          <a:lnRef idx="1">
+            <a:schemeClr val="dk1"/>
+          </a:lnRef>
+          <a:fillRef idx="0">
+            <a:schemeClr val="dk1"/>
+          </a:fillRef>
+          <a:effectRef idx="0">
+            <a:schemeClr val="dk1"/>
+          </a:effectRef>
+          <a:fontRef idx="minor">
+            <a:schemeClr val="tx1"/>
+          </a:fontRef>
+        </p:style>
+      </p:cxnSp>
+      <p:cxnSp>
+        <p:nvCxnSpPr>
+          <p:cNvPr id="28" name="肘形连接符 27"/>
+          <p:cNvCxnSpPr>
+            <a:stCxn id="7" idx="2"/>
+            <a:endCxn id="3" idx="1"/>
+          </p:cNvCxnSpPr>
+          <p:nvPr/>
+        </p:nvCxnSpPr>
+        <p:spPr>
+          <a:xfrm rot="5400000" flipH="1">
+            <a:off x="6879590" y="2529205"/>
+            <a:ext cx="3966845" cy="3825240"/>
+          </a:xfrm>
+          <a:prstGeom prst="bentConnector4">
+            <a:avLst>
+              <a:gd name="adj1" fmla="val -5995"/>
+              <a:gd name="adj2" fmla="val 182578"/>
+            </a:avLst>
+          </a:prstGeom>
+          <a:ln>
+            <a:tailEnd type="arrow" w="med" len="med"/>
+          </a:ln>
+        </p:spPr>
+        <p:style>
+          <a:lnRef idx="1">
+            <a:schemeClr val="dk1"/>
+          </a:lnRef>
+          <a:fillRef idx="0">
+            <a:schemeClr val="dk1"/>
+          </a:fillRef>
+          <a:effectRef idx="0">
+            <a:schemeClr val="dk1"/>
+          </a:effectRef>
+          <a:fontRef idx="minor">
+            <a:schemeClr val="tx1"/>
+          </a:fontRef>
+        </p:style>
+      </p:cxnSp>
+      <p:cxnSp>
+        <p:nvCxnSpPr>
+          <p:cNvPr id="30" name="肘形连接符 29"/>
+          <p:cNvCxnSpPr>
+            <a:stCxn id="6" idx="0"/>
+            <a:endCxn id="3" idx="3"/>
+          </p:cNvCxnSpPr>
+          <p:nvPr/>
+        </p:nvCxnSpPr>
+        <p:spPr>
+          <a:xfrm rot="16200000" flipV="1">
+            <a:off x="8828088" y="1746568"/>
+            <a:ext cx="1235075" cy="2659380"/>
+          </a:xfrm>
+          <a:prstGeom prst="bentConnector2">
+            <a:avLst/>
+          </a:prstGeom>
+          <a:ln>
+            <a:tailEnd type="arrow" w="med" len="med"/>
+          </a:ln>
+        </p:spPr>
+        <p:style>
+          <a:lnRef idx="1">
+            <a:schemeClr val="dk1"/>
+          </a:lnRef>
+          <a:fillRef idx="0">
+            <a:schemeClr val="dk1"/>
+          </a:fillRef>
+          <a:effectRef idx="0">
+            <a:schemeClr val="dk1"/>
+          </a:effectRef>
+          <a:fontRef idx="minor">
+            <a:schemeClr val="tx1"/>
+          </a:fontRef>
+        </p:style>
+      </p:cxnSp>
+      <p:sp>
+        <p:nvSpPr>
+          <p:cNvPr id="31" name="文本框 30"/>
+          <p:cNvSpPr txBox="1"/>
+          <p:nvPr/>
+        </p:nvSpPr>
+        <p:spPr>
+          <a:xfrm>
+            <a:off x="7532370" y="1783715"/>
+            <a:ext cx="411480" cy="368300"/>
+          </a:xfrm>
+          <a:prstGeom prst="rect">
+            <a:avLst/>
+          </a:prstGeom>
+          <a:noFill/>
+        </p:spPr>
+        <p:txBody>
+          <a:bodyPr wrap="none" rtlCol="0">
+            <a:spAutoFit/>
+          </a:bodyPr>
+          <a:p>
+            <a:r>
+              <a:rPr lang="zh-CN" altLang="en-US">
+                <a:latin typeface="微软雅黑 Light" panose="020B0502040204020203" charset="-122"/>
+                <a:ea typeface="微软雅黑 Light" panose="020B0502040204020203" charset="-122"/>
+              </a:rPr>
+              <a:t>否</a:t>
+            </a:r>
+            <a:endParaRPr lang="zh-CN" altLang="en-US">
+              <a:latin typeface="微软雅黑 Light" panose="020B0502040204020203" charset="-122"/>
+              <a:ea typeface="微软雅黑 Light" panose="020B0502040204020203" charset="-122"/>
+            </a:endParaRPr>
+          </a:p>
+        </p:txBody>
+      </p:sp>
+      <p:sp>
+        <p:nvSpPr>
+          <p:cNvPr id="32" name="文本框 31"/>
+          <p:cNvSpPr txBox="1"/>
+          <p:nvPr/>
+        </p:nvSpPr>
+        <p:spPr>
+          <a:xfrm>
+            <a:off x="8816975" y="1085850"/>
+            <a:ext cx="411480" cy="368300"/>
+          </a:xfrm>
+          <a:prstGeom prst="rect">
+            <a:avLst/>
+          </a:prstGeom>
+          <a:noFill/>
+        </p:spPr>
+        <p:txBody>
+          <a:bodyPr wrap="none" rtlCol="0">
+            <a:spAutoFit/>
+          </a:bodyPr>
+          <a:p>
+            <a:r>
+              <a:rPr lang="zh-CN" altLang="en-US">
+                <a:latin typeface="微软雅黑 Light" panose="020B0502040204020203" charset="-122"/>
+                <a:ea typeface="微软雅黑 Light" panose="020B0502040204020203" charset="-122"/>
+              </a:rPr>
+              <a:t>是</a:t>
+            </a:r>
+            <a:endParaRPr lang="zh-CN" altLang="en-US">
+              <a:latin typeface="微软雅黑 Light" panose="020B0502040204020203" charset="-122"/>
+              <a:ea typeface="微软雅黑 Light" panose="020B0502040204020203" charset="-122"/>
+            </a:endParaRPr>
+          </a:p>
+        </p:txBody>
+      </p:sp>
+      <p:sp>
+        <p:nvSpPr>
+          <p:cNvPr id="33" name="文本框 32"/>
+          <p:cNvSpPr txBox="1"/>
+          <p:nvPr/>
+        </p:nvSpPr>
+        <p:spPr>
+          <a:xfrm>
+            <a:off x="7532370" y="3617595"/>
+            <a:ext cx="411480" cy="368300"/>
+          </a:xfrm>
+          <a:prstGeom prst="rect">
+            <a:avLst/>
+          </a:prstGeom>
+          <a:noFill/>
+        </p:spPr>
+        <p:txBody>
+          <a:bodyPr wrap="none" rtlCol="0">
+            <a:spAutoFit/>
+          </a:bodyPr>
+          <a:p>
+            <a:r>
+              <a:rPr lang="zh-CN" altLang="en-US">
+                <a:latin typeface="微软雅黑 Light" panose="020B0502040204020203" charset="-122"/>
+                <a:ea typeface="微软雅黑 Light" panose="020B0502040204020203" charset="-122"/>
+              </a:rPr>
+              <a:t>否</a:t>
+            </a:r>
+            <a:endParaRPr lang="zh-CN" altLang="en-US">
+              <a:latin typeface="微软雅黑 Light" panose="020B0502040204020203" charset="-122"/>
+              <a:ea typeface="微软雅黑 Light" panose="020B0502040204020203" charset="-122"/>
+            </a:endParaRPr>
+          </a:p>
+        </p:txBody>
+      </p:sp>
+      <p:sp>
+        <p:nvSpPr>
+          <p:cNvPr id="34" name="文本框 33"/>
+          <p:cNvSpPr txBox="1"/>
+          <p:nvPr/>
+        </p:nvSpPr>
+        <p:spPr>
+          <a:xfrm>
+            <a:off x="5838190" y="2924175"/>
+            <a:ext cx="411480" cy="368300"/>
+          </a:xfrm>
+          <a:prstGeom prst="rect">
+            <a:avLst/>
+          </a:prstGeom>
+          <a:noFill/>
+        </p:spPr>
+        <p:txBody>
+          <a:bodyPr wrap="none" rtlCol="0">
+            <a:spAutoFit/>
+          </a:bodyPr>
+          <a:p>
+            <a:r>
+              <a:rPr lang="zh-CN" altLang="en-US">
+                <a:latin typeface="微软雅黑 Light" panose="020B0502040204020203" charset="-122"/>
+                <a:ea typeface="微软雅黑 Light" panose="020B0502040204020203" charset="-122"/>
+              </a:rPr>
+              <a:t>是</a:t>
+            </a:r>
+            <a:endParaRPr lang="zh-CN" altLang="en-US">
+              <a:latin typeface="微软雅黑 Light" panose="020B0502040204020203" charset="-122"/>
+              <a:ea typeface="微软雅黑 Light" panose="020B0502040204020203" charset="-122"/>
+            </a:endParaRPr>
+          </a:p>
+        </p:txBody>
+      </p:sp>
+      <p:sp>
+        <p:nvSpPr>
+          <p:cNvPr id="35" name="文本框 34"/>
+          <p:cNvSpPr txBox="1"/>
+          <p:nvPr/>
+        </p:nvSpPr>
+        <p:spPr>
+          <a:xfrm>
+            <a:off x="5962015" y="5201920"/>
+            <a:ext cx="411480" cy="368300"/>
+          </a:xfrm>
+          <a:prstGeom prst="rect">
+            <a:avLst/>
+          </a:prstGeom>
+          <a:noFill/>
+        </p:spPr>
+        <p:txBody>
+          <a:bodyPr wrap="none" rtlCol="0">
+            <a:spAutoFit/>
+          </a:bodyPr>
+          <a:p>
+            <a:r>
+              <a:rPr lang="zh-CN" altLang="en-US">
+                <a:latin typeface="微软雅黑 Light" panose="020B0502040204020203" charset="-122"/>
+                <a:ea typeface="微软雅黑 Light" panose="020B0502040204020203" charset="-122"/>
+              </a:rPr>
+              <a:t>是</a:t>
+            </a:r>
+            <a:endParaRPr lang="zh-CN" altLang="en-US">
+              <a:latin typeface="微软雅黑 Light" panose="020B0502040204020203" charset="-122"/>
+              <a:ea typeface="微软雅黑 Light" panose="020B0502040204020203" charset="-122"/>
+            </a:endParaRPr>
+          </a:p>
+        </p:txBody>
+      </p:sp>
+      <p:sp>
+        <p:nvSpPr>
+          <p:cNvPr id="36" name="文本框 35"/>
+          <p:cNvSpPr txBox="1"/>
+          <p:nvPr/>
+        </p:nvSpPr>
+        <p:spPr>
+          <a:xfrm>
+            <a:off x="8693150" y="5200015"/>
+            <a:ext cx="411480" cy="368300"/>
+          </a:xfrm>
+          <a:prstGeom prst="rect">
+            <a:avLst/>
+          </a:prstGeom>
+          <a:noFill/>
+        </p:spPr>
+        <p:txBody>
+          <a:bodyPr wrap="none" rtlCol="0">
+            <a:spAutoFit/>
+          </a:bodyPr>
+          <a:p>
+            <a:r>
+              <a:rPr lang="zh-CN" altLang="en-US">
+                <a:latin typeface="微软雅黑 Light" panose="020B0502040204020203" charset="-122"/>
+                <a:ea typeface="微软雅黑 Light" panose="020B0502040204020203" charset="-122"/>
+              </a:rPr>
+              <a:t>否</a:t>
+            </a:r>
+            <a:endParaRPr lang="zh-CN" altLang="en-US">
+              <a:latin typeface="微软雅黑 Light" panose="020B0502040204020203" charset="-122"/>
+              <a:ea typeface="微软雅黑 Light" panose="020B0502040204020203" charset="-122"/>
+            </a:endParaRPr>
+          </a:p>
+        </p:txBody>
+      </p:sp>
+      <p:sp>
+        <p:nvSpPr>
+          <p:cNvPr id="37" name="文本框 36"/>
+          <p:cNvSpPr txBox="1"/>
+          <p:nvPr/>
+        </p:nvSpPr>
+        <p:spPr>
+          <a:xfrm>
+            <a:off x="10775315" y="5201920"/>
+            <a:ext cx="411480" cy="368300"/>
+          </a:xfrm>
+          <a:prstGeom prst="rect">
+            <a:avLst/>
+          </a:prstGeom>
+          <a:noFill/>
+        </p:spPr>
+        <p:txBody>
+          <a:bodyPr wrap="none" rtlCol="0">
+            <a:spAutoFit/>
+          </a:bodyPr>
+          <a:p>
+            <a:r>
+              <a:rPr lang="zh-CN" altLang="en-US">
+                <a:latin typeface="微软雅黑 Light" panose="020B0502040204020203" charset="-122"/>
+                <a:ea typeface="微软雅黑 Light" panose="020B0502040204020203" charset="-122"/>
+              </a:rPr>
+              <a:t>是</a:t>
+            </a:r>
+            <a:endParaRPr lang="zh-CN" altLang="en-US">
+              <a:latin typeface="微软雅黑 Light" panose="020B0502040204020203" charset="-122"/>
+              <a:ea typeface="微软雅黑 Light" panose="020B0502040204020203" charset="-122"/>
+            </a:endParaRPr>
+          </a:p>
+        </p:txBody>
+      </p:sp>
+      <p:sp>
+        <p:nvSpPr>
+          <p:cNvPr id="39" name="文本框 38"/>
+          <p:cNvSpPr txBox="1"/>
+          <p:nvPr/>
+        </p:nvSpPr>
+        <p:spPr>
+          <a:xfrm>
+            <a:off x="10775950" y="3325495"/>
+            <a:ext cx="411480" cy="368300"/>
+          </a:xfrm>
+          <a:prstGeom prst="rect">
+            <a:avLst/>
+          </a:prstGeom>
+          <a:noFill/>
+        </p:spPr>
+        <p:txBody>
+          <a:bodyPr wrap="none" rtlCol="0">
+            <a:spAutoFit/>
+          </a:bodyPr>
+          <a:p>
+            <a:r>
+              <a:rPr lang="zh-CN" altLang="en-US">
+                <a:latin typeface="微软雅黑 Light" panose="020B0502040204020203" charset="-122"/>
+                <a:ea typeface="微软雅黑 Light" panose="020B0502040204020203" charset="-122"/>
+              </a:rPr>
+              <a:t>否</a:t>
+            </a:r>
+            <a:endParaRPr lang="zh-CN" altLang="en-US">
               <a:latin typeface="微软雅黑 Light" panose="020B0502040204020203" charset="-122"/>
               <a:ea typeface="微软雅黑 Light" panose="020B0502040204020203" charset="-122"/>
             </a:endParaRPr>
@@ -7304,6 +8295,882 @@
 </file>
 
 <file path=ppt/slides/slide19.xml><?xml version="1.0" encoding="utf-8"?>
+<p:sld xmlns:a="http://schemas.openxmlformats.org/drawingml/2006/main" xmlns:r="http://schemas.openxmlformats.org/officeDocument/2006/relationships" xmlns:p="http://schemas.openxmlformats.org/presentationml/2006/main">
+  <p:cSld>
+    <p:spTree>
+      <p:nvGrpSpPr>
+        <p:cNvPr id="1" name=""/>
+        <p:cNvGrpSpPr/>
+        <p:nvPr/>
+      </p:nvGrpSpPr>
+      <p:grpSpPr>
+        <a:xfrm>
+          <a:off x="0" y="0"/>
+          <a:ext cx="0" cy="0"/>
+          <a:chOff x="0" y="0"/>
+          <a:chExt cx="0" cy="0"/>
+        </a:xfrm>
+      </p:grpSpPr>
+      <p:sp>
+        <p:nvSpPr>
+          <p:cNvPr id="112" name="CustomShape 1"/>
+          <p:cNvSpPr/>
+          <p:nvPr/>
+        </p:nvSpPr>
+        <p:spPr>
+          <a:xfrm>
+            <a:off x="890270" y="986790"/>
+            <a:ext cx="4177030" cy="642620"/>
+          </a:xfrm>
+          <a:prstGeom prst="rect">
+            <a:avLst/>
+          </a:prstGeom>
+          <a:noFill/>
+          <a:ln>
+            <a:noFill/>
+          </a:ln>
+        </p:spPr>
+        <p:style>
+          <a:lnRef idx="0">
+            <a:srgbClr val="FFFFFF"/>
+          </a:lnRef>
+          <a:fillRef idx="0">
+            <a:srgbClr val="FFFFFF"/>
+          </a:fillRef>
+          <a:effectRef idx="0">
+            <a:srgbClr val="FFFFFF"/>
+          </a:effectRef>
+          <a:fontRef idx="minor"/>
+        </p:style>
+        <p:txBody>
+          <a:bodyPr wrap="square" lIns="90000" tIns="45000" rIns="90000" bIns="45000">
+            <a:spAutoFit/>
+          </a:bodyPr>
+          <a:p>
+            <a:pPr>
+              <a:lnSpc>
+                <a:spcPct val="100000"/>
+              </a:lnSpc>
+            </a:pPr>
+            <a:r>
+              <a:rPr lang="en-US" sz="3600" b="0" strike="noStrike" spc="-1">
+                <a:solidFill>
+                  <a:srgbClr val="000000"/>
+                </a:solidFill>
+                <a:latin typeface="微软雅黑 Light" panose="020B0502040204020203" charset="-122"/>
+                <a:ea typeface="微软雅黑 Light" panose="020B0502040204020203" charset="-122"/>
+              </a:rPr>
+              <a:t>序列化与反序列化</a:t>
+            </a:r>
+            <a:endParaRPr lang="en-US" sz="3600" b="0" strike="noStrike" spc="-1">
+              <a:solidFill>
+                <a:srgbClr val="000000"/>
+              </a:solidFill>
+              <a:latin typeface="微软雅黑 Light" panose="020B0502040204020203" charset="-122"/>
+              <a:ea typeface="微软雅黑 Light" panose="020B0502040204020203" charset="-122"/>
+            </a:endParaRPr>
+          </a:p>
+        </p:txBody>
+      </p:sp>
+      <p:sp>
+        <p:nvSpPr>
+          <p:cNvPr id="113" name="CustomShape 2"/>
+          <p:cNvSpPr/>
+          <p:nvPr/>
+        </p:nvSpPr>
+        <p:spPr>
+          <a:xfrm>
+            <a:off x="2008505" y="2691765"/>
+            <a:ext cx="8174990" cy="1473835"/>
+          </a:xfrm>
+          <a:prstGeom prst="rect">
+            <a:avLst/>
+          </a:prstGeom>
+          <a:noFill/>
+          <a:ln>
+            <a:noFill/>
+          </a:ln>
+        </p:spPr>
+        <p:style>
+          <a:lnRef idx="0">
+            <a:srgbClr val="FFFFFF"/>
+          </a:lnRef>
+          <a:fillRef idx="0">
+            <a:srgbClr val="FFFFFF"/>
+          </a:fillRef>
+          <a:effectRef idx="0">
+            <a:srgbClr val="FFFFFF"/>
+          </a:effectRef>
+          <a:fontRef idx="minor"/>
+        </p:style>
+        <p:txBody>
+          <a:bodyPr wrap="square" lIns="90000" tIns="45000" rIns="90000" bIns="45000">
+            <a:spAutoFit/>
+          </a:bodyPr>
+          <a:p>
+            <a:pPr algn="l">
+              <a:lnSpc>
+                <a:spcPct val="150000"/>
+              </a:lnSpc>
+            </a:pPr>
+            <a:r>
+              <a:rPr lang="en-US" sz="2000" b="0" strike="noStrike" spc="-1">
+                <a:solidFill>
+                  <a:srgbClr val="000000"/>
+                </a:solidFill>
+                <a:latin typeface="微软雅黑 Light" panose="020B0502040204020203" charset="-122"/>
+                <a:ea typeface="微软雅黑 Light" panose="020B0502040204020203" charset="-122"/>
+              </a:rPr>
+              <a:t>通过将建立好的倒排索引对象序列化到文件中</a:t>
+            </a:r>
+            <a:endParaRPr lang="en-US" sz="2000" b="0" strike="noStrike" spc="-1">
+              <a:solidFill>
+                <a:srgbClr val="000000"/>
+              </a:solidFill>
+              <a:latin typeface="微软雅黑 Light" panose="020B0502040204020203" charset="-122"/>
+              <a:ea typeface="微软雅黑 Light" panose="020B0502040204020203" charset="-122"/>
+            </a:endParaRPr>
+          </a:p>
+          <a:p>
+            <a:pPr algn="l">
+              <a:lnSpc>
+                <a:spcPct val="150000"/>
+              </a:lnSpc>
+            </a:pPr>
+            <a:endParaRPr lang="en-US" sz="2000" b="0" strike="noStrike" spc="-1">
+              <a:solidFill>
+                <a:srgbClr val="000000"/>
+              </a:solidFill>
+              <a:latin typeface="微软雅黑 Light" panose="020B0502040204020203" charset="-122"/>
+              <a:ea typeface="微软雅黑 Light" panose="020B0502040204020203" charset="-122"/>
+            </a:endParaRPr>
+          </a:p>
+          <a:p>
+            <a:pPr algn="l">
+              <a:lnSpc>
+                <a:spcPct val="150000"/>
+              </a:lnSpc>
+            </a:pPr>
+            <a:r>
+              <a:rPr lang="en-US" sz="2000" b="0" strike="noStrike" spc="-1">
+                <a:solidFill>
+                  <a:srgbClr val="000000"/>
+                </a:solidFill>
+                <a:latin typeface="微软雅黑 Light" panose="020B0502040204020203" charset="-122"/>
+                <a:ea typeface="微软雅黑 Light" panose="020B0502040204020203" charset="-122"/>
+              </a:rPr>
+              <a:t>实现从文件反序列化</a:t>
+            </a:r>
+            <a:r>
+              <a:rPr lang="zh-CN" altLang="en-US" sz="2000" b="0" strike="noStrike" spc="-1">
+                <a:solidFill>
+                  <a:srgbClr val="000000"/>
+                </a:solidFill>
+                <a:latin typeface="微软雅黑 Light" panose="020B0502040204020203" charset="-122"/>
+                <a:ea typeface="微软雅黑 Light" panose="020B0502040204020203" charset="-122"/>
+              </a:rPr>
+              <a:t>，</a:t>
+            </a:r>
+            <a:r>
+              <a:rPr lang="en-US" sz="2000" b="0" strike="noStrike" spc="-1">
+                <a:solidFill>
+                  <a:srgbClr val="000000"/>
+                </a:solidFill>
+                <a:latin typeface="微软雅黑 Light" panose="020B0502040204020203" charset="-122"/>
+                <a:ea typeface="微软雅黑 Light" panose="020B0502040204020203" charset="-122"/>
+              </a:rPr>
+              <a:t>可以有效减少构建倒排索引对象时所需要的时间</a:t>
+            </a:r>
+            <a:endParaRPr lang="en-US" sz="2000" b="0" strike="noStrike" spc="-1">
+              <a:solidFill>
+                <a:srgbClr val="000000"/>
+              </a:solidFill>
+              <a:latin typeface="微软雅黑 Light" panose="020B0502040204020203" charset="-122"/>
+              <a:ea typeface="微软雅黑 Light" panose="020B0502040204020203" charset="-122"/>
+            </a:endParaRPr>
+          </a:p>
+        </p:txBody>
+      </p:sp>
+    </p:spTree>
+  </p:cSld>
+  <p:clrMapOvr>
+    <a:masterClrMapping/>
+  </p:clrMapOvr>
+  <mc:AlternateContent xmlns:mc="http://schemas.openxmlformats.org/markup-compatibility/2006">
+    <mc:Choice xmlns:p14="http://schemas.microsoft.com/office/powerpoint/2010/main" Requires="p14">
+      <p:transition spd="slow" p14:dur="2000"/>
+    </mc:Choice>
+    <mc:Fallback>
+      <p:transition spd="slow"/>
+    </mc:Fallback>
+  </mc:AlternateContent>
+  <p:timing>
+    <p:tnLst>
+      <p:par>
+        <p:cTn id="1" dur="indefinite" restart="never" nodeType="tmRoot"/>
+      </p:par>
+    </p:tnLst>
+  </p:timing>
+</p:sld>
+</file>
+
+<file path=ppt/slides/slide2.xml><?xml version="1.0" encoding="utf-8"?>
+<p:sld xmlns:a="http://schemas.openxmlformats.org/drawingml/2006/main" xmlns:r="http://schemas.openxmlformats.org/officeDocument/2006/relationships" xmlns:p="http://schemas.openxmlformats.org/presentationml/2006/main">
+  <p:cSld>
+    <p:spTree>
+      <p:nvGrpSpPr>
+        <p:cNvPr id="1" name=""/>
+        <p:cNvGrpSpPr/>
+        <p:nvPr/>
+      </p:nvGrpSpPr>
+      <p:grpSpPr>
+        <a:xfrm>
+          <a:off x="0" y="0"/>
+          <a:ext cx="0" cy="0"/>
+          <a:chOff x="0" y="0"/>
+          <a:chExt cx="0" cy="0"/>
+        </a:xfrm>
+      </p:grpSpPr>
+      <p:sp>
+        <p:nvSpPr>
+          <p:cNvPr id="86" name="CustomShape 1"/>
+          <p:cNvSpPr/>
+          <p:nvPr/>
+        </p:nvSpPr>
+        <p:spPr>
+          <a:xfrm>
+            <a:off x="4718230" y="3018380"/>
+            <a:ext cx="2756520" cy="821520"/>
+          </a:xfrm>
+          <a:prstGeom prst="rect">
+            <a:avLst/>
+          </a:prstGeom>
+          <a:noFill/>
+          <a:ln>
+            <a:noFill/>
+          </a:ln>
+        </p:spPr>
+        <p:style>
+          <a:lnRef idx="0">
+            <a:srgbClr val="FFFFFF"/>
+          </a:lnRef>
+          <a:fillRef idx="0">
+            <a:srgbClr val="FFFFFF"/>
+          </a:fillRef>
+          <a:effectRef idx="0">
+            <a:srgbClr val="FFFFFF"/>
+          </a:effectRef>
+          <a:fontRef idx="minor"/>
+        </p:style>
+        <p:txBody>
+          <a:bodyPr lIns="90000" tIns="45000" rIns="90000" bIns="45000">
+            <a:spAutoFit/>
+          </a:bodyPr>
+          <a:p>
+            <a:pPr>
+              <a:lnSpc>
+                <a:spcPct val="100000"/>
+              </a:lnSpc>
+            </a:pPr>
+            <a:r>
+              <a:rPr lang="en-US" sz="4800" b="0" strike="noStrike" spc="-1">
+                <a:solidFill>
+                  <a:srgbClr val="000000"/>
+                </a:solidFill>
+                <a:latin typeface="微软雅黑 Light" panose="020B0502040204020203" charset="-122"/>
+                <a:ea typeface="微软雅黑 Light" panose="020B0502040204020203" charset="-122"/>
+              </a:rPr>
+              <a:t>中文分词</a:t>
+            </a:r>
+            <a:endParaRPr lang="en-US" sz="4800" b="0" strike="noStrike" spc="-1">
+              <a:latin typeface="Arial" panose="020B0604020202020204"/>
+            </a:endParaRPr>
+          </a:p>
+        </p:txBody>
+      </p:sp>
+    </p:spTree>
+  </p:cSld>
+  <p:clrMapOvr>
+    <a:masterClrMapping/>
+  </p:clrMapOvr>
+  <mc:AlternateContent xmlns:mc="http://schemas.openxmlformats.org/markup-compatibility/2006">
+    <mc:Choice xmlns:p14="http://schemas.microsoft.com/office/powerpoint/2010/main" Requires="p14">
+      <p:transition spd="slow" p14:dur="2000"/>
+    </mc:Choice>
+    <mc:Fallback>
+      <p:transition spd="slow"/>
+    </mc:Fallback>
+  </mc:AlternateContent>
+  <p:timing>
+    <p:tnLst>
+      <p:par>
+        <p:cTn id="1" dur="indefinite" restart="never" nodeType="tmRoot"/>
+      </p:par>
+    </p:tnLst>
+  </p:timing>
+</p:sld>
+</file>
+
+<file path=ppt/slides/slide20.xml><?xml version="1.0" encoding="utf-8"?>
+<p:sld xmlns:a="http://schemas.openxmlformats.org/drawingml/2006/main" xmlns:r="http://schemas.openxmlformats.org/officeDocument/2006/relationships" xmlns:p="http://schemas.openxmlformats.org/presentationml/2006/main">
+  <p:cSld>
+    <p:spTree>
+      <p:nvGrpSpPr>
+        <p:cNvPr id="1" name=""/>
+        <p:cNvGrpSpPr/>
+        <p:nvPr/>
+      </p:nvGrpSpPr>
+      <p:grpSpPr>
+        <a:xfrm>
+          <a:off x="0" y="0"/>
+          <a:ext cx="0" cy="0"/>
+          <a:chOff x="0" y="0"/>
+          <a:chExt cx="0" cy="0"/>
+        </a:xfrm>
+      </p:grpSpPr>
+      <p:pic>
+        <p:nvPicPr>
+          <p:cNvPr id="4" name="图片 3"/>
+          <p:cNvPicPr>
+            <a:picLocks noChangeAspect="1"/>
+          </p:cNvPicPr>
+          <p:nvPr/>
+        </p:nvPicPr>
+        <p:blipFill>
+          <a:blip r:embed="rId1"/>
+          <a:stretch>
+            <a:fillRect/>
+          </a:stretch>
+        </p:blipFill>
+        <p:spPr>
+          <a:xfrm>
+            <a:off x="225425" y="1656080"/>
+            <a:ext cx="6016625" cy="3545840"/>
+          </a:xfrm>
+          <a:prstGeom prst="rect">
+            <a:avLst/>
+          </a:prstGeom>
+        </p:spPr>
+      </p:pic>
+      <p:sp>
+        <p:nvSpPr>
+          <p:cNvPr id="5" name="文本框 4"/>
+          <p:cNvSpPr txBox="1"/>
+          <p:nvPr/>
+        </p:nvSpPr>
+        <p:spPr>
+          <a:xfrm>
+            <a:off x="6402070" y="2136775"/>
+            <a:ext cx="4921250" cy="2861310"/>
+          </a:xfrm>
+          <a:prstGeom prst="rect">
+            <a:avLst/>
+          </a:prstGeom>
+        </p:spPr>
+        <p:style>
+          <a:lnRef idx="2">
+            <a:schemeClr val="dk1"/>
+          </a:lnRef>
+          <a:fillRef idx="1">
+            <a:schemeClr val="lt1"/>
+          </a:fillRef>
+          <a:effectRef idx="0">
+            <a:schemeClr val="dk1"/>
+          </a:effectRef>
+          <a:fontRef idx="minor">
+            <a:schemeClr val="dk1"/>
+          </a:fontRef>
+        </p:style>
+        <p:txBody>
+          <a:bodyPr wrap="square" rtlCol="0">
+            <a:spAutoFit/>
+          </a:bodyPr>
+          <a:p>
+            <a:r>
+              <a:rPr lang="zh-CN" altLang="en-US" sz="2000">
+                <a:latin typeface="微软雅黑 Light" panose="020B0502040204020203" charset="-122"/>
+                <a:ea typeface="微软雅黑 Light" panose="020B0502040204020203" charset="-122"/>
+                <a:cs typeface="微软雅黑 Light" panose="020B0502040204020203" charset="-122"/>
+              </a:rPr>
+              <a:t>关键词</a:t>
+            </a:r>
+            <a:endParaRPr lang="zh-CN" altLang="en-US" sz="2000">
+              <a:latin typeface="微软雅黑 Light" panose="020B0502040204020203" charset="-122"/>
+              <a:ea typeface="微软雅黑 Light" panose="020B0502040204020203" charset="-122"/>
+              <a:cs typeface="微软雅黑 Light" panose="020B0502040204020203" charset="-122"/>
+            </a:endParaRPr>
+          </a:p>
+          <a:p>
+            <a:r>
+              <a:rPr lang="zh-CN" altLang="en-US" sz="2000">
+                <a:latin typeface="微软雅黑 Light" panose="020B0502040204020203" charset="-122"/>
+                <a:ea typeface="微软雅黑 Light" panose="020B0502040204020203" charset="-122"/>
+                <a:cs typeface="微软雅黑 Light" panose="020B0502040204020203" charset="-122"/>
+              </a:rPr>
+              <a:t>文章路径</a:t>
+            </a:r>
+            <a:endParaRPr lang="zh-CN" altLang="en-US" sz="2000">
+              <a:latin typeface="微软雅黑 Light" panose="020B0502040204020203" charset="-122"/>
+              <a:ea typeface="微软雅黑 Light" panose="020B0502040204020203" charset="-122"/>
+              <a:cs typeface="微软雅黑 Light" panose="020B0502040204020203" charset="-122"/>
+            </a:endParaRPr>
+          </a:p>
+          <a:p>
+            <a:r>
+              <a:rPr lang="zh-CN" altLang="en-US" sz="2000">
+                <a:latin typeface="微软雅黑 Light" panose="020B0502040204020203" charset="-122"/>
+                <a:ea typeface="微软雅黑 Light" panose="020B0502040204020203" charset="-122"/>
+                <a:cs typeface="微软雅黑 Light" panose="020B0502040204020203" charset="-122"/>
+              </a:rPr>
+              <a:t>关键词出现的次数 频率 是否在标题中出现</a:t>
+            </a:r>
+            <a:endParaRPr lang="zh-CN" altLang="en-US" sz="2000">
+              <a:latin typeface="微软雅黑 Light" panose="020B0502040204020203" charset="-122"/>
+              <a:ea typeface="微软雅黑 Light" panose="020B0502040204020203" charset="-122"/>
+              <a:cs typeface="微软雅黑 Light" panose="020B0502040204020203" charset="-122"/>
+            </a:endParaRPr>
+          </a:p>
+          <a:p>
+            <a:r>
+              <a:rPr lang="zh-CN" altLang="en-US" sz="2000">
+                <a:latin typeface="微软雅黑 Light" panose="020B0502040204020203" charset="-122"/>
+                <a:ea typeface="微软雅黑 Light" panose="020B0502040204020203" charset="-122"/>
+                <a:cs typeface="微软雅黑 Light" panose="020B0502040204020203" charset="-122"/>
+                <a:sym typeface="+mn-ea"/>
+              </a:rPr>
+              <a:t>文章路径</a:t>
+            </a:r>
+            <a:endParaRPr lang="zh-CN" altLang="en-US" sz="2000">
+              <a:latin typeface="微软雅黑 Light" panose="020B0502040204020203" charset="-122"/>
+              <a:ea typeface="微软雅黑 Light" panose="020B0502040204020203" charset="-122"/>
+              <a:cs typeface="微软雅黑 Light" panose="020B0502040204020203" charset="-122"/>
+            </a:endParaRPr>
+          </a:p>
+          <a:p>
+            <a:r>
+              <a:rPr lang="zh-CN" altLang="en-US" sz="2000">
+                <a:latin typeface="微软雅黑 Light" panose="020B0502040204020203" charset="-122"/>
+                <a:ea typeface="微软雅黑 Light" panose="020B0502040204020203" charset="-122"/>
+                <a:cs typeface="微软雅黑 Light" panose="020B0502040204020203" charset="-122"/>
+                <a:sym typeface="+mn-ea"/>
+              </a:rPr>
+              <a:t>关键词出现的次数 频率 是否在标题中出现</a:t>
+            </a:r>
+            <a:endParaRPr lang="zh-CN" altLang="en-US" sz="2000">
+              <a:latin typeface="微软雅黑 Light" panose="020B0502040204020203" charset="-122"/>
+              <a:ea typeface="微软雅黑 Light" panose="020B0502040204020203" charset="-122"/>
+              <a:cs typeface="微软雅黑 Light" panose="020B0502040204020203" charset="-122"/>
+              <a:sym typeface="+mn-ea"/>
+            </a:endParaRPr>
+          </a:p>
+          <a:p>
+            <a:r>
+              <a:rPr lang="en-US" altLang="zh-CN" sz="2000">
+                <a:latin typeface="微软雅黑 Light" panose="020B0502040204020203" charset="-122"/>
+                <a:ea typeface="微软雅黑 Light" panose="020B0502040204020203" charset="-122"/>
+                <a:cs typeface="微软雅黑 Light" panose="020B0502040204020203" charset="-122"/>
+              </a:rPr>
+              <a:t>...</a:t>
+            </a:r>
+            <a:endParaRPr lang="en-US" altLang="zh-CN" sz="2000">
+              <a:latin typeface="微软雅黑 Light" panose="020B0502040204020203" charset="-122"/>
+              <a:ea typeface="微软雅黑 Light" panose="020B0502040204020203" charset="-122"/>
+              <a:cs typeface="微软雅黑 Light" panose="020B0502040204020203" charset="-122"/>
+            </a:endParaRPr>
+          </a:p>
+          <a:p>
+            <a:endParaRPr lang="en-US" altLang="zh-CN" sz="2000">
+              <a:latin typeface="微软雅黑 Light" panose="020B0502040204020203" charset="-122"/>
+              <a:ea typeface="微软雅黑 Light" panose="020B0502040204020203" charset="-122"/>
+              <a:cs typeface="微软雅黑 Light" panose="020B0502040204020203" charset="-122"/>
+            </a:endParaRPr>
+          </a:p>
+          <a:p>
+            <a:r>
+              <a:rPr lang="zh-CN" altLang="en-US" sz="2000">
+                <a:latin typeface="微软雅黑 Light" panose="020B0502040204020203" charset="-122"/>
+                <a:ea typeface="微软雅黑 Light" panose="020B0502040204020203" charset="-122"/>
+                <a:cs typeface="微软雅黑 Light" panose="020B0502040204020203" charset="-122"/>
+              </a:rPr>
+              <a:t>关键词</a:t>
+            </a:r>
+            <a:endParaRPr lang="zh-CN" altLang="en-US" sz="2000">
+              <a:latin typeface="微软雅黑 Light" panose="020B0502040204020203" charset="-122"/>
+              <a:ea typeface="微软雅黑 Light" panose="020B0502040204020203" charset="-122"/>
+              <a:cs typeface="微软雅黑 Light" panose="020B0502040204020203" charset="-122"/>
+            </a:endParaRPr>
+          </a:p>
+          <a:p>
+            <a:r>
+              <a:rPr lang="en-US" altLang="zh-CN" sz="2000">
+                <a:latin typeface="微软雅黑 Light" panose="020B0502040204020203" charset="-122"/>
+                <a:ea typeface="微软雅黑 Light" panose="020B0502040204020203" charset="-122"/>
+                <a:cs typeface="微软雅黑 Light" panose="020B0502040204020203" charset="-122"/>
+              </a:rPr>
+              <a:t>...</a:t>
+            </a:r>
+            <a:endParaRPr lang="en-US" altLang="zh-CN" sz="2000">
+              <a:latin typeface="微软雅黑 Light" panose="020B0502040204020203" charset="-122"/>
+              <a:ea typeface="微软雅黑 Light" panose="020B0502040204020203" charset="-122"/>
+              <a:cs typeface="微软雅黑 Light" panose="020B0502040204020203" charset="-122"/>
+            </a:endParaRPr>
+          </a:p>
+        </p:txBody>
+      </p:sp>
+      <p:sp>
+        <p:nvSpPr>
+          <p:cNvPr id="6" name="文本框 5"/>
+          <p:cNvSpPr txBox="1"/>
+          <p:nvPr/>
+        </p:nvSpPr>
+        <p:spPr>
+          <a:xfrm>
+            <a:off x="4187190" y="590550"/>
+            <a:ext cx="3816985" cy="645160"/>
+          </a:xfrm>
+          <a:prstGeom prst="rect">
+            <a:avLst/>
+          </a:prstGeom>
+          <a:noFill/>
+        </p:spPr>
+        <p:txBody>
+          <a:bodyPr wrap="square" rtlCol="0">
+            <a:spAutoFit/>
+          </a:bodyPr>
+          <a:p>
+            <a:pPr algn="ctr"/>
+            <a:r>
+              <a:rPr lang="zh-CN" altLang="en-US" sz="3600">
+                <a:latin typeface="微软雅黑 Light" panose="020B0502040204020203" charset="-122"/>
+                <a:ea typeface="微软雅黑 Light" panose="020B0502040204020203" charset="-122"/>
+              </a:rPr>
+              <a:t>序列化文件格式</a:t>
+            </a:r>
+            <a:endParaRPr lang="zh-CN" altLang="en-US" sz="3600">
+              <a:latin typeface="微软雅黑 Light" panose="020B0502040204020203" charset="-122"/>
+              <a:ea typeface="微软雅黑 Light" panose="020B0502040204020203" charset="-122"/>
+            </a:endParaRPr>
+          </a:p>
+        </p:txBody>
+      </p:sp>
+    </p:spTree>
+  </p:cSld>
+  <p:clrMapOvr>
+    <a:masterClrMapping/>
+  </p:clrMapOvr>
+  <mc:AlternateContent xmlns:mc="http://schemas.openxmlformats.org/markup-compatibility/2006">
+    <mc:Choice xmlns:p14="http://schemas.microsoft.com/office/powerpoint/2010/main" Requires="p14">
+      <p:transition spd="slow" p14:dur="2000"/>
+    </mc:Choice>
+    <mc:Fallback>
+      <p:transition spd="slow"/>
+    </mc:Fallback>
+  </mc:AlternateContent>
+  <p:timing>
+    <p:tnLst>
+      <p:par>
+        <p:cTn id="1" dur="indefinite" restart="never" nodeType="tmRoot"/>
+      </p:par>
+    </p:tnLst>
+  </p:timing>
+</p:sld>
+</file>
+
+<file path=ppt/slides/slide21.xml><?xml version="1.0" encoding="utf-8"?>
+<p:sld xmlns:a="http://schemas.openxmlformats.org/drawingml/2006/main" xmlns:r="http://schemas.openxmlformats.org/officeDocument/2006/relationships" xmlns:p="http://schemas.openxmlformats.org/presentationml/2006/main">
+  <p:cSld>
+    <p:spTree>
+      <p:nvGrpSpPr>
+        <p:cNvPr id="1" name=""/>
+        <p:cNvGrpSpPr/>
+        <p:nvPr/>
+      </p:nvGrpSpPr>
+      <p:grpSpPr>
+        <a:xfrm>
+          <a:off x="0" y="0"/>
+          <a:ext cx="0" cy="0"/>
+          <a:chOff x="0" y="0"/>
+          <a:chExt cx="0" cy="0"/>
+        </a:xfrm>
+      </p:grpSpPr>
+      <p:sp>
+        <p:nvSpPr>
+          <p:cNvPr id="115" name="CustomShape 1"/>
+          <p:cNvSpPr/>
+          <p:nvPr/>
+        </p:nvSpPr>
+        <p:spPr>
+          <a:xfrm>
+            <a:off x="4362800" y="3018100"/>
+            <a:ext cx="3466080" cy="821520"/>
+          </a:xfrm>
+          <a:prstGeom prst="rect">
+            <a:avLst/>
+          </a:prstGeom>
+          <a:noFill/>
+          <a:ln>
+            <a:noFill/>
+          </a:ln>
+        </p:spPr>
+        <p:style>
+          <a:lnRef idx="0">
+            <a:srgbClr val="FFFFFF"/>
+          </a:lnRef>
+          <a:fillRef idx="0">
+            <a:srgbClr val="FFFFFF"/>
+          </a:fillRef>
+          <a:effectRef idx="0">
+            <a:srgbClr val="FFFFFF"/>
+          </a:effectRef>
+          <a:fontRef idx="minor"/>
+        </p:style>
+        <p:txBody>
+          <a:bodyPr lIns="90000" tIns="45000" rIns="90000" bIns="45000">
+            <a:spAutoFit/>
+          </a:bodyPr>
+          <a:p>
+            <a:pPr>
+              <a:lnSpc>
+                <a:spcPct val="100000"/>
+              </a:lnSpc>
+            </a:pPr>
+            <a:r>
+              <a:rPr lang="en-US" sz="4800" b="0" strike="noStrike" spc="-1">
+                <a:solidFill>
+                  <a:srgbClr val="000000"/>
+                </a:solidFill>
+                <a:latin typeface="微软雅黑 Light" panose="020B0502040204020203" charset="-122"/>
+                <a:ea typeface="微软雅黑 Light" panose="020B0502040204020203" charset="-122"/>
+              </a:rPr>
+              <a:t>检索服务器</a:t>
+            </a:r>
+            <a:endParaRPr lang="en-US" sz="4800" b="0" strike="noStrike" spc="-1">
+              <a:latin typeface="Arial" panose="020B0604020202020204"/>
+            </a:endParaRPr>
+          </a:p>
+        </p:txBody>
+      </p:sp>
+    </p:spTree>
+  </p:cSld>
+  <p:clrMapOvr>
+    <a:masterClrMapping/>
+  </p:clrMapOvr>
+  <mc:AlternateContent xmlns:mc="http://schemas.openxmlformats.org/markup-compatibility/2006">
+    <mc:Choice xmlns:p14="http://schemas.microsoft.com/office/powerpoint/2010/main" Requires="p14">
+      <p:transition spd="slow" p14:dur="2000"/>
+    </mc:Choice>
+    <mc:Fallback>
+      <p:transition spd="slow"/>
+    </mc:Fallback>
+  </mc:AlternateContent>
+  <p:timing>
+    <p:tnLst>
+      <p:par>
+        <p:cTn id="1" dur="indefinite" restart="never" nodeType="tmRoot"/>
+      </p:par>
+    </p:tnLst>
+  </p:timing>
+</p:sld>
+</file>
+
+<file path=ppt/slides/slide22.xml><?xml version="1.0" encoding="utf-8"?>
+<p:sld xmlns:a="http://schemas.openxmlformats.org/drawingml/2006/main" xmlns:r="http://schemas.openxmlformats.org/officeDocument/2006/relationships" xmlns:p="http://schemas.openxmlformats.org/presentationml/2006/main">
+  <p:cSld>
+    <p:spTree>
+      <p:nvGrpSpPr>
+        <p:cNvPr id="1" name=""/>
+        <p:cNvGrpSpPr/>
+        <p:nvPr/>
+      </p:nvGrpSpPr>
+      <p:grpSpPr>
+        <a:xfrm>
+          <a:off x="0" y="0"/>
+          <a:ext cx="0" cy="0"/>
+          <a:chOff x="0" y="0"/>
+          <a:chExt cx="0" cy="0"/>
+        </a:xfrm>
+      </p:grpSpPr>
+      <p:sp>
+        <p:nvSpPr>
+          <p:cNvPr id="116" name="CustomShape 1"/>
+          <p:cNvSpPr/>
+          <p:nvPr/>
+        </p:nvSpPr>
+        <p:spPr>
+          <a:xfrm>
+            <a:off x="924785" y="1003760"/>
+            <a:ext cx="5322240" cy="642620"/>
+          </a:xfrm>
+          <a:prstGeom prst="rect">
+            <a:avLst/>
+          </a:prstGeom>
+          <a:noFill/>
+          <a:ln>
+            <a:noFill/>
+          </a:ln>
+        </p:spPr>
+        <p:style>
+          <a:lnRef idx="0">
+            <a:srgbClr val="FFFFFF"/>
+          </a:lnRef>
+          <a:fillRef idx="0">
+            <a:srgbClr val="FFFFFF"/>
+          </a:fillRef>
+          <a:effectRef idx="0">
+            <a:srgbClr val="FFFFFF"/>
+          </a:effectRef>
+          <a:fontRef idx="minor"/>
+        </p:style>
+        <p:txBody>
+          <a:bodyPr lIns="90000" tIns="45000" rIns="90000" bIns="45000">
+            <a:spAutoFit/>
+          </a:bodyPr>
+          <a:p>
+            <a:pPr>
+              <a:lnSpc>
+                <a:spcPct val="100000"/>
+              </a:lnSpc>
+            </a:pPr>
+            <a:r>
+              <a:rPr lang="en-US" sz="3600" strike="noStrike" spc="-1">
+                <a:solidFill>
+                  <a:srgbClr val="000000"/>
+                </a:solidFill>
+                <a:latin typeface="微软雅黑 Light" panose="020B0502040204020203" charset="-122"/>
+                <a:ea typeface="微软雅黑 Light" panose="020B0502040204020203" charset="-122"/>
+              </a:rPr>
+              <a:t>检索服务器处理哪些任务？</a:t>
+            </a:r>
+            <a:endParaRPr lang="en-US" sz="3600" strike="noStrike" spc="-1">
+              <a:solidFill>
+                <a:srgbClr val="000000"/>
+              </a:solidFill>
+              <a:latin typeface="微软雅黑 Light" panose="020B0502040204020203" charset="-122"/>
+              <a:ea typeface="微软雅黑 Light" panose="020B0502040204020203" charset="-122"/>
+            </a:endParaRPr>
+          </a:p>
+        </p:txBody>
+      </p:sp>
+      <p:sp>
+        <p:nvSpPr>
+          <p:cNvPr id="117" name="CustomShape 2"/>
+          <p:cNvSpPr/>
+          <p:nvPr/>
+        </p:nvSpPr>
+        <p:spPr>
+          <a:xfrm>
+            <a:off x="2917190" y="2691765"/>
+            <a:ext cx="6358255" cy="1473835"/>
+          </a:xfrm>
+          <a:prstGeom prst="rect">
+            <a:avLst/>
+          </a:prstGeom>
+          <a:noFill/>
+          <a:ln>
+            <a:noFill/>
+          </a:ln>
+        </p:spPr>
+        <p:style>
+          <a:lnRef idx="0">
+            <a:srgbClr val="FFFFFF"/>
+          </a:lnRef>
+          <a:fillRef idx="0">
+            <a:srgbClr val="FFFFFF"/>
+          </a:fillRef>
+          <a:effectRef idx="0">
+            <a:srgbClr val="FFFFFF"/>
+          </a:effectRef>
+          <a:fontRef idx="minor"/>
+        </p:style>
+        <p:txBody>
+          <a:bodyPr wrap="square" lIns="90000" tIns="45000" rIns="90000" bIns="45000">
+            <a:spAutoFit/>
+          </a:bodyPr>
+          <a:p>
+            <a:pPr>
+              <a:lnSpc>
+                <a:spcPct val="150000"/>
+              </a:lnSpc>
+            </a:pPr>
+            <a:r>
+              <a:rPr lang="en-US" sz="2000" b="0" strike="noStrike" spc="-1">
+                <a:solidFill>
+                  <a:srgbClr val="000000"/>
+                </a:solidFill>
+                <a:latin typeface="微软雅黑 Light" panose="020B0502040204020203" charset="-122"/>
+                <a:ea typeface="微软雅黑 Light" panose="020B0502040204020203" charset="-122"/>
+              </a:rPr>
+              <a:t>监听同一台服务器上其它进程的请求</a:t>
+            </a:r>
+            <a:endParaRPr lang="en-US" sz="2000" b="0" strike="noStrike" spc="-1">
+              <a:solidFill>
+                <a:srgbClr val="000000"/>
+              </a:solidFill>
+              <a:latin typeface="微软雅黑 Light" panose="020B0502040204020203" charset="-122"/>
+              <a:ea typeface="微软雅黑 Light" panose="020B0502040204020203" charset="-122"/>
+            </a:endParaRPr>
+          </a:p>
+          <a:p>
+            <a:pPr>
+              <a:lnSpc>
+                <a:spcPct val="150000"/>
+              </a:lnSpc>
+            </a:pPr>
+            <a:endParaRPr lang="en-US" sz="2000" b="0" strike="noStrike" spc="-1">
+              <a:latin typeface="微软雅黑 Light" panose="020B0502040204020203" charset="-122"/>
+              <a:ea typeface="微软雅黑 Light" panose="020B0502040204020203" charset="-122"/>
+            </a:endParaRPr>
+          </a:p>
+          <a:p>
+            <a:pPr>
+              <a:lnSpc>
+                <a:spcPct val="150000"/>
+              </a:lnSpc>
+            </a:pPr>
+            <a:r>
+              <a:rPr lang="en-US" sz="2000" b="0" strike="noStrike" spc="-1">
+                <a:solidFill>
+                  <a:srgbClr val="000000"/>
+                </a:solidFill>
+                <a:latin typeface="微软雅黑 Light" panose="020B0502040204020203" charset="-122"/>
+                <a:ea typeface="微软雅黑 Light" panose="020B0502040204020203" charset="-122"/>
+              </a:rPr>
+              <a:t>通过倒排索引进行检索并返回给相应的进程检索的结果</a:t>
+            </a:r>
+            <a:endParaRPr lang="en-US" sz="2000" b="0" strike="noStrike" spc="-1">
+              <a:solidFill>
+                <a:srgbClr val="000000"/>
+              </a:solidFill>
+              <a:latin typeface="微软雅黑 Light" panose="020B0502040204020203" charset="-122"/>
+              <a:ea typeface="微软雅黑 Light" panose="020B0502040204020203" charset="-122"/>
+            </a:endParaRPr>
+          </a:p>
+        </p:txBody>
+      </p:sp>
+    </p:spTree>
+  </p:cSld>
+  <p:clrMapOvr>
+    <a:masterClrMapping/>
+  </p:clrMapOvr>
+  <mc:AlternateContent xmlns:mc="http://schemas.openxmlformats.org/markup-compatibility/2006">
+    <mc:Choice xmlns:p14="http://schemas.microsoft.com/office/powerpoint/2010/main" Requires="p14">
+      <p:transition spd="slow" p14:dur="2000"/>
+    </mc:Choice>
+    <mc:Fallback>
+      <p:transition spd="slow"/>
+    </mc:Fallback>
+  </mc:AlternateContent>
+  <p:timing>
+    <p:tnLst>
+      <p:par>
+        <p:cTn id="1" dur="indefinite" restart="never" nodeType="tmRoot"/>
+      </p:par>
+    </p:tnLst>
+  </p:timing>
+</p:sld>
+</file>
+
+<file path=ppt/slides/slide23.xml><?xml version="1.0" encoding="utf-8"?>
 <p:sld xmlns:a="http://schemas.openxmlformats.org/drawingml/2006/main" xmlns:r="http://schemas.openxmlformats.org/officeDocument/2006/relationships" xmlns:p="http://schemas.openxmlformats.org/presentationml/2006/main">
   <p:cSld>
     <p:spTree>
@@ -8085,104 +9952,7 @@
 </p:sld>
 </file>
 
-<file path=ppt/slides/slide2.xml><?xml version="1.0" encoding="utf-8"?>
-<p:sld xmlns:a="http://schemas.openxmlformats.org/drawingml/2006/main" xmlns:r="http://schemas.openxmlformats.org/officeDocument/2006/relationships" xmlns:p="http://schemas.openxmlformats.org/presentationml/2006/main">
-  <p:cSld>
-    <p:spTree>
-      <p:nvGrpSpPr>
-        <p:cNvPr id="1" name=""/>
-        <p:cNvGrpSpPr/>
-        <p:nvPr/>
-      </p:nvGrpSpPr>
-      <p:grpSpPr>
-        <a:xfrm>
-          <a:off x="0" y="0"/>
-          <a:ext cx="0" cy="0"/>
-          <a:chOff x="0" y="0"/>
-          <a:chExt cx="0" cy="0"/>
-        </a:xfrm>
-      </p:grpSpPr>
-      <p:sp>
-        <p:nvSpPr>
-          <p:cNvPr id="86" name="CustomShape 1"/>
-          <p:cNvSpPr/>
-          <p:nvPr/>
-        </p:nvSpPr>
-        <p:spPr>
-          <a:xfrm>
-            <a:off x="4718230" y="3018380"/>
-            <a:ext cx="2756520" cy="821520"/>
-          </a:xfrm>
-          <a:prstGeom prst="rect">
-            <a:avLst/>
-          </a:prstGeom>
-          <a:noFill/>
-          <a:ln>
-            <a:noFill/>
-          </a:ln>
-        </p:spPr>
-        <p:style>
-          <a:lnRef idx="0">
-            <a:srgbClr val="FFFFFF"/>
-          </a:lnRef>
-          <a:fillRef idx="0">
-            <a:srgbClr val="FFFFFF"/>
-          </a:fillRef>
-          <a:effectRef idx="0">
-            <a:srgbClr val="FFFFFF"/>
-          </a:effectRef>
-          <a:fontRef idx="minor"/>
-        </p:style>
-        <p:txBody>
-          <a:bodyPr lIns="90000" tIns="45000" rIns="90000" bIns="45000">
-            <a:spAutoFit/>
-          </a:bodyPr>
-          <a:p>
-            <a:pPr>
-              <a:lnSpc>
-                <a:spcPct val="100000"/>
-              </a:lnSpc>
-            </a:pPr>
-            <a:r>
-              <a:rPr lang="en-US" sz="4800" b="0" strike="noStrike" spc="-1">
-                <a:solidFill>
-                  <a:srgbClr val="000000"/>
-                </a:solidFill>
-                <a:latin typeface="微软雅黑 Light" panose="020B0502040204020203" charset="-122"/>
-                <a:ea typeface="微软雅黑 Light" panose="020B0502040204020203" charset="-122"/>
-              </a:rPr>
-              <a:t>中文分词</a:t>
-            </a:r>
-            <a:endParaRPr lang="en-US" sz="4800" b="0" strike="noStrike" spc="-1">
-              <a:latin typeface="Arial" panose="020B0604020202020204"/>
-            </a:endParaRPr>
-          </a:p>
-        </p:txBody>
-      </p:sp>
-    </p:spTree>
-  </p:cSld>
-  <p:clrMapOvr>
-    <a:masterClrMapping/>
-  </p:clrMapOvr>
-  <mc:AlternateContent xmlns:mc="http://schemas.openxmlformats.org/markup-compatibility/2006">
-    <mc:Choice xmlns:p14="http://schemas.microsoft.com/office/powerpoint/2010/main" Requires="p14">
-      <p:transition spd="slow" p14:dur="2000"/>
-    </mc:Choice>
-    <mc:Fallback>
-      <p:transition spd="slow"/>
-    </mc:Fallback>
-  </mc:AlternateContent>
-  <p:timing>
-    <p:tnLst>
-      <p:par>
-        <p:cTn id="1" dur="indefinite" restart="never" nodeType="tmRoot"/>
-      </p:par>
-    </p:tnLst>
-  </p:timing>
-</p:sld>
-</file>
-
-<file path=ppt/slides/slide20.xml><?xml version="1.0" encoding="utf-8"?>
+<file path=ppt/slides/slide24.xml><?xml version="1.0" encoding="utf-8"?>
 <p:sld xmlns:a="http://schemas.openxmlformats.org/drawingml/2006/main" xmlns:r="http://schemas.openxmlformats.org/officeDocument/2006/relationships" xmlns:p="http://schemas.openxmlformats.org/presentationml/2006/main">
   <p:cSld>
     <p:spTree>
@@ -9145,164 +10915,14 @@
       </p:grpSpPr>
       <p:sp>
         <p:nvSpPr>
-          <p:cNvPr id="95" name="TextShape 1"/>
-          <p:cNvSpPr txBox="1"/>
-          <p:nvPr/>
-        </p:nvSpPr>
-        <p:spPr>
-          <a:xfrm>
-            <a:off x="882755" y="2922715"/>
-            <a:ext cx="10425960" cy="1012190"/>
-          </a:xfrm>
-          <a:prstGeom prst="rect">
-            <a:avLst/>
-          </a:prstGeom>
-          <a:noFill/>
-          <a:ln>
-            <a:noFill/>
-          </a:ln>
-        </p:spPr>
-        <p:txBody>
-          <a:bodyPr lIns="90000" tIns="45000" rIns="90000" bIns="45000">
-            <a:spAutoFit/>
-          </a:bodyPr>
-          <a:p>
-            <a:r>
-              <a:rPr lang="en-US" sz="2000" b="0" strike="noStrike" spc="-1">
-                <a:solidFill>
-                  <a:srgbClr val="000000"/>
-                </a:solidFill>
-                <a:latin typeface="微软雅黑 Light" panose="020B0502040204020203" charset="-122"/>
-                <a:ea typeface="微软雅黑 Light" panose="020B0502040204020203" charset="-122"/>
-              </a:rPr>
-              <a:t>通过统计词频</a:t>
-            </a:r>
-            <a:r>
-              <a:rPr lang="zh-CN" altLang="en-US" sz="2000" b="0" strike="noStrike" spc="-1">
-                <a:solidFill>
-                  <a:srgbClr val="000000"/>
-                </a:solidFill>
-                <a:latin typeface="微软雅黑 Light" panose="020B0502040204020203" charset="-122"/>
-                <a:ea typeface="微软雅黑 Light" panose="020B0502040204020203" charset="-122"/>
-              </a:rPr>
-              <a:t>，</a:t>
-            </a:r>
-            <a:r>
-              <a:rPr lang="en-US" sz="2000" b="0" strike="noStrike" spc="-1">
-                <a:solidFill>
-                  <a:srgbClr val="000000"/>
-                </a:solidFill>
-                <a:latin typeface="微软雅黑 Light" panose="020B0502040204020203" charset="-122"/>
-                <a:ea typeface="微软雅黑 Light" panose="020B0502040204020203" charset="-122"/>
-              </a:rPr>
-              <a:t>我们可以根据词语出现的频率计算得到每个词语的信息量</a:t>
-            </a:r>
-            <a:endParaRPr lang="en-US" sz="2000" b="0" strike="noStrike" spc="-1">
-              <a:latin typeface="Arial" panose="020B0604020202020204"/>
-            </a:endParaRPr>
-          </a:p>
-          <a:p>
-            <a:endParaRPr lang="en-US" sz="2000" b="0" strike="noStrike" spc="-1">
-              <a:latin typeface="Arial" panose="020B0604020202020204"/>
-            </a:endParaRPr>
-          </a:p>
-          <a:p>
-            <a:r>
-              <a:rPr lang="en-US" sz="2000" b="0" strike="noStrike" spc="-1">
-                <a:solidFill>
-                  <a:srgbClr val="000000"/>
-                </a:solidFill>
-                <a:latin typeface="微软雅黑 Light" panose="020B0502040204020203" charset="-122"/>
-                <a:ea typeface="微软雅黑 Light" panose="020B0502040204020203" charset="-122"/>
-              </a:rPr>
-              <a:t>信息量</a:t>
-            </a:r>
-            <a:r>
-              <a:rPr lang="en-US" sz="2000" b="1" strike="noStrike" spc="-1">
-                <a:solidFill>
-                  <a:srgbClr val="000000"/>
-                </a:solidFill>
-                <a:latin typeface="微软雅黑 Light" panose="020B0502040204020203" charset="-122"/>
-                <a:ea typeface="微软雅黑 Light" panose="020B0502040204020203" charset="-122"/>
-              </a:rPr>
-              <a:t>越低</a:t>
-            </a:r>
-            <a:r>
-              <a:rPr lang="zh-CN" altLang="en-US" sz="2000" strike="noStrike" spc="-1">
-                <a:solidFill>
-                  <a:srgbClr val="000000"/>
-                </a:solidFill>
-                <a:latin typeface="微软雅黑 Light" panose="020B0502040204020203" charset="-122"/>
-                <a:ea typeface="微软雅黑 Light" panose="020B0502040204020203" charset="-122"/>
-              </a:rPr>
-              <a:t>，</a:t>
-            </a:r>
-            <a:r>
-              <a:rPr lang="en-US" sz="2000" b="0" strike="noStrike" spc="-1">
-                <a:solidFill>
-                  <a:srgbClr val="000000"/>
-                </a:solidFill>
-                <a:latin typeface="微软雅黑 Light" panose="020B0502040204020203" charset="-122"/>
-                <a:ea typeface="微软雅黑 Light" panose="020B0502040204020203" charset="-122"/>
-              </a:rPr>
-              <a:t>则表示该词语</a:t>
-            </a:r>
-            <a:r>
-              <a:rPr lang="en-US" sz="2000" b="1" strike="noStrike" spc="-1">
-                <a:solidFill>
-                  <a:srgbClr val="000000"/>
-                </a:solidFill>
-                <a:latin typeface="微软雅黑 Light" panose="020B0502040204020203" charset="-122"/>
-                <a:ea typeface="微软雅黑 Light" panose="020B0502040204020203" charset="-122"/>
-              </a:rPr>
-              <a:t>越接近</a:t>
-            </a:r>
-            <a:r>
-              <a:rPr lang="en-US" sz="2000" b="0" strike="noStrike" spc="-1">
-                <a:solidFill>
-                  <a:srgbClr val="000000"/>
-                </a:solidFill>
-                <a:latin typeface="微软雅黑 Light" panose="020B0502040204020203" charset="-122"/>
-                <a:ea typeface="微软雅黑 Light" panose="020B0502040204020203" charset="-122"/>
-              </a:rPr>
-              <a:t>通常语义</a:t>
-            </a:r>
-            <a:r>
-              <a:rPr lang="zh-CN" altLang="en-US" sz="2000" b="0" strike="noStrike" spc="-1">
-                <a:solidFill>
-                  <a:srgbClr val="000000"/>
-                </a:solidFill>
-                <a:latin typeface="微软雅黑 Light" panose="020B0502040204020203" charset="-122"/>
-                <a:ea typeface="微软雅黑 Light" panose="020B0502040204020203" charset="-122"/>
-              </a:rPr>
-              <a:t>，</a:t>
-            </a:r>
-            <a:r>
-              <a:rPr lang="en-US" sz="2000" b="0" strike="noStrike" spc="-1">
-                <a:solidFill>
-                  <a:srgbClr val="000000"/>
-                </a:solidFill>
-                <a:latin typeface="微软雅黑 Light" panose="020B0502040204020203" charset="-122"/>
-                <a:ea typeface="微软雅黑 Light" panose="020B0502040204020203" charset="-122"/>
-              </a:rPr>
-              <a:t>通过选出总信息量最低的词语组合来完成分词</a:t>
-            </a:r>
-            <a:endParaRPr lang="en-US" sz="2000" b="0" strike="noStrike" spc="-1">
-              <a:latin typeface="Arial" panose="020B0604020202020204"/>
-            </a:endParaRPr>
-          </a:p>
-        </p:txBody>
-      </p:sp>
-      <p:sp>
-        <p:nvSpPr>
-          <p:cNvPr id="96" name="CustomShape 2"/>
+          <p:cNvPr id="92" name="CustomShape 1"/>
           <p:cNvSpPr/>
           <p:nvPr/>
         </p:nvSpPr>
         <p:spPr>
           <a:xfrm>
-            <a:off x="976320" y="1007110"/>
-            <a:ext cx="1309680" cy="642620"/>
+            <a:off x="1051560" y="1012825"/>
+            <a:ext cx="2873375" cy="642620"/>
           </a:xfrm>
           <a:prstGeom prst="rect">
             <a:avLst/>
@@ -9325,7 +10945,7 @@
           <a:fontRef idx="minor"/>
         </p:style>
         <p:txBody>
-          <a:bodyPr lIns="90000" tIns="45000" rIns="90000" bIns="45000">
+          <a:bodyPr wrap="square" lIns="90000" tIns="45000" rIns="90000" bIns="45000">
             <a:spAutoFit/>
           </a:bodyPr>
           <a:p>
@@ -9335,16 +10955,115 @@
               </a:lnSpc>
             </a:pPr>
             <a:r>
-              <a:rPr lang="en-US" sz="3600" b="0" strike="noStrike" spc="-1">
+              <a:rPr lang="zh-CN" altLang="en-US" sz="3600" b="0" strike="noStrike" spc="-1">
                 <a:solidFill>
                   <a:srgbClr val="000000"/>
                 </a:solidFill>
                 <a:latin typeface="微软雅黑 Light" panose="020B0502040204020203" charset="-122"/>
                 <a:ea typeface="微软雅黑 Light" panose="020B0502040204020203" charset="-122"/>
               </a:rPr>
-              <a:t>分词</a:t>
-            </a:r>
-            <a:endParaRPr lang="en-US" sz="3600" b="0" strike="noStrike" spc="-1">
+              <a:t>冲突区间</a:t>
+            </a:r>
+            <a:endParaRPr lang="zh-CN" altLang="en-US" sz="3600" b="0" strike="noStrike" spc="-1">
+              <a:solidFill>
+                <a:srgbClr val="000000"/>
+              </a:solidFill>
+              <a:latin typeface="微软雅黑 Light" panose="020B0502040204020203" charset="-122"/>
+              <a:ea typeface="微软雅黑 Light" panose="020B0502040204020203" charset="-122"/>
+            </a:endParaRPr>
+          </a:p>
+        </p:txBody>
+      </p:sp>
+      <p:sp>
+        <p:nvSpPr>
+          <p:cNvPr id="93" name="CustomShape 2"/>
+          <p:cNvSpPr/>
+          <p:nvPr/>
+        </p:nvSpPr>
+        <p:spPr>
+          <a:xfrm>
+            <a:off x="1853565" y="2922905"/>
+            <a:ext cx="8484870" cy="1012190"/>
+          </a:xfrm>
+          <a:prstGeom prst="rect">
+            <a:avLst/>
+          </a:prstGeom>
+          <a:noFill/>
+          <a:ln>
+            <a:noFill/>
+          </a:ln>
+        </p:spPr>
+        <p:style>
+          <a:lnRef idx="0">
+            <a:srgbClr val="FFFFFF"/>
+          </a:lnRef>
+          <a:fillRef idx="0">
+            <a:srgbClr val="FFFFFF"/>
+          </a:fillRef>
+          <a:effectRef idx="0">
+            <a:srgbClr val="FFFFFF"/>
+          </a:effectRef>
+          <a:fontRef idx="minor"/>
+        </p:style>
+        <p:txBody>
+          <a:bodyPr wrap="square" lIns="90000" tIns="45000" rIns="90000" bIns="45000">
+            <a:spAutoFit/>
+          </a:bodyPr>
+          <a:p>
+            <a:pPr algn="ctr">
+              <a:lnSpc>
+                <a:spcPct val="100000"/>
+              </a:lnSpc>
+            </a:pPr>
+            <a:r>
+              <a:rPr lang="en-US" sz="2000" b="0" strike="noStrike" spc="-1">
+                <a:solidFill>
+                  <a:srgbClr val="000000"/>
+                </a:solidFill>
+                <a:latin typeface="微软雅黑 Light" panose="020B0502040204020203" charset="-122"/>
+                <a:ea typeface="微软雅黑 Light" panose="020B0502040204020203" charset="-122"/>
+              </a:rPr>
+              <a:t>将至少有两个词冲突的区间定义为冲突区间</a:t>
+            </a:r>
+            <a:endParaRPr lang="en-US" sz="2000" b="0" strike="noStrike" spc="-1">
+              <a:solidFill>
+                <a:srgbClr val="000000"/>
+              </a:solidFill>
+              <a:latin typeface="微软雅黑 Light" panose="020B0502040204020203" charset="-122"/>
+              <a:ea typeface="微软雅黑 Light" panose="020B0502040204020203" charset="-122"/>
+            </a:endParaRPr>
+          </a:p>
+          <a:p>
+            <a:pPr algn="ctr">
+              <a:lnSpc>
+                <a:spcPct val="100000"/>
+              </a:lnSpc>
+            </a:pPr>
+            <a:endParaRPr lang="en-US" sz="2000" b="0" strike="noStrike" spc="-1">
+              <a:solidFill>
+                <a:srgbClr val="000000"/>
+              </a:solidFill>
+              <a:latin typeface="微软雅黑 Light" panose="020B0502040204020203" charset="-122"/>
+              <a:ea typeface="微软雅黑 Light" panose="020B0502040204020203" charset="-122"/>
+            </a:endParaRPr>
+          </a:p>
+          <a:p>
+            <a:pPr algn="ctr">
+              <a:lnSpc>
+                <a:spcPct val="100000"/>
+              </a:lnSpc>
+            </a:pPr>
+            <a:r>
+              <a:rPr lang="en-US" sz="2000" b="0" strike="noStrike" spc="-1">
+                <a:solidFill>
+                  <a:srgbClr val="000000"/>
+                </a:solidFill>
+                <a:latin typeface="微软雅黑 Light" panose="020B0502040204020203" charset="-122"/>
+                <a:ea typeface="微软雅黑 Light" panose="020B0502040204020203" charset="-122"/>
+              </a:rPr>
+              <a:t>如：天空洞</a:t>
+            </a:r>
+            <a:endParaRPr lang="en-US" sz="2000" b="0" strike="noStrike" spc="-1">
               <a:solidFill>
                 <a:srgbClr val="000000"/>
               </a:solidFill>
@@ -9396,14 +11115,14 @@
       </p:grpSpPr>
       <p:sp>
         <p:nvSpPr>
-          <p:cNvPr id="97" name="CustomShape 1"/>
+          <p:cNvPr id="92" name="CustomShape 1"/>
           <p:cNvSpPr/>
           <p:nvPr/>
         </p:nvSpPr>
         <p:spPr>
           <a:xfrm>
-            <a:off x="1000985" y="960580"/>
-            <a:ext cx="1309680" cy="642620"/>
+            <a:off x="1051560" y="1012825"/>
+            <a:ext cx="5307965" cy="642620"/>
           </a:xfrm>
           <a:prstGeom prst="rect">
             <a:avLst/>
@@ -9426,7 +11145,7 @@
           <a:fontRef idx="minor"/>
         </p:style>
         <p:txBody>
-          <a:bodyPr lIns="90000" tIns="45000" rIns="90000" bIns="45000">
+          <a:bodyPr wrap="square" lIns="90000" tIns="45000" rIns="90000" bIns="45000">
             <a:spAutoFit/>
           </a:bodyPr>
           <a:p>
@@ -9436,123 +11155,16 @@
               </a:lnSpc>
             </a:pPr>
             <a:r>
-              <a:rPr lang="en-US" sz="3600" b="0" strike="noStrike" spc="-1">
+              <a:rPr lang="zh-CN" altLang="en-US" sz="3600" b="0" strike="noStrike" spc="-1">
                 <a:solidFill>
                   <a:srgbClr val="000000"/>
                 </a:solidFill>
                 <a:latin typeface="微软雅黑 Light" panose="020B0502040204020203" charset="-122"/>
                 <a:ea typeface="微软雅黑 Light" panose="020B0502040204020203" charset="-122"/>
               </a:rPr>
-              <a:t>算法</a:t>
-            </a:r>
-            <a:endParaRPr lang="en-US" sz="2800" b="0" strike="noStrike" spc="-1">
-              <a:latin typeface="Arial" panose="020B0604020202020204"/>
-            </a:endParaRPr>
-          </a:p>
-        </p:txBody>
-      </p:sp>
-      <p:sp>
-        <p:nvSpPr>
-          <p:cNvPr id="98" name="CustomShape 2"/>
-          <p:cNvSpPr/>
-          <p:nvPr/>
-        </p:nvSpPr>
-        <p:spPr>
-          <a:xfrm>
-            <a:off x="1380750" y="2698295"/>
-            <a:ext cx="9430200" cy="1473835"/>
-          </a:xfrm>
-          <a:prstGeom prst="rect">
-            <a:avLst/>
-          </a:prstGeom>
-          <a:noFill/>
-          <a:ln>
-            <a:noFill/>
-          </a:ln>
-        </p:spPr>
-        <p:style>
-          <a:lnRef idx="0">
-            <a:srgbClr val="FFFFFF"/>
-          </a:lnRef>
-          <a:fillRef idx="0">
-            <a:srgbClr val="FFFFFF"/>
-          </a:fillRef>
-          <a:effectRef idx="0">
-            <a:srgbClr val="FFFFFF"/>
-          </a:effectRef>
-          <a:fontRef idx="minor"/>
-        </p:style>
-        <p:txBody>
-          <a:bodyPr lIns="90000" tIns="45000" rIns="90000" bIns="45000">
-            <a:spAutoFit/>
-          </a:bodyPr>
-          <a:p>
-            <a:pPr>
-              <a:lnSpc>
-                <a:spcPct val="150000"/>
-              </a:lnSpc>
-            </a:pPr>
-            <a:r>
-              <a:rPr lang="en-US" sz="2000" b="0" strike="noStrike" spc="-1">
-                <a:solidFill>
-                  <a:srgbClr val="000000"/>
-                </a:solidFill>
-                <a:latin typeface="微软雅黑 Light" panose="020B0502040204020203" charset="-122"/>
-                <a:ea typeface="微软雅黑 Light" panose="020B0502040204020203" charset="-122"/>
-              </a:rPr>
-              <a:t>1. 根据词频字典找出</a:t>
-            </a:r>
-            <a:r>
-              <a:rPr lang="zh-CN" altLang="en-US" sz="2000" b="0" strike="noStrike" spc="-1">
-                <a:solidFill>
-                  <a:srgbClr val="000000"/>
-                </a:solidFill>
-                <a:latin typeface="微软雅黑 Light" panose="020B0502040204020203" charset="-122"/>
-                <a:ea typeface="微软雅黑 Light" panose="020B0502040204020203" charset="-122"/>
-              </a:rPr>
-              <a:t>字符序列</a:t>
-            </a:r>
-            <a:r>
-              <a:rPr lang="en-US" sz="2000" b="0" strike="noStrike" spc="-1">
-                <a:solidFill>
-                  <a:srgbClr val="000000"/>
-                </a:solidFill>
-                <a:latin typeface="微软雅黑 Light" panose="020B0502040204020203" charset="-122"/>
-                <a:ea typeface="微软雅黑 Light" panose="020B0502040204020203" charset="-122"/>
-              </a:rPr>
-              <a:t>中存在的所有可能词语, 记录其位置以及长度</a:t>
-            </a:r>
-            <a:endParaRPr lang="en-US" sz="2000" b="0" strike="noStrike" spc="-1">
-              <a:latin typeface="Arial" panose="020B0604020202020204"/>
-            </a:endParaRPr>
-          </a:p>
-          <a:p>
-            <a:pPr>
-              <a:lnSpc>
-                <a:spcPct val="150000"/>
-              </a:lnSpc>
-            </a:pPr>
-            <a:r>
-              <a:rPr lang="en-US" sz="2000" b="0" strike="noStrike" spc="-1">
-                <a:solidFill>
-                  <a:srgbClr val="000000"/>
-                </a:solidFill>
-                <a:latin typeface="微软雅黑 Light" panose="020B0502040204020203" charset="-122"/>
-                <a:ea typeface="微软雅黑 Light" panose="020B0502040204020203" charset="-122"/>
-              </a:rPr>
-              <a:t>2. </a:t>
-            </a:r>
-            <a:r>
-              <a:rPr sz="2000" b="0" strike="noStrike" spc="-1">
-                <a:solidFill>
-                  <a:srgbClr val="000000"/>
-                </a:solidFill>
-                <a:latin typeface="微软雅黑 Light" panose="020B0502040204020203" charset="-122"/>
-                <a:ea typeface="微软雅黑 Light" panose="020B0502040204020203" charset="-122"/>
-              </a:rPr>
-              <a:t>遍历词语的组合，并且每个组合中不存在冲突区间，填充上单个字</a:t>
-            </a:r>
-            <a:endParaRPr sz="2000" b="0" strike="noStrike" spc="-1">
+              <a:t>冲突区间的计算过程</a:t>
+            </a:r>
+            <a:endParaRPr lang="zh-CN" altLang="en-US" sz="3600" b="0" strike="noStrike" spc="-1">
               <a:solidFill>
                 <a:srgbClr val="000000"/>
               </a:solidFill>
@@ -9560,28 +11172,663 @@
               <a:ea typeface="微软雅黑 Light" panose="020B0502040204020203" charset="-122"/>
             </a:endParaRPr>
           </a:p>
-          <a:p>
-            <a:pPr>
-              <a:lnSpc>
-                <a:spcPct val="150000"/>
-              </a:lnSpc>
-            </a:pPr>
-            <a:r>
-              <a:rPr lang="en-US" sz="2000" b="0" strike="noStrike" spc="-1">
-                <a:solidFill>
-                  <a:srgbClr val="000000"/>
-                </a:solidFill>
-                <a:latin typeface="微软雅黑 Light" panose="020B0502040204020203" charset="-122"/>
-                <a:ea typeface="微软雅黑 Light" panose="020B0502040204020203" charset="-122"/>
-              </a:rPr>
-              <a:t>3. 找出信息量最小的组合，可以认为该组合是最接近语义的分词形式</a:t>
-            </a:r>
-            <a:endParaRPr lang="en-US" sz="2000" b="0" strike="noStrike" spc="-1">
-              <a:latin typeface="Arial" panose="020B0604020202020204"/>
-            </a:endParaRPr>
-          </a:p>
-        </p:txBody>
-      </p:sp>
+        </p:txBody>
+      </p:sp>
+      <p:grpSp>
+        <p:nvGrpSpPr>
+          <p:cNvPr id="24" name="组合 23"/>
+          <p:cNvGrpSpPr/>
+          <p:nvPr/>
+        </p:nvGrpSpPr>
+        <p:grpSpPr>
+          <a:xfrm>
+            <a:off x="2842260" y="3106420"/>
+            <a:ext cx="2519680" cy="645160"/>
+            <a:chOff x="4476" y="4892"/>
+            <a:chExt cx="3968" cy="1016"/>
+          </a:xfrm>
+        </p:grpSpPr>
+        <p:sp>
+          <p:nvSpPr>
+            <p:cNvPr id="10" name="文本框 9"/>
+            <p:cNvSpPr txBox="1"/>
+            <p:nvPr/>
+          </p:nvSpPr>
+          <p:spPr>
+            <a:xfrm>
+              <a:off x="4476" y="4892"/>
+              <a:ext cx="567" cy="1016"/>
+            </a:xfrm>
+            <a:prstGeom prst="rect">
+              <a:avLst/>
+            </a:prstGeom>
+            <a:noFill/>
+          </p:spPr>
+          <p:txBody>
+            <a:bodyPr wrap="square" rtlCol="0">
+              <a:spAutoFit/>
+            </a:bodyPr>
+            <a:p>
+              <a:pPr algn="ctr"/>
+              <a:r>
+                <a:rPr lang="en-US" altLang="zh-CN" sz="3600">
+                  <a:latin typeface="Candara Light" panose="020E0502030303020204" charset="0"/>
+                  <a:cs typeface="Candara Light" panose="020E0502030303020204" charset="0"/>
+                </a:rPr>
+                <a:t>A</a:t>
+              </a:r>
+              <a:endParaRPr lang="en-US" altLang="zh-CN" sz="3600">
+                <a:latin typeface="Candara Light" panose="020E0502030303020204" charset="0"/>
+                <a:cs typeface="Candara Light" panose="020E0502030303020204" charset="0"/>
+              </a:endParaRPr>
+            </a:p>
+          </p:txBody>
+        </p:sp>
+        <p:sp>
+          <p:nvSpPr>
+            <p:cNvPr id="11" name="文本框 10"/>
+            <p:cNvSpPr txBox="1"/>
+            <p:nvPr/>
+          </p:nvSpPr>
+          <p:spPr>
+            <a:xfrm>
+              <a:off x="5043" y="4892"/>
+              <a:ext cx="567" cy="1016"/>
+            </a:xfrm>
+            <a:prstGeom prst="rect">
+              <a:avLst/>
+            </a:prstGeom>
+            <a:noFill/>
+          </p:spPr>
+          <p:txBody>
+            <a:bodyPr wrap="square" rtlCol="0">
+              <a:spAutoFit/>
+            </a:bodyPr>
+            <a:p>
+              <a:pPr algn="ctr"/>
+              <a:r>
+                <a:rPr lang="en-US" altLang="zh-CN" sz="3600">
+                  <a:latin typeface="Candara Light" panose="020E0502030303020204" charset="0"/>
+                  <a:cs typeface="Candara Light" panose="020E0502030303020204" charset="0"/>
+                </a:rPr>
+                <a:t>B</a:t>
+              </a:r>
+              <a:endParaRPr lang="en-US" altLang="zh-CN" sz="3600">
+                <a:latin typeface="Candara Light" panose="020E0502030303020204" charset="0"/>
+                <a:cs typeface="Candara Light" panose="020E0502030303020204" charset="0"/>
+              </a:endParaRPr>
+            </a:p>
+          </p:txBody>
+        </p:sp>
+        <p:sp>
+          <p:nvSpPr>
+            <p:cNvPr id="12" name="文本框 11"/>
+            <p:cNvSpPr txBox="1"/>
+            <p:nvPr/>
+          </p:nvSpPr>
+          <p:spPr>
+            <a:xfrm>
+              <a:off x="5610" y="4892"/>
+              <a:ext cx="567" cy="1016"/>
+            </a:xfrm>
+            <a:prstGeom prst="rect">
+              <a:avLst/>
+            </a:prstGeom>
+            <a:noFill/>
+          </p:spPr>
+          <p:txBody>
+            <a:bodyPr wrap="square" rtlCol="0">
+              <a:spAutoFit/>
+            </a:bodyPr>
+            <a:p>
+              <a:pPr algn="ctr"/>
+              <a:r>
+                <a:rPr lang="en-US" altLang="zh-CN" sz="3600">
+                  <a:latin typeface="Candara Light" panose="020E0502030303020204" charset="0"/>
+                  <a:cs typeface="Candara Light" panose="020E0502030303020204" charset="0"/>
+                </a:rPr>
+                <a:t>C</a:t>
+              </a:r>
+              <a:endParaRPr lang="en-US" altLang="zh-CN" sz="3600">
+                <a:latin typeface="Candara Light" panose="020E0502030303020204" charset="0"/>
+                <a:cs typeface="Candara Light" panose="020E0502030303020204" charset="0"/>
+              </a:endParaRPr>
+            </a:p>
+          </p:txBody>
+        </p:sp>
+        <p:sp>
+          <p:nvSpPr>
+            <p:cNvPr id="13" name="文本框 12"/>
+            <p:cNvSpPr txBox="1"/>
+            <p:nvPr/>
+          </p:nvSpPr>
+          <p:spPr>
+            <a:xfrm>
+              <a:off x="6177" y="4892"/>
+              <a:ext cx="567" cy="1016"/>
+            </a:xfrm>
+            <a:prstGeom prst="rect">
+              <a:avLst/>
+            </a:prstGeom>
+            <a:noFill/>
+          </p:spPr>
+          <p:txBody>
+            <a:bodyPr wrap="square" rtlCol="0">
+              <a:spAutoFit/>
+            </a:bodyPr>
+            <a:p>
+              <a:pPr algn="ctr"/>
+              <a:r>
+                <a:rPr lang="en-US" altLang="zh-CN" sz="3600">
+                  <a:latin typeface="Candara Light" panose="020E0502030303020204" charset="0"/>
+                  <a:cs typeface="Candara Light" panose="020E0502030303020204" charset="0"/>
+                </a:rPr>
+                <a:t>D</a:t>
+              </a:r>
+              <a:endParaRPr lang="en-US" altLang="zh-CN" sz="3600">
+                <a:latin typeface="Candara Light" panose="020E0502030303020204" charset="0"/>
+                <a:cs typeface="Candara Light" panose="020E0502030303020204" charset="0"/>
+              </a:endParaRPr>
+            </a:p>
+          </p:txBody>
+        </p:sp>
+        <p:sp>
+          <p:nvSpPr>
+            <p:cNvPr id="14" name="文本框 13"/>
+            <p:cNvSpPr txBox="1"/>
+            <p:nvPr/>
+          </p:nvSpPr>
+          <p:spPr>
+            <a:xfrm>
+              <a:off x="6744" y="4892"/>
+              <a:ext cx="567" cy="1016"/>
+            </a:xfrm>
+            <a:prstGeom prst="rect">
+              <a:avLst/>
+            </a:prstGeom>
+            <a:noFill/>
+          </p:spPr>
+          <p:txBody>
+            <a:bodyPr wrap="square" rtlCol="0">
+              <a:spAutoFit/>
+            </a:bodyPr>
+            <a:p>
+              <a:pPr algn="ctr"/>
+              <a:r>
+                <a:rPr lang="en-US" altLang="zh-CN" sz="3600">
+                  <a:latin typeface="Candara Light" panose="020E0502030303020204" charset="0"/>
+                  <a:cs typeface="Candara Light" panose="020E0502030303020204" charset="0"/>
+                </a:rPr>
+                <a:t>E</a:t>
+              </a:r>
+              <a:endParaRPr lang="en-US" altLang="zh-CN" sz="3600">
+                <a:latin typeface="Candara Light" panose="020E0502030303020204" charset="0"/>
+                <a:cs typeface="Candara Light" panose="020E0502030303020204" charset="0"/>
+              </a:endParaRPr>
+            </a:p>
+          </p:txBody>
+        </p:sp>
+        <p:sp>
+          <p:nvSpPr>
+            <p:cNvPr id="15" name="文本框 14"/>
+            <p:cNvSpPr txBox="1"/>
+            <p:nvPr/>
+          </p:nvSpPr>
+          <p:spPr>
+            <a:xfrm>
+              <a:off x="7878" y="4892"/>
+              <a:ext cx="567" cy="1016"/>
+            </a:xfrm>
+            <a:prstGeom prst="rect">
+              <a:avLst/>
+            </a:prstGeom>
+            <a:noFill/>
+          </p:spPr>
+          <p:txBody>
+            <a:bodyPr wrap="square" rtlCol="0">
+              <a:spAutoFit/>
+            </a:bodyPr>
+            <a:p>
+              <a:pPr algn="ctr"/>
+              <a:r>
+                <a:rPr lang="en-US" altLang="zh-CN" sz="3600">
+                  <a:latin typeface="Candara Light" panose="020E0502030303020204" charset="0"/>
+                  <a:cs typeface="Candara Light" panose="020E0502030303020204" charset="0"/>
+                </a:rPr>
+                <a:t>G</a:t>
+              </a:r>
+              <a:endParaRPr lang="en-US" altLang="zh-CN" sz="3600">
+                <a:latin typeface="Candara Light" panose="020E0502030303020204" charset="0"/>
+                <a:cs typeface="Candara Light" panose="020E0502030303020204" charset="0"/>
+              </a:endParaRPr>
+            </a:p>
+          </p:txBody>
+        </p:sp>
+        <p:sp>
+          <p:nvSpPr>
+            <p:cNvPr id="16" name="文本框 15"/>
+            <p:cNvSpPr txBox="1"/>
+            <p:nvPr/>
+          </p:nvSpPr>
+          <p:spPr>
+            <a:xfrm>
+              <a:off x="7311" y="4892"/>
+              <a:ext cx="567" cy="1016"/>
+            </a:xfrm>
+            <a:prstGeom prst="rect">
+              <a:avLst/>
+            </a:prstGeom>
+            <a:noFill/>
+          </p:spPr>
+          <p:txBody>
+            <a:bodyPr wrap="square" rtlCol="0">
+              <a:spAutoFit/>
+            </a:bodyPr>
+            <a:p>
+              <a:pPr algn="ctr"/>
+              <a:r>
+                <a:rPr lang="en-US" altLang="zh-CN" sz="3600">
+                  <a:latin typeface="Candara Light" panose="020E0502030303020204" charset="0"/>
+                  <a:cs typeface="Candara Light" panose="020E0502030303020204" charset="0"/>
+                </a:rPr>
+                <a:t>F</a:t>
+              </a:r>
+              <a:endParaRPr lang="en-US" altLang="zh-CN" sz="3600">
+                <a:latin typeface="Candara Light" panose="020E0502030303020204" charset="0"/>
+                <a:cs typeface="Candara Light" panose="020E0502030303020204" charset="0"/>
+              </a:endParaRPr>
+            </a:p>
+          </p:txBody>
+        </p:sp>
+      </p:grpSp>
+      <p:sp>
+        <p:nvSpPr>
+          <p:cNvPr id="17" name="文本框 16"/>
+          <p:cNvSpPr txBox="1"/>
+          <p:nvPr/>
+        </p:nvSpPr>
+        <p:spPr>
+          <a:xfrm>
+            <a:off x="5356860" y="3106420"/>
+            <a:ext cx="360045" cy="645160"/>
+          </a:xfrm>
+          <a:prstGeom prst="rect">
+            <a:avLst/>
+          </a:prstGeom>
+          <a:noFill/>
+        </p:spPr>
+        <p:txBody>
+          <a:bodyPr wrap="square" rtlCol="0">
+            <a:spAutoFit/>
+          </a:bodyPr>
+          <a:p>
+            <a:pPr algn="ctr"/>
+            <a:r>
+              <a:rPr lang="en-US" altLang="zh-CN" sz="3600">
+                <a:latin typeface="Candara Light" panose="020E0502030303020204" charset="0"/>
+                <a:cs typeface="Candara Light" panose="020E0502030303020204" charset="0"/>
+              </a:rPr>
+              <a:t>H</a:t>
+            </a:r>
+            <a:endParaRPr lang="en-US" altLang="zh-CN" sz="3600">
+              <a:latin typeface="Candara Light" panose="020E0502030303020204" charset="0"/>
+              <a:cs typeface="Candara Light" panose="020E0502030303020204" charset="0"/>
+            </a:endParaRPr>
+          </a:p>
+        </p:txBody>
+      </p:sp>
+      <p:sp>
+        <p:nvSpPr>
+          <p:cNvPr id="18" name="文本框 17"/>
+          <p:cNvSpPr txBox="1"/>
+          <p:nvPr/>
+        </p:nvSpPr>
+        <p:spPr>
+          <a:xfrm>
+            <a:off x="5716905" y="3106420"/>
+            <a:ext cx="360045" cy="645160"/>
+          </a:xfrm>
+          <a:prstGeom prst="rect">
+            <a:avLst/>
+          </a:prstGeom>
+          <a:noFill/>
+        </p:spPr>
+        <p:txBody>
+          <a:bodyPr wrap="square" rtlCol="0">
+            <a:spAutoFit/>
+          </a:bodyPr>
+          <a:p>
+            <a:pPr algn="ctr"/>
+            <a:r>
+              <a:rPr lang="en-US" altLang="zh-CN" sz="3600">
+                <a:latin typeface="Candara Light" panose="020E0502030303020204" charset="0"/>
+                <a:cs typeface="Candara Light" panose="020E0502030303020204" charset="0"/>
+              </a:rPr>
+              <a:t>I</a:t>
+            </a:r>
+            <a:endParaRPr lang="en-US" altLang="zh-CN" sz="3600">
+              <a:latin typeface="Candara Light" panose="020E0502030303020204" charset="0"/>
+              <a:cs typeface="Candara Light" panose="020E0502030303020204" charset="0"/>
+            </a:endParaRPr>
+          </a:p>
+        </p:txBody>
+      </p:sp>
+      <p:sp>
+        <p:nvSpPr>
+          <p:cNvPr id="19" name="文本框 18"/>
+          <p:cNvSpPr txBox="1"/>
+          <p:nvPr/>
+        </p:nvSpPr>
+        <p:spPr>
+          <a:xfrm>
+            <a:off x="6076950" y="3106420"/>
+            <a:ext cx="360045" cy="645160"/>
+          </a:xfrm>
+          <a:prstGeom prst="rect">
+            <a:avLst/>
+          </a:prstGeom>
+          <a:noFill/>
+        </p:spPr>
+        <p:txBody>
+          <a:bodyPr wrap="square" rtlCol="0">
+            <a:spAutoFit/>
+          </a:bodyPr>
+          <a:p>
+            <a:pPr algn="ctr"/>
+            <a:r>
+              <a:rPr lang="en-US" altLang="zh-CN" sz="3600">
+                <a:latin typeface="Candara Light" panose="020E0502030303020204" charset="0"/>
+                <a:cs typeface="Candara Light" panose="020E0502030303020204" charset="0"/>
+              </a:rPr>
+              <a:t>J</a:t>
+            </a:r>
+            <a:endParaRPr lang="en-US" altLang="zh-CN" sz="3600">
+              <a:latin typeface="Candara Light" panose="020E0502030303020204" charset="0"/>
+              <a:cs typeface="Candara Light" panose="020E0502030303020204" charset="0"/>
+            </a:endParaRPr>
+          </a:p>
+        </p:txBody>
+      </p:sp>
+      <p:sp>
+        <p:nvSpPr>
+          <p:cNvPr id="20" name="文本框 19"/>
+          <p:cNvSpPr txBox="1"/>
+          <p:nvPr/>
+        </p:nvSpPr>
+        <p:spPr>
+          <a:xfrm>
+            <a:off x="6436995" y="3106420"/>
+            <a:ext cx="360045" cy="645160"/>
+          </a:xfrm>
+          <a:prstGeom prst="rect">
+            <a:avLst/>
+          </a:prstGeom>
+          <a:noFill/>
+        </p:spPr>
+        <p:txBody>
+          <a:bodyPr wrap="square" rtlCol="0">
+            <a:spAutoFit/>
+          </a:bodyPr>
+          <a:p>
+            <a:pPr algn="ctr"/>
+            <a:r>
+              <a:rPr lang="en-US" altLang="zh-CN" sz="3600">
+                <a:latin typeface="Candara Light" panose="020E0502030303020204" charset="0"/>
+                <a:cs typeface="Candara Light" panose="020E0502030303020204" charset="0"/>
+              </a:rPr>
+              <a:t>K</a:t>
+            </a:r>
+            <a:endParaRPr lang="en-US" altLang="zh-CN" sz="3600">
+              <a:latin typeface="Candara Light" panose="020E0502030303020204" charset="0"/>
+              <a:cs typeface="Candara Light" panose="020E0502030303020204" charset="0"/>
+            </a:endParaRPr>
+          </a:p>
+        </p:txBody>
+      </p:sp>
+      <p:sp>
+        <p:nvSpPr>
+          <p:cNvPr id="21" name="文本框 20"/>
+          <p:cNvSpPr txBox="1"/>
+          <p:nvPr/>
+        </p:nvSpPr>
+        <p:spPr>
+          <a:xfrm>
+            <a:off x="6797040" y="3106420"/>
+            <a:ext cx="360045" cy="645160"/>
+          </a:xfrm>
+          <a:prstGeom prst="rect">
+            <a:avLst/>
+          </a:prstGeom>
+          <a:noFill/>
+        </p:spPr>
+        <p:txBody>
+          <a:bodyPr wrap="square" rtlCol="0">
+            <a:spAutoFit/>
+          </a:bodyPr>
+          <a:p>
+            <a:pPr algn="ctr"/>
+            <a:r>
+              <a:rPr lang="en-US" altLang="zh-CN" sz="3600">
+                <a:latin typeface="Candara Light" panose="020E0502030303020204" charset="0"/>
+                <a:cs typeface="Candara Light" panose="020E0502030303020204" charset="0"/>
+              </a:rPr>
+              <a:t>L</a:t>
+            </a:r>
+            <a:endParaRPr lang="en-US" altLang="zh-CN" sz="3600">
+              <a:latin typeface="Candara Light" panose="020E0502030303020204" charset="0"/>
+              <a:cs typeface="Candara Light" panose="020E0502030303020204" charset="0"/>
+            </a:endParaRPr>
+          </a:p>
+        </p:txBody>
+      </p:sp>
+      <p:sp>
+        <p:nvSpPr>
+          <p:cNvPr id="22" name="文本框 21"/>
+          <p:cNvSpPr txBox="1"/>
+          <p:nvPr/>
+        </p:nvSpPr>
+        <p:spPr>
+          <a:xfrm>
+            <a:off x="7517130" y="3106420"/>
+            <a:ext cx="360045" cy="645160"/>
+          </a:xfrm>
+          <a:prstGeom prst="rect">
+            <a:avLst/>
+          </a:prstGeom>
+          <a:noFill/>
+        </p:spPr>
+        <p:txBody>
+          <a:bodyPr wrap="square" rtlCol="0">
+            <a:spAutoFit/>
+          </a:bodyPr>
+          <a:p>
+            <a:pPr algn="ctr"/>
+            <a:r>
+              <a:rPr lang="en-US" altLang="zh-CN" sz="3600">
+                <a:latin typeface="Candara Light" panose="020E0502030303020204" charset="0"/>
+                <a:cs typeface="Candara Light" panose="020E0502030303020204" charset="0"/>
+              </a:rPr>
+              <a:t>N</a:t>
+            </a:r>
+            <a:endParaRPr lang="en-US" altLang="zh-CN" sz="3600">
+              <a:latin typeface="Candara Light" panose="020E0502030303020204" charset="0"/>
+              <a:cs typeface="Candara Light" panose="020E0502030303020204" charset="0"/>
+            </a:endParaRPr>
+          </a:p>
+        </p:txBody>
+      </p:sp>
+      <p:sp>
+        <p:nvSpPr>
+          <p:cNvPr id="23" name="文本框 22"/>
+          <p:cNvSpPr txBox="1"/>
+          <p:nvPr/>
+        </p:nvSpPr>
+        <p:spPr>
+          <a:xfrm>
+            <a:off x="7157085" y="3106420"/>
+            <a:ext cx="360045" cy="645160"/>
+          </a:xfrm>
+          <a:prstGeom prst="rect">
+            <a:avLst/>
+          </a:prstGeom>
+          <a:noFill/>
+        </p:spPr>
+        <p:txBody>
+          <a:bodyPr wrap="square" rtlCol="0">
+            <a:spAutoFit/>
+          </a:bodyPr>
+          <a:p>
+            <a:pPr algn="ctr"/>
+            <a:r>
+              <a:rPr lang="en-US" altLang="zh-CN" sz="3600">
+                <a:latin typeface="Candara Light" panose="020E0502030303020204" charset="0"/>
+                <a:cs typeface="Candara Light" panose="020E0502030303020204" charset="0"/>
+              </a:rPr>
+              <a:t>M</a:t>
+            </a:r>
+            <a:endParaRPr lang="en-US" altLang="zh-CN" sz="3600">
+              <a:latin typeface="Candara Light" panose="020E0502030303020204" charset="0"/>
+              <a:cs typeface="Candara Light" panose="020E0502030303020204" charset="0"/>
+            </a:endParaRPr>
+          </a:p>
+        </p:txBody>
+      </p:sp>
+      <p:cxnSp>
+        <p:nvCxnSpPr>
+          <p:cNvPr id="25" name="直接连接符 24"/>
+          <p:cNvCxnSpPr>
+            <a:stCxn id="10" idx="2"/>
+            <a:endCxn id="15" idx="2"/>
+          </p:cNvCxnSpPr>
+          <p:nvPr/>
+        </p:nvCxnSpPr>
+        <p:spPr>
+          <a:xfrm>
+            <a:off x="3022600" y="3751580"/>
+            <a:ext cx="2160270" cy="0"/>
+          </a:xfrm>
+          <a:prstGeom prst="line">
+            <a:avLst/>
+          </a:prstGeom>
+        </p:spPr>
+        <p:style>
+          <a:lnRef idx="1">
+            <a:schemeClr val="accent1"/>
+          </a:lnRef>
+          <a:fillRef idx="0">
+            <a:schemeClr val="accent1"/>
+          </a:fillRef>
+          <a:effectRef idx="0">
+            <a:schemeClr val="accent1"/>
+          </a:effectRef>
+          <a:fontRef idx="minor">
+            <a:schemeClr val="tx1"/>
+          </a:fontRef>
+        </p:style>
+      </p:cxnSp>
+      <p:cxnSp>
+        <p:nvCxnSpPr>
+          <p:cNvPr id="26" name="直接连接符 25"/>
+          <p:cNvCxnSpPr>
+            <a:stCxn id="10" idx="2"/>
+            <a:endCxn id="16" idx="2"/>
+          </p:cNvCxnSpPr>
+          <p:nvPr/>
+        </p:nvCxnSpPr>
+        <p:spPr>
+          <a:xfrm>
+            <a:off x="3022600" y="3751580"/>
+            <a:ext cx="1800225" cy="0"/>
+          </a:xfrm>
+          <a:prstGeom prst="line">
+            <a:avLst/>
+          </a:prstGeom>
+        </p:spPr>
+        <p:style>
+          <a:lnRef idx="1">
+            <a:schemeClr val="accent1"/>
+          </a:lnRef>
+          <a:fillRef idx="0">
+            <a:schemeClr val="accent1"/>
+          </a:fillRef>
+          <a:effectRef idx="0">
+            <a:schemeClr val="accent1"/>
+          </a:effectRef>
+          <a:fontRef idx="minor">
+            <a:schemeClr val="tx1"/>
+          </a:fontRef>
+        </p:style>
+      </p:cxnSp>
+      <p:cxnSp>
+        <p:nvCxnSpPr>
+          <p:cNvPr id="27" name="直接连接符 26"/>
+          <p:cNvCxnSpPr/>
+          <p:nvPr/>
+        </p:nvCxnSpPr>
+        <p:spPr>
+          <a:xfrm>
+            <a:off x="4822825" y="3872230"/>
+            <a:ext cx="2154555" cy="0"/>
+          </a:xfrm>
+          <a:prstGeom prst="line">
+            <a:avLst/>
+          </a:prstGeom>
+          <a:ln>
+            <a:solidFill>
+              <a:schemeClr val="accent2"/>
+            </a:solidFill>
+          </a:ln>
+        </p:spPr>
+        <p:style>
+          <a:lnRef idx="1">
+            <a:schemeClr val="accent1"/>
+          </a:lnRef>
+          <a:fillRef idx="0">
+            <a:schemeClr val="accent1"/>
+          </a:fillRef>
+          <a:effectRef idx="0">
+            <a:schemeClr val="accent1"/>
+          </a:effectRef>
+          <a:fontRef idx="minor">
+            <a:schemeClr val="tx1"/>
+          </a:fontRef>
+        </p:style>
+      </p:cxnSp>
+      <p:cxnSp>
+        <p:nvCxnSpPr>
+          <p:cNvPr id="28" name="直接连接符 27"/>
+          <p:cNvCxnSpPr/>
+          <p:nvPr/>
+        </p:nvCxnSpPr>
+        <p:spPr>
+          <a:xfrm>
+            <a:off x="4822825" y="3872230"/>
+            <a:ext cx="1794510" cy="0"/>
+          </a:xfrm>
+          <a:prstGeom prst="line">
+            <a:avLst/>
+          </a:prstGeom>
+          <a:ln>
+            <a:solidFill>
+              <a:schemeClr val="accent2"/>
+            </a:solidFill>
+          </a:ln>
+        </p:spPr>
+        <p:style>
+          <a:lnRef idx="1">
+            <a:schemeClr val="accent1"/>
+          </a:lnRef>
+          <a:fillRef idx="0">
+            <a:schemeClr val="accent1"/>
+          </a:fillRef>
+          <a:effectRef idx="0">
+            <a:schemeClr val="accent1"/>
+          </a:effectRef>
+          <a:fontRef idx="minor">
+            <a:schemeClr val="tx1"/>
+          </a:fontRef>
+        </p:style>
+      </p:cxnSp>
     </p:spTree>
   </p:cSld>
   <p:clrMapOvr>
@@ -9598,7 +11845,208 @@
   <p:timing>
     <p:tnLst>
       <p:par>
-        <p:cTn id="1" dur="indefinite" restart="never" nodeType="tmRoot"/>
+        <p:cTn id="1" dur="indefinite" restart="never" nodeType="tmRoot">
+          <p:childTnLst>
+            <p:seq concurrent="1" nextAc="seek">
+              <p:cTn id="2" dur="indefinite" nodeType="mainSeq">
+                <p:childTnLst>
+                  <p:par>
+                    <p:cTn id="3" fill="hold">
+                      <p:stCondLst>
+                        <p:cond delay="indefinite"/>
+                      </p:stCondLst>
+                      <p:childTnLst>
+                        <p:par>
+                          <p:cTn id="4" fill="hold">
+                            <p:stCondLst>
+                              <p:cond delay="0"/>
+                            </p:stCondLst>
+                            <p:childTnLst>
+                              <p:par>
+                                <p:cTn id="5" presetID="22" presetClass="exit" presetSubtype="4" fill="hold" nodeType="clickEffect">
+                                  <p:stCondLst>
+                                    <p:cond delay="0"/>
+                                  </p:stCondLst>
+                                  <p:childTnLst>
+                                    <p:animEffect transition="out" filter="wipe(down)">
+                                      <p:cBhvr>
+                                        <p:cTn id="6" dur="500"/>
+                                        <p:tgtEl>
+                                          <p:spTgt spid="25"/>
+                                        </p:tgtEl>
+                                      </p:cBhvr>
+                                    </p:animEffect>
+                                    <p:set>
+                                      <p:cBhvr>
+                                        <p:cTn id="7" dur="1" fill="hold">
+                                          <p:stCondLst>
+                                            <p:cond delay="499"/>
+                                          </p:stCondLst>
+                                        </p:cTn>
+                                        <p:tgtEl>
+                                          <p:spTgt spid="25"/>
+                                        </p:tgtEl>
+                                        <p:attrNameLst>
+                                          <p:attrName>style.visibility</p:attrName>
+                                        </p:attrNameLst>
+                                      </p:cBhvr>
+                                      <p:to>
+                                        <p:strVal val="hidden"/>
+                                      </p:to>
+                                    </p:set>
+                                  </p:childTnLst>
+                                </p:cTn>
+                              </p:par>
+                            </p:childTnLst>
+                          </p:cTn>
+                        </p:par>
+                      </p:childTnLst>
+                    </p:cTn>
+                  </p:par>
+                  <p:par>
+                    <p:cTn id="8" fill="hold">
+                      <p:stCondLst>
+                        <p:cond delay="indefinite"/>
+                      </p:stCondLst>
+                      <p:childTnLst>
+                        <p:par>
+                          <p:cTn id="9" fill="hold">
+                            <p:stCondLst>
+                              <p:cond delay="0"/>
+                            </p:stCondLst>
+                            <p:childTnLst>
+                              <p:par>
+                                <p:cTn id="10" presetID="1" presetClass="entr" presetSubtype="0" fill="hold" nodeType="clickEffect">
+                                  <p:stCondLst>
+                                    <p:cond delay="0"/>
+                                  </p:stCondLst>
+                                  <p:childTnLst>
+                                    <p:set>
+                                      <p:cBhvr>
+                                        <p:cTn id="11" dur="1" fill="hold">
+                                          <p:stCondLst>
+                                            <p:cond delay="0"/>
+                                          </p:stCondLst>
+                                        </p:cTn>
+                                        <p:tgtEl>
+                                          <p:spTgt spid="27"/>
+                                        </p:tgtEl>
+                                        <p:attrNameLst>
+                                          <p:attrName>style.visibility</p:attrName>
+                                        </p:attrNameLst>
+                                      </p:cBhvr>
+                                      <p:to>
+                                        <p:strVal val="visible"/>
+                                      </p:to>
+                                    </p:set>
+                                  </p:childTnLst>
+                                </p:cTn>
+                              </p:par>
+                            </p:childTnLst>
+                          </p:cTn>
+                        </p:par>
+                      </p:childTnLst>
+                    </p:cTn>
+                  </p:par>
+                  <p:par>
+                    <p:cTn id="12" fill="hold">
+                      <p:stCondLst>
+                        <p:cond delay="indefinite"/>
+                      </p:stCondLst>
+                      <p:childTnLst>
+                        <p:par>
+                          <p:cTn id="13" fill="hold">
+                            <p:stCondLst>
+                              <p:cond delay="0"/>
+                            </p:stCondLst>
+                            <p:childTnLst>
+                              <p:par>
+                                <p:cTn id="14" presetID="22" presetClass="exit" presetSubtype="4" fill="hold" nodeType="clickEffect">
+                                  <p:stCondLst>
+                                    <p:cond delay="0"/>
+                                  </p:stCondLst>
+                                  <p:childTnLst>
+                                    <p:animEffect transition="out" filter="wipe(down)">
+                                      <p:cBhvr>
+                                        <p:cTn id="15" dur="500"/>
+                                        <p:tgtEl>
+                                          <p:spTgt spid="27"/>
+                                        </p:tgtEl>
+                                      </p:cBhvr>
+                                    </p:animEffect>
+                                    <p:set>
+                                      <p:cBhvr>
+                                        <p:cTn id="16" dur="1" fill="hold">
+                                          <p:stCondLst>
+                                            <p:cond delay="499"/>
+                                          </p:stCondLst>
+                                        </p:cTn>
+                                        <p:tgtEl>
+                                          <p:spTgt spid="27"/>
+                                        </p:tgtEl>
+                                        <p:attrNameLst>
+                                          <p:attrName>style.visibility</p:attrName>
+                                        </p:attrNameLst>
+                                      </p:cBhvr>
+                                      <p:to>
+                                        <p:strVal val="hidden"/>
+                                      </p:to>
+                                    </p:set>
+                                  </p:childTnLst>
+                                </p:cTn>
+                              </p:par>
+                              <p:par>
+                                <p:cTn id="17" presetID="1" presetClass="entr" presetSubtype="0" fill="hold" nodeType="withEffect">
+                                  <p:stCondLst>
+                                    <p:cond delay="0"/>
+                                  </p:stCondLst>
+                                  <p:childTnLst>
+                                    <p:set>
+                                      <p:cBhvr>
+                                        <p:cTn id="18" dur="1" fill="hold">
+                                          <p:stCondLst>
+                                            <p:cond delay="0"/>
+                                          </p:stCondLst>
+                                        </p:cTn>
+                                        <p:tgtEl>
+                                          <p:spTgt spid="28"/>
+                                        </p:tgtEl>
+                                        <p:attrNameLst>
+                                          <p:attrName>style.visibility</p:attrName>
+                                        </p:attrNameLst>
+                                      </p:cBhvr>
+                                      <p:to>
+                                        <p:strVal val="visible"/>
+                                      </p:to>
+                                    </p:set>
+                                  </p:childTnLst>
+                                </p:cTn>
+                              </p:par>
+                            </p:childTnLst>
+                          </p:cTn>
+                        </p:par>
+                      </p:childTnLst>
+                    </p:cTn>
+                  </p:par>
+                </p:childTnLst>
+              </p:cTn>
+              <p:prevCondLst>
+                <p:cond evt="onPrev" delay="0">
+                  <p:tgtEl>
+                    <p:sldTgt/>
+                  </p:tgtEl>
+                </p:cond>
+              </p:prevCondLst>
+              <p:nextCondLst>
+                <p:cond evt="onNext" delay="0">
+                  <p:tgtEl>
+                    <p:sldTgt/>
+                  </p:tgtEl>
+                </p:cond>
+              </p:nextCondLst>
+            </p:seq>
+          </p:childTnLst>
+        </p:cTn>
       </p:par>
     </p:tnLst>
   </p:timing>
@@ -9624,14 +12072,172 @@
       </p:grpSpPr>
       <p:sp>
         <p:nvSpPr>
-          <p:cNvPr id="99" name="CustomShape 1"/>
+          <p:cNvPr id="95" name="TextShape 1"/>
+          <p:cNvSpPr txBox="1"/>
+          <p:nvPr/>
+        </p:nvSpPr>
+        <p:spPr>
+          <a:xfrm>
+            <a:off x="1901825" y="2615565"/>
+            <a:ext cx="8388350" cy="1627505"/>
+          </a:xfrm>
+          <a:prstGeom prst="rect">
+            <a:avLst/>
+          </a:prstGeom>
+          <a:noFill/>
+          <a:ln>
+            <a:noFill/>
+          </a:ln>
+        </p:spPr>
+        <p:txBody>
+          <a:bodyPr wrap="square" lIns="90000" tIns="45000" rIns="90000" bIns="45000">
+            <a:spAutoFit/>
+          </a:bodyPr>
+          <a:p>
+            <a:r>
+              <a:rPr lang="en-US" sz="2000" b="0" strike="noStrike" spc="-1">
+                <a:solidFill>
+                  <a:srgbClr val="000000"/>
+                </a:solidFill>
+                <a:latin typeface="微软雅黑 Light" panose="020B0502040204020203" charset="-122"/>
+                <a:ea typeface="微软雅黑 Light" panose="020B0502040204020203" charset="-122"/>
+              </a:rPr>
+              <a:t>通过统计词频</a:t>
+            </a:r>
+            <a:r>
+              <a:rPr lang="zh-CN" altLang="en-US" sz="2000" b="0" strike="noStrike" spc="-1">
+                <a:solidFill>
+                  <a:srgbClr val="000000"/>
+                </a:solidFill>
+                <a:latin typeface="微软雅黑 Light" panose="020B0502040204020203" charset="-122"/>
+                <a:ea typeface="微软雅黑 Light" panose="020B0502040204020203" charset="-122"/>
+              </a:rPr>
+              <a:t>，</a:t>
+            </a:r>
+            <a:r>
+              <a:rPr lang="en-US" sz="2000" b="0" strike="noStrike" spc="-1">
+                <a:solidFill>
+                  <a:srgbClr val="000000"/>
+                </a:solidFill>
+                <a:latin typeface="微软雅黑 Light" panose="020B0502040204020203" charset="-122"/>
+                <a:ea typeface="微软雅黑 Light" panose="020B0502040204020203" charset="-122"/>
+              </a:rPr>
+              <a:t>我们可以根据词语出现的频率计算得到每个词语的信息量</a:t>
+            </a:r>
+            <a:endParaRPr lang="en-US" sz="2000" b="0" strike="noStrike" spc="-1">
+              <a:latin typeface="Arial" panose="020B0604020202020204"/>
+            </a:endParaRPr>
+          </a:p>
+          <a:p>
+            <a:endParaRPr lang="en-US" sz="2000" b="0" strike="noStrike" spc="-1">
+              <a:latin typeface="Arial" panose="020B0604020202020204"/>
+            </a:endParaRPr>
+          </a:p>
+          <a:p>
+            <a:r>
+              <a:rPr lang="en-US" sz="2000" b="0" strike="noStrike" spc="-1">
+                <a:solidFill>
+                  <a:srgbClr val="000000"/>
+                </a:solidFill>
+                <a:latin typeface="微软雅黑 Light" panose="020B0502040204020203" charset="-122"/>
+                <a:ea typeface="微软雅黑 Light" panose="020B0502040204020203" charset="-122"/>
+              </a:rPr>
+              <a:t>信息量</a:t>
+            </a:r>
+            <a:r>
+              <a:rPr lang="en-US" sz="2000" b="1" strike="noStrike" spc="-1">
+                <a:solidFill>
+                  <a:srgbClr val="000000"/>
+                </a:solidFill>
+                <a:latin typeface="微软雅黑 Light" panose="020B0502040204020203" charset="-122"/>
+                <a:ea typeface="微软雅黑 Light" panose="020B0502040204020203" charset="-122"/>
+              </a:rPr>
+              <a:t>越低</a:t>
+            </a:r>
+            <a:r>
+              <a:rPr lang="zh-CN" altLang="en-US" sz="2000" strike="noStrike" spc="-1">
+                <a:solidFill>
+                  <a:srgbClr val="000000"/>
+                </a:solidFill>
+                <a:latin typeface="微软雅黑 Light" panose="020B0502040204020203" charset="-122"/>
+                <a:ea typeface="微软雅黑 Light" panose="020B0502040204020203" charset="-122"/>
+              </a:rPr>
+              <a:t>，</a:t>
+            </a:r>
+            <a:r>
+              <a:rPr lang="en-US" sz="2000" b="0" strike="noStrike" spc="-1">
+                <a:solidFill>
+                  <a:srgbClr val="000000"/>
+                </a:solidFill>
+                <a:latin typeface="微软雅黑 Light" panose="020B0502040204020203" charset="-122"/>
+                <a:ea typeface="微软雅黑 Light" panose="020B0502040204020203" charset="-122"/>
+              </a:rPr>
+              <a:t>则表示该词语</a:t>
+            </a:r>
+            <a:r>
+              <a:rPr lang="en-US" sz="2000" b="1" strike="noStrike" spc="-1">
+                <a:solidFill>
+                  <a:srgbClr val="000000"/>
+                </a:solidFill>
+                <a:latin typeface="微软雅黑 Light" panose="020B0502040204020203" charset="-122"/>
+                <a:ea typeface="微软雅黑 Light" panose="020B0502040204020203" charset="-122"/>
+              </a:rPr>
+              <a:t>越接近</a:t>
+            </a:r>
+            <a:r>
+              <a:rPr lang="en-US" sz="2000" b="0" strike="noStrike" spc="-1">
+                <a:solidFill>
+                  <a:srgbClr val="000000"/>
+                </a:solidFill>
+                <a:latin typeface="微软雅黑 Light" panose="020B0502040204020203" charset="-122"/>
+                <a:ea typeface="微软雅黑 Light" panose="020B0502040204020203" charset="-122"/>
+              </a:rPr>
+              <a:t>通常语义</a:t>
+            </a:r>
+            <a:endParaRPr lang="zh-CN" altLang="en-US" sz="2000" b="0" strike="noStrike" spc="-1">
+              <a:solidFill>
+                <a:srgbClr val="000000"/>
+              </a:solidFill>
+              <a:latin typeface="微软雅黑 Light" panose="020B0502040204020203" charset="-122"/>
+              <a:ea typeface="微软雅黑 Light" panose="020B0502040204020203" charset="-122"/>
+            </a:endParaRPr>
+          </a:p>
+          <a:p>
+            <a:endParaRPr lang="zh-CN" altLang="en-US" sz="2000" b="0" strike="noStrike" spc="-1">
+              <a:solidFill>
+                <a:srgbClr val="000000"/>
+              </a:solidFill>
+              <a:latin typeface="微软雅黑 Light" panose="020B0502040204020203" charset="-122"/>
+              <a:ea typeface="微软雅黑 Light" panose="020B0502040204020203" charset="-122"/>
+            </a:endParaRPr>
+          </a:p>
+          <a:p>
+            <a:r>
+              <a:rPr lang="en-US" sz="2000" b="0" strike="noStrike" spc="-1">
+                <a:solidFill>
+                  <a:srgbClr val="000000"/>
+                </a:solidFill>
+                <a:latin typeface="微软雅黑 Light" panose="020B0502040204020203" charset="-122"/>
+                <a:ea typeface="微软雅黑 Light" panose="020B0502040204020203" charset="-122"/>
+              </a:rPr>
+              <a:t>通过选出总信息量最低的词语组合来完成分词</a:t>
+            </a:r>
+            <a:endParaRPr lang="en-US" sz="2000" b="0" strike="noStrike" spc="-1">
+              <a:latin typeface="Arial" panose="020B0604020202020204"/>
+            </a:endParaRPr>
+          </a:p>
+        </p:txBody>
+      </p:sp>
+      <p:sp>
+        <p:nvSpPr>
+          <p:cNvPr id="96" name="CustomShape 2"/>
           <p:cNvSpPr/>
           <p:nvPr/>
         </p:nvSpPr>
         <p:spPr>
           <a:xfrm>
-            <a:off x="984885" y="986790"/>
-            <a:ext cx="2094230" cy="642620"/>
+            <a:off x="976320" y="1007110"/>
+            <a:ext cx="1309680" cy="642620"/>
           </a:xfrm>
           <a:prstGeom prst="rect">
             <a:avLst/>
@@ -9654,7 +12260,7 @@
           <a:fontRef idx="minor"/>
         </p:style>
         <p:txBody>
-          <a:bodyPr wrap="square" lIns="90000" tIns="45000" rIns="90000" bIns="45000">
+          <a:bodyPr lIns="90000" tIns="45000" rIns="90000" bIns="45000">
             <a:spAutoFit/>
           </a:bodyPr>
           <a:p>
@@ -9671,1134 +12277,12 @@
                 <a:latin typeface="微软雅黑 Light" panose="020B0502040204020203" charset="-122"/>
                 <a:ea typeface="微软雅黑 Light" panose="020B0502040204020203" charset="-122"/>
               </a:rPr>
-              <a:t>流程图</a:t>
-            </a:r>
-            <a:endParaRPr lang="en-US" sz="2800" b="0" strike="noStrike" spc="-1">
-              <a:latin typeface="Arial" panose="020B0604020202020204"/>
-            </a:endParaRPr>
-          </a:p>
-        </p:txBody>
-      </p:sp>
-      <p:sp>
-        <p:nvSpPr>
-          <p:cNvPr id="2" name="流程图: 过程 1"/>
-          <p:cNvSpPr/>
-          <p:nvPr/>
-        </p:nvSpPr>
-        <p:spPr>
-          <a:xfrm>
-            <a:off x="5647690" y="203200"/>
-            <a:ext cx="1440180" cy="575945"/>
-          </a:xfrm>
-          <a:prstGeom prst="flowChartProcess">
-            <a:avLst/>
-          </a:prstGeom>
-        </p:spPr>
-        <p:style>
-          <a:lnRef idx="2">
-            <a:schemeClr val="dk1"/>
-          </a:lnRef>
-          <a:fillRef idx="1">
-            <a:schemeClr val="lt1"/>
-          </a:fillRef>
-          <a:effectRef idx="0">
-            <a:schemeClr val="dk1"/>
-          </a:effectRef>
-          <a:fontRef idx="minor">
-            <a:schemeClr val="dk1"/>
-          </a:fontRef>
-        </p:style>
-        <p:txBody>
-          <a:bodyPr rtlCol="0" anchor="ctr"/>
-          <a:p>
-            <a:pPr algn="ctr"/>
-            <a:r>
-              <a:rPr lang="zh-CN" altLang="en-US">
-                <a:latin typeface="微软雅黑 Light" panose="020B0502040204020203" charset="-122"/>
-                <a:ea typeface="微软雅黑 Light" panose="020B0502040204020203" charset="-122"/>
-              </a:rPr>
-              <a:t>字符序列</a:t>
-            </a:r>
-            <a:endParaRPr lang="zh-CN" altLang="en-US">
-              <a:latin typeface="微软雅黑 Light" panose="020B0502040204020203" charset="-122"/>
-              <a:ea typeface="微软雅黑 Light" panose="020B0502040204020203" charset="-122"/>
-            </a:endParaRPr>
-          </a:p>
-        </p:txBody>
-      </p:sp>
-      <p:sp>
-        <p:nvSpPr>
-          <p:cNvPr id="3" name="流程图: 过程 2"/>
-          <p:cNvSpPr/>
-          <p:nvPr/>
-        </p:nvSpPr>
-        <p:spPr>
-          <a:xfrm>
-            <a:off x="5156835" y="2109470"/>
-            <a:ext cx="2421890" cy="575945"/>
-          </a:xfrm>
-          <a:prstGeom prst="flowChartProcess">
-            <a:avLst/>
-          </a:prstGeom>
-        </p:spPr>
-        <p:style>
-          <a:lnRef idx="2">
-            <a:schemeClr val="dk1"/>
-          </a:lnRef>
-          <a:fillRef idx="1">
-            <a:schemeClr val="lt1"/>
-          </a:fillRef>
-          <a:effectRef idx="0">
-            <a:schemeClr val="dk1"/>
-          </a:effectRef>
-          <a:fontRef idx="minor">
-            <a:schemeClr val="dk1"/>
-          </a:fontRef>
-        </p:style>
-        <p:txBody>
-          <a:bodyPr rtlCol="0" anchor="ctr"/>
-          <a:p>
-            <a:pPr algn="ctr"/>
-            <a:r>
-              <a:rPr lang="zh-CN" altLang="en-US">
-                <a:latin typeface="微软雅黑 Light" panose="020B0502040204020203" charset="-122"/>
-                <a:ea typeface="微软雅黑 Light" panose="020B0502040204020203" charset="-122"/>
-              </a:rPr>
-              <a:t>枚举出所有可能的词语，记录位置和长度</a:t>
-            </a:r>
-            <a:endParaRPr lang="zh-CN" altLang="en-US">
-              <a:latin typeface="微软雅黑 Light" panose="020B0502040204020203" charset="-122"/>
-              <a:ea typeface="微软雅黑 Light" panose="020B0502040204020203" charset="-122"/>
-            </a:endParaRPr>
-          </a:p>
-        </p:txBody>
-      </p:sp>
-      <p:sp>
-        <p:nvSpPr>
-          <p:cNvPr id="4" name="流程图: 过程 3"/>
-          <p:cNvSpPr/>
-          <p:nvPr/>
-        </p:nvSpPr>
-        <p:spPr>
-          <a:xfrm>
-            <a:off x="5647690" y="2918460"/>
-            <a:ext cx="1440180" cy="648335"/>
-          </a:xfrm>
-          <a:prstGeom prst="flowChartProcess">
-            <a:avLst/>
-          </a:prstGeom>
-        </p:spPr>
-        <p:style>
-          <a:lnRef idx="2">
-            <a:schemeClr val="dk1"/>
-          </a:lnRef>
-          <a:fillRef idx="1">
-            <a:schemeClr val="lt1"/>
-          </a:fillRef>
-          <a:effectRef idx="0">
-            <a:schemeClr val="dk1"/>
-          </a:effectRef>
-          <a:fontRef idx="minor">
-            <a:schemeClr val="dk1"/>
-          </a:fontRef>
-        </p:style>
-        <p:txBody>
-          <a:bodyPr rtlCol="0" anchor="ctr"/>
-          <a:p>
-            <a:pPr algn="ctr"/>
-            <a:r>
-              <a:rPr lang="zh-CN" altLang="en-US">
-                <a:latin typeface="微软雅黑 Light" panose="020B0502040204020203" charset="-122"/>
-                <a:ea typeface="微软雅黑 Light" panose="020B0502040204020203" charset="-122"/>
-              </a:rPr>
-              <a:t>获取集合的下一个组合</a:t>
-            </a:r>
-            <a:endParaRPr lang="zh-CN" altLang="en-US">
-              <a:latin typeface="微软雅黑 Light" panose="020B0502040204020203" charset="-122"/>
-              <a:ea typeface="微软雅黑 Light" panose="020B0502040204020203" charset="-122"/>
-            </a:endParaRPr>
-          </a:p>
-        </p:txBody>
-      </p:sp>
-      <p:sp>
-        <p:nvSpPr>
-          <p:cNvPr id="5" name="流程图: 决策 4"/>
-          <p:cNvSpPr/>
-          <p:nvPr/>
-        </p:nvSpPr>
-        <p:spPr>
-          <a:xfrm>
-            <a:off x="5301615" y="3859530"/>
-            <a:ext cx="2132330" cy="943610"/>
-          </a:xfrm>
-          <a:prstGeom prst="flowChartDecision">
-            <a:avLst/>
-          </a:prstGeom>
-        </p:spPr>
-        <p:style>
-          <a:lnRef idx="2">
-            <a:schemeClr val="dk1"/>
-          </a:lnRef>
-          <a:fillRef idx="1">
-            <a:schemeClr val="lt1"/>
-          </a:fillRef>
-          <a:effectRef idx="0">
-            <a:schemeClr val="dk1"/>
-          </a:effectRef>
-          <a:fontRef idx="minor">
-            <a:schemeClr val="dk1"/>
-          </a:fontRef>
-        </p:style>
-        <p:txBody>
-          <a:bodyPr rtlCol="0" anchor="ctr"/>
-          <a:p>
-            <a:pPr algn="ctr"/>
-            <a:r>
-              <a:rPr lang="zh-CN" altLang="en-US">
-                <a:latin typeface="微软雅黑 Light" panose="020B0502040204020203" charset="-122"/>
-                <a:ea typeface="微软雅黑 Light" panose="020B0502040204020203" charset="-122"/>
-              </a:rPr>
-              <a:t>无可用组合？</a:t>
-            </a:r>
-            <a:endParaRPr lang="zh-CN" altLang="en-US">
-              <a:latin typeface="微软雅黑 Light" panose="020B0502040204020203" charset="-122"/>
-              <a:ea typeface="微软雅黑 Light" panose="020B0502040204020203" charset="-122"/>
-            </a:endParaRPr>
-          </a:p>
-        </p:txBody>
-      </p:sp>
-      <p:sp>
-        <p:nvSpPr>
-          <p:cNvPr id="6" name="流程图: 过程 5"/>
-          <p:cNvSpPr/>
-          <p:nvPr/>
-        </p:nvSpPr>
-        <p:spPr>
-          <a:xfrm>
-            <a:off x="8914765" y="1343660"/>
-            <a:ext cx="2167890" cy="854710"/>
-          </a:xfrm>
-          <a:prstGeom prst="flowChartProcess">
-            <a:avLst/>
-          </a:prstGeom>
-        </p:spPr>
-        <p:style>
-          <a:lnRef idx="2">
-            <a:schemeClr val="dk1"/>
-          </a:lnRef>
-          <a:fillRef idx="1">
-            <a:schemeClr val="lt1"/>
-          </a:fillRef>
-          <a:effectRef idx="0">
-            <a:schemeClr val="dk1"/>
-          </a:effectRef>
-          <a:fontRef idx="minor">
-            <a:schemeClr val="dk1"/>
-          </a:fontRef>
-        </p:style>
-        <p:txBody>
-          <a:bodyPr rtlCol="0" anchor="ctr"/>
-          <a:p>
-            <a:pPr algn="ctr"/>
-            <a:r>
-              <a:rPr lang="zh-CN" altLang="en-US">
-                <a:latin typeface="微软雅黑 Light" panose="020B0502040204020203" charset="-122"/>
-                <a:ea typeface="微软雅黑 Light" panose="020B0502040204020203" charset="-122"/>
-              </a:rPr>
-              <a:t>填充单字，计算该组合信息量</a:t>
-            </a:r>
-            <a:endParaRPr lang="zh-CN" altLang="en-US">
-              <a:latin typeface="微软雅黑 Light" panose="020B0502040204020203" charset="-122"/>
-              <a:ea typeface="微软雅黑 Light" panose="020B0502040204020203" charset="-122"/>
-            </a:endParaRPr>
-          </a:p>
-        </p:txBody>
-      </p:sp>
-      <p:sp>
-        <p:nvSpPr>
-          <p:cNvPr id="7" name="流程图: 过程 6"/>
-          <p:cNvSpPr/>
-          <p:nvPr/>
-        </p:nvSpPr>
-        <p:spPr>
-          <a:xfrm>
-            <a:off x="4818380" y="1053465"/>
-            <a:ext cx="3098800" cy="739140"/>
-          </a:xfrm>
-          <a:prstGeom prst="flowChartProcess">
-            <a:avLst/>
-          </a:prstGeom>
-        </p:spPr>
-        <p:style>
-          <a:lnRef idx="2">
-            <a:schemeClr val="dk1"/>
-          </a:lnRef>
-          <a:fillRef idx="1">
-            <a:schemeClr val="lt1"/>
-          </a:fillRef>
-          <a:effectRef idx="0">
-            <a:schemeClr val="dk1"/>
-          </a:effectRef>
-          <a:fontRef idx="minor">
-            <a:schemeClr val="dk1"/>
-          </a:fontRef>
-        </p:style>
-        <p:txBody>
-          <a:bodyPr rtlCol="0" anchor="ctr"/>
-          <a:p>
-            <a:pPr algn="ctr"/>
-            <a:r>
-              <a:rPr lang="zh-CN" altLang="en-US">
-                <a:latin typeface="微软雅黑 Light" panose="020B0502040204020203" charset="-122"/>
-                <a:ea typeface="微软雅黑 Light" panose="020B0502040204020203" charset="-122"/>
-                <a:cs typeface="微软雅黑 Light" panose="020B0502040204020203" charset="-122"/>
-              </a:rPr>
-              <a:t>初始化当前最小信息量为</a:t>
-            </a:r>
-            <a:r>
-              <a:rPr lang="en-US" altLang="zh-CN">
-                <a:latin typeface="微软雅黑 Light" panose="020B0502040204020203" charset="-122"/>
-                <a:ea typeface="微软雅黑 Light" panose="020B0502040204020203" charset="-122"/>
-                <a:cs typeface="微软雅黑 Light" panose="020B0502040204020203" charset="-122"/>
-              </a:rPr>
-              <a:t>DBL_MAX</a:t>
-            </a:r>
-            <a:r>
-              <a:rPr lang="zh-CN" altLang="en-US">
-                <a:latin typeface="微软雅黑 Light" panose="020B0502040204020203" charset="-122"/>
-                <a:ea typeface="微软雅黑 Light" panose="020B0502040204020203" charset="-122"/>
-                <a:cs typeface="微软雅黑 Light" panose="020B0502040204020203" charset="-122"/>
-              </a:rPr>
-              <a:t>，初始化最佳组合</a:t>
-            </a:r>
-            <a:endParaRPr lang="zh-CN" altLang="en-US">
-              <a:latin typeface="微软雅黑 Light" panose="020B0502040204020203" charset="-122"/>
-              <a:ea typeface="微软雅黑 Light" panose="020B0502040204020203" charset="-122"/>
-              <a:cs typeface="微软雅黑 Light" panose="020B0502040204020203" charset="-122"/>
-            </a:endParaRPr>
-          </a:p>
-        </p:txBody>
-      </p:sp>
-      <p:sp>
-        <p:nvSpPr>
-          <p:cNvPr id="8" name="流程图: 决策 7"/>
-          <p:cNvSpPr/>
-          <p:nvPr/>
-        </p:nvSpPr>
-        <p:spPr>
-          <a:xfrm>
-            <a:off x="8442960" y="2545080"/>
-            <a:ext cx="3098165" cy="1395095"/>
-          </a:xfrm>
-          <a:prstGeom prst="flowChartDecision">
-            <a:avLst/>
-          </a:prstGeom>
-        </p:spPr>
-        <p:style>
-          <a:lnRef idx="2">
-            <a:schemeClr val="dk1"/>
-          </a:lnRef>
-          <a:fillRef idx="1">
-            <a:schemeClr val="lt1"/>
-          </a:fillRef>
-          <a:effectRef idx="0">
-            <a:schemeClr val="dk1"/>
-          </a:effectRef>
-          <a:fontRef idx="minor">
-            <a:schemeClr val="dk1"/>
-          </a:fontRef>
-        </p:style>
-        <p:txBody>
-          <a:bodyPr rtlCol="0" anchor="ctr"/>
-          <a:p>
-            <a:pPr algn="ctr"/>
-            <a:r>
-              <a:rPr lang="zh-CN" altLang="en-US">
-                <a:latin typeface="微软雅黑 Light" panose="020B0502040204020203" charset="-122"/>
-                <a:ea typeface="微软雅黑 Light" panose="020B0502040204020203" charset="-122"/>
-              </a:rPr>
-              <a:t>比当前最小信息量小？</a:t>
-            </a:r>
-            <a:endParaRPr lang="zh-CN" altLang="en-US">
-              <a:latin typeface="微软雅黑 Light" panose="020B0502040204020203" charset="-122"/>
-              <a:ea typeface="微软雅黑 Light" panose="020B0502040204020203" charset="-122"/>
-            </a:endParaRPr>
-          </a:p>
-        </p:txBody>
-      </p:sp>
-      <p:sp>
-        <p:nvSpPr>
-          <p:cNvPr id="9" name="流程图: 过程 8"/>
-          <p:cNvSpPr/>
-          <p:nvPr/>
-        </p:nvSpPr>
-        <p:spPr>
-          <a:xfrm>
-            <a:off x="9084310" y="4803140"/>
-            <a:ext cx="1815465" cy="725805"/>
-          </a:xfrm>
-          <a:prstGeom prst="flowChartProcess">
-            <a:avLst/>
-          </a:prstGeom>
-        </p:spPr>
-        <p:style>
-          <a:lnRef idx="2">
-            <a:schemeClr val="dk1"/>
-          </a:lnRef>
-          <a:fillRef idx="1">
-            <a:schemeClr val="lt1"/>
-          </a:fillRef>
-          <a:effectRef idx="0">
-            <a:schemeClr val="dk1"/>
-          </a:effectRef>
-          <a:fontRef idx="minor">
-            <a:schemeClr val="dk1"/>
-          </a:fontRef>
-        </p:style>
-        <p:txBody>
-          <a:bodyPr rtlCol="0" anchor="ctr"/>
-          <a:p>
-            <a:pPr algn="ctr"/>
-            <a:r>
-              <a:rPr lang="zh-CN" altLang="en-US">
-                <a:latin typeface="微软雅黑 Light" panose="020B0502040204020203" charset="-122"/>
-                <a:ea typeface="微软雅黑 Light" panose="020B0502040204020203" charset="-122"/>
-              </a:rPr>
-              <a:t>更新当前最小信息量和最佳组合</a:t>
-            </a:r>
-            <a:endParaRPr lang="zh-CN" altLang="en-US">
-              <a:latin typeface="微软雅黑 Light" panose="020B0502040204020203" charset="-122"/>
-              <a:ea typeface="微软雅黑 Light" panose="020B0502040204020203" charset="-122"/>
-            </a:endParaRPr>
-          </a:p>
-        </p:txBody>
-      </p:sp>
-      <p:sp>
-        <p:nvSpPr>
-          <p:cNvPr id="10" name="流程图: 终止 9"/>
-          <p:cNvSpPr/>
-          <p:nvPr/>
-        </p:nvSpPr>
-        <p:spPr>
-          <a:xfrm>
-            <a:off x="2901950" y="5418455"/>
-            <a:ext cx="1916430" cy="575945"/>
-          </a:xfrm>
-          <a:prstGeom prst="flowChartTerminator">
-            <a:avLst/>
-          </a:prstGeom>
-        </p:spPr>
-        <p:style>
-          <a:lnRef idx="2">
-            <a:schemeClr val="dk1"/>
-          </a:lnRef>
-          <a:fillRef idx="1">
-            <a:schemeClr val="lt1"/>
-          </a:fillRef>
-          <a:effectRef idx="0">
-            <a:schemeClr val="dk1"/>
-          </a:effectRef>
-          <a:fontRef idx="minor">
-            <a:schemeClr val="dk1"/>
-          </a:fontRef>
-        </p:style>
-        <p:txBody>
-          <a:bodyPr rtlCol="0" anchor="ctr"/>
-          <a:p>
-            <a:pPr algn="ctr"/>
-            <a:r>
-              <a:rPr lang="zh-CN" altLang="en-US">
-                <a:latin typeface="微软雅黑 Light" panose="020B0502040204020203" charset="-122"/>
-                <a:ea typeface="微软雅黑 Light" panose="020B0502040204020203" charset="-122"/>
-              </a:rPr>
-              <a:t>返回最佳组合</a:t>
-            </a:r>
-            <a:endParaRPr lang="zh-CN" altLang="en-US">
-              <a:latin typeface="微软雅黑 Light" panose="020B0502040204020203" charset="-122"/>
-              <a:ea typeface="微软雅黑 Light" panose="020B0502040204020203" charset="-122"/>
-            </a:endParaRPr>
-          </a:p>
-        </p:txBody>
-      </p:sp>
-      <p:sp>
-        <p:nvSpPr>
-          <p:cNvPr id="11" name="流程图: 决策 10"/>
-          <p:cNvSpPr/>
-          <p:nvPr/>
-        </p:nvSpPr>
-        <p:spPr>
-          <a:xfrm>
-            <a:off x="5078095" y="5094605"/>
-            <a:ext cx="2580005" cy="1223645"/>
-          </a:xfrm>
-          <a:prstGeom prst="flowChartDecision">
-            <a:avLst/>
-          </a:prstGeom>
-        </p:spPr>
-        <p:style>
-          <a:lnRef idx="2">
-            <a:schemeClr val="dk1"/>
-          </a:lnRef>
-          <a:fillRef idx="1">
-            <a:schemeClr val="lt1"/>
-          </a:fillRef>
-          <a:effectRef idx="0">
-            <a:schemeClr val="dk1"/>
-          </a:effectRef>
-          <a:fontRef idx="minor">
-            <a:schemeClr val="dk1"/>
-          </a:fontRef>
-        </p:style>
-        <p:txBody>
-          <a:bodyPr rtlCol="0" anchor="ctr"/>
-          <a:p>
-            <a:pPr algn="ctr"/>
-            <a:r>
-              <a:rPr lang="zh-CN" altLang="en-US">
-                <a:latin typeface="微软雅黑 Light" panose="020B0502040204020203" charset="-122"/>
-                <a:ea typeface="微软雅黑 Light" panose="020B0502040204020203" charset="-122"/>
-              </a:rPr>
-              <a:t>该组合是否存在冲突区间？</a:t>
-            </a:r>
-            <a:endParaRPr lang="zh-CN" altLang="en-US">
-              <a:latin typeface="微软雅黑 Light" panose="020B0502040204020203" charset="-122"/>
-              <a:ea typeface="微软雅黑 Light" panose="020B0502040204020203" charset="-122"/>
-            </a:endParaRPr>
-          </a:p>
-        </p:txBody>
-      </p:sp>
-      <p:cxnSp>
-        <p:nvCxnSpPr>
-          <p:cNvPr id="12" name="直接箭头连接符 11"/>
-          <p:cNvCxnSpPr>
-            <a:stCxn id="2" idx="2"/>
-            <a:endCxn id="7" idx="0"/>
-          </p:cNvCxnSpPr>
-          <p:nvPr/>
-        </p:nvCxnSpPr>
-        <p:spPr>
-          <a:xfrm>
-            <a:off x="6367780" y="779145"/>
-            <a:ext cx="0" cy="274320"/>
-          </a:xfrm>
-          <a:prstGeom prst="straightConnector1">
-            <a:avLst/>
-          </a:prstGeom>
-          <a:ln>
-            <a:tailEnd type="arrow" w="med" len="med"/>
-          </a:ln>
-        </p:spPr>
-        <p:style>
-          <a:lnRef idx="1">
-            <a:schemeClr val="dk1"/>
-          </a:lnRef>
-          <a:fillRef idx="0">
-            <a:schemeClr val="dk1"/>
-          </a:fillRef>
-          <a:effectRef idx="0">
-            <a:schemeClr val="dk1"/>
-          </a:effectRef>
-          <a:fontRef idx="minor">
-            <a:schemeClr val="tx1"/>
-          </a:fontRef>
-        </p:style>
-      </p:cxnSp>
-      <p:cxnSp>
-        <p:nvCxnSpPr>
-          <p:cNvPr id="13" name="直接箭头连接符 12"/>
-          <p:cNvCxnSpPr>
-            <a:stCxn id="7" idx="2"/>
-            <a:endCxn id="3" idx="0"/>
-          </p:cNvCxnSpPr>
-          <p:nvPr/>
-        </p:nvCxnSpPr>
-        <p:spPr>
-          <a:xfrm>
-            <a:off x="6367780" y="1792605"/>
-            <a:ext cx="0" cy="316865"/>
-          </a:xfrm>
-          <a:prstGeom prst="straightConnector1">
-            <a:avLst/>
-          </a:prstGeom>
-          <a:ln>
-            <a:tailEnd type="arrow" w="med" len="med"/>
-          </a:ln>
-        </p:spPr>
-        <p:style>
-          <a:lnRef idx="1">
-            <a:schemeClr val="dk1"/>
-          </a:lnRef>
-          <a:fillRef idx="0">
-            <a:schemeClr val="dk1"/>
-          </a:fillRef>
-          <a:effectRef idx="0">
-            <a:schemeClr val="dk1"/>
-          </a:effectRef>
-          <a:fontRef idx="minor">
-            <a:schemeClr val="tx1"/>
-          </a:fontRef>
-        </p:style>
-      </p:cxnSp>
-      <p:cxnSp>
-        <p:nvCxnSpPr>
-          <p:cNvPr id="23" name="肘形连接符 22"/>
-          <p:cNvCxnSpPr>
-            <a:stCxn id="11" idx="2"/>
-            <a:endCxn id="6" idx="0"/>
-          </p:cNvCxnSpPr>
-          <p:nvPr/>
-        </p:nvCxnSpPr>
-        <p:spPr>
-          <a:xfrm rot="5400000" flipH="1" flipV="1">
-            <a:off x="5696268" y="2015808"/>
-            <a:ext cx="4974590" cy="3630295"/>
-          </a:xfrm>
-          <a:prstGeom prst="bentConnector5">
-            <a:avLst>
-              <a:gd name="adj1" fmla="val -4780"/>
-              <a:gd name="adj2" fmla="val 150673"/>
-              <a:gd name="adj3" fmla="val 104793"/>
-            </a:avLst>
-          </a:prstGeom>
-          <a:ln>
-            <a:tailEnd type="arrow" w="med" len="med"/>
-          </a:ln>
-        </p:spPr>
-        <p:style>
-          <a:lnRef idx="1">
-            <a:schemeClr val="dk1"/>
-          </a:lnRef>
-          <a:fillRef idx="0">
-            <a:schemeClr val="dk1"/>
-          </a:fillRef>
-          <a:effectRef idx="0">
-            <a:schemeClr val="dk1"/>
-          </a:effectRef>
-          <a:fontRef idx="minor">
-            <a:schemeClr val="tx1"/>
-          </a:fontRef>
-        </p:style>
-      </p:cxnSp>
-      <p:cxnSp>
-        <p:nvCxnSpPr>
-          <p:cNvPr id="24" name="直接箭头连接符 23"/>
-          <p:cNvCxnSpPr>
-            <a:stCxn id="6" idx="2"/>
-            <a:endCxn id="8" idx="0"/>
-          </p:cNvCxnSpPr>
-          <p:nvPr/>
-        </p:nvCxnSpPr>
-        <p:spPr>
-          <a:xfrm flipH="1">
-            <a:off x="9992360" y="2198370"/>
-            <a:ext cx="6350" cy="346710"/>
-          </a:xfrm>
-          <a:prstGeom prst="straightConnector1">
-            <a:avLst/>
-          </a:prstGeom>
-          <a:ln>
-            <a:tailEnd type="arrow" w="med" len="med"/>
-          </a:ln>
-        </p:spPr>
-        <p:style>
-          <a:lnRef idx="1">
-            <a:schemeClr val="dk1"/>
-          </a:lnRef>
-          <a:fillRef idx="0">
-            <a:schemeClr val="dk1"/>
-          </a:fillRef>
-          <a:effectRef idx="0">
-            <a:schemeClr val="dk1"/>
-          </a:effectRef>
-          <a:fontRef idx="minor">
-            <a:schemeClr val="tx1"/>
-          </a:fontRef>
-        </p:style>
-      </p:cxnSp>
-      <p:cxnSp>
-        <p:nvCxnSpPr>
-          <p:cNvPr id="25" name="直接箭头连接符 24"/>
-          <p:cNvCxnSpPr>
-            <a:stCxn id="8" idx="2"/>
-            <a:endCxn id="9" idx="0"/>
-          </p:cNvCxnSpPr>
-          <p:nvPr/>
-        </p:nvCxnSpPr>
-        <p:spPr>
-          <a:xfrm>
-            <a:off x="9992360" y="3940175"/>
-            <a:ext cx="0" cy="862965"/>
-          </a:xfrm>
-          <a:prstGeom prst="straightConnector1">
-            <a:avLst/>
-          </a:prstGeom>
-          <a:ln>
-            <a:tailEnd type="arrow" w="med" len="med"/>
-          </a:ln>
-        </p:spPr>
-        <p:style>
-          <a:lnRef idx="1">
-            <a:schemeClr val="dk1"/>
-          </a:lnRef>
-          <a:fillRef idx="0">
-            <a:schemeClr val="dk1"/>
-          </a:fillRef>
-          <a:effectRef idx="0">
-            <a:schemeClr val="dk1"/>
-          </a:effectRef>
-          <a:fontRef idx="minor">
-            <a:schemeClr val="tx1"/>
-          </a:fontRef>
-        </p:style>
-      </p:cxnSp>
-      <p:cxnSp>
-        <p:nvCxnSpPr>
-          <p:cNvPr id="27" name="直接箭头连接符 26"/>
-          <p:cNvCxnSpPr>
-            <a:stCxn id="3" idx="2"/>
-            <a:endCxn id="4" idx="0"/>
-          </p:cNvCxnSpPr>
-          <p:nvPr/>
-        </p:nvCxnSpPr>
-        <p:spPr>
-          <a:xfrm>
-            <a:off x="6367780" y="2685415"/>
-            <a:ext cx="0" cy="233045"/>
-          </a:xfrm>
-          <a:prstGeom prst="straightConnector1">
-            <a:avLst/>
-          </a:prstGeom>
-          <a:ln>
-            <a:tailEnd type="arrow" w="med" len="med"/>
-          </a:ln>
-        </p:spPr>
-        <p:style>
-          <a:lnRef idx="1">
-            <a:schemeClr val="dk1"/>
-          </a:lnRef>
-          <a:fillRef idx="0">
-            <a:schemeClr val="dk1"/>
-          </a:fillRef>
-          <a:effectRef idx="0">
-            <a:schemeClr val="dk1"/>
-          </a:effectRef>
-          <a:fontRef idx="minor">
-            <a:schemeClr val="tx1"/>
-          </a:fontRef>
-        </p:style>
-      </p:cxnSp>
-      <p:cxnSp>
-        <p:nvCxnSpPr>
-          <p:cNvPr id="28" name="直接箭头连接符 27"/>
-          <p:cNvCxnSpPr>
-            <a:stCxn id="4" idx="2"/>
-            <a:endCxn id="5" idx="0"/>
-          </p:cNvCxnSpPr>
-          <p:nvPr/>
-        </p:nvCxnSpPr>
-        <p:spPr>
-          <a:xfrm>
-            <a:off x="6367780" y="3566795"/>
-            <a:ext cx="0" cy="292735"/>
-          </a:xfrm>
-          <a:prstGeom prst="straightConnector1">
-            <a:avLst/>
-          </a:prstGeom>
-          <a:ln>
-            <a:tailEnd type="arrow" w="med" len="med"/>
-          </a:ln>
-        </p:spPr>
-        <p:style>
-          <a:lnRef idx="1">
-            <a:schemeClr val="dk1"/>
-          </a:lnRef>
-          <a:fillRef idx="0">
-            <a:schemeClr val="dk1"/>
-          </a:fillRef>
-          <a:effectRef idx="0">
-            <a:schemeClr val="dk1"/>
-          </a:effectRef>
-          <a:fontRef idx="minor">
-            <a:schemeClr val="tx1"/>
-          </a:fontRef>
-        </p:style>
-      </p:cxnSp>
-      <p:cxnSp>
-        <p:nvCxnSpPr>
-          <p:cNvPr id="29" name="直接箭头连接符 28"/>
-          <p:cNvCxnSpPr>
-            <a:stCxn id="5" idx="2"/>
-            <a:endCxn id="11" idx="0"/>
-          </p:cNvCxnSpPr>
-          <p:nvPr/>
-        </p:nvCxnSpPr>
-        <p:spPr>
-          <a:xfrm>
-            <a:off x="6367780" y="4803140"/>
-            <a:ext cx="635" cy="291465"/>
-          </a:xfrm>
-          <a:prstGeom prst="straightConnector1">
-            <a:avLst/>
-          </a:prstGeom>
-          <a:ln>
-            <a:tailEnd type="arrow" w="med" len="med"/>
-          </a:ln>
-        </p:spPr>
-        <p:style>
-          <a:lnRef idx="1">
-            <a:schemeClr val="dk1"/>
-          </a:lnRef>
-          <a:fillRef idx="0">
-            <a:schemeClr val="dk1"/>
-          </a:fillRef>
-          <a:effectRef idx="0">
-            <a:schemeClr val="dk1"/>
-          </a:effectRef>
-          <a:fontRef idx="minor">
-            <a:schemeClr val="tx1"/>
-          </a:fontRef>
-        </p:style>
-      </p:cxnSp>
-      <p:cxnSp>
-        <p:nvCxnSpPr>
-          <p:cNvPr id="30" name="肘形连接符 29"/>
-          <p:cNvCxnSpPr>
-            <a:stCxn id="5" idx="1"/>
-            <a:endCxn id="10" idx="0"/>
-          </p:cNvCxnSpPr>
-          <p:nvPr/>
-        </p:nvCxnSpPr>
-        <p:spPr>
-          <a:xfrm rot="10800000" flipV="1">
-            <a:off x="3860165" y="4331335"/>
-            <a:ext cx="1441450" cy="1087120"/>
-          </a:xfrm>
-          <a:prstGeom prst="bentConnector2">
-            <a:avLst/>
-          </a:prstGeom>
-          <a:ln>
-            <a:tailEnd type="arrow" w="med" len="med"/>
-          </a:ln>
-        </p:spPr>
-        <p:style>
-          <a:lnRef idx="1">
-            <a:schemeClr val="dk1"/>
-          </a:lnRef>
-          <a:fillRef idx="0">
-            <a:schemeClr val="dk1"/>
-          </a:fillRef>
-          <a:effectRef idx="0">
-            <a:schemeClr val="dk1"/>
-          </a:effectRef>
-          <a:fontRef idx="minor">
-            <a:schemeClr val="tx1"/>
-          </a:fontRef>
-        </p:style>
-      </p:cxnSp>
-      <p:cxnSp>
-        <p:nvCxnSpPr>
-          <p:cNvPr id="32" name="肘形连接符 31"/>
-          <p:cNvCxnSpPr>
-            <a:stCxn id="8" idx="1"/>
-            <a:endCxn id="4" idx="3"/>
-          </p:cNvCxnSpPr>
-          <p:nvPr/>
-        </p:nvCxnSpPr>
-        <p:spPr>
-          <a:xfrm rot="10800000">
-            <a:off x="7087870" y="3242945"/>
-            <a:ext cx="1355090" cy="3175"/>
-          </a:xfrm>
-          <a:prstGeom prst="bentConnector2">
-            <a:avLst/>
-          </a:prstGeom>
-          <a:ln>
-            <a:tailEnd type="arrow" w="med" len="med"/>
-          </a:ln>
-        </p:spPr>
-        <p:style>
-          <a:lnRef idx="1">
-            <a:schemeClr val="dk1"/>
-          </a:lnRef>
-          <a:fillRef idx="0">
-            <a:schemeClr val="dk1"/>
-          </a:fillRef>
-          <a:effectRef idx="0">
-            <a:schemeClr val="dk1"/>
-          </a:effectRef>
-          <a:fontRef idx="minor">
-            <a:schemeClr val="tx1"/>
-          </a:fontRef>
-        </p:style>
-      </p:cxnSp>
-      <p:cxnSp>
-        <p:nvCxnSpPr>
-          <p:cNvPr id="34" name="肘形连接符 33"/>
-          <p:cNvCxnSpPr>
-            <a:stCxn id="9" idx="1"/>
-            <a:endCxn id="4" idx="3"/>
-          </p:cNvCxnSpPr>
-          <p:nvPr/>
-        </p:nvCxnSpPr>
-        <p:spPr>
-          <a:xfrm rot="10800000">
-            <a:off x="7087870" y="3242945"/>
-            <a:ext cx="1996440" cy="1923415"/>
-          </a:xfrm>
-          <a:prstGeom prst="bentConnector3">
-            <a:avLst>
-              <a:gd name="adj1" fmla="val 50000"/>
-            </a:avLst>
-          </a:prstGeom>
-        </p:spPr>
-        <p:style>
-          <a:lnRef idx="1">
-            <a:schemeClr val="dk1"/>
-          </a:lnRef>
-          <a:fillRef idx="0">
-            <a:schemeClr val="dk1"/>
-          </a:fillRef>
-          <a:effectRef idx="0">
-            <a:schemeClr val="dk1"/>
-          </a:effectRef>
-          <a:fontRef idx="minor">
-            <a:schemeClr val="tx1"/>
-          </a:fontRef>
-        </p:style>
-      </p:cxnSp>
-      <p:cxnSp>
-        <p:nvCxnSpPr>
-          <p:cNvPr id="35" name="肘形连接符 34"/>
-          <p:cNvCxnSpPr>
-            <a:stCxn id="11" idx="3"/>
-            <a:endCxn id="4" idx="3"/>
-          </p:cNvCxnSpPr>
-          <p:nvPr/>
-        </p:nvCxnSpPr>
-        <p:spPr>
-          <a:xfrm flipH="1" flipV="1">
-            <a:off x="7087870" y="3242945"/>
-            <a:ext cx="570230" cy="2463800"/>
-          </a:xfrm>
-          <a:prstGeom prst="bentConnector3">
-            <a:avLst>
-              <a:gd name="adj1" fmla="val -75167"/>
-            </a:avLst>
-          </a:prstGeom>
-        </p:spPr>
-        <p:style>
-          <a:lnRef idx="1">
-            <a:schemeClr val="dk1"/>
-          </a:lnRef>
-          <a:fillRef idx="0">
-            <a:schemeClr val="dk1"/>
-          </a:fillRef>
-          <a:effectRef idx="0">
-            <a:schemeClr val="dk1"/>
-          </a:effectRef>
-          <a:fontRef idx="minor">
-            <a:schemeClr val="tx1"/>
-          </a:fontRef>
-        </p:style>
-      </p:cxnSp>
-      <p:sp>
-        <p:nvSpPr>
-          <p:cNvPr id="36" name="文本框 35"/>
-          <p:cNvSpPr txBox="1"/>
-          <p:nvPr/>
-        </p:nvSpPr>
-        <p:spPr>
-          <a:xfrm>
-            <a:off x="4196080" y="3968750"/>
-            <a:ext cx="675640" cy="368300"/>
-          </a:xfrm>
-          <a:prstGeom prst="rect">
-            <a:avLst/>
-          </a:prstGeom>
-          <a:noFill/>
-        </p:spPr>
-        <p:txBody>
-          <a:bodyPr wrap="square" rtlCol="0">
-            <a:spAutoFit/>
-          </a:bodyPr>
-          <a:p>
-            <a:r>
-              <a:rPr lang="zh-CN" altLang="en-US">
-                <a:latin typeface="微软雅黑 Light" panose="020B0502040204020203" charset="-122"/>
-                <a:ea typeface="微软雅黑 Light" panose="020B0502040204020203" charset="-122"/>
-              </a:rPr>
-              <a:t>是</a:t>
-            </a:r>
-            <a:endParaRPr lang="zh-CN" altLang="en-US">
-              <a:latin typeface="微软雅黑 Light" panose="020B0502040204020203" charset="-122"/>
-              <a:ea typeface="微软雅黑 Light" panose="020B0502040204020203" charset="-122"/>
-            </a:endParaRPr>
-          </a:p>
-        </p:txBody>
-      </p:sp>
-      <p:sp>
-        <p:nvSpPr>
-          <p:cNvPr id="37" name="文本框 36"/>
-          <p:cNvSpPr txBox="1"/>
-          <p:nvPr/>
-        </p:nvSpPr>
-        <p:spPr>
-          <a:xfrm>
-            <a:off x="6367780" y="4764405"/>
-            <a:ext cx="411480" cy="368300"/>
-          </a:xfrm>
-          <a:prstGeom prst="rect">
-            <a:avLst/>
-          </a:prstGeom>
-          <a:noFill/>
-        </p:spPr>
-        <p:txBody>
-          <a:bodyPr wrap="none" rtlCol="0">
-            <a:spAutoFit/>
-          </a:bodyPr>
-          <a:p>
-            <a:r>
-              <a:rPr lang="zh-CN" altLang="en-US">
-                <a:latin typeface="微软雅黑 Light" panose="020B0502040204020203" charset="-122"/>
-                <a:ea typeface="微软雅黑 Light" panose="020B0502040204020203" charset="-122"/>
-              </a:rPr>
-              <a:t>否</a:t>
-            </a:r>
-            <a:endParaRPr lang="zh-CN" altLang="en-US">
-              <a:latin typeface="微软雅黑 Light" panose="020B0502040204020203" charset="-122"/>
-              <a:ea typeface="微软雅黑 Light" panose="020B0502040204020203" charset="-122"/>
-            </a:endParaRPr>
-          </a:p>
-        </p:txBody>
-      </p:sp>
-      <p:sp>
-        <p:nvSpPr>
-          <p:cNvPr id="38" name="文本框 37"/>
-          <p:cNvSpPr txBox="1"/>
-          <p:nvPr/>
-        </p:nvSpPr>
-        <p:spPr>
-          <a:xfrm>
-            <a:off x="7658100" y="5338445"/>
-            <a:ext cx="411480" cy="368300"/>
-          </a:xfrm>
-          <a:prstGeom prst="rect">
-            <a:avLst/>
-          </a:prstGeom>
-          <a:noFill/>
-        </p:spPr>
-        <p:txBody>
-          <a:bodyPr wrap="none" rtlCol="0">
-            <a:spAutoFit/>
-          </a:bodyPr>
-          <a:p>
-            <a:r>
-              <a:rPr lang="zh-CN" altLang="en-US">
-                <a:latin typeface="微软雅黑 Light" panose="020B0502040204020203" charset="-122"/>
-                <a:ea typeface="微软雅黑 Light" panose="020B0502040204020203" charset="-122"/>
-              </a:rPr>
-              <a:t>是</a:t>
-            </a:r>
-            <a:endParaRPr lang="zh-CN" altLang="en-US">
-              <a:latin typeface="微软雅黑 Light" panose="020B0502040204020203" charset="-122"/>
-              <a:ea typeface="微软雅黑 Light" panose="020B0502040204020203" charset="-122"/>
-            </a:endParaRPr>
-          </a:p>
-        </p:txBody>
-      </p:sp>
-      <p:sp>
-        <p:nvSpPr>
-          <p:cNvPr id="39" name="文本框 38"/>
-          <p:cNvSpPr txBox="1"/>
-          <p:nvPr/>
-        </p:nvSpPr>
-        <p:spPr>
-          <a:xfrm>
-            <a:off x="5890260" y="6318250"/>
-            <a:ext cx="411480" cy="368300"/>
-          </a:xfrm>
-          <a:prstGeom prst="rect">
-            <a:avLst/>
-          </a:prstGeom>
-          <a:noFill/>
-        </p:spPr>
-        <p:txBody>
-          <a:bodyPr wrap="none" rtlCol="0">
-            <a:spAutoFit/>
-          </a:bodyPr>
-          <a:p>
-            <a:r>
-              <a:rPr lang="zh-CN" altLang="en-US"/>
-              <a:t>否</a:t>
-            </a:r>
-            <a:endParaRPr lang="zh-CN" altLang="en-US"/>
-          </a:p>
-        </p:txBody>
-      </p:sp>
-      <p:sp>
-        <p:nvSpPr>
-          <p:cNvPr id="40" name="文本框 39"/>
-          <p:cNvSpPr txBox="1"/>
-          <p:nvPr/>
-        </p:nvSpPr>
-        <p:spPr>
-          <a:xfrm>
-            <a:off x="9992360" y="4147185"/>
-            <a:ext cx="411480" cy="368300"/>
-          </a:xfrm>
-          <a:prstGeom prst="rect">
-            <a:avLst/>
-          </a:prstGeom>
-          <a:noFill/>
-        </p:spPr>
-        <p:txBody>
-          <a:bodyPr wrap="none" rtlCol="0">
-            <a:spAutoFit/>
-          </a:bodyPr>
-          <a:p>
-            <a:r>
-              <a:rPr lang="zh-CN" altLang="en-US">
-                <a:latin typeface="微软雅黑 Light" panose="020B0502040204020203" charset="-122"/>
-                <a:ea typeface="微软雅黑 Light" panose="020B0502040204020203" charset="-122"/>
-              </a:rPr>
-              <a:t>是</a:t>
-            </a:r>
-            <a:endParaRPr lang="zh-CN" altLang="en-US">
-              <a:latin typeface="微软雅黑 Light" panose="020B0502040204020203" charset="-122"/>
-              <a:ea typeface="微软雅黑 Light" panose="020B0502040204020203" charset="-122"/>
-            </a:endParaRPr>
-          </a:p>
-        </p:txBody>
-      </p:sp>
-      <p:sp>
-        <p:nvSpPr>
-          <p:cNvPr id="41" name="文本框 40"/>
-          <p:cNvSpPr txBox="1"/>
-          <p:nvPr/>
-        </p:nvSpPr>
-        <p:spPr>
-          <a:xfrm>
-            <a:off x="8031480" y="2877820"/>
-            <a:ext cx="411480" cy="368300"/>
-          </a:xfrm>
-          <a:prstGeom prst="rect">
-            <a:avLst/>
-          </a:prstGeom>
-          <a:noFill/>
-        </p:spPr>
-        <p:txBody>
-          <a:bodyPr wrap="none" rtlCol="0">
-            <a:spAutoFit/>
-          </a:bodyPr>
-          <a:p>
-            <a:r>
-              <a:rPr lang="zh-CN" altLang="en-US">
-                <a:latin typeface="微软雅黑 Light" panose="020B0502040204020203" charset="-122"/>
-                <a:ea typeface="微软雅黑 Light" panose="020B0502040204020203" charset="-122"/>
-              </a:rPr>
-              <a:t>否</a:t>
-            </a:r>
-            <a:endParaRPr lang="zh-CN" altLang="en-US">
+              <a:t>分词</a:t>
+            </a:r>
+            <a:endParaRPr lang="en-US" sz="3600" b="0" strike="noStrike" spc="-1">
+              <a:solidFill>
+                <a:srgbClr val="000000"/>
+              </a:solidFill>
               <a:latin typeface="微软雅黑 Light" panose="020B0502040204020203" charset="-122"/>
               <a:ea typeface="微软雅黑 Light" panose="020B0502040204020203" charset="-122"/>
             </a:endParaRPr>

--- a/docs/数据结构.pptx
+++ b/docs/数据结构.pptx
@@ -4015,7 +4015,6 @@
             </a:pPr>
             <a:r>
               <a:rPr lang="en-US" sz="5400" b="0" strike="noStrike" spc="-1">
-                <a:ln/>
                 <a:solidFill>
                   <a:schemeClr val="tx1"/>
                 </a:solidFill>
@@ -4026,7 +4025,6 @@
               <a:t>我们做了什么</a:t>
             </a:r>
             <a:endParaRPr lang="en-US" sz="5400" b="0" strike="noStrike" spc="-1">
-              <a:ln/>
               <a:solidFill>
                 <a:schemeClr val="tx1"/>
               </a:solidFill>
@@ -8751,9 +8749,39 @@
                 <a:latin typeface="微软雅黑 Light" panose="020B0502040204020203" charset="-122"/>
                 <a:ea typeface="微软雅黑 Light" panose="020B0502040204020203" charset="-122"/>
               </a:rPr>
-              <a:t>因此，中文词语分析是中文信息处理的基础与关键</a:t>
-            </a:r>
-            <a:endParaRPr lang="en-US" sz="2400" b="0" strike="noStrike" spc="-1">
+              <a:t>因此，中文词语分析是中文信息处理的</a:t>
+            </a:r>
+            <a:r>
+              <a:rPr lang="en-US" sz="2400" b="1" strike="noStrike" spc="-1">
+                <a:solidFill>
+                  <a:srgbClr val="000000"/>
+                </a:solidFill>
+                <a:latin typeface="微软雅黑 Light" panose="020B0502040204020203" charset="-122"/>
+                <a:ea typeface="微软雅黑 Light" panose="020B0502040204020203" charset="-122"/>
+              </a:rPr>
+              <a:t>基础</a:t>
+            </a:r>
+            <a:r>
+              <a:rPr lang="en-US" sz="2400" b="0" strike="noStrike" spc="-1">
+                <a:solidFill>
+                  <a:srgbClr val="000000"/>
+                </a:solidFill>
+                <a:latin typeface="微软雅黑 Light" panose="020B0502040204020203" charset="-122"/>
+                <a:ea typeface="微软雅黑 Light" panose="020B0502040204020203" charset="-122"/>
+              </a:rPr>
+              <a:t>与</a:t>
+            </a:r>
+            <a:r>
+              <a:rPr lang="en-US" sz="2400" b="1" strike="noStrike" spc="-1">
+                <a:solidFill>
+                  <a:srgbClr val="000000"/>
+                </a:solidFill>
+                <a:latin typeface="微软雅黑 Light" panose="020B0502040204020203" charset="-122"/>
+                <a:ea typeface="微软雅黑 Light" panose="020B0502040204020203" charset="-122"/>
+              </a:rPr>
+              <a:t>关键</a:t>
+            </a:r>
+            <a:endParaRPr lang="en-US" sz="2400" b="1" strike="noStrike" spc="-1">
               <a:latin typeface="Arial" panose="020B0604020202020204"/>
             </a:endParaRPr>
           </a:p>
@@ -9432,7 +9460,7 @@
         <p:spPr>
           <a:xfrm>
             <a:off x="1380750" y="2698295"/>
-            <a:ext cx="9430200" cy="1461960"/>
+            <a:ext cx="9430200" cy="1473835"/>
           </a:xfrm>
           <a:prstGeom prst="rect">
             <a:avLst/>
@@ -9472,7 +9500,27 @@
                 <a:latin typeface="微软雅黑 Light" panose="020B0502040204020203" charset="-122"/>
                 <a:ea typeface="微软雅黑 Light" panose="020B0502040204020203" charset="-122"/>
               </a:rPr>
-              <a:t>1. 根据词频字典找出字符串中存在的所有可能词语, 记录其位置以及长度</a:t>
+              <a:t>1. 根据词频字典找出</a:t>
+            </a:r>
+            <a:r>
+              <a:rPr lang="zh-CN" altLang="en-US" sz="2000" b="0" strike="noStrike" spc="-1">
+                <a:solidFill>
+                  <a:srgbClr val="000000"/>
+                </a:solidFill>
+                <a:latin typeface="微软雅黑 Light" panose="020B0502040204020203" charset="-122"/>
+                <a:ea typeface="微软雅黑 Light" panose="020B0502040204020203" charset="-122"/>
+              </a:rPr>
+              <a:t>字符序列</a:t>
+            </a:r>
+            <a:r>
+              <a:rPr lang="en-US" sz="2000" b="0" strike="noStrike" spc="-1">
+                <a:solidFill>
+                  <a:srgbClr val="000000"/>
+                </a:solidFill>
+                <a:latin typeface="微软雅黑 Light" panose="020B0502040204020203" charset="-122"/>
+                <a:ea typeface="微软雅黑 Light" panose="020B0502040204020203" charset="-122"/>
+              </a:rPr>
+              <a:t>中存在的所有可能词语, 记录其位置以及长度</a:t>
             </a:r>
             <a:endParaRPr lang="en-US" sz="2000" b="0" strike="noStrike" spc="-1">
               <a:latin typeface="Arial" panose="020B0604020202020204"/>
@@ -9492,10 +9540,24 @@
                 <a:latin typeface="微软雅黑 Light" panose="020B0502040204020203" charset="-122"/>
                 <a:ea typeface="微软雅黑 Light" panose="020B0502040204020203" charset="-122"/>
               </a:rPr>
-              <a:t>2. 遍历词语的组合, 每个组合要消除歧义, 即不存在冲突区间</a:t>
-            </a:r>
-            <a:endParaRPr lang="en-US" sz="2000" b="0" strike="noStrike" spc="-1">
-              <a:latin typeface="Arial" panose="020B0604020202020204"/>
+              <a:t>2. </a:t>
+            </a:r>
+            <a:r>
+              <a:rPr sz="2000" b="0" strike="noStrike" spc="-1">
+                <a:solidFill>
+                  <a:srgbClr val="000000"/>
+                </a:solidFill>
+                <a:latin typeface="微软雅黑 Light" panose="020B0502040204020203" charset="-122"/>
+                <a:ea typeface="微软雅黑 Light" panose="020B0502040204020203" charset="-122"/>
+              </a:rPr>
+              <a:t>遍历词语的组合，并且每个组合中不存在冲突区间，填充上单个字</a:t>
+            </a:r>
+            <a:endParaRPr sz="2000" b="0" strike="noStrike" spc="-1">
+              <a:solidFill>
+                <a:srgbClr val="000000"/>
+              </a:solidFill>
+              <a:latin typeface="微软雅黑 Light" panose="020B0502040204020203" charset="-122"/>
+              <a:ea typeface="微软雅黑 Light" panose="020B0502040204020203" charset="-122"/>
             </a:endParaRPr>
           </a:p>
           <a:p>
@@ -9655,7 +9717,7 @@
                 <a:latin typeface="微软雅黑 Light" panose="020B0502040204020203" charset="-122"/>
                 <a:ea typeface="微软雅黑 Light" panose="020B0502040204020203" charset="-122"/>
               </a:rPr>
-              <a:t>中文语句</a:t>
+              <a:t>字符序列</a:t>
             </a:r>
             <a:endParaRPr lang="zh-CN" altLang="en-US">
               <a:latin typeface="微软雅黑 Light" panose="020B0502040204020203" charset="-122"/>
@@ -9813,8 +9875,8 @@
         </p:nvSpPr>
         <p:spPr>
           <a:xfrm>
-            <a:off x="9271635" y="1533525"/>
-            <a:ext cx="1440180" cy="664845"/>
+            <a:off x="8914765" y="1343660"/>
+            <a:ext cx="2167890" cy="854710"/>
           </a:xfrm>
           <a:prstGeom prst="flowChartProcess">
             <a:avLst/>
@@ -9843,7 +9905,7 @@
                 <a:latin typeface="微软雅黑 Light" panose="020B0502040204020203" charset="-122"/>
                 <a:ea typeface="微软雅黑 Light" panose="020B0502040204020203" charset="-122"/>
               </a:rPr>
-              <a:t>计算该组合信息量</a:t>
+              <a:t>填充单字，计算该组合信息量</a:t>
             </a:r>
             <a:endParaRPr lang="zh-CN" altLang="en-US">
               <a:latin typeface="微软雅黑 Light" panose="020B0502040204020203" charset="-122"/>
@@ -10188,14 +10250,14 @@
         </p:nvCxnSpPr>
         <p:spPr>
           <a:xfrm rot="5400000" flipH="1" flipV="1">
-            <a:off x="5787708" y="2114233"/>
-            <a:ext cx="4784725" cy="3623310"/>
+            <a:off x="5696268" y="2015808"/>
+            <a:ext cx="4974590" cy="3630295"/>
           </a:xfrm>
           <a:prstGeom prst="bentConnector5">
             <a:avLst>
-              <a:gd name="adj1" fmla="val -8148"/>
-              <a:gd name="adj2" fmla="val 150385"/>
-              <a:gd name="adj3" fmla="val 104983"/>
+              <a:gd name="adj1" fmla="val -4780"/>
+              <a:gd name="adj2" fmla="val 150673"/>
+              <a:gd name="adj3" fmla="val 104793"/>
             </a:avLst>
           </a:prstGeom>
           <a:ln>
@@ -10227,9 +10289,9 @@
           <p:nvPr/>
         </p:nvCxnSpPr>
         <p:spPr>
-          <a:xfrm>
-            <a:off x="9991725" y="2198370"/>
-            <a:ext cx="635" cy="346710"/>
+          <a:xfrm flipH="1">
+            <a:off x="9992360" y="2198370"/>
+            <a:ext cx="6350" cy="346710"/>
           </a:xfrm>
           <a:prstGeom prst="straightConnector1">
             <a:avLst/>
